--- a/Chap/EFCore/Presentations/EFCoreEssentials.pptx
+++ b/Chap/EFCore/Presentations/EFCoreEssentials.pptx
@@ -18,29 +18,31 @@
     <p:sldId id="361" r:id="rId12"/>
     <p:sldId id="362" r:id="rId13"/>
     <p:sldId id="363" r:id="rId14"/>
-    <p:sldId id="364" r:id="rId15"/>
-    <p:sldId id="343" r:id="rId16"/>
-    <p:sldId id="344" r:id="rId17"/>
-    <p:sldId id="345" r:id="rId18"/>
-    <p:sldId id="365" r:id="rId19"/>
-    <p:sldId id="347" r:id="rId20"/>
-    <p:sldId id="348" r:id="rId21"/>
-    <p:sldId id="349" r:id="rId22"/>
-    <p:sldId id="351" r:id="rId23"/>
-    <p:sldId id="352" r:id="rId24"/>
-    <p:sldId id="353" r:id="rId25"/>
-    <p:sldId id="354" r:id="rId26"/>
-    <p:sldId id="350" r:id="rId27"/>
-    <p:sldId id="355" r:id="rId28"/>
-    <p:sldId id="356" r:id="rId29"/>
-    <p:sldId id="358" r:id="rId30"/>
-    <p:sldId id="340" r:id="rId31"/>
-    <p:sldId id="367" r:id="rId32"/>
-    <p:sldId id="368" r:id="rId33"/>
-    <p:sldId id="369" r:id="rId34"/>
-    <p:sldId id="370" r:id="rId35"/>
-    <p:sldId id="371" r:id="rId36"/>
-    <p:sldId id="333" r:id="rId37"/>
+    <p:sldId id="372" r:id="rId15"/>
+    <p:sldId id="373" r:id="rId16"/>
+    <p:sldId id="364" r:id="rId17"/>
+    <p:sldId id="343" r:id="rId18"/>
+    <p:sldId id="344" r:id="rId19"/>
+    <p:sldId id="345" r:id="rId20"/>
+    <p:sldId id="365" r:id="rId21"/>
+    <p:sldId id="347" r:id="rId22"/>
+    <p:sldId id="348" r:id="rId23"/>
+    <p:sldId id="349" r:id="rId24"/>
+    <p:sldId id="351" r:id="rId25"/>
+    <p:sldId id="352" r:id="rId26"/>
+    <p:sldId id="353" r:id="rId27"/>
+    <p:sldId id="354" r:id="rId28"/>
+    <p:sldId id="350" r:id="rId29"/>
+    <p:sldId id="355" r:id="rId30"/>
+    <p:sldId id="356" r:id="rId31"/>
+    <p:sldId id="358" r:id="rId32"/>
+    <p:sldId id="340" r:id="rId33"/>
+    <p:sldId id="367" r:id="rId34"/>
+    <p:sldId id="368" r:id="rId35"/>
+    <p:sldId id="369" r:id="rId36"/>
+    <p:sldId id="370" r:id="rId37"/>
+    <p:sldId id="371" r:id="rId38"/>
+    <p:sldId id="333" r:id="rId39"/>
   </p:sldIdLst>
   <p:sldSz cx="12192000" cy="6858000"/>
   <p:notesSz cx="6858000" cy="9144000"/>
@@ -147,6 +149,151 @@
 </p:presentation>
 </file>
 
+<file path=ppt/ink/ink1.xml><?xml version="1.0" encoding="utf-8"?>
+<inkml:ink xmlns:inkml="http://www.w3.org/2003/InkML">
+  <inkml:definitions>
+    <inkml:context xml:id="ctx0">
+      <inkml:inkSource xml:id="inkSrc0">
+        <inkml:traceFormat>
+          <inkml:channel name="X" type="integer" min="-2.14748E9" max="2.14748E9" units="cm"/>
+          <inkml:channel name="Y" type="integer" min="-2.14748E9" max="2.14748E9" units="cm"/>
+        </inkml:traceFormat>
+        <inkml:channelProperties>
+          <inkml:channelProperty channel="X" name="resolution" value="1000" units="1/cm"/>
+          <inkml:channelProperty channel="Y" name="resolution" value="1000" units="1/cm"/>
+        </inkml:channelProperties>
+      </inkml:inkSource>
+      <inkml:timestamp xml:id="ts0" timeString="2023-04-16T16:17:32.116"/>
+    </inkml:context>
+    <inkml:brush xml:id="br0">
+      <inkml:brushProperty name="width" value="0.3" units="cm"/>
+      <inkml:brushProperty name="height" value="0.6" units="cm"/>
+      <inkml:brushProperty name="color" value="#FFFC00"/>
+      <inkml:brushProperty name="tip" value="rectangle"/>
+      <inkml:brushProperty name="rasterOp" value="maskPen"/>
+      <inkml:brushProperty name="ignorePressure" value="1"/>
+    </inkml:brush>
+  </inkml:definitions>
+  <inkml:trace contextRef="#ctx0" brushRef="#br0">1 1,'312'0,"-213"12,26 1,-89-13,53 9,-37-2,82 1,-88-1,-5-1,-17-4,41 8,-45-5,2-2,34 2,69 8,-94-13,1 1,32 6,-1-3,-49-4,1 1,-1 0,19 4,-9-1,-1-2,1 0,0-1,30-3,4 0,465 2,-424-13,871 12,-458 2,-413-13,-61 12,-12 0,0 0,47-8,-39 4,0 1,0 2,42 3,-5-1,427-1,-437-6,2-1,1407 8,-1371-14,-36 14,48-2,-71-5,-26 4,0 0,18-1,267 4,-289-1</inkml:trace>
+</inkml:ink>
+</file>
+
+<file path=ppt/ink/ink2.xml><?xml version="1.0" encoding="utf-8"?>
+<inkml:ink xmlns:inkml="http://www.w3.org/2003/InkML">
+  <inkml:definitions>
+    <inkml:context xml:id="ctx0">
+      <inkml:inkSource xml:id="inkSrc0">
+        <inkml:traceFormat>
+          <inkml:channel name="X" type="integer" min="-2.14748E9" max="2.14748E9" units="cm"/>
+          <inkml:channel name="Y" type="integer" min="-2.14748E9" max="2.14748E9" units="cm"/>
+        </inkml:traceFormat>
+        <inkml:channelProperties>
+          <inkml:channelProperty channel="X" name="resolution" value="1000" units="1/cm"/>
+          <inkml:channelProperty channel="Y" name="resolution" value="1000" units="1/cm"/>
+        </inkml:channelProperties>
+      </inkml:inkSource>
+      <inkml:timestamp xml:id="ts0" timeString="2023-04-16T16:17:38.430"/>
+    </inkml:context>
+    <inkml:brush xml:id="br0">
+      <inkml:brushProperty name="width" value="0.3" units="cm"/>
+      <inkml:brushProperty name="height" value="0.6" units="cm"/>
+      <inkml:brushProperty name="color" value="#FFFC00"/>
+      <inkml:brushProperty name="tip" value="rectangle"/>
+      <inkml:brushProperty name="rasterOp" value="maskPen"/>
+      <inkml:brushProperty name="ignorePressure" value="1"/>
+    </inkml:brush>
+  </inkml:definitions>
+  <inkml:trace contextRef="#ctx0" brushRef="#br0">1 1,'951'0,"-856"7,-44-1,-7-1,48 2,-59-6,39 6,-63-6,113 12,-83-10,75-3,19 0,-61 12,-50-7,0-2,25 2,251-6,-198 15,13-16,86 3,-155 5,-25-3,29 1,77 8,2190-13,-1256 2,-934 11,1481-12,-1533-6,4-1,893 8,-870-14,-23 7,8 0,-62 5,0 0,33-7,-24 5,0 0,59 5,-24-1,30-7,5-1,97-3,-140 6,31-3,-46 3,0 1,51 5,-16 0,-19-1,67-2,-81-5,-24 3,34-1,-25 4,-10 1,1-1,-1 0,38-8,-34 4,-1 2,1 0,-1 1,27 4,7-2,1038-1,-997 13,723-14,-697-11,2415 12,-2430 13,564-14,-661 2,-1 0,18 5,2 0,0-2,-12 0,40 0,339-4,-300 12,-55-12,-24-1,0 0,1 2,-1 1,22 4,-18-2,-1-1,0-1,1-2,31-2,3 0,-6 1,58 3,-70 4,-26-4,-1 0,19 1,3-4,-15 0,1 1,0 1,37 6,-34-3,1-1,-1-2,1 0,25-3,9 0,314 2,-362 0</inkml:trace>
+</inkml:ink>
+</file>
+
+<file path=ppt/ink/ink3.xml><?xml version="1.0" encoding="utf-8"?>
+<inkml:ink xmlns:inkml="http://www.w3.org/2003/InkML">
+  <inkml:definitions>
+    <inkml:context xml:id="ctx0">
+      <inkml:inkSource xml:id="inkSrc0">
+        <inkml:traceFormat>
+          <inkml:channel name="X" type="integer" min="-2.14748E9" max="2.14748E9" units="cm"/>
+          <inkml:channel name="Y" type="integer" min="-2.14748E9" max="2.14748E9" units="cm"/>
+        </inkml:traceFormat>
+        <inkml:channelProperties>
+          <inkml:channelProperty channel="X" name="resolution" value="1000" units="1/cm"/>
+          <inkml:channelProperty channel="Y" name="resolution" value="1000" units="1/cm"/>
+        </inkml:channelProperties>
+      </inkml:inkSource>
+      <inkml:timestamp xml:id="ts0" timeString="2023-04-16T16:17:44.608"/>
+    </inkml:context>
+    <inkml:brush xml:id="br0">
+      <inkml:brushProperty name="width" value="0.3" units="cm"/>
+      <inkml:brushProperty name="height" value="0.6" units="cm"/>
+      <inkml:brushProperty name="color" value="#FFFC00"/>
+      <inkml:brushProperty name="tip" value="rectangle"/>
+      <inkml:brushProperty name="rasterOp" value="maskPen"/>
+      <inkml:brushProperty name="ignorePressure" value="1"/>
+    </inkml:brush>
+  </inkml:definitions>
+  <inkml:trace contextRef="#ctx0" brushRef="#br0">0 188,'21'-1,"-1"-1,1 0,-1-2,23-7,26-2,-46 10,-1-2,27-8,-31 9,0 1,0 0,0 1,1 1,-1 1,28 3,10-1,1015-3,-1010 8,2 0,323-8,-324 8,1-1,1305-6,-1300-7,3 1,-37 5,56-8,-20 5,-49 4,37-6,-22 2,1 1,70 4,-35 0,2602-1,-2661 0,-1-2,18-3,2-1,-1 1,-10 2,39-1,89-8,-112 11,64-8,61-3,-111 8,89 4,-57 1,-31 0,57-2,-69-5,-26 3,0 1,18 0,40 4,80-4,-105-3,-25 1,34 0,405 5,-337-14,237 14,-262-14,929 12,-487 2,-441 12,523-13,-522 12,470-12,-510 7,2-1,33-8,107 4,-156 4,-25-3,34 1,32 3,-39-2,-3 1,-23-3,32 0,-30-2,-1 0,30 6,-19-3,1-2,56-3,-22-1,-8 9,-46-5,30 2,11-5,61 2,-78 5,-26-3,0-1,17 0,5-2,-6-1,0 1,49 8,-59-6,0 0,40-2,14 1,-34 5,-26-4,0 0,18 1,36-5,75 4,-102 4,-28-4,1 0,18 0,44-3,85 2,-121 5,19 0,66 7,622-13,-648 13,287-14,-375 1</inkml:trace>
+</inkml:ink>
+</file>
+
+<file path=ppt/ink/ink4.xml><?xml version="1.0" encoding="utf-8"?>
+<inkml:ink xmlns:inkml="http://www.w3.org/2003/InkML">
+  <inkml:definitions>
+    <inkml:context xml:id="ctx0">
+      <inkml:inkSource xml:id="inkSrc0">
+        <inkml:traceFormat>
+          <inkml:channel name="X" type="integer" min="-2.14748E9" max="2.14748E9" units="cm"/>
+          <inkml:channel name="Y" type="integer" min="-2.14748E9" max="2.14748E9" units="cm"/>
+        </inkml:traceFormat>
+        <inkml:channelProperties>
+          <inkml:channelProperty channel="X" name="resolution" value="1000" units="1/cm"/>
+          <inkml:channelProperty channel="Y" name="resolution" value="1000" units="1/cm"/>
+        </inkml:channelProperties>
+      </inkml:inkSource>
+      <inkml:timestamp xml:id="ts0" timeString="2023-04-16T16:18:15.605"/>
+    </inkml:context>
+    <inkml:brush xml:id="br0">
+      <inkml:brushProperty name="width" value="0.3" units="cm"/>
+      <inkml:brushProperty name="height" value="0.6" units="cm"/>
+      <inkml:brushProperty name="color" value="#FF8517"/>
+      <inkml:brushProperty name="tip" value="rectangle"/>
+      <inkml:brushProperty name="rasterOp" value="maskPen"/>
+      <inkml:brushProperty name="ignorePressure" value="1"/>
+    </inkml:brush>
+  </inkml:definitions>
+  <inkml:trace contextRef="#ctx0" brushRef="#br0">0 0,'20'2,"-1"0,34 7,-34-4,0-2,39 2,-31-4,1 0,32 6,-25-3,1-2,56-3,-22-1,441 2,-412 13,-56-13,-15-1,-1 2,50 6,-43-2,0-2,0-2,42-3,-5 0,701 2,-648 13,1607-14,-1670 8,3 0,571-8,-574-6,-44 5,29-2,-24 3,0 0,24-6,-24 4,0 2,22 0,-23 2,-1-2,35-4,-21 0,0 2,0 2,42 3,-5 0,639-2,-649 6,2 1,62 5,-53-14,80 4,-112 4,-27-4,1 0,18 1,352-4,-316 7,3 0,-4-7,90 2,-117 5,-26-3,0-1,18 0,653-2,-573 13,249-14,-254 14,571-14,-617 8,2 0,348-8,-350-5,2-1,1419 7,-1421 7,3 0,9-1,-49-3,28 0,147 9,702-13,-469 2,-371 5,2 1,784-7,-786 6,2 1,19-9,92 4,-129 3,15 2,-26-8,-14 0,0 1,0 1,-1 1,23 4,-19-2,0-2,1 0,-1-1,32-3,4 0,314 2,-312-7,2 1,623 6,-588 13,-61-13,64-10,-59 6,0 2,48 4,-15-1,49-13,-94 12,-2 1,-1-2,50-6,-43 2,0 2,0 2,43 3,-7 0,416-2,-445-7,-8 1,-23 5</inkml:trace>
+</inkml:ink>
+</file>
+
+<file path=ppt/ink/ink5.xml><?xml version="1.0" encoding="utf-8"?>
+<inkml:ink xmlns:inkml="http://www.w3.org/2003/InkML">
+  <inkml:definitions>
+    <inkml:context xml:id="ctx0">
+      <inkml:inkSource xml:id="inkSrc0">
+        <inkml:traceFormat>
+          <inkml:channel name="X" type="integer" min="-2.14748E9" max="2.14748E9" units="cm"/>
+          <inkml:channel name="Y" type="integer" min="-2.14748E9" max="2.14748E9" units="cm"/>
+        </inkml:traceFormat>
+        <inkml:channelProperties>
+          <inkml:channelProperty channel="X" name="resolution" value="1000" units="1/cm"/>
+          <inkml:channelProperty channel="Y" name="resolution" value="1000" units="1/cm"/>
+        </inkml:channelProperties>
+      </inkml:inkSource>
+      <inkml:timestamp xml:id="ts0" timeString="2023-04-16T16:18:18.698"/>
+    </inkml:context>
+    <inkml:brush xml:id="br0">
+      <inkml:brushProperty name="width" value="0.3" units="cm"/>
+      <inkml:brushProperty name="height" value="0.6" units="cm"/>
+      <inkml:brushProperty name="color" value="#FF8517"/>
+      <inkml:brushProperty name="tip" value="rectangle"/>
+      <inkml:brushProperty name="rasterOp" value="maskPen"/>
+      <inkml:brushProperty name="ignorePressure" value="1"/>
+    </inkml:brush>
+  </inkml:definitions>
+  <inkml:trace contextRef="#ctx0" brushRef="#br0">1 63,'312'0,"-186"-13,1204 14,-1205 11,1232-12,-1258-13,-64 13,-17 1,0-1,-1-1,1 0,18-5,-22 4,-1 0,0 0,16 2,-15 0,-1-1,0 0,15-4,45-5,-39 6,-23 2,38-4,66-2,1234 10,-694-3,-593 7,1 1,-47-7,17-1,0 2,49 8,-73-8</inkml:trace>
+</inkml:ink>
+</file>
+
 <file path=ppt/slideLayouts/slideLayout1.xml><?xml version="1.0" encoding="utf-8"?>
 <p:sldLayout xmlns:a="http://schemas.openxmlformats.org/drawingml/2006/main" xmlns:r="http://schemas.openxmlformats.org/officeDocument/2006/relationships" xmlns:p="http://schemas.openxmlformats.org/presentationml/2006/main" type="title" preserve="1">
   <p:cSld name="Titelslide">
@@ -276,7 +423,7 @@
           <a:p>
             <a:fld id="{E15B7D8E-2A20-4C0E-991C-872DBB7459A8}" type="datetimeFigureOut">
               <a:rPr lang="da-DK" smtClean="0"/>
-              <a:t>10-04-2023</a:t>
+              <a:t>16-04-2023</a:t>
             </a:fld>
             <a:endParaRPr lang="da-DK"/>
           </a:p>
@@ -444,7 +591,7 @@
           <a:p>
             <a:fld id="{E15B7D8E-2A20-4C0E-991C-872DBB7459A8}" type="datetimeFigureOut">
               <a:rPr lang="da-DK" smtClean="0"/>
-              <a:t>10-04-2023</a:t>
+              <a:t>16-04-2023</a:t>
             </a:fld>
             <a:endParaRPr lang="da-DK"/>
           </a:p>
@@ -622,7 +769,7 @@
           <a:p>
             <a:fld id="{E15B7D8E-2A20-4C0E-991C-872DBB7459A8}" type="datetimeFigureOut">
               <a:rPr lang="da-DK" smtClean="0"/>
-              <a:t>10-04-2023</a:t>
+              <a:t>16-04-2023</a:t>
             </a:fld>
             <a:endParaRPr lang="da-DK"/>
           </a:p>
@@ -790,7 +937,7 @@
           <a:p>
             <a:fld id="{E15B7D8E-2A20-4C0E-991C-872DBB7459A8}" type="datetimeFigureOut">
               <a:rPr lang="da-DK" smtClean="0"/>
-              <a:t>10-04-2023</a:t>
+              <a:t>16-04-2023</a:t>
             </a:fld>
             <a:endParaRPr lang="da-DK"/>
           </a:p>
@@ -1035,7 +1182,7 @@
           <a:p>
             <a:fld id="{E15B7D8E-2A20-4C0E-991C-872DBB7459A8}" type="datetimeFigureOut">
               <a:rPr lang="da-DK" smtClean="0"/>
-              <a:t>10-04-2023</a:t>
+              <a:t>16-04-2023</a:t>
             </a:fld>
             <a:endParaRPr lang="da-DK"/>
           </a:p>
@@ -1264,7 +1411,7 @@
           <a:p>
             <a:fld id="{E15B7D8E-2A20-4C0E-991C-872DBB7459A8}" type="datetimeFigureOut">
               <a:rPr lang="da-DK" smtClean="0"/>
-              <a:t>10-04-2023</a:t>
+              <a:t>16-04-2023</a:t>
             </a:fld>
             <a:endParaRPr lang="da-DK"/>
           </a:p>
@@ -1628,7 +1775,7 @@
           <a:p>
             <a:fld id="{E15B7D8E-2A20-4C0E-991C-872DBB7459A8}" type="datetimeFigureOut">
               <a:rPr lang="da-DK" smtClean="0"/>
-              <a:t>10-04-2023</a:t>
+              <a:t>16-04-2023</a:t>
             </a:fld>
             <a:endParaRPr lang="da-DK"/>
           </a:p>
@@ -1745,7 +1892,7 @@
           <a:p>
             <a:fld id="{E15B7D8E-2A20-4C0E-991C-872DBB7459A8}" type="datetimeFigureOut">
               <a:rPr lang="da-DK" smtClean="0"/>
-              <a:t>10-04-2023</a:t>
+              <a:t>16-04-2023</a:t>
             </a:fld>
             <a:endParaRPr lang="da-DK"/>
           </a:p>
@@ -1840,7 +1987,7 @@
           <a:p>
             <a:fld id="{E15B7D8E-2A20-4C0E-991C-872DBB7459A8}" type="datetimeFigureOut">
               <a:rPr lang="da-DK" smtClean="0"/>
-              <a:t>10-04-2023</a:t>
+              <a:t>16-04-2023</a:t>
             </a:fld>
             <a:endParaRPr lang="da-DK"/>
           </a:p>
@@ -2115,7 +2262,7 @@
           <a:p>
             <a:fld id="{E15B7D8E-2A20-4C0E-991C-872DBB7459A8}" type="datetimeFigureOut">
               <a:rPr lang="da-DK" smtClean="0"/>
-              <a:t>10-04-2023</a:t>
+              <a:t>16-04-2023</a:t>
             </a:fld>
             <a:endParaRPr lang="da-DK"/>
           </a:p>
@@ -2367,7 +2514,7 @@
           <a:p>
             <a:fld id="{E15B7D8E-2A20-4C0E-991C-872DBB7459A8}" type="datetimeFigureOut">
               <a:rPr lang="da-DK" smtClean="0"/>
-              <a:t>10-04-2023</a:t>
+              <a:t>16-04-2023</a:t>
             </a:fld>
             <a:endParaRPr lang="da-DK"/>
           </a:p>
@@ -2578,7 +2725,7 @@
           <a:p>
             <a:fld id="{E15B7D8E-2A20-4C0E-991C-872DBB7459A8}" type="datetimeFigureOut">
               <a:rPr lang="da-DK" smtClean="0"/>
-              <a:t>10-04-2023</a:t>
+              <a:t>16-04-2023</a:t>
             </a:fld>
             <a:endParaRPr lang="da-DK"/>
           </a:p>
@@ -5777,7 +5924,43 @@
             </a:r>
             <a:r>
               <a:rPr lang="da-DK" dirty="0"/>
-              <a:t>!</a:t>
+              <a:t> (</a:t>
+            </a:r>
+            <a:r>
+              <a:rPr lang="da-DK" b="1" dirty="0">
+                <a:solidFill>
+                  <a:srgbClr val="FF0000"/>
+                </a:solidFill>
+              </a:rPr>
+              <a:t>NB</a:t>
+            </a:r>
+            <a:r>
+              <a:rPr lang="da-DK" dirty="0"/>
+              <a:t>: </a:t>
+            </a:r>
+            <a:r>
+              <a:rPr lang="da-DK" dirty="0" err="1"/>
+              <a:t>involves</a:t>
+            </a:r>
+            <a:r>
+              <a:rPr lang="da-DK" dirty="0"/>
+              <a:t> a big ”</a:t>
+            </a:r>
+            <a:r>
+              <a:rPr lang="da-DK" dirty="0" err="1"/>
+              <a:t>gotcha</a:t>
+            </a:r>
+            <a:r>
+              <a:rPr lang="da-DK" dirty="0"/>
+              <a:t>”, </a:t>
+            </a:r>
+            <a:r>
+              <a:rPr lang="da-DK" dirty="0" err="1"/>
+              <a:t>beware</a:t>
+            </a:r>
+            <a:r>
+              <a:rPr lang="da-DK" dirty="0"/>
+              <a:t>…)!</a:t>
             </a:r>
           </a:p>
         </p:txBody>
@@ -5868,7 +6051,7 @@
         <p:spPr>
           <a:xfrm>
             <a:off x="838200" y="1690688"/>
-            <a:ext cx="8726555" cy="2554545"/>
+            <a:ext cx="8726555" cy="2800767"/>
           </a:xfrm>
           <a:prstGeom prst="rect">
             <a:avLst/>
@@ -5880,6 +6063,59 @@
             <a:spAutoFit/>
           </a:bodyPr>
           <a:lstStyle/>
+          <a:p>
+            <a:r>
+              <a:rPr lang="da-DK" sz="1600" dirty="0">
+                <a:solidFill>
+                  <a:srgbClr val="008000"/>
+                </a:solidFill>
+                <a:latin typeface="Cascadia Mono" panose="020B0609020000020004" pitchFamily="49" charset="0"/>
+              </a:rPr>
+              <a:t>// Nice and </a:t>
+            </a:r>
+            <a:r>
+              <a:rPr lang="da-DK" sz="1600" dirty="0" err="1">
+                <a:solidFill>
+                  <a:srgbClr val="008000"/>
+                </a:solidFill>
+                <a:latin typeface="Cascadia Mono" panose="020B0609020000020004" pitchFamily="49" charset="0"/>
+              </a:rPr>
+              <a:t>innocent</a:t>
+            </a:r>
+            <a:r>
+              <a:rPr lang="da-DK" sz="1600" dirty="0">
+                <a:solidFill>
+                  <a:srgbClr val="008000"/>
+                </a:solidFill>
+                <a:latin typeface="Cascadia Mono" panose="020B0609020000020004" pitchFamily="49" charset="0"/>
+              </a:rPr>
+              <a:t> </a:t>
+            </a:r>
+            <a:r>
+              <a:rPr lang="da-DK" sz="1600" dirty="0" err="1">
+                <a:solidFill>
+                  <a:srgbClr val="008000"/>
+                </a:solidFill>
+                <a:latin typeface="Cascadia Mono" panose="020B0609020000020004" pitchFamily="49" charset="0"/>
+              </a:rPr>
+              <a:t>constructor</a:t>
+            </a:r>
+            <a:r>
+              <a:rPr lang="da-DK" sz="1600" dirty="0">
+                <a:solidFill>
+                  <a:srgbClr val="008000"/>
+                </a:solidFill>
+                <a:latin typeface="Cascadia Mono" panose="020B0609020000020004" pitchFamily="49" charset="0"/>
+              </a:rPr>
+              <a:t>…</a:t>
+            </a:r>
+            <a:endParaRPr lang="da-DK" sz="1600" dirty="0">
+              <a:solidFill>
+                <a:srgbClr val="0000FF"/>
+              </a:solidFill>
+              <a:latin typeface="Cascadia Mono" panose="020B0609020000020004" pitchFamily="49" charset="0"/>
+            </a:endParaRPr>
+          </a:p>
           <a:p>
             <a:r>
               <a:rPr lang="da-DK" sz="1600" dirty="0">
@@ -6397,6 +6633,778 @@
           <p:cNvPr id="2" name="Titel 1">
             <a:extLst>
               <a:ext uri="{FF2B5EF4-FFF2-40B4-BE49-F238E27FC236}">
+                <a16:creationId xmlns:a16="http://schemas.microsoft.com/office/drawing/2014/main" id="{AAB953F5-4E7C-B178-5192-3FF92ABF083E}"/>
+              </a:ext>
+            </a:extLst>
+          </p:cNvPr>
+          <p:cNvSpPr>
+            <a:spLocks noGrp="1"/>
+          </p:cNvSpPr>
+          <p:nvPr>
+            <p:ph type="title"/>
+          </p:nvPr>
+        </p:nvSpPr>
+        <p:spPr/>
+        <p:txBody>
+          <a:bodyPr/>
+          <a:lstStyle/>
+          <a:p>
+            <a:r>
+              <a:rPr lang="da-DK" dirty="0"/>
+              <a:t>Domain </a:t>
+            </a:r>
+            <a:r>
+              <a:rPr lang="da-DK" dirty="0" err="1"/>
+              <a:t>classes</a:t>
+            </a:r>
+            <a:r>
+              <a:rPr lang="da-DK" dirty="0"/>
+              <a:t> and </a:t>
+            </a:r>
+            <a:r>
+              <a:rPr lang="da-DK" i="1" dirty="0"/>
+              <a:t>EFC Power Tools</a:t>
+            </a:r>
+          </a:p>
+        </p:txBody>
+      </p:sp>
+      <p:sp>
+        <p:nvSpPr>
+          <p:cNvPr id="3" name="Pladsholder til indhold 2">
+            <a:extLst>
+              <a:ext uri="{FF2B5EF4-FFF2-40B4-BE49-F238E27FC236}">
+                <a16:creationId xmlns:a16="http://schemas.microsoft.com/office/drawing/2014/main" id="{E1021974-05AC-1B5A-F140-C074FA5BBBE3}"/>
+              </a:ext>
+            </a:extLst>
+          </p:cNvPr>
+          <p:cNvSpPr>
+            <a:spLocks noGrp="1"/>
+          </p:cNvSpPr>
+          <p:nvPr>
+            <p:ph idx="1"/>
+          </p:nvPr>
+        </p:nvSpPr>
+        <p:spPr>
+          <a:xfrm>
+            <a:off x="838200" y="1825625"/>
+            <a:ext cx="10862143" cy="4351338"/>
+          </a:xfrm>
+        </p:spPr>
+        <p:txBody>
+          <a:bodyPr/>
+          <a:lstStyle/>
+          <a:p>
+            <a:r>
+              <a:rPr lang="da-DK" dirty="0" err="1"/>
+              <a:t>Consider</a:t>
+            </a:r>
+            <a:r>
+              <a:rPr lang="da-DK" dirty="0"/>
+              <a:t> </a:t>
+            </a:r>
+            <a:r>
+              <a:rPr lang="da-DK" dirty="0" err="1"/>
+              <a:t>creating</a:t>
+            </a:r>
+            <a:r>
+              <a:rPr lang="da-DK" dirty="0"/>
+              <a:t> a </a:t>
+            </a:r>
+            <a:r>
+              <a:rPr lang="da-DK" dirty="0" err="1"/>
+              <a:t>constructor</a:t>
+            </a:r>
+            <a:r>
+              <a:rPr lang="da-DK" dirty="0"/>
+              <a:t> </a:t>
+            </a:r>
+            <a:r>
+              <a:rPr lang="da-DK" dirty="0" err="1"/>
+              <a:t>which</a:t>
+            </a:r>
+            <a:r>
+              <a:rPr lang="da-DK" dirty="0"/>
+              <a:t> supports </a:t>
+            </a:r>
+            <a:r>
+              <a:rPr lang="da-DK" dirty="0" err="1"/>
+              <a:t>only</a:t>
+            </a:r>
+            <a:r>
+              <a:rPr lang="da-DK" dirty="0"/>
+              <a:t> </a:t>
+            </a:r>
+            <a:r>
+              <a:rPr lang="da-DK" dirty="0" err="1"/>
+              <a:t>setting</a:t>
+            </a:r>
+            <a:r>
+              <a:rPr lang="da-DK" dirty="0"/>
+              <a:t> the </a:t>
+            </a:r>
+            <a:r>
+              <a:rPr lang="da-DK" dirty="0" err="1"/>
+              <a:t>identifiers</a:t>
+            </a:r>
+            <a:r>
+              <a:rPr lang="da-DK" dirty="0"/>
+              <a:t> (</a:t>
+            </a:r>
+            <a:r>
+              <a:rPr lang="da-DK" b="1" dirty="0">
+                <a:solidFill>
+                  <a:srgbClr val="FF0000"/>
+                </a:solidFill>
+              </a:rPr>
+              <a:t>NB</a:t>
+            </a:r>
+            <a:r>
+              <a:rPr lang="da-DK" dirty="0"/>
+              <a:t>: </a:t>
+            </a:r>
+            <a:r>
+              <a:rPr lang="da-DK" dirty="0" err="1"/>
+              <a:t>involves</a:t>
+            </a:r>
+            <a:r>
+              <a:rPr lang="da-DK" dirty="0"/>
+              <a:t> a big ”</a:t>
+            </a:r>
+            <a:r>
+              <a:rPr lang="da-DK" dirty="0" err="1"/>
+              <a:t>gotcha</a:t>
+            </a:r>
+            <a:r>
+              <a:rPr lang="da-DK" dirty="0"/>
+              <a:t>”, </a:t>
+            </a:r>
+            <a:r>
+              <a:rPr lang="da-DK" dirty="0" err="1"/>
+              <a:t>beware</a:t>
+            </a:r>
+            <a:r>
+              <a:rPr lang="da-DK" dirty="0"/>
+              <a:t>…)!</a:t>
+            </a:r>
+          </a:p>
+          <a:p>
+            <a:r>
+              <a:rPr lang="da-DK" dirty="0"/>
+              <a:t>So, </a:t>
+            </a:r>
+            <a:r>
+              <a:rPr lang="da-DK" dirty="0" err="1"/>
+              <a:t>what</a:t>
+            </a:r>
+            <a:r>
+              <a:rPr lang="da-DK" dirty="0"/>
+              <a:t> is the ”</a:t>
+            </a:r>
+            <a:r>
+              <a:rPr lang="da-DK" dirty="0" err="1"/>
+              <a:t>gotcha</a:t>
+            </a:r>
+            <a:r>
+              <a:rPr lang="da-DK" dirty="0"/>
+              <a:t>”…?</a:t>
+            </a:r>
+          </a:p>
+          <a:p>
+            <a:r>
+              <a:rPr lang="da-DK" dirty="0">
+                <a:hlinkClick r:id="rId2"/>
+              </a:rPr>
+              <a:t>https://learn.microsoft.com/en-us/ef/core/modeling/constructors</a:t>
+            </a:r>
+            <a:endParaRPr lang="da-DK" dirty="0"/>
+          </a:p>
+        </p:txBody>
+      </p:sp>
+    </p:spTree>
+    <p:extLst>
+      <p:ext uri="{BB962C8B-B14F-4D97-AF65-F5344CB8AC3E}">
+        <p14:creationId xmlns:p14="http://schemas.microsoft.com/office/powerpoint/2010/main" val="4004510731"/>
+      </p:ext>
+    </p:extLst>
+  </p:cSld>
+  <p:clrMapOvr>
+    <a:masterClrMapping/>
+  </p:clrMapOvr>
+</p:sld>
+</file>
+
+<file path=ppt/slides/slide15.xml><?xml version="1.0" encoding="utf-8"?>
+<p:sld xmlns:a="http://schemas.openxmlformats.org/drawingml/2006/main" xmlns:r="http://schemas.openxmlformats.org/officeDocument/2006/relationships" xmlns:p="http://schemas.openxmlformats.org/presentationml/2006/main">
+  <p:cSld>
+    <p:spTree>
+      <p:nvGrpSpPr>
+        <p:cNvPr id="1" name=""/>
+        <p:cNvGrpSpPr/>
+        <p:nvPr/>
+      </p:nvGrpSpPr>
+      <p:grpSpPr>
+        <a:xfrm>
+          <a:off x="0" y="0"/>
+          <a:ext cx="0" cy="0"/>
+          <a:chOff x="0" y="0"/>
+          <a:chExt cx="0" cy="0"/>
+        </a:xfrm>
+      </p:grpSpPr>
+      <p:sp>
+        <p:nvSpPr>
+          <p:cNvPr id="2" name="Titel 1">
+            <a:extLst>
+              <a:ext uri="{FF2B5EF4-FFF2-40B4-BE49-F238E27FC236}">
+                <a16:creationId xmlns:a16="http://schemas.microsoft.com/office/drawing/2014/main" id="{AAB953F5-4E7C-B178-5192-3FF92ABF083E}"/>
+              </a:ext>
+            </a:extLst>
+          </p:cNvPr>
+          <p:cNvSpPr>
+            <a:spLocks noGrp="1"/>
+          </p:cNvSpPr>
+          <p:nvPr>
+            <p:ph type="title"/>
+          </p:nvPr>
+        </p:nvSpPr>
+        <p:spPr/>
+        <p:txBody>
+          <a:bodyPr/>
+          <a:lstStyle/>
+          <a:p>
+            <a:r>
+              <a:rPr lang="da-DK" dirty="0"/>
+              <a:t>Domain </a:t>
+            </a:r>
+            <a:r>
+              <a:rPr lang="da-DK" dirty="0" err="1"/>
+              <a:t>classes</a:t>
+            </a:r>
+            <a:r>
+              <a:rPr lang="da-DK" dirty="0"/>
+              <a:t> and </a:t>
+            </a:r>
+            <a:r>
+              <a:rPr lang="da-DK" i="1" dirty="0"/>
+              <a:t>EFC Power Tools</a:t>
+            </a:r>
+          </a:p>
+        </p:txBody>
+      </p:sp>
+      <p:pic>
+        <p:nvPicPr>
+          <p:cNvPr id="7" name="Billede 6">
+            <a:extLst>
+              <a:ext uri="{FF2B5EF4-FFF2-40B4-BE49-F238E27FC236}">
+                <a16:creationId xmlns:a16="http://schemas.microsoft.com/office/drawing/2014/main" id="{4E218E4E-8CC5-E144-B8BE-071F866EADEE}"/>
+              </a:ext>
+            </a:extLst>
+          </p:cNvPr>
+          <p:cNvPicPr>
+            <a:picLocks noChangeAspect="1"/>
+          </p:cNvPicPr>
+          <p:nvPr/>
+        </p:nvPicPr>
+        <p:blipFill>
+          <a:blip r:embed="rId2"/>
+          <a:stretch>
+            <a:fillRect/>
+          </a:stretch>
+        </p:blipFill>
+        <p:spPr>
+          <a:xfrm>
+            <a:off x="1004047" y="2013685"/>
+            <a:ext cx="7449617" cy="989491"/>
+          </a:xfrm>
+          <a:prstGeom prst="rect">
+            <a:avLst/>
+          </a:prstGeom>
+        </p:spPr>
+      </p:pic>
+      <p:pic>
+        <p:nvPicPr>
+          <p:cNvPr id="9" name="Billede 8">
+            <a:extLst>
+              <a:ext uri="{FF2B5EF4-FFF2-40B4-BE49-F238E27FC236}">
+                <a16:creationId xmlns:a16="http://schemas.microsoft.com/office/drawing/2014/main" id="{283E3310-F5B1-0B80-5679-0DBED4355C4C}"/>
+              </a:ext>
+            </a:extLst>
+          </p:cNvPr>
+          <p:cNvPicPr>
+            <a:picLocks noChangeAspect="1"/>
+          </p:cNvPicPr>
+          <p:nvPr/>
+        </p:nvPicPr>
+        <p:blipFill>
+          <a:blip r:embed="rId3"/>
+          <a:stretch>
+            <a:fillRect/>
+          </a:stretch>
+        </p:blipFill>
+        <p:spPr>
+          <a:xfrm>
+            <a:off x="3621741" y="4044689"/>
+            <a:ext cx="7239000" cy="2090550"/>
+          </a:xfrm>
+          <a:prstGeom prst="rect">
+            <a:avLst/>
+          </a:prstGeom>
+        </p:spPr>
+      </p:pic>
+      <mc:AlternateContent xmlns:mc="http://schemas.openxmlformats.org/markup-compatibility/2006">
+        <mc:Choice xmlns:p14="http://schemas.microsoft.com/office/powerpoint/2010/main" Requires="p14">
+          <p:contentPart p14:bwMode="auto" r:id="rId4">
+            <p14:nvContentPartPr>
+              <p14:cNvPr id="11" name="Håndskrift 10">
+                <a:extLst>
+                  <a:ext uri="{FF2B5EF4-FFF2-40B4-BE49-F238E27FC236}">
+                    <a16:creationId xmlns:a16="http://schemas.microsoft.com/office/drawing/2014/main" id="{AFD02168-E9C9-BFCB-9327-DBD08D2949EE}"/>
+                  </a:ext>
+                </a:extLst>
+              </p14:cNvPr>
+              <p14:cNvContentPartPr/>
+              <p14:nvPr/>
+            </p14:nvContentPartPr>
+            <p14:xfrm>
+              <a:off x="5364981" y="2353016"/>
+              <a:ext cx="2559240" cy="46440"/>
+            </p14:xfrm>
+          </p:contentPart>
+        </mc:Choice>
+        <mc:Fallback>
+          <p:pic>
+            <p:nvPicPr>
+              <p:cNvPr id="11" name="Håndskrift 10">
+                <a:extLst>
+                  <a:ext uri="{FF2B5EF4-FFF2-40B4-BE49-F238E27FC236}">
+                    <a16:creationId xmlns:a16="http://schemas.microsoft.com/office/drawing/2014/main" id="{AFD02168-E9C9-BFCB-9327-DBD08D2949EE}"/>
+                  </a:ext>
+                </a:extLst>
+              </p:cNvPr>
+              <p:cNvPicPr/>
+              <p:nvPr/>
+            </p:nvPicPr>
+            <p:blipFill>
+              <a:blip r:embed="rId5"/>
+              <a:stretch>
+                <a:fillRect/>
+              </a:stretch>
+            </p:blipFill>
+            <p:spPr>
+              <a:xfrm>
+                <a:off x="5311341" y="2245376"/>
+                <a:ext cx="2666880" cy="262080"/>
+              </a:xfrm>
+              <a:prstGeom prst="rect">
+                <a:avLst/>
+              </a:prstGeom>
+            </p:spPr>
+          </p:pic>
+        </mc:Fallback>
+      </mc:AlternateContent>
+      <mc:AlternateContent xmlns:mc="http://schemas.openxmlformats.org/markup-compatibility/2006">
+        <mc:Choice xmlns:p14="http://schemas.microsoft.com/office/powerpoint/2010/main" Requires="p14">
+          <p:contentPart p14:bwMode="auto" r:id="rId6">
+            <p14:nvContentPartPr>
+              <p14:cNvPr id="12" name="Håndskrift 11">
+                <a:extLst>
+                  <a:ext uri="{FF2B5EF4-FFF2-40B4-BE49-F238E27FC236}">
+                    <a16:creationId xmlns:a16="http://schemas.microsoft.com/office/drawing/2014/main" id="{ACC4CF95-65A8-BF7E-75C9-B1ACA2B05B79}"/>
+                  </a:ext>
+                </a:extLst>
+              </p14:cNvPr>
+              <p14:cNvContentPartPr/>
+              <p14:nvPr/>
+            </p14:nvContentPartPr>
+            <p14:xfrm>
+              <a:off x="1075581" y="2594936"/>
+              <a:ext cx="6732360" cy="45360"/>
+            </p14:xfrm>
+          </p:contentPart>
+        </mc:Choice>
+        <mc:Fallback>
+          <p:pic>
+            <p:nvPicPr>
+              <p:cNvPr id="12" name="Håndskrift 11">
+                <a:extLst>
+                  <a:ext uri="{FF2B5EF4-FFF2-40B4-BE49-F238E27FC236}">
+                    <a16:creationId xmlns:a16="http://schemas.microsoft.com/office/drawing/2014/main" id="{ACC4CF95-65A8-BF7E-75C9-B1ACA2B05B79}"/>
+                  </a:ext>
+                </a:extLst>
+              </p:cNvPr>
+              <p:cNvPicPr/>
+              <p:nvPr/>
+            </p:nvPicPr>
+            <p:blipFill>
+              <a:blip r:embed="rId7"/>
+              <a:stretch>
+                <a:fillRect/>
+              </a:stretch>
+            </p:blipFill>
+            <p:spPr>
+              <a:xfrm>
+                <a:off x="1021941" y="2487296"/>
+                <a:ext cx="6840000" cy="261000"/>
+              </a:xfrm>
+              <a:prstGeom prst="rect">
+                <a:avLst/>
+              </a:prstGeom>
+            </p:spPr>
+          </p:pic>
+        </mc:Fallback>
+      </mc:AlternateContent>
+      <mc:AlternateContent xmlns:mc="http://schemas.openxmlformats.org/markup-compatibility/2006">
+        <mc:Choice xmlns:p14="http://schemas.microsoft.com/office/powerpoint/2010/main" Requires="p14">
+          <p:contentPart p14:bwMode="auto" r:id="rId8">
+            <p14:nvContentPartPr>
+              <p14:cNvPr id="13" name="Håndskrift 12">
+                <a:extLst>
+                  <a:ext uri="{FF2B5EF4-FFF2-40B4-BE49-F238E27FC236}">
+                    <a16:creationId xmlns:a16="http://schemas.microsoft.com/office/drawing/2014/main" id="{90A66FC4-9296-2F08-8957-B15FA8E875AC}"/>
+                  </a:ext>
+                </a:extLst>
+              </p14:cNvPr>
+              <p14:cNvContentPartPr/>
+              <p14:nvPr/>
+            </p14:nvContentPartPr>
+            <p14:xfrm>
+              <a:off x="1075581" y="2831192"/>
+              <a:ext cx="5925600" cy="68400"/>
+            </p14:xfrm>
+          </p:contentPart>
+        </mc:Choice>
+        <mc:Fallback>
+          <p:pic>
+            <p:nvPicPr>
+              <p:cNvPr id="13" name="Håndskrift 12">
+                <a:extLst>
+                  <a:ext uri="{FF2B5EF4-FFF2-40B4-BE49-F238E27FC236}">
+                    <a16:creationId xmlns:a16="http://schemas.microsoft.com/office/drawing/2014/main" id="{90A66FC4-9296-2F08-8957-B15FA8E875AC}"/>
+                  </a:ext>
+                </a:extLst>
+              </p:cNvPr>
+              <p:cNvPicPr/>
+              <p:nvPr/>
+            </p:nvPicPr>
+            <p:blipFill>
+              <a:blip r:embed="rId9"/>
+              <a:stretch>
+                <a:fillRect/>
+              </a:stretch>
+            </p:blipFill>
+            <p:spPr>
+              <a:xfrm>
+                <a:off x="1021581" y="2723192"/>
+                <a:ext cx="6033240" cy="284040"/>
+              </a:xfrm>
+              <a:prstGeom prst="rect">
+                <a:avLst/>
+              </a:prstGeom>
+            </p:spPr>
+          </p:pic>
+        </mc:Fallback>
+      </mc:AlternateContent>
+      <mc:AlternateContent xmlns:mc="http://schemas.openxmlformats.org/markup-compatibility/2006">
+        <mc:Choice xmlns:p14="http://schemas.microsoft.com/office/powerpoint/2010/main" Requires="p14">
+          <p:contentPart p14:bwMode="auto" r:id="rId10">
+            <p14:nvContentPartPr>
+              <p14:cNvPr id="15" name="Håndskrift 14">
+                <a:extLst>
+                  <a:ext uri="{FF2B5EF4-FFF2-40B4-BE49-F238E27FC236}">
+                    <a16:creationId xmlns:a16="http://schemas.microsoft.com/office/drawing/2014/main" id="{C3B85098-8C64-E1DC-7324-70C7AA3E090C}"/>
+                  </a:ext>
+                </a:extLst>
+              </p14:cNvPr>
+              <p14:cNvContentPartPr/>
+              <p14:nvPr/>
+            </p14:nvContentPartPr>
+            <p14:xfrm>
+              <a:off x="4016061" y="4961576"/>
+              <a:ext cx="6557400" cy="82800"/>
+            </p14:xfrm>
+          </p:contentPart>
+        </mc:Choice>
+        <mc:Fallback>
+          <p:pic>
+            <p:nvPicPr>
+              <p:cNvPr id="15" name="Håndskrift 14">
+                <a:extLst>
+                  <a:ext uri="{FF2B5EF4-FFF2-40B4-BE49-F238E27FC236}">
+                    <a16:creationId xmlns:a16="http://schemas.microsoft.com/office/drawing/2014/main" id="{C3B85098-8C64-E1DC-7324-70C7AA3E090C}"/>
+                  </a:ext>
+                </a:extLst>
+              </p:cNvPr>
+              <p:cNvPicPr/>
+              <p:nvPr/>
+            </p:nvPicPr>
+            <p:blipFill>
+              <a:blip r:embed="rId11"/>
+              <a:stretch>
+                <a:fillRect/>
+              </a:stretch>
+            </p:blipFill>
+            <p:spPr>
+              <a:xfrm>
+                <a:off x="3962061" y="4853576"/>
+                <a:ext cx="6665040" cy="298440"/>
+              </a:xfrm>
+              <a:prstGeom prst="rect">
+                <a:avLst/>
+              </a:prstGeom>
+            </p:spPr>
+          </p:pic>
+        </mc:Fallback>
+      </mc:AlternateContent>
+      <mc:AlternateContent xmlns:mc="http://schemas.openxmlformats.org/markup-compatibility/2006">
+        <mc:Choice xmlns:p14="http://schemas.microsoft.com/office/powerpoint/2010/main" Requires="p14">
+          <p:contentPart p14:bwMode="auto" r:id="rId12">
+            <p14:nvContentPartPr>
+              <p14:cNvPr id="16" name="Håndskrift 15">
+                <a:extLst>
+                  <a:ext uri="{FF2B5EF4-FFF2-40B4-BE49-F238E27FC236}">
+                    <a16:creationId xmlns:a16="http://schemas.microsoft.com/office/drawing/2014/main" id="{A11FD9B6-D6BD-48B9-F972-3D7FC98AF4BF}"/>
+                  </a:ext>
+                </a:extLst>
+              </p14:cNvPr>
+              <p14:cNvContentPartPr/>
+              <p14:nvPr/>
+            </p14:nvContentPartPr>
+            <p14:xfrm>
+              <a:off x="4007061" y="5149856"/>
+              <a:ext cx="2237040" cy="23040"/>
+            </p14:xfrm>
+          </p:contentPart>
+        </mc:Choice>
+        <mc:Fallback>
+          <p:pic>
+            <p:nvPicPr>
+              <p:cNvPr id="16" name="Håndskrift 15">
+                <a:extLst>
+                  <a:ext uri="{FF2B5EF4-FFF2-40B4-BE49-F238E27FC236}">
+                    <a16:creationId xmlns:a16="http://schemas.microsoft.com/office/drawing/2014/main" id="{A11FD9B6-D6BD-48B9-F972-3D7FC98AF4BF}"/>
+                  </a:ext>
+                </a:extLst>
+              </p:cNvPr>
+              <p:cNvPicPr/>
+              <p:nvPr/>
+            </p:nvPicPr>
+            <p:blipFill>
+              <a:blip r:embed="rId13"/>
+              <a:stretch>
+                <a:fillRect/>
+              </a:stretch>
+            </p:blipFill>
+            <p:spPr>
+              <a:xfrm>
+                <a:off x="3953421" y="5041856"/>
+                <a:ext cx="2344680" cy="238680"/>
+              </a:xfrm>
+              <a:prstGeom prst="rect">
+                <a:avLst/>
+              </a:prstGeom>
+            </p:spPr>
+          </p:pic>
+        </mc:Fallback>
+      </mc:AlternateContent>
+      <p:pic>
+        <p:nvPicPr>
+          <p:cNvPr id="24" name="Billede 23" descr="Et billede, der indeholder logo&#10;&#10;Automatisk genereret beskrivelse">
+            <a:extLst>
+              <a:ext uri="{FF2B5EF4-FFF2-40B4-BE49-F238E27FC236}">
+                <a16:creationId xmlns:a16="http://schemas.microsoft.com/office/drawing/2014/main" id="{209B3EFE-BF54-F42F-A1B0-1A61B8D84119}"/>
+              </a:ext>
+            </a:extLst>
+          </p:cNvPr>
+          <p:cNvPicPr>
+            <a:picLocks noChangeAspect="1"/>
+          </p:cNvPicPr>
+          <p:nvPr/>
+        </p:nvPicPr>
+        <p:blipFill>
+          <a:blip r:embed="rId14" cstate="print">
+            <a:extLst>
+              <a:ext uri="{28A0092B-C50C-407E-A947-70E740481C1C}">
+                <a14:useLocalDpi xmlns:a14="http://schemas.microsoft.com/office/drawing/2010/main" val="0"/>
+              </a:ext>
+            </a:extLst>
+          </a:blip>
+          <a:stretch>
+            <a:fillRect/>
+          </a:stretch>
+        </p:blipFill>
+        <p:spPr>
+          <a:xfrm>
+            <a:off x="277092" y="3194072"/>
+            <a:ext cx="3147489" cy="2525860"/>
+          </a:xfrm>
+          <a:prstGeom prst="rect">
+            <a:avLst/>
+          </a:prstGeom>
+        </p:spPr>
+      </p:pic>
+    </p:spTree>
+    <p:extLst>
+      <p:ext uri="{BB962C8B-B14F-4D97-AF65-F5344CB8AC3E}">
+        <p14:creationId xmlns:p14="http://schemas.microsoft.com/office/powerpoint/2010/main" val="1249767009"/>
+      </p:ext>
+    </p:extLst>
+  </p:cSld>
+  <p:clrMapOvr>
+    <a:masterClrMapping/>
+  </p:clrMapOvr>
+  <p:timing>
+    <p:tnLst>
+      <p:par>
+        <p:cTn id="1" dur="indefinite" restart="never" nodeType="tmRoot">
+          <p:childTnLst>
+            <p:seq concurrent="1" nextAc="seek">
+              <p:cTn id="2" dur="indefinite" nodeType="mainSeq">
+                <p:childTnLst>
+                  <p:par>
+                    <p:cTn id="3" fill="hold">
+                      <p:stCondLst>
+                        <p:cond delay="indefinite"/>
+                      </p:stCondLst>
+                      <p:childTnLst>
+                        <p:par>
+                          <p:cTn id="4" fill="hold">
+                            <p:stCondLst>
+                              <p:cond delay="0"/>
+                            </p:stCondLst>
+                            <p:childTnLst>
+                              <p:par>
+                                <p:cTn id="5" presetID="45" presetClass="entr" presetSubtype="0" fill="hold" nodeType="clickEffect">
+                                  <p:stCondLst>
+                                    <p:cond delay="0"/>
+                                  </p:stCondLst>
+                                  <p:childTnLst>
+                                    <p:set>
+                                      <p:cBhvr>
+                                        <p:cTn id="6" dur="1" fill="hold">
+                                          <p:stCondLst>
+                                            <p:cond delay="0"/>
+                                          </p:stCondLst>
+                                        </p:cTn>
+                                        <p:tgtEl>
+                                          <p:spTgt spid="24"/>
+                                        </p:tgtEl>
+                                        <p:attrNameLst>
+                                          <p:attrName>style.visibility</p:attrName>
+                                        </p:attrNameLst>
+                                      </p:cBhvr>
+                                      <p:to>
+                                        <p:strVal val="visible"/>
+                                      </p:to>
+                                    </p:set>
+                                    <p:animEffect transition="in" filter="fade">
+                                      <p:cBhvr>
+                                        <p:cTn id="7" dur="1000"/>
+                                        <p:tgtEl>
+                                          <p:spTgt spid="24"/>
+                                        </p:tgtEl>
+                                      </p:cBhvr>
+                                    </p:animEffect>
+                                    <p:anim calcmode="lin" valueType="num">
+                                      <p:cBhvr>
+                                        <p:cTn id="8" dur="1000" fill="hold"/>
+                                        <p:tgtEl>
+                                          <p:spTgt spid="24"/>
+                                        </p:tgtEl>
+                                        <p:attrNameLst>
+                                          <p:attrName>ppt_w</p:attrName>
+                                        </p:attrNameLst>
+                                      </p:cBhvr>
+                                      <p:tavLst>
+                                        <p:tav tm="0" fmla="#ppt_w*sin(2.5*pi*$)">
+                                          <p:val>
+                                            <p:fltVal val="0"/>
+                                          </p:val>
+                                        </p:tav>
+                                        <p:tav tm="100000">
+                                          <p:val>
+                                            <p:fltVal val="1"/>
+                                          </p:val>
+                                        </p:tav>
+                                      </p:tavLst>
+                                    </p:anim>
+                                    <p:anim calcmode="lin" valueType="num">
+                                      <p:cBhvr>
+                                        <p:cTn id="9" dur="1000" fill="hold"/>
+                                        <p:tgtEl>
+                                          <p:spTgt spid="24"/>
+                                        </p:tgtEl>
+                                        <p:attrNameLst>
+                                          <p:attrName>ppt_h</p:attrName>
+                                        </p:attrNameLst>
+                                      </p:cBhvr>
+                                      <p:tavLst>
+                                        <p:tav tm="0">
+                                          <p:val>
+                                            <p:strVal val="#ppt_h"/>
+                                          </p:val>
+                                        </p:tav>
+                                        <p:tav tm="100000">
+                                          <p:val>
+                                            <p:strVal val="#ppt_h"/>
+                                          </p:val>
+                                        </p:tav>
+                                      </p:tavLst>
+                                    </p:anim>
+                                  </p:childTnLst>
+                                </p:cTn>
+                              </p:par>
+                            </p:childTnLst>
+                          </p:cTn>
+                        </p:par>
+                      </p:childTnLst>
+                    </p:cTn>
+                  </p:par>
+                </p:childTnLst>
+              </p:cTn>
+              <p:prevCondLst>
+                <p:cond evt="onPrev" delay="0">
+                  <p:tgtEl>
+                    <p:sldTgt/>
+                  </p:tgtEl>
+                </p:cond>
+              </p:prevCondLst>
+              <p:nextCondLst>
+                <p:cond evt="onNext" delay="0">
+                  <p:tgtEl>
+                    <p:sldTgt/>
+                  </p:tgtEl>
+                </p:cond>
+              </p:nextCondLst>
+            </p:seq>
+          </p:childTnLst>
+        </p:cTn>
+      </p:par>
+    </p:tnLst>
+  </p:timing>
+</p:sld>
+</file>
+
+<file path=ppt/slides/slide16.xml><?xml version="1.0" encoding="utf-8"?>
+<p:sld xmlns:a="http://schemas.openxmlformats.org/drawingml/2006/main" xmlns:r="http://schemas.openxmlformats.org/officeDocument/2006/relationships" xmlns:p="http://schemas.openxmlformats.org/presentationml/2006/main">
+  <p:cSld>
+    <p:spTree>
+      <p:nvGrpSpPr>
+        <p:cNvPr id="1" name=""/>
+        <p:cNvGrpSpPr/>
+        <p:nvPr/>
+      </p:nvGrpSpPr>
+      <p:grpSpPr>
+        <a:xfrm>
+          <a:off x="0" y="0"/>
+          <a:ext cx="0" cy="0"/>
+          <a:chOff x="0" y="0"/>
+          <a:chExt cx="0" cy="0"/>
+        </a:xfrm>
+      </p:grpSpPr>
+      <p:sp>
+        <p:nvSpPr>
+          <p:cNvPr id="2" name="Titel 1">
+            <a:extLst>
+              <a:ext uri="{FF2B5EF4-FFF2-40B4-BE49-F238E27FC236}">
                 <a16:creationId xmlns:a16="http://schemas.microsoft.com/office/drawing/2014/main" id="{9D7CEE9D-7221-1EF0-1775-4A31AF8CCD1E}"/>
               </a:ext>
             </a:extLst>
@@ -7126,7 +8134,7 @@
 </p:sld>
 </file>
 
-<file path=ppt/slides/slide15.xml><?xml version="1.0" encoding="utf-8"?>
+<file path=ppt/slides/slide17.xml><?xml version="1.0" encoding="utf-8"?>
 <p:sld xmlns:a="http://schemas.openxmlformats.org/drawingml/2006/main" xmlns:r="http://schemas.openxmlformats.org/officeDocument/2006/relationships" xmlns:p="http://schemas.openxmlformats.org/presentationml/2006/main">
   <p:cSld>
     <p:spTree>
@@ -7736,7 +8744,7 @@
 </p:sld>
 </file>
 
-<file path=ppt/slides/slide16.xml><?xml version="1.0" encoding="utf-8"?>
+<file path=ppt/slides/slide18.xml><?xml version="1.0" encoding="utf-8"?>
 <p:sld xmlns:a="http://schemas.openxmlformats.org/drawingml/2006/main" xmlns:r="http://schemas.openxmlformats.org/officeDocument/2006/relationships" xmlns:p="http://schemas.openxmlformats.org/presentationml/2006/main">
   <p:cSld>
     <p:spTree>
@@ -7963,7 +8971,7 @@
 </p:sld>
 </file>
 
-<file path=ppt/slides/slide17.xml><?xml version="1.0" encoding="utf-8"?>
+<file path=ppt/slides/slide19.xml><?xml version="1.0" encoding="utf-8"?>
 <p:sld xmlns:a="http://schemas.openxmlformats.org/drawingml/2006/main" xmlns:r="http://schemas.openxmlformats.org/officeDocument/2006/relationships" xmlns:p="http://schemas.openxmlformats.org/presentationml/2006/main">
   <p:cSld>
     <p:spTree>
@@ -8447,1109 +9455,6 @@
     <p:extLst>
       <p:ext uri="{BB962C8B-B14F-4D97-AF65-F5344CB8AC3E}">
         <p14:creationId xmlns:p14="http://schemas.microsoft.com/office/powerpoint/2010/main" val="3771107366"/>
-      </p:ext>
-    </p:extLst>
-  </p:cSld>
-  <p:clrMapOvr>
-    <a:masterClrMapping/>
-  </p:clrMapOvr>
-</p:sld>
-</file>
-
-<file path=ppt/slides/slide18.xml><?xml version="1.0" encoding="utf-8"?>
-<p:sld xmlns:a="http://schemas.openxmlformats.org/drawingml/2006/main" xmlns:r="http://schemas.openxmlformats.org/officeDocument/2006/relationships" xmlns:p="http://schemas.openxmlformats.org/presentationml/2006/main">
-  <p:cSld>
-    <p:spTree>
-      <p:nvGrpSpPr>
-        <p:cNvPr id="1" name=""/>
-        <p:cNvGrpSpPr/>
-        <p:nvPr/>
-      </p:nvGrpSpPr>
-      <p:grpSpPr>
-        <a:xfrm>
-          <a:off x="0" y="0"/>
-          <a:ext cx="0" cy="0"/>
-          <a:chOff x="0" y="0"/>
-          <a:chExt cx="0" cy="0"/>
-        </a:xfrm>
-      </p:grpSpPr>
-      <p:sp>
-        <p:nvSpPr>
-          <p:cNvPr id="2" name="Titel 1">
-            <a:extLst>
-              <a:ext uri="{FF2B5EF4-FFF2-40B4-BE49-F238E27FC236}">
-                <a16:creationId xmlns:a16="http://schemas.microsoft.com/office/drawing/2014/main" id="{9D7CEE9D-7221-1EF0-1775-4A31AF8CCD1E}"/>
-              </a:ext>
-            </a:extLst>
-          </p:cNvPr>
-          <p:cNvSpPr>
-            <a:spLocks noGrp="1"/>
-          </p:cNvSpPr>
-          <p:nvPr>
-            <p:ph type="title"/>
-          </p:nvPr>
-        </p:nvSpPr>
-        <p:spPr/>
-        <p:txBody>
-          <a:bodyPr/>
-          <a:lstStyle/>
-          <a:p>
-            <a:r>
-              <a:rPr lang="da-DK" dirty="0"/>
-              <a:t>Data </a:t>
-            </a:r>
-            <a:r>
-              <a:rPr lang="da-DK" dirty="0" err="1"/>
-              <a:t>access</a:t>
-            </a:r>
-            <a:r>
-              <a:rPr lang="da-DK" dirty="0"/>
-              <a:t> with Set&lt;…&gt;() </a:t>
-            </a:r>
-            <a:r>
-              <a:rPr lang="da-DK" dirty="0" err="1"/>
-              <a:t>method</a:t>
-            </a:r>
-            <a:endParaRPr lang="da-DK" dirty="0"/>
-          </a:p>
-        </p:txBody>
-      </p:sp>
-      <p:sp>
-        <p:nvSpPr>
-          <p:cNvPr id="4" name="Tekstfelt 3">
-            <a:extLst>
-              <a:ext uri="{FF2B5EF4-FFF2-40B4-BE49-F238E27FC236}">
-                <a16:creationId xmlns:a16="http://schemas.microsoft.com/office/drawing/2014/main" id="{05971714-EB7C-EFC1-DE1A-DE11297508C5}"/>
-              </a:ext>
-            </a:extLst>
-          </p:cNvPr>
-          <p:cNvSpPr txBox="1"/>
-          <p:nvPr/>
-        </p:nvSpPr>
-        <p:spPr>
-          <a:xfrm>
-            <a:off x="838200" y="1690688"/>
-            <a:ext cx="8726555" cy="4524315"/>
-          </a:xfrm>
-          <a:prstGeom prst="rect">
-            <a:avLst/>
-          </a:prstGeom>
-          <a:noFill/>
-        </p:spPr>
-        <p:txBody>
-          <a:bodyPr wrap="square" rtlCol="0">
-            <a:spAutoFit/>
-          </a:bodyPr>
-          <a:lstStyle/>
-          <a:p>
-            <a:r>
-              <a:rPr lang="da-DK" sz="1600" dirty="0" err="1">
-                <a:solidFill>
-                  <a:srgbClr val="0000FF"/>
-                </a:solidFill>
-                <a:latin typeface="Cascadia Mono" panose="020B0609020000020004" pitchFamily="49" charset="0"/>
-              </a:rPr>
-              <a:t>using</a:t>
-            </a:r>
-            <a:r>
-              <a:rPr lang="da-DK" sz="1600" dirty="0">
-                <a:solidFill>
-                  <a:srgbClr val="000000"/>
-                </a:solidFill>
-                <a:latin typeface="Cascadia Mono" panose="020B0609020000020004" pitchFamily="49" charset="0"/>
-              </a:rPr>
-              <a:t> </a:t>
-            </a:r>
-            <a:r>
-              <a:rPr lang="da-DK" sz="1600" dirty="0">
-                <a:solidFill>
-                  <a:srgbClr val="2B91AF"/>
-                </a:solidFill>
-                <a:latin typeface="Cascadia Mono" panose="020B0609020000020004" pitchFamily="49" charset="0"/>
-              </a:rPr>
-              <a:t>EFCDrinkDBContext</a:t>
-            </a:r>
-            <a:r>
-              <a:rPr lang="da-DK" sz="1600" dirty="0">
-                <a:solidFill>
-                  <a:srgbClr val="000000"/>
-                </a:solidFill>
-                <a:latin typeface="Cascadia Mono" panose="020B0609020000020004" pitchFamily="49" charset="0"/>
-              </a:rPr>
-              <a:t> </a:t>
-            </a:r>
-            <a:r>
-              <a:rPr lang="da-DK" sz="1600" dirty="0" err="1">
-                <a:solidFill>
-                  <a:srgbClr val="000000"/>
-                </a:solidFill>
-                <a:latin typeface="Cascadia Mono" panose="020B0609020000020004" pitchFamily="49" charset="0"/>
-              </a:rPr>
-              <a:t>context</a:t>
-            </a:r>
-            <a:r>
-              <a:rPr lang="da-DK" sz="1600" dirty="0">
-                <a:solidFill>
-                  <a:srgbClr val="000000"/>
-                </a:solidFill>
-                <a:latin typeface="Cascadia Mono" panose="020B0609020000020004" pitchFamily="49" charset="0"/>
-              </a:rPr>
-              <a:t> = </a:t>
-            </a:r>
-            <a:r>
-              <a:rPr lang="da-DK" sz="1600" dirty="0">
-                <a:solidFill>
-                  <a:srgbClr val="0000FF"/>
-                </a:solidFill>
-                <a:latin typeface="Cascadia Mono" panose="020B0609020000020004" pitchFamily="49" charset="0"/>
-              </a:rPr>
-              <a:t>new</a:t>
-            </a:r>
-            <a:r>
-              <a:rPr lang="da-DK" sz="1600" dirty="0">
-                <a:solidFill>
-                  <a:srgbClr val="000000"/>
-                </a:solidFill>
-                <a:latin typeface="Cascadia Mono" panose="020B0609020000020004" pitchFamily="49" charset="0"/>
-              </a:rPr>
-              <a:t> </a:t>
-            </a:r>
-            <a:r>
-              <a:rPr lang="da-DK" sz="1600" dirty="0">
-                <a:solidFill>
-                  <a:srgbClr val="2B91AF"/>
-                </a:solidFill>
-                <a:latin typeface="Cascadia Mono" panose="020B0609020000020004" pitchFamily="49" charset="0"/>
-              </a:rPr>
-              <a:t>EFCDrinkDBContext</a:t>
-            </a:r>
-            <a:r>
-              <a:rPr lang="da-DK" sz="1600" dirty="0">
-                <a:solidFill>
-                  <a:srgbClr val="000000"/>
-                </a:solidFill>
-                <a:latin typeface="Cascadia Mono" panose="020B0609020000020004" pitchFamily="49" charset="0"/>
-              </a:rPr>
-              <a:t>();</a:t>
-            </a:r>
-          </a:p>
-          <a:p>
-            <a:endParaRPr lang="da-DK" sz="1600" dirty="0">
-              <a:solidFill>
-                <a:srgbClr val="000000"/>
-              </a:solidFill>
-              <a:latin typeface="Cascadia Mono" panose="020B0609020000020004" pitchFamily="49" charset="0"/>
-            </a:endParaRPr>
-          </a:p>
-          <a:p>
-            <a:r>
-              <a:rPr lang="da-DK" sz="1600" dirty="0">
-                <a:solidFill>
-                  <a:srgbClr val="008000"/>
-                </a:solidFill>
-                <a:latin typeface="Cascadia Mono" panose="020B0609020000020004" pitchFamily="49" charset="0"/>
-              </a:rPr>
-              <a:t>// Read</a:t>
-            </a:r>
-            <a:endParaRPr lang="da-DK" sz="1600" dirty="0">
-              <a:solidFill>
-                <a:srgbClr val="000000"/>
-              </a:solidFill>
-              <a:latin typeface="Cascadia Mono" panose="020B0609020000020004" pitchFamily="49" charset="0"/>
-            </a:endParaRPr>
-          </a:p>
-          <a:p>
-            <a:r>
-              <a:rPr lang="da-DK" sz="1600" dirty="0">
-                <a:solidFill>
-                  <a:srgbClr val="2B91AF"/>
-                </a:solidFill>
-                <a:latin typeface="Cascadia Mono" panose="020B0609020000020004" pitchFamily="49" charset="0"/>
-              </a:rPr>
-              <a:t>Drink</a:t>
-            </a:r>
-            <a:r>
-              <a:rPr lang="da-DK" sz="1600" dirty="0">
-                <a:solidFill>
-                  <a:srgbClr val="000000"/>
-                </a:solidFill>
-                <a:latin typeface="Cascadia Mono" panose="020B0609020000020004" pitchFamily="49" charset="0"/>
-              </a:rPr>
-              <a:t>? </a:t>
-            </a:r>
-            <a:r>
-              <a:rPr lang="da-DK" sz="1600" dirty="0" err="1">
-                <a:solidFill>
-                  <a:srgbClr val="000000"/>
-                </a:solidFill>
-                <a:latin typeface="Cascadia Mono" panose="020B0609020000020004" pitchFamily="49" charset="0"/>
-              </a:rPr>
-              <a:t>dRead</a:t>
-            </a:r>
-            <a:r>
-              <a:rPr lang="da-DK" sz="1600" dirty="0">
-                <a:solidFill>
-                  <a:srgbClr val="000000"/>
-                </a:solidFill>
-                <a:latin typeface="Cascadia Mono" panose="020B0609020000020004" pitchFamily="49" charset="0"/>
-              </a:rPr>
-              <a:t> = </a:t>
-            </a:r>
-            <a:r>
-              <a:rPr lang="da-DK" sz="1600" dirty="0" err="1">
-                <a:solidFill>
-                  <a:srgbClr val="000000"/>
-                </a:solidFill>
-                <a:latin typeface="Cascadia Mono" panose="020B0609020000020004" pitchFamily="49" charset="0"/>
-              </a:rPr>
-              <a:t>context.</a:t>
-            </a:r>
-            <a:r>
-              <a:rPr lang="da-DK" sz="1600" dirty="0" err="1">
-                <a:solidFill>
-                  <a:srgbClr val="000000"/>
-                </a:solidFill>
-                <a:highlight>
-                  <a:srgbClr val="FFFF00"/>
-                </a:highlight>
-                <a:latin typeface="Cascadia Mono" panose="020B0609020000020004" pitchFamily="49" charset="0"/>
-              </a:rPr>
-              <a:t>Drinks</a:t>
-            </a:r>
-            <a:r>
-              <a:rPr lang="da-DK" sz="1600" dirty="0" err="1">
-                <a:solidFill>
-                  <a:srgbClr val="000000"/>
-                </a:solidFill>
-                <a:latin typeface="Cascadia Mono" panose="020B0609020000020004" pitchFamily="49" charset="0"/>
-              </a:rPr>
-              <a:t>.Find</a:t>
-            </a:r>
-            <a:r>
-              <a:rPr lang="da-DK" sz="1600" dirty="0">
-                <a:solidFill>
-                  <a:srgbClr val="000000"/>
-                </a:solidFill>
-                <a:latin typeface="Cascadia Mono" panose="020B0609020000020004" pitchFamily="49" charset="0"/>
-              </a:rPr>
-              <a:t>(</a:t>
-            </a:r>
-            <a:r>
-              <a:rPr lang="da-DK" sz="1600" dirty="0" err="1">
-                <a:solidFill>
-                  <a:srgbClr val="000000"/>
-                </a:solidFill>
-                <a:latin typeface="Cascadia Mono" panose="020B0609020000020004" pitchFamily="49" charset="0"/>
-              </a:rPr>
-              <a:t>d.Id</a:t>
-            </a:r>
-            <a:r>
-              <a:rPr lang="da-DK" sz="1600" dirty="0">
-                <a:solidFill>
-                  <a:srgbClr val="000000"/>
-                </a:solidFill>
-                <a:latin typeface="Cascadia Mono" panose="020B0609020000020004" pitchFamily="49" charset="0"/>
-              </a:rPr>
-              <a:t>);</a:t>
-            </a:r>
-          </a:p>
-          <a:p>
-            <a:endParaRPr lang="da-DK" sz="1600" dirty="0">
-              <a:solidFill>
-                <a:srgbClr val="000000"/>
-              </a:solidFill>
-              <a:latin typeface="Cascadia Mono" panose="020B0609020000020004" pitchFamily="49" charset="0"/>
-            </a:endParaRPr>
-          </a:p>
-          <a:p>
-            <a:r>
-              <a:rPr lang="da-DK" sz="1600" dirty="0">
-                <a:solidFill>
-                  <a:srgbClr val="008000"/>
-                </a:solidFill>
-                <a:latin typeface="Cascadia Mono" panose="020B0609020000020004" pitchFamily="49" charset="0"/>
-              </a:rPr>
-              <a:t>// Update</a:t>
-            </a:r>
-            <a:endParaRPr lang="da-DK" sz="1600" dirty="0">
-              <a:solidFill>
-                <a:srgbClr val="000000"/>
-              </a:solidFill>
-              <a:latin typeface="Cascadia Mono" panose="020B0609020000020004" pitchFamily="49" charset="0"/>
-            </a:endParaRPr>
-          </a:p>
-          <a:p>
-            <a:r>
-              <a:rPr lang="da-DK" sz="1600" dirty="0" err="1">
-                <a:solidFill>
-                  <a:srgbClr val="0000FF"/>
-                </a:solidFill>
-                <a:latin typeface="Cascadia Mono" panose="020B0609020000020004" pitchFamily="49" charset="0"/>
-              </a:rPr>
-              <a:t>if</a:t>
-            </a:r>
-            <a:r>
-              <a:rPr lang="da-DK" sz="1600" dirty="0">
-                <a:solidFill>
-                  <a:srgbClr val="000000"/>
-                </a:solidFill>
-                <a:latin typeface="Cascadia Mono" panose="020B0609020000020004" pitchFamily="49" charset="0"/>
-              </a:rPr>
-              <a:t> (</a:t>
-            </a:r>
-            <a:r>
-              <a:rPr lang="da-DK" sz="1600" dirty="0" err="1">
-                <a:solidFill>
-                  <a:srgbClr val="000000"/>
-                </a:solidFill>
-                <a:latin typeface="Cascadia Mono" panose="020B0609020000020004" pitchFamily="49" charset="0"/>
-              </a:rPr>
-              <a:t>dRead</a:t>
-            </a:r>
-            <a:r>
-              <a:rPr lang="da-DK" sz="1600" dirty="0">
-                <a:solidFill>
-                  <a:srgbClr val="000000"/>
-                </a:solidFill>
-                <a:latin typeface="Cascadia Mono" panose="020B0609020000020004" pitchFamily="49" charset="0"/>
-              </a:rPr>
-              <a:t> != </a:t>
-            </a:r>
-            <a:r>
-              <a:rPr lang="da-DK" sz="1600" dirty="0" err="1">
-                <a:solidFill>
-                  <a:srgbClr val="0000FF"/>
-                </a:solidFill>
-                <a:latin typeface="Cascadia Mono" panose="020B0609020000020004" pitchFamily="49" charset="0"/>
-              </a:rPr>
-              <a:t>null</a:t>
-            </a:r>
-            <a:r>
-              <a:rPr lang="da-DK" sz="1600" dirty="0">
-                <a:solidFill>
-                  <a:srgbClr val="000000"/>
-                </a:solidFill>
-                <a:latin typeface="Cascadia Mono" panose="020B0609020000020004" pitchFamily="49" charset="0"/>
-              </a:rPr>
-              <a:t>)</a:t>
-            </a:r>
-          </a:p>
-          <a:p>
-            <a:r>
-              <a:rPr lang="da-DK" sz="1600" dirty="0">
-                <a:solidFill>
-                  <a:srgbClr val="000000"/>
-                </a:solidFill>
-                <a:latin typeface="Cascadia Mono" panose="020B0609020000020004" pitchFamily="49" charset="0"/>
-              </a:rPr>
-              <a:t>{</a:t>
-            </a:r>
-          </a:p>
-          <a:p>
-            <a:r>
-              <a:rPr lang="da-DK" sz="1600" dirty="0">
-                <a:solidFill>
-                  <a:srgbClr val="000000"/>
-                </a:solidFill>
-                <a:latin typeface="Cascadia Mono" panose="020B0609020000020004" pitchFamily="49" charset="0"/>
-              </a:rPr>
-              <a:t>    </a:t>
-            </a:r>
-            <a:r>
-              <a:rPr lang="da-DK" sz="1600" dirty="0" err="1">
-                <a:solidFill>
-                  <a:srgbClr val="000000"/>
-                </a:solidFill>
-                <a:latin typeface="Cascadia Mono" panose="020B0609020000020004" pitchFamily="49" charset="0"/>
-              </a:rPr>
-              <a:t>dRead.Name</a:t>
-            </a:r>
-            <a:r>
-              <a:rPr lang="da-DK" sz="1600" dirty="0">
-                <a:solidFill>
-                  <a:srgbClr val="000000"/>
-                </a:solidFill>
-                <a:latin typeface="Cascadia Mono" panose="020B0609020000020004" pitchFamily="49" charset="0"/>
-              </a:rPr>
-              <a:t> = </a:t>
-            </a:r>
-            <a:r>
-              <a:rPr lang="da-DK" sz="1600" dirty="0">
-                <a:solidFill>
-                  <a:srgbClr val="A31515"/>
-                </a:solidFill>
-                <a:latin typeface="Cascadia Mono" panose="020B0609020000020004" pitchFamily="49" charset="0"/>
-              </a:rPr>
-              <a:t>"New </a:t>
-            </a:r>
-            <a:r>
-              <a:rPr lang="da-DK" sz="1600" dirty="0" err="1">
-                <a:solidFill>
-                  <a:srgbClr val="A31515"/>
-                </a:solidFill>
-                <a:latin typeface="Cascadia Mono" panose="020B0609020000020004" pitchFamily="49" charset="0"/>
-              </a:rPr>
-              <a:t>Name</a:t>
-            </a:r>
-            <a:r>
-              <a:rPr lang="da-DK" sz="1600" dirty="0">
-                <a:solidFill>
-                  <a:srgbClr val="A31515"/>
-                </a:solidFill>
-                <a:latin typeface="Cascadia Mono" panose="020B0609020000020004" pitchFamily="49" charset="0"/>
-              </a:rPr>
-              <a:t>"</a:t>
-            </a:r>
-            <a:r>
-              <a:rPr lang="da-DK" sz="1600" dirty="0">
-                <a:solidFill>
-                  <a:srgbClr val="000000"/>
-                </a:solidFill>
-                <a:latin typeface="Cascadia Mono" panose="020B0609020000020004" pitchFamily="49" charset="0"/>
-              </a:rPr>
-              <a:t>;</a:t>
-            </a:r>
-          </a:p>
-          <a:p>
-            <a:r>
-              <a:rPr lang="da-DK" sz="1600" dirty="0">
-                <a:solidFill>
-                  <a:srgbClr val="000000"/>
-                </a:solidFill>
-                <a:latin typeface="Cascadia Mono" panose="020B0609020000020004" pitchFamily="49" charset="0"/>
-              </a:rPr>
-              <a:t>    </a:t>
-            </a:r>
-            <a:r>
-              <a:rPr lang="da-DK" sz="1600" dirty="0" err="1">
-                <a:solidFill>
-                  <a:srgbClr val="000000"/>
-                </a:solidFill>
-                <a:latin typeface="Cascadia Mono" panose="020B0609020000020004" pitchFamily="49" charset="0"/>
-              </a:rPr>
-              <a:t>context.</a:t>
-            </a:r>
-            <a:r>
-              <a:rPr lang="da-DK" sz="1600" dirty="0" err="1">
-                <a:solidFill>
-                  <a:srgbClr val="000000"/>
-                </a:solidFill>
-                <a:highlight>
-                  <a:srgbClr val="FFFF00"/>
-                </a:highlight>
-                <a:latin typeface="Cascadia Mono" panose="020B0609020000020004" pitchFamily="49" charset="0"/>
-              </a:rPr>
-              <a:t>Drinks</a:t>
-            </a:r>
-            <a:r>
-              <a:rPr lang="da-DK" sz="1600" dirty="0" err="1">
-                <a:solidFill>
-                  <a:srgbClr val="000000"/>
-                </a:solidFill>
-                <a:latin typeface="Cascadia Mono" panose="020B0609020000020004" pitchFamily="49" charset="0"/>
-              </a:rPr>
-              <a:t>.Update</a:t>
-            </a:r>
-            <a:r>
-              <a:rPr lang="da-DK" sz="1600" dirty="0">
-                <a:solidFill>
-                  <a:srgbClr val="000000"/>
-                </a:solidFill>
-                <a:latin typeface="Cascadia Mono" panose="020B0609020000020004" pitchFamily="49" charset="0"/>
-              </a:rPr>
-              <a:t>(</a:t>
-            </a:r>
-            <a:r>
-              <a:rPr lang="da-DK" sz="1600" dirty="0" err="1">
-                <a:solidFill>
-                  <a:srgbClr val="000000"/>
-                </a:solidFill>
-                <a:latin typeface="Cascadia Mono" panose="020B0609020000020004" pitchFamily="49" charset="0"/>
-              </a:rPr>
-              <a:t>dRead</a:t>
-            </a:r>
-            <a:r>
-              <a:rPr lang="da-DK" sz="1600" dirty="0">
-                <a:solidFill>
-                  <a:srgbClr val="000000"/>
-                </a:solidFill>
-                <a:latin typeface="Cascadia Mono" panose="020B0609020000020004" pitchFamily="49" charset="0"/>
-              </a:rPr>
-              <a:t>); </a:t>
-            </a:r>
-            <a:r>
-              <a:rPr lang="da-DK" sz="1600" dirty="0">
-                <a:solidFill>
-                  <a:srgbClr val="008000"/>
-                </a:solidFill>
-                <a:latin typeface="Cascadia Mono" panose="020B0609020000020004" pitchFamily="49" charset="0"/>
-              </a:rPr>
-              <a:t>// NB: Not </a:t>
-            </a:r>
-            <a:r>
-              <a:rPr lang="da-DK" sz="1600" dirty="0" err="1">
-                <a:solidFill>
-                  <a:srgbClr val="008000"/>
-                </a:solidFill>
-                <a:latin typeface="Cascadia Mono" panose="020B0609020000020004" pitchFamily="49" charset="0"/>
-              </a:rPr>
-              <a:t>saved</a:t>
-            </a:r>
-            <a:r>
-              <a:rPr lang="da-DK" sz="1600" dirty="0">
-                <a:solidFill>
-                  <a:srgbClr val="008000"/>
-                </a:solidFill>
-                <a:latin typeface="Cascadia Mono" panose="020B0609020000020004" pitchFamily="49" charset="0"/>
-              </a:rPr>
-              <a:t> </a:t>
-            </a:r>
-            <a:r>
-              <a:rPr lang="da-DK" sz="1600" dirty="0" err="1">
-                <a:solidFill>
-                  <a:srgbClr val="008000"/>
-                </a:solidFill>
-                <a:latin typeface="Cascadia Mono" panose="020B0609020000020004" pitchFamily="49" charset="0"/>
-              </a:rPr>
-              <a:t>yet</a:t>
-            </a:r>
-            <a:r>
-              <a:rPr lang="da-DK" sz="1600" dirty="0">
-                <a:solidFill>
-                  <a:srgbClr val="008000"/>
-                </a:solidFill>
-                <a:latin typeface="Cascadia Mono" panose="020B0609020000020004" pitchFamily="49" charset="0"/>
-              </a:rPr>
-              <a:t>!</a:t>
-            </a:r>
-            <a:endParaRPr lang="da-DK" sz="1600" dirty="0">
-              <a:solidFill>
-                <a:srgbClr val="000000"/>
-              </a:solidFill>
-              <a:latin typeface="Cascadia Mono" panose="020B0609020000020004" pitchFamily="49" charset="0"/>
-            </a:endParaRPr>
-          </a:p>
-          <a:p>
-            <a:endParaRPr lang="da-DK" sz="1600" dirty="0">
-              <a:solidFill>
-                <a:srgbClr val="000000"/>
-              </a:solidFill>
-              <a:latin typeface="Cascadia Mono" panose="020B0609020000020004" pitchFamily="49" charset="0"/>
-            </a:endParaRPr>
-          </a:p>
-          <a:p>
-            <a:r>
-              <a:rPr lang="da-DK" sz="1600" dirty="0">
-                <a:solidFill>
-                  <a:srgbClr val="000000"/>
-                </a:solidFill>
-                <a:latin typeface="Cascadia Mono" panose="020B0609020000020004" pitchFamily="49" charset="0"/>
-              </a:rPr>
-              <a:t>}</a:t>
-            </a:r>
-          </a:p>
-          <a:p>
-            <a:endParaRPr lang="da-DK" sz="1600" dirty="0">
-              <a:solidFill>
-                <a:srgbClr val="000000"/>
-              </a:solidFill>
-              <a:latin typeface="Cascadia Mono" panose="020B0609020000020004" pitchFamily="49" charset="0"/>
-            </a:endParaRPr>
-          </a:p>
-          <a:p>
-            <a:r>
-              <a:rPr lang="da-DK" sz="1600" dirty="0">
-                <a:solidFill>
-                  <a:srgbClr val="008000"/>
-                </a:solidFill>
-                <a:latin typeface="Cascadia Mono" panose="020B0609020000020004" pitchFamily="49" charset="0"/>
-              </a:rPr>
-              <a:t>// Delete</a:t>
-            </a:r>
-            <a:endParaRPr lang="da-DK" sz="1600" dirty="0">
-              <a:solidFill>
-                <a:srgbClr val="000000"/>
-              </a:solidFill>
-              <a:latin typeface="Cascadia Mono" panose="020B0609020000020004" pitchFamily="49" charset="0"/>
-            </a:endParaRPr>
-          </a:p>
-          <a:p>
-            <a:r>
-              <a:rPr lang="da-DK" sz="1600" dirty="0" err="1">
-                <a:solidFill>
-                  <a:srgbClr val="0000FF"/>
-                </a:solidFill>
-                <a:latin typeface="Cascadia Mono" panose="020B0609020000020004" pitchFamily="49" charset="0"/>
-              </a:rPr>
-              <a:t>if</a:t>
-            </a:r>
-            <a:r>
-              <a:rPr lang="da-DK" sz="1600" dirty="0">
-                <a:solidFill>
-                  <a:srgbClr val="000000"/>
-                </a:solidFill>
-                <a:latin typeface="Cascadia Mono" panose="020B0609020000020004" pitchFamily="49" charset="0"/>
-              </a:rPr>
-              <a:t> (</a:t>
-            </a:r>
-            <a:r>
-              <a:rPr lang="da-DK" sz="1600" dirty="0" err="1">
-                <a:solidFill>
-                  <a:srgbClr val="000000"/>
-                </a:solidFill>
-                <a:latin typeface="Cascadia Mono" panose="020B0609020000020004" pitchFamily="49" charset="0"/>
-              </a:rPr>
-              <a:t>dRead</a:t>
-            </a:r>
-            <a:r>
-              <a:rPr lang="da-DK" sz="1600" dirty="0">
-                <a:solidFill>
-                  <a:srgbClr val="000000"/>
-                </a:solidFill>
-                <a:latin typeface="Cascadia Mono" panose="020B0609020000020004" pitchFamily="49" charset="0"/>
-              </a:rPr>
-              <a:t> != </a:t>
-            </a:r>
-            <a:r>
-              <a:rPr lang="da-DK" sz="1600" dirty="0" err="1">
-                <a:solidFill>
-                  <a:srgbClr val="0000FF"/>
-                </a:solidFill>
-                <a:latin typeface="Cascadia Mono" panose="020B0609020000020004" pitchFamily="49" charset="0"/>
-              </a:rPr>
-              <a:t>null</a:t>
-            </a:r>
-            <a:r>
-              <a:rPr lang="da-DK" sz="1600" dirty="0">
-                <a:solidFill>
-                  <a:srgbClr val="000000"/>
-                </a:solidFill>
-                <a:latin typeface="Cascadia Mono" panose="020B0609020000020004" pitchFamily="49" charset="0"/>
-              </a:rPr>
-              <a:t>)</a:t>
-            </a:r>
-          </a:p>
-          <a:p>
-            <a:r>
-              <a:rPr lang="da-DK" sz="1600" dirty="0">
-                <a:solidFill>
-                  <a:srgbClr val="000000"/>
-                </a:solidFill>
-                <a:latin typeface="Cascadia Mono" panose="020B0609020000020004" pitchFamily="49" charset="0"/>
-              </a:rPr>
-              <a:t>{</a:t>
-            </a:r>
-          </a:p>
-          <a:p>
-            <a:r>
-              <a:rPr lang="da-DK" sz="1600" dirty="0">
-                <a:solidFill>
-                  <a:srgbClr val="000000"/>
-                </a:solidFill>
-                <a:latin typeface="Cascadia Mono" panose="020B0609020000020004" pitchFamily="49" charset="0"/>
-              </a:rPr>
-              <a:t>    </a:t>
-            </a:r>
-            <a:r>
-              <a:rPr lang="da-DK" sz="1600" dirty="0" err="1">
-                <a:solidFill>
-                  <a:srgbClr val="000000"/>
-                </a:solidFill>
-                <a:latin typeface="Cascadia Mono" panose="020B0609020000020004" pitchFamily="49" charset="0"/>
-              </a:rPr>
-              <a:t>context.</a:t>
-            </a:r>
-            <a:r>
-              <a:rPr lang="da-DK" sz="1600" dirty="0" err="1">
-                <a:solidFill>
-                  <a:srgbClr val="000000"/>
-                </a:solidFill>
-                <a:highlight>
-                  <a:srgbClr val="FFFF00"/>
-                </a:highlight>
-                <a:latin typeface="Cascadia Mono" panose="020B0609020000020004" pitchFamily="49" charset="0"/>
-              </a:rPr>
-              <a:t>Drinks</a:t>
-            </a:r>
-            <a:r>
-              <a:rPr lang="da-DK" sz="1600" dirty="0" err="1">
-                <a:solidFill>
-                  <a:srgbClr val="000000"/>
-                </a:solidFill>
-                <a:latin typeface="Cascadia Mono" panose="020B0609020000020004" pitchFamily="49" charset="0"/>
-              </a:rPr>
-              <a:t>.Remove</a:t>
-            </a:r>
-            <a:r>
-              <a:rPr lang="da-DK" sz="1600" dirty="0">
-                <a:solidFill>
-                  <a:srgbClr val="000000"/>
-                </a:solidFill>
-                <a:latin typeface="Cascadia Mono" panose="020B0609020000020004" pitchFamily="49" charset="0"/>
-              </a:rPr>
-              <a:t>(</a:t>
-            </a:r>
-            <a:r>
-              <a:rPr lang="da-DK" sz="1600" dirty="0" err="1">
-                <a:solidFill>
-                  <a:srgbClr val="000000"/>
-                </a:solidFill>
-                <a:latin typeface="Cascadia Mono" panose="020B0609020000020004" pitchFamily="49" charset="0"/>
-              </a:rPr>
-              <a:t>dRead</a:t>
-            </a:r>
-            <a:r>
-              <a:rPr lang="da-DK" sz="1600" dirty="0">
-                <a:solidFill>
-                  <a:srgbClr val="000000"/>
-                </a:solidFill>
-                <a:latin typeface="Cascadia Mono" panose="020B0609020000020004" pitchFamily="49" charset="0"/>
-              </a:rPr>
-              <a:t>); </a:t>
-            </a:r>
-            <a:r>
-              <a:rPr lang="da-DK" sz="1600" dirty="0">
-                <a:solidFill>
-                  <a:srgbClr val="008000"/>
-                </a:solidFill>
-                <a:latin typeface="Cascadia Mono" panose="020B0609020000020004" pitchFamily="49" charset="0"/>
-              </a:rPr>
-              <a:t>// NB: Not </a:t>
-            </a:r>
-            <a:r>
-              <a:rPr lang="da-DK" sz="1600" dirty="0" err="1">
-                <a:solidFill>
-                  <a:srgbClr val="008000"/>
-                </a:solidFill>
-                <a:latin typeface="Cascadia Mono" panose="020B0609020000020004" pitchFamily="49" charset="0"/>
-              </a:rPr>
-              <a:t>saved</a:t>
-            </a:r>
-            <a:r>
-              <a:rPr lang="da-DK" sz="1600" dirty="0">
-                <a:solidFill>
-                  <a:srgbClr val="008000"/>
-                </a:solidFill>
-                <a:latin typeface="Cascadia Mono" panose="020B0609020000020004" pitchFamily="49" charset="0"/>
-              </a:rPr>
-              <a:t> </a:t>
-            </a:r>
-            <a:r>
-              <a:rPr lang="da-DK" sz="1600" dirty="0" err="1">
-                <a:solidFill>
-                  <a:srgbClr val="008000"/>
-                </a:solidFill>
-                <a:latin typeface="Cascadia Mono" panose="020B0609020000020004" pitchFamily="49" charset="0"/>
-              </a:rPr>
-              <a:t>yet</a:t>
-            </a:r>
-            <a:r>
-              <a:rPr lang="da-DK" sz="1600" dirty="0">
-                <a:solidFill>
-                  <a:srgbClr val="008000"/>
-                </a:solidFill>
-                <a:latin typeface="Cascadia Mono" panose="020B0609020000020004" pitchFamily="49" charset="0"/>
-              </a:rPr>
-              <a:t>!</a:t>
-            </a:r>
-            <a:endParaRPr lang="da-DK" sz="1600" dirty="0">
-              <a:solidFill>
-                <a:srgbClr val="000000"/>
-              </a:solidFill>
-              <a:latin typeface="Cascadia Mono" panose="020B0609020000020004" pitchFamily="49" charset="0"/>
-            </a:endParaRPr>
-          </a:p>
-          <a:p>
-            <a:r>
-              <a:rPr lang="da-DK" sz="1600" dirty="0">
-                <a:solidFill>
-                  <a:srgbClr val="000000"/>
-                </a:solidFill>
-                <a:latin typeface="Cascadia Mono" panose="020B0609020000020004" pitchFamily="49" charset="0"/>
-              </a:rPr>
-              <a:t>}</a:t>
-            </a:r>
-            <a:endParaRPr lang="da-DK" sz="1600" dirty="0"/>
-          </a:p>
-        </p:txBody>
-      </p:sp>
-    </p:spTree>
-    <p:extLst>
-      <p:ext uri="{BB962C8B-B14F-4D97-AF65-F5344CB8AC3E}">
-        <p14:creationId xmlns:p14="http://schemas.microsoft.com/office/powerpoint/2010/main" val="3718350381"/>
-      </p:ext>
-    </p:extLst>
-  </p:cSld>
-  <p:clrMapOvr>
-    <a:masterClrMapping/>
-  </p:clrMapOvr>
-</p:sld>
-</file>
-
-<file path=ppt/slides/slide19.xml><?xml version="1.0" encoding="utf-8"?>
-<p:sld xmlns:a="http://schemas.openxmlformats.org/drawingml/2006/main" xmlns:r="http://schemas.openxmlformats.org/officeDocument/2006/relationships" xmlns:p="http://schemas.openxmlformats.org/presentationml/2006/main">
-  <p:cSld>
-    <p:spTree>
-      <p:nvGrpSpPr>
-        <p:cNvPr id="1" name=""/>
-        <p:cNvGrpSpPr/>
-        <p:nvPr/>
-      </p:nvGrpSpPr>
-      <p:grpSpPr>
-        <a:xfrm>
-          <a:off x="0" y="0"/>
-          <a:ext cx="0" cy="0"/>
-          <a:chOff x="0" y="0"/>
-          <a:chExt cx="0" cy="0"/>
-        </a:xfrm>
-      </p:grpSpPr>
-      <p:sp>
-        <p:nvSpPr>
-          <p:cNvPr id="2" name="Titel 1">
-            <a:extLst>
-              <a:ext uri="{FF2B5EF4-FFF2-40B4-BE49-F238E27FC236}">
-                <a16:creationId xmlns:a16="http://schemas.microsoft.com/office/drawing/2014/main" id="{D61F8742-C7A3-7B0C-CCD9-56CDAC795075}"/>
-              </a:ext>
-            </a:extLst>
-          </p:cNvPr>
-          <p:cNvSpPr>
-            <a:spLocks noGrp="1"/>
-          </p:cNvSpPr>
-          <p:nvPr>
-            <p:ph type="title"/>
-          </p:nvPr>
-        </p:nvSpPr>
-        <p:spPr/>
-        <p:txBody>
-          <a:bodyPr/>
-          <a:lstStyle/>
-          <a:p>
-            <a:r>
-              <a:rPr lang="da-DK" b="1" dirty="0"/>
-              <a:t>Set&lt;…&gt;() </a:t>
-            </a:r>
-            <a:r>
-              <a:rPr lang="da-DK" dirty="0" err="1"/>
-              <a:t>method</a:t>
-            </a:r>
-            <a:endParaRPr lang="da-DK" dirty="0"/>
-          </a:p>
-        </p:txBody>
-      </p:sp>
-      <p:sp>
-        <p:nvSpPr>
-          <p:cNvPr id="3" name="Pladsholder til indhold 2">
-            <a:extLst>
-              <a:ext uri="{FF2B5EF4-FFF2-40B4-BE49-F238E27FC236}">
-                <a16:creationId xmlns:a16="http://schemas.microsoft.com/office/drawing/2014/main" id="{BB829EC2-BD6E-A501-82B6-3AAC9CC13C68}"/>
-              </a:ext>
-            </a:extLst>
-          </p:cNvPr>
-          <p:cNvSpPr>
-            <a:spLocks noGrp="1"/>
-          </p:cNvSpPr>
-          <p:nvPr>
-            <p:ph idx="1"/>
-          </p:nvPr>
-        </p:nvSpPr>
-        <p:spPr>
-          <a:xfrm>
-            <a:off x="838201" y="1825625"/>
-            <a:ext cx="8075212" cy="4351338"/>
-          </a:xfrm>
-        </p:spPr>
-        <p:txBody>
-          <a:bodyPr/>
-          <a:lstStyle/>
-          <a:p>
-            <a:r>
-              <a:rPr lang="da-DK" dirty="0" err="1"/>
-              <a:t>Very</a:t>
-            </a:r>
-            <a:r>
-              <a:rPr lang="da-DK" dirty="0"/>
-              <a:t> </a:t>
-            </a:r>
-            <a:r>
-              <a:rPr lang="da-DK" dirty="0" err="1"/>
-              <a:t>easy</a:t>
-            </a:r>
-            <a:r>
-              <a:rPr lang="da-DK" dirty="0"/>
-              <a:t> to </a:t>
-            </a:r>
-            <a:r>
-              <a:rPr lang="da-DK" dirty="0" err="1"/>
-              <a:t>work</a:t>
-            </a:r>
-            <a:r>
-              <a:rPr lang="da-DK" dirty="0"/>
-              <a:t> with </a:t>
-            </a:r>
-            <a:r>
-              <a:rPr lang="da-DK" b="1" dirty="0"/>
-              <a:t>DbSet&lt;…&gt; </a:t>
-            </a:r>
-            <a:r>
-              <a:rPr lang="da-DK" dirty="0"/>
-              <a:t>properties.</a:t>
-            </a:r>
-          </a:p>
-          <a:p>
-            <a:r>
-              <a:rPr lang="da-DK" dirty="0" err="1"/>
-              <a:t>Drawback</a:t>
-            </a:r>
-            <a:r>
-              <a:rPr lang="da-DK" dirty="0"/>
-              <a:t>: not </a:t>
-            </a:r>
-            <a:r>
-              <a:rPr lang="da-DK" dirty="0" err="1"/>
-              <a:t>easy</a:t>
-            </a:r>
-            <a:r>
-              <a:rPr lang="da-DK" dirty="0"/>
-              <a:t> to </a:t>
-            </a:r>
-            <a:r>
-              <a:rPr lang="da-DK" dirty="0" err="1"/>
-              <a:t>generalize</a:t>
-            </a:r>
-            <a:r>
-              <a:rPr lang="da-DK" dirty="0"/>
-              <a:t> </a:t>
-            </a:r>
-            <a:r>
-              <a:rPr lang="da-DK" i="1" dirty="0"/>
-              <a:t>CRUD</a:t>
-            </a:r>
-            <a:r>
-              <a:rPr lang="da-DK" dirty="0"/>
-              <a:t> </a:t>
-            </a:r>
-            <a:r>
-              <a:rPr lang="da-DK" dirty="0" err="1"/>
-              <a:t>code</a:t>
-            </a:r>
-            <a:r>
-              <a:rPr lang="da-DK" dirty="0"/>
-              <a:t>…</a:t>
-            </a:r>
-          </a:p>
-          <a:p>
-            <a:r>
-              <a:rPr lang="da-DK" dirty="0"/>
-              <a:t>Alternative: </a:t>
-            </a:r>
-            <a:r>
-              <a:rPr lang="da-DK" dirty="0" err="1"/>
-              <a:t>use</a:t>
-            </a:r>
-            <a:r>
-              <a:rPr lang="da-DK" dirty="0"/>
-              <a:t> </a:t>
-            </a:r>
-            <a:r>
-              <a:rPr lang="da-DK" b="1" dirty="0"/>
-              <a:t>Set&lt;…&gt;() </a:t>
-            </a:r>
-            <a:r>
-              <a:rPr lang="da-DK" dirty="0" err="1"/>
-              <a:t>method</a:t>
-            </a:r>
-            <a:r>
-              <a:rPr lang="da-DK" dirty="0"/>
-              <a:t>.</a:t>
-            </a:r>
-          </a:p>
-          <a:p>
-            <a:r>
-              <a:rPr lang="da-DK" dirty="0" err="1"/>
-              <a:t>Calling</a:t>
-            </a:r>
-            <a:r>
-              <a:rPr lang="da-DK" dirty="0"/>
-              <a:t> </a:t>
-            </a:r>
-            <a:r>
-              <a:rPr lang="da-DK" b="1" dirty="0"/>
-              <a:t>Set&lt;T&gt;() </a:t>
-            </a:r>
-            <a:r>
-              <a:rPr lang="da-DK" dirty="0"/>
-              <a:t>on </a:t>
-            </a:r>
-            <a:r>
-              <a:rPr lang="da-DK" dirty="0" err="1"/>
-              <a:t>context</a:t>
-            </a:r>
-            <a:r>
-              <a:rPr lang="da-DK" dirty="0"/>
-              <a:t> </a:t>
-            </a:r>
-            <a:r>
-              <a:rPr lang="da-DK" dirty="0" err="1"/>
-              <a:t>object</a:t>
-            </a:r>
-            <a:r>
-              <a:rPr lang="da-DK" dirty="0"/>
-              <a:t> returns all </a:t>
-            </a:r>
-            <a:r>
-              <a:rPr lang="da-DK" dirty="0" err="1"/>
-              <a:t>objects</a:t>
-            </a:r>
-            <a:r>
-              <a:rPr lang="da-DK" dirty="0"/>
-              <a:t> of type </a:t>
-            </a:r>
-            <a:r>
-              <a:rPr lang="da-DK" b="1" dirty="0"/>
-              <a:t>T</a:t>
-            </a:r>
-          </a:p>
-          <a:p>
-            <a:r>
-              <a:rPr lang="da-DK" dirty="0" err="1"/>
-              <a:t>Essentially</a:t>
-            </a:r>
-            <a:r>
-              <a:rPr lang="da-DK" dirty="0"/>
-              <a:t>, </a:t>
-            </a:r>
-            <a:r>
-              <a:rPr lang="da-DK" b="1" dirty="0"/>
-              <a:t>DbSet&lt;T&gt;</a:t>
-            </a:r>
-            <a:r>
-              <a:rPr lang="da-DK" dirty="0"/>
-              <a:t> and </a:t>
-            </a:r>
-            <a:r>
-              <a:rPr lang="da-DK" b="1" dirty="0"/>
-              <a:t>Set&lt;T&gt;() </a:t>
-            </a:r>
-            <a:r>
-              <a:rPr lang="da-DK" dirty="0" err="1"/>
-              <a:t>are</a:t>
-            </a:r>
-            <a:r>
-              <a:rPr lang="da-DK" dirty="0"/>
-              <a:t> </a:t>
-            </a:r>
-            <a:r>
-              <a:rPr lang="da-DK" dirty="0" err="1"/>
-              <a:t>equivalent</a:t>
-            </a:r>
-            <a:endParaRPr lang="da-DK" dirty="0"/>
-          </a:p>
-        </p:txBody>
-      </p:sp>
-    </p:spTree>
-    <p:extLst>
-      <p:ext uri="{BB962C8B-B14F-4D97-AF65-F5344CB8AC3E}">
-        <p14:creationId xmlns:p14="http://schemas.microsoft.com/office/powerpoint/2010/main" val="3579977540"/>
       </p:ext>
     </p:extLst>
   </p:cSld>
@@ -9871,7 +9776,7 @@
         <p:spPr>
           <a:xfrm>
             <a:off x="838200" y="1690688"/>
-            <a:ext cx="8726555" cy="2831544"/>
+            <a:ext cx="8726555" cy="4524315"/>
           </a:xfrm>
           <a:prstGeom prst="rect">
             <a:avLst/>
@@ -9984,6 +9889,15 @@
             </a:endParaRPr>
           </a:p>
           <a:p>
+            <a:r>
+              <a:rPr lang="da-DK" sz="1600" dirty="0">
+                <a:solidFill>
+                  <a:srgbClr val="008000"/>
+                </a:solidFill>
+                <a:latin typeface="Cascadia Mono" panose="020B0609020000020004" pitchFamily="49" charset="0"/>
+              </a:rPr>
+              <a:t>// Read</a:t>
+            </a:r>
             <a:endParaRPr lang="da-DK" sz="1600" dirty="0">
               <a:solidFill>
                 <a:srgbClr val="000000"/>
@@ -9995,30 +9909,98 @@
             <a:r>
               <a:rPr lang="da-DK" sz="1600" dirty="0">
                 <a:solidFill>
-                  <a:srgbClr val="008000"/>
-                </a:solidFill>
-                <a:latin typeface="Cascadia Mono" panose="020B0609020000020004" pitchFamily="49" charset="0"/>
-              </a:rPr>
-              <a:t>// </a:t>
+                  <a:srgbClr val="2B91AF"/>
+                </a:solidFill>
+                <a:latin typeface="Cascadia Mono" panose="020B0609020000020004" pitchFamily="49" charset="0"/>
+              </a:rPr>
+              <a:t>Drink</a:t>
+            </a:r>
+            <a:r>
+              <a:rPr lang="da-DK" sz="1600" dirty="0">
+                <a:solidFill>
+                  <a:srgbClr val="000000"/>
+                </a:solidFill>
+                <a:latin typeface="Cascadia Mono" panose="020B0609020000020004" pitchFamily="49" charset="0"/>
+              </a:rPr>
+              <a:t>? </a:t>
             </a:r>
             <a:r>
               <a:rPr lang="da-DK" sz="1600" dirty="0" err="1">
                 <a:solidFill>
-                  <a:srgbClr val="008000"/>
-                </a:solidFill>
-                <a:latin typeface="Cascadia Mono" panose="020B0609020000020004" pitchFamily="49" charset="0"/>
-              </a:rPr>
-              <a:t>Get</a:t>
-            </a:r>
-            <a:r>
-              <a:rPr lang="da-DK" sz="1600" dirty="0">
-                <a:solidFill>
-                  <a:srgbClr val="008000"/>
-                </a:solidFill>
-                <a:latin typeface="Cascadia Mono" panose="020B0609020000020004" pitchFamily="49" charset="0"/>
-              </a:rPr>
-              <a:t> All</a:t>
-            </a:r>
+                  <a:srgbClr val="000000"/>
+                </a:solidFill>
+                <a:latin typeface="Cascadia Mono" panose="020B0609020000020004" pitchFamily="49" charset="0"/>
+              </a:rPr>
+              <a:t>dRead</a:t>
+            </a:r>
+            <a:r>
+              <a:rPr lang="da-DK" sz="1600" dirty="0">
+                <a:solidFill>
+                  <a:srgbClr val="000000"/>
+                </a:solidFill>
+                <a:latin typeface="Cascadia Mono" panose="020B0609020000020004" pitchFamily="49" charset="0"/>
+              </a:rPr>
+              <a:t> = </a:t>
+            </a:r>
+            <a:r>
+              <a:rPr lang="da-DK" sz="1600" dirty="0" err="1">
+                <a:solidFill>
+                  <a:srgbClr val="000000"/>
+                </a:solidFill>
+                <a:latin typeface="Cascadia Mono" panose="020B0609020000020004" pitchFamily="49" charset="0"/>
+              </a:rPr>
+              <a:t>context.</a:t>
+            </a:r>
+            <a:r>
+              <a:rPr lang="da-DK" sz="1600" dirty="0" err="1">
+                <a:solidFill>
+                  <a:srgbClr val="000000"/>
+                </a:solidFill>
+                <a:highlight>
+                  <a:srgbClr val="FFFF00"/>
+                </a:highlight>
+                <a:latin typeface="Cascadia Mono" panose="020B0609020000020004" pitchFamily="49" charset="0"/>
+              </a:rPr>
+              <a:t>Drinks</a:t>
+            </a:r>
+            <a:r>
+              <a:rPr lang="da-DK" sz="1600" dirty="0" err="1">
+                <a:solidFill>
+                  <a:srgbClr val="000000"/>
+                </a:solidFill>
+                <a:latin typeface="Cascadia Mono" panose="020B0609020000020004" pitchFamily="49" charset="0"/>
+              </a:rPr>
+              <a:t>.Find</a:t>
+            </a:r>
+            <a:r>
+              <a:rPr lang="da-DK" sz="1600" dirty="0">
+                <a:solidFill>
+                  <a:srgbClr val="000000"/>
+                </a:solidFill>
+                <a:latin typeface="Cascadia Mono" panose="020B0609020000020004" pitchFamily="49" charset="0"/>
+              </a:rPr>
+              <a:t>(</a:t>
+            </a:r>
+            <a:r>
+              <a:rPr lang="da-DK" sz="1600" dirty="0" err="1">
+                <a:solidFill>
+                  <a:srgbClr val="000000"/>
+                </a:solidFill>
+                <a:latin typeface="Cascadia Mono" panose="020B0609020000020004" pitchFamily="49" charset="0"/>
+              </a:rPr>
+              <a:t>d.Id</a:t>
+            </a:r>
+            <a:r>
+              <a:rPr lang="da-DK" sz="1600" dirty="0">
+                <a:solidFill>
+                  <a:srgbClr val="000000"/>
+                </a:solidFill>
+                <a:latin typeface="Cascadia Mono" panose="020B0609020000020004" pitchFamily="49" charset="0"/>
+              </a:rPr>
+              <a:t>);</a:t>
+            </a:r>
+          </a:p>
+          <a:p>
             <a:endParaRPr lang="da-DK" sz="1600" dirty="0">
               <a:solidFill>
                 <a:srgbClr val="000000"/>
@@ -10030,143 +10012,12 @@
             <a:r>
               <a:rPr lang="da-DK" sz="1600" dirty="0">
                 <a:solidFill>
-                  <a:srgbClr val="2B91AF"/>
-                </a:solidFill>
-                <a:latin typeface="Cascadia Mono" panose="020B0609020000020004" pitchFamily="49" charset="0"/>
-              </a:rPr>
-              <a:t>List</a:t>
-            </a:r>
-            <a:r>
-              <a:rPr lang="da-DK" sz="1600" dirty="0">
-                <a:solidFill>
-                  <a:srgbClr val="000000"/>
-                </a:solidFill>
-                <a:latin typeface="Cascadia Mono" panose="020B0609020000020004" pitchFamily="49" charset="0"/>
-              </a:rPr>
-              <a:t>&lt;</a:t>
-            </a:r>
-            <a:r>
-              <a:rPr lang="da-DK" sz="1600" dirty="0">
-                <a:solidFill>
-                  <a:srgbClr val="2B91AF"/>
-                </a:solidFill>
-                <a:latin typeface="Cascadia Mono" panose="020B0609020000020004" pitchFamily="49" charset="0"/>
-              </a:rPr>
-              <a:t>Drink</a:t>
-            </a:r>
-            <a:r>
-              <a:rPr lang="da-DK" sz="1600" dirty="0">
-                <a:solidFill>
-                  <a:srgbClr val="000000"/>
-                </a:solidFill>
-                <a:latin typeface="Cascadia Mono" panose="020B0609020000020004" pitchFamily="49" charset="0"/>
-              </a:rPr>
-              <a:t>&gt; </a:t>
-            </a:r>
-            <a:r>
-              <a:rPr lang="da-DK" sz="1600" dirty="0" err="1">
-                <a:solidFill>
-                  <a:srgbClr val="000000"/>
-                </a:solidFill>
-                <a:latin typeface="Cascadia Mono" panose="020B0609020000020004" pitchFamily="49" charset="0"/>
-              </a:rPr>
-              <a:t>allDrinks</a:t>
-            </a:r>
-            <a:r>
-              <a:rPr lang="da-DK" sz="1600" dirty="0">
-                <a:solidFill>
-                  <a:srgbClr val="000000"/>
-                </a:solidFill>
-                <a:latin typeface="Cascadia Mono" panose="020B0609020000020004" pitchFamily="49" charset="0"/>
-              </a:rPr>
-              <a:t> = </a:t>
-            </a:r>
-            <a:r>
-              <a:rPr lang="da-DK" sz="1600" dirty="0" err="1">
-                <a:solidFill>
-                  <a:srgbClr val="000000"/>
-                </a:solidFill>
-                <a:latin typeface="Cascadia Mono" panose="020B0609020000020004" pitchFamily="49" charset="0"/>
-              </a:rPr>
-              <a:t>context.</a:t>
-            </a:r>
-            <a:r>
-              <a:rPr lang="da-DK" sz="1600" dirty="0" err="1">
-                <a:solidFill>
-                  <a:srgbClr val="000000"/>
-                </a:solidFill>
-                <a:highlight>
-                  <a:srgbClr val="FFFF00"/>
-                </a:highlight>
-                <a:latin typeface="Cascadia Mono" panose="020B0609020000020004" pitchFamily="49" charset="0"/>
-              </a:rPr>
-              <a:t>Set</a:t>
-            </a:r>
-            <a:r>
-              <a:rPr lang="da-DK" sz="1600" dirty="0">
-                <a:solidFill>
-                  <a:srgbClr val="000000"/>
-                </a:solidFill>
-                <a:highlight>
-                  <a:srgbClr val="FFFF00"/>
-                </a:highlight>
-                <a:latin typeface="Cascadia Mono" panose="020B0609020000020004" pitchFamily="49" charset="0"/>
-              </a:rPr>
-              <a:t>&lt;</a:t>
-            </a:r>
-            <a:r>
-              <a:rPr lang="da-DK" sz="1600" dirty="0">
-                <a:solidFill>
-                  <a:srgbClr val="2B91AF"/>
-                </a:solidFill>
-                <a:highlight>
-                  <a:srgbClr val="FFFF00"/>
-                </a:highlight>
-                <a:latin typeface="Cascadia Mono" panose="020B0609020000020004" pitchFamily="49" charset="0"/>
-              </a:rPr>
-              <a:t>Drink</a:t>
-            </a:r>
-            <a:r>
-              <a:rPr lang="da-DK" sz="1600" dirty="0">
-                <a:solidFill>
-                  <a:srgbClr val="000000"/>
-                </a:solidFill>
-                <a:highlight>
-                  <a:srgbClr val="FFFF00"/>
-                </a:highlight>
-                <a:latin typeface="Cascadia Mono" panose="020B0609020000020004" pitchFamily="49" charset="0"/>
-              </a:rPr>
-              <a:t>&gt;()</a:t>
-            </a:r>
-            <a:r>
-              <a:rPr lang="da-DK" sz="1600" dirty="0">
-                <a:solidFill>
-                  <a:srgbClr val="000000"/>
-                </a:solidFill>
-                <a:latin typeface="Cascadia Mono" panose="020B0609020000020004" pitchFamily="49" charset="0"/>
-              </a:rPr>
-              <a:t>.</a:t>
-            </a:r>
-            <a:r>
-              <a:rPr lang="da-DK" sz="1600" dirty="0" err="1">
-                <a:solidFill>
-                  <a:srgbClr val="000000"/>
-                </a:solidFill>
-                <a:latin typeface="Cascadia Mono" panose="020B0609020000020004" pitchFamily="49" charset="0"/>
-              </a:rPr>
-              <a:t>ToList</a:t>
-            </a:r>
-            <a:r>
-              <a:rPr lang="da-DK" sz="1600" dirty="0">
-                <a:solidFill>
-                  <a:srgbClr val="000000"/>
-                </a:solidFill>
-                <a:latin typeface="Cascadia Mono" panose="020B0609020000020004" pitchFamily="49" charset="0"/>
-              </a:rPr>
-              <a:t>();</a:t>
-            </a:r>
-          </a:p>
-          <a:p>
+                  <a:srgbClr val="008000"/>
+                </a:solidFill>
+                <a:latin typeface="Cascadia Mono" panose="020B0609020000020004" pitchFamily="49" charset="0"/>
+              </a:rPr>
+              <a:t>// Update</a:t>
+            </a:r>
             <a:endParaRPr lang="da-DK" sz="1600" dirty="0">
               <a:solidFill>
                 <a:srgbClr val="000000"/>
@@ -10175,6 +10026,249 @@
             </a:endParaRPr>
           </a:p>
           <a:p>
+            <a:r>
+              <a:rPr lang="da-DK" sz="1600" dirty="0" err="1">
+                <a:solidFill>
+                  <a:srgbClr val="0000FF"/>
+                </a:solidFill>
+                <a:latin typeface="Cascadia Mono" panose="020B0609020000020004" pitchFamily="49" charset="0"/>
+              </a:rPr>
+              <a:t>if</a:t>
+            </a:r>
+            <a:r>
+              <a:rPr lang="da-DK" sz="1600" dirty="0">
+                <a:solidFill>
+                  <a:srgbClr val="000000"/>
+                </a:solidFill>
+                <a:latin typeface="Cascadia Mono" panose="020B0609020000020004" pitchFamily="49" charset="0"/>
+              </a:rPr>
+              <a:t> (</a:t>
+            </a:r>
+            <a:r>
+              <a:rPr lang="da-DK" sz="1600" dirty="0" err="1">
+                <a:solidFill>
+                  <a:srgbClr val="000000"/>
+                </a:solidFill>
+                <a:latin typeface="Cascadia Mono" panose="020B0609020000020004" pitchFamily="49" charset="0"/>
+              </a:rPr>
+              <a:t>dRead</a:t>
+            </a:r>
+            <a:r>
+              <a:rPr lang="da-DK" sz="1600" dirty="0">
+                <a:solidFill>
+                  <a:srgbClr val="000000"/>
+                </a:solidFill>
+                <a:latin typeface="Cascadia Mono" panose="020B0609020000020004" pitchFamily="49" charset="0"/>
+              </a:rPr>
+              <a:t> != </a:t>
+            </a:r>
+            <a:r>
+              <a:rPr lang="da-DK" sz="1600" dirty="0" err="1">
+                <a:solidFill>
+                  <a:srgbClr val="0000FF"/>
+                </a:solidFill>
+                <a:latin typeface="Cascadia Mono" panose="020B0609020000020004" pitchFamily="49" charset="0"/>
+              </a:rPr>
+              <a:t>null</a:t>
+            </a:r>
+            <a:r>
+              <a:rPr lang="da-DK" sz="1600" dirty="0">
+                <a:solidFill>
+                  <a:srgbClr val="000000"/>
+                </a:solidFill>
+                <a:latin typeface="Cascadia Mono" panose="020B0609020000020004" pitchFamily="49" charset="0"/>
+              </a:rPr>
+              <a:t>)</a:t>
+            </a:r>
+          </a:p>
+          <a:p>
+            <a:r>
+              <a:rPr lang="da-DK" sz="1600" dirty="0">
+                <a:solidFill>
+                  <a:srgbClr val="000000"/>
+                </a:solidFill>
+                <a:latin typeface="Cascadia Mono" panose="020B0609020000020004" pitchFamily="49" charset="0"/>
+              </a:rPr>
+              <a:t>{</a:t>
+            </a:r>
+          </a:p>
+          <a:p>
+            <a:r>
+              <a:rPr lang="da-DK" sz="1600" dirty="0">
+                <a:solidFill>
+                  <a:srgbClr val="000000"/>
+                </a:solidFill>
+                <a:latin typeface="Cascadia Mono" panose="020B0609020000020004" pitchFamily="49" charset="0"/>
+              </a:rPr>
+              <a:t>    </a:t>
+            </a:r>
+            <a:r>
+              <a:rPr lang="da-DK" sz="1600" dirty="0" err="1">
+                <a:solidFill>
+                  <a:srgbClr val="000000"/>
+                </a:solidFill>
+                <a:latin typeface="Cascadia Mono" panose="020B0609020000020004" pitchFamily="49" charset="0"/>
+              </a:rPr>
+              <a:t>dRead.Name</a:t>
+            </a:r>
+            <a:r>
+              <a:rPr lang="da-DK" sz="1600" dirty="0">
+                <a:solidFill>
+                  <a:srgbClr val="000000"/>
+                </a:solidFill>
+                <a:latin typeface="Cascadia Mono" panose="020B0609020000020004" pitchFamily="49" charset="0"/>
+              </a:rPr>
+              <a:t> = </a:t>
+            </a:r>
+            <a:r>
+              <a:rPr lang="da-DK" sz="1600" dirty="0">
+                <a:solidFill>
+                  <a:srgbClr val="A31515"/>
+                </a:solidFill>
+                <a:latin typeface="Cascadia Mono" panose="020B0609020000020004" pitchFamily="49" charset="0"/>
+              </a:rPr>
+              <a:t>"New </a:t>
+            </a:r>
+            <a:r>
+              <a:rPr lang="da-DK" sz="1600" dirty="0" err="1">
+                <a:solidFill>
+                  <a:srgbClr val="A31515"/>
+                </a:solidFill>
+                <a:latin typeface="Cascadia Mono" panose="020B0609020000020004" pitchFamily="49" charset="0"/>
+              </a:rPr>
+              <a:t>Name</a:t>
+            </a:r>
+            <a:r>
+              <a:rPr lang="da-DK" sz="1600" dirty="0">
+                <a:solidFill>
+                  <a:srgbClr val="A31515"/>
+                </a:solidFill>
+                <a:latin typeface="Cascadia Mono" panose="020B0609020000020004" pitchFamily="49" charset="0"/>
+              </a:rPr>
+              <a:t>"</a:t>
+            </a:r>
+            <a:r>
+              <a:rPr lang="da-DK" sz="1600" dirty="0">
+                <a:solidFill>
+                  <a:srgbClr val="000000"/>
+                </a:solidFill>
+                <a:latin typeface="Cascadia Mono" panose="020B0609020000020004" pitchFamily="49" charset="0"/>
+              </a:rPr>
+              <a:t>;</a:t>
+            </a:r>
+          </a:p>
+          <a:p>
+            <a:r>
+              <a:rPr lang="da-DK" sz="1600" dirty="0">
+                <a:solidFill>
+                  <a:srgbClr val="000000"/>
+                </a:solidFill>
+                <a:latin typeface="Cascadia Mono" panose="020B0609020000020004" pitchFamily="49" charset="0"/>
+              </a:rPr>
+              <a:t>    </a:t>
+            </a:r>
+            <a:r>
+              <a:rPr lang="da-DK" sz="1600" dirty="0" err="1">
+                <a:solidFill>
+                  <a:srgbClr val="000000"/>
+                </a:solidFill>
+                <a:latin typeface="Cascadia Mono" panose="020B0609020000020004" pitchFamily="49" charset="0"/>
+              </a:rPr>
+              <a:t>context.</a:t>
+            </a:r>
+            <a:r>
+              <a:rPr lang="da-DK" sz="1600" dirty="0" err="1">
+                <a:solidFill>
+                  <a:srgbClr val="000000"/>
+                </a:solidFill>
+                <a:highlight>
+                  <a:srgbClr val="FFFF00"/>
+                </a:highlight>
+                <a:latin typeface="Cascadia Mono" panose="020B0609020000020004" pitchFamily="49" charset="0"/>
+              </a:rPr>
+              <a:t>Drinks</a:t>
+            </a:r>
+            <a:r>
+              <a:rPr lang="da-DK" sz="1600" dirty="0" err="1">
+                <a:solidFill>
+                  <a:srgbClr val="000000"/>
+                </a:solidFill>
+                <a:latin typeface="Cascadia Mono" panose="020B0609020000020004" pitchFamily="49" charset="0"/>
+              </a:rPr>
+              <a:t>.Update</a:t>
+            </a:r>
+            <a:r>
+              <a:rPr lang="da-DK" sz="1600" dirty="0">
+                <a:solidFill>
+                  <a:srgbClr val="000000"/>
+                </a:solidFill>
+                <a:latin typeface="Cascadia Mono" panose="020B0609020000020004" pitchFamily="49" charset="0"/>
+              </a:rPr>
+              <a:t>(</a:t>
+            </a:r>
+            <a:r>
+              <a:rPr lang="da-DK" sz="1600" dirty="0" err="1">
+                <a:solidFill>
+                  <a:srgbClr val="000000"/>
+                </a:solidFill>
+                <a:latin typeface="Cascadia Mono" panose="020B0609020000020004" pitchFamily="49" charset="0"/>
+              </a:rPr>
+              <a:t>dRead</a:t>
+            </a:r>
+            <a:r>
+              <a:rPr lang="da-DK" sz="1600" dirty="0">
+                <a:solidFill>
+                  <a:srgbClr val="000000"/>
+                </a:solidFill>
+                <a:latin typeface="Cascadia Mono" panose="020B0609020000020004" pitchFamily="49" charset="0"/>
+              </a:rPr>
+              <a:t>); </a:t>
+            </a:r>
+            <a:r>
+              <a:rPr lang="da-DK" sz="1600" dirty="0">
+                <a:solidFill>
+                  <a:srgbClr val="008000"/>
+                </a:solidFill>
+                <a:latin typeface="Cascadia Mono" panose="020B0609020000020004" pitchFamily="49" charset="0"/>
+              </a:rPr>
+              <a:t>// NB: Not </a:t>
+            </a:r>
+            <a:r>
+              <a:rPr lang="da-DK" sz="1600" dirty="0" err="1">
+                <a:solidFill>
+                  <a:srgbClr val="008000"/>
+                </a:solidFill>
+                <a:latin typeface="Cascadia Mono" panose="020B0609020000020004" pitchFamily="49" charset="0"/>
+              </a:rPr>
+              <a:t>saved</a:t>
+            </a:r>
+            <a:r>
+              <a:rPr lang="da-DK" sz="1600" dirty="0">
+                <a:solidFill>
+                  <a:srgbClr val="008000"/>
+                </a:solidFill>
+                <a:latin typeface="Cascadia Mono" panose="020B0609020000020004" pitchFamily="49" charset="0"/>
+              </a:rPr>
+              <a:t> </a:t>
+            </a:r>
+            <a:r>
+              <a:rPr lang="da-DK" sz="1600" dirty="0" err="1">
+                <a:solidFill>
+                  <a:srgbClr val="008000"/>
+                </a:solidFill>
+                <a:latin typeface="Cascadia Mono" panose="020B0609020000020004" pitchFamily="49" charset="0"/>
+              </a:rPr>
+              <a:t>yet</a:t>
+            </a:r>
+            <a:r>
+              <a:rPr lang="da-DK" sz="1600" dirty="0">
+                <a:solidFill>
+                  <a:srgbClr val="008000"/>
+                </a:solidFill>
+                <a:latin typeface="Cascadia Mono" panose="020B0609020000020004" pitchFamily="49" charset="0"/>
+              </a:rPr>
+              <a:t>!</a:t>
+            </a:r>
             <a:endParaRPr lang="da-DK" sz="1600" dirty="0">
               <a:solidFill>
                 <a:srgbClr val="000000"/>
@@ -10183,24 +10277,6 @@
             </a:endParaRPr>
           </a:p>
           <a:p>
-            <a:r>
-              <a:rPr lang="da-DK" sz="1600" dirty="0">
-                <a:solidFill>
-                  <a:srgbClr val="008000"/>
-                </a:solidFill>
-                <a:latin typeface="Cascadia Mono" panose="020B0609020000020004" pitchFamily="49" charset="0"/>
-              </a:rPr>
-              <a:t>// </a:t>
-            </a:r>
-            <a:r>
-              <a:rPr lang="da-DK" sz="1600" dirty="0" err="1">
-                <a:solidFill>
-                  <a:srgbClr val="008000"/>
-                </a:solidFill>
-                <a:latin typeface="Cascadia Mono" panose="020B0609020000020004" pitchFamily="49" charset="0"/>
-              </a:rPr>
-              <a:t>Create</a:t>
-            </a:r>
             <a:endParaRPr lang="da-DK" sz="1600" dirty="0">
               <a:solidFill>
                 <a:srgbClr val="000000"/>
@@ -10212,59 +10288,115 @@
             <a:r>
               <a:rPr lang="da-DK" sz="1600" dirty="0">
                 <a:solidFill>
-                  <a:srgbClr val="2B91AF"/>
-                </a:solidFill>
-                <a:latin typeface="Cascadia Mono" panose="020B0609020000020004" pitchFamily="49" charset="0"/>
-              </a:rPr>
-              <a:t>Drink</a:t>
-            </a:r>
-            <a:r>
-              <a:rPr lang="da-DK" sz="1600" dirty="0">
-                <a:solidFill>
-                  <a:srgbClr val="000000"/>
-                </a:solidFill>
-                <a:latin typeface="Cascadia Mono" panose="020B0609020000020004" pitchFamily="49" charset="0"/>
-              </a:rPr>
-              <a:t> d = </a:t>
-            </a:r>
-            <a:r>
-              <a:rPr lang="da-DK" sz="1600" dirty="0">
+                  <a:srgbClr val="000000"/>
+                </a:solidFill>
+                <a:latin typeface="Cascadia Mono" panose="020B0609020000020004" pitchFamily="49" charset="0"/>
+              </a:rPr>
+              <a:t>}</a:t>
+            </a:r>
+          </a:p>
+          <a:p>
+            <a:endParaRPr lang="da-DK" sz="1600" dirty="0">
+              <a:solidFill>
+                <a:srgbClr val="000000"/>
+              </a:solidFill>
+              <a:latin typeface="Cascadia Mono" panose="020B0609020000020004" pitchFamily="49" charset="0"/>
+            </a:endParaRPr>
+          </a:p>
+          <a:p>
+            <a:r>
+              <a:rPr lang="da-DK" sz="1600" dirty="0">
+                <a:solidFill>
+                  <a:srgbClr val="008000"/>
+                </a:solidFill>
+                <a:latin typeface="Cascadia Mono" panose="020B0609020000020004" pitchFamily="49" charset="0"/>
+              </a:rPr>
+              <a:t>// Delete</a:t>
+            </a:r>
+            <a:endParaRPr lang="da-DK" sz="1600" dirty="0">
+              <a:solidFill>
+                <a:srgbClr val="000000"/>
+              </a:solidFill>
+              <a:latin typeface="Cascadia Mono" panose="020B0609020000020004" pitchFamily="49" charset="0"/>
+            </a:endParaRPr>
+          </a:p>
+          <a:p>
+            <a:r>
+              <a:rPr lang="da-DK" sz="1600" dirty="0" err="1">
                 <a:solidFill>
                   <a:srgbClr val="0000FF"/>
                 </a:solidFill>
                 <a:latin typeface="Cascadia Mono" panose="020B0609020000020004" pitchFamily="49" charset="0"/>
               </a:rPr>
-              <a:t>new</a:t>
-            </a:r>
-            <a:r>
-              <a:rPr lang="da-DK" sz="1600" dirty="0">
-                <a:solidFill>
-                  <a:srgbClr val="000000"/>
-                </a:solidFill>
-                <a:latin typeface="Cascadia Mono" panose="020B0609020000020004" pitchFamily="49" charset="0"/>
-              </a:rPr>
-              <a:t> </a:t>
-            </a:r>
-            <a:r>
-              <a:rPr lang="da-DK" sz="1600" dirty="0">
-                <a:solidFill>
-                  <a:srgbClr val="2B91AF"/>
-                </a:solidFill>
-                <a:latin typeface="Cascadia Mono" panose="020B0609020000020004" pitchFamily="49" charset="0"/>
-              </a:rPr>
-              <a:t>Drink</a:t>
-            </a:r>
-            <a:r>
-              <a:rPr lang="da-DK" sz="1600" dirty="0">
-                <a:solidFill>
-                  <a:srgbClr val="000000"/>
-                </a:solidFill>
-                <a:latin typeface="Cascadia Mono" panose="020B0609020000020004" pitchFamily="49" charset="0"/>
-              </a:rPr>
-              <a:t>() { … };</a:t>
-            </a:r>
-          </a:p>
-          <a:p>
+              <a:t>if</a:t>
+            </a:r>
+            <a:r>
+              <a:rPr lang="da-DK" sz="1600" dirty="0">
+                <a:solidFill>
+                  <a:srgbClr val="000000"/>
+                </a:solidFill>
+                <a:latin typeface="Cascadia Mono" panose="020B0609020000020004" pitchFamily="49" charset="0"/>
+              </a:rPr>
+              <a:t> (</a:t>
+            </a:r>
+            <a:r>
+              <a:rPr lang="da-DK" sz="1600" dirty="0" err="1">
+                <a:solidFill>
+                  <a:srgbClr val="000000"/>
+                </a:solidFill>
+                <a:latin typeface="Cascadia Mono" panose="020B0609020000020004" pitchFamily="49" charset="0"/>
+              </a:rPr>
+              <a:t>dRead</a:t>
+            </a:r>
+            <a:r>
+              <a:rPr lang="da-DK" sz="1600" dirty="0">
+                <a:solidFill>
+                  <a:srgbClr val="000000"/>
+                </a:solidFill>
+                <a:latin typeface="Cascadia Mono" panose="020B0609020000020004" pitchFamily="49" charset="0"/>
+              </a:rPr>
+              <a:t> != </a:t>
+            </a:r>
+            <a:r>
+              <a:rPr lang="da-DK" sz="1600" dirty="0" err="1">
+                <a:solidFill>
+                  <a:srgbClr val="0000FF"/>
+                </a:solidFill>
+                <a:latin typeface="Cascadia Mono" panose="020B0609020000020004" pitchFamily="49" charset="0"/>
+              </a:rPr>
+              <a:t>null</a:t>
+            </a:r>
+            <a:r>
+              <a:rPr lang="da-DK" sz="1600" dirty="0">
+                <a:solidFill>
+                  <a:srgbClr val="000000"/>
+                </a:solidFill>
+                <a:latin typeface="Cascadia Mono" panose="020B0609020000020004" pitchFamily="49" charset="0"/>
+              </a:rPr>
+              <a:t>)</a:t>
+            </a:r>
+          </a:p>
+          <a:p>
+            <a:r>
+              <a:rPr lang="da-DK" sz="1600" dirty="0">
+                <a:solidFill>
+                  <a:srgbClr val="000000"/>
+                </a:solidFill>
+                <a:latin typeface="Cascadia Mono" panose="020B0609020000020004" pitchFamily="49" charset="0"/>
+              </a:rPr>
+              <a:t>{</a:t>
+            </a:r>
+          </a:p>
+          <a:p>
+            <a:r>
+              <a:rPr lang="da-DK" sz="1600" dirty="0">
+                <a:solidFill>
+                  <a:srgbClr val="000000"/>
+                </a:solidFill>
+                <a:latin typeface="Cascadia Mono" panose="020B0609020000020004" pitchFamily="49" charset="0"/>
+              </a:rPr>
+              <a:t>    </a:t>
+            </a:r>
             <a:r>
               <a:rPr lang="da-DK" sz="1600" dirty="0" err="1">
                 <a:solidFill>
@@ -10284,52 +10416,7 @@
                 </a:highlight>
                 <a:latin typeface="Cascadia Mono" panose="020B0609020000020004" pitchFamily="49" charset="0"/>
               </a:rPr>
-              <a:t>Set</a:t>
-            </a:r>
-            <a:r>
-              <a:rPr lang="da-DK" sz="1600" dirty="0">
-                <a:solidFill>
-                  <a:srgbClr val="000000"/>
-                </a:solidFill>
-                <a:highlight>
-                  <a:srgbClr val="FFFF00"/>
-                </a:highlight>
-                <a:latin typeface="Cascadia Mono" panose="020B0609020000020004" pitchFamily="49" charset="0"/>
-              </a:rPr>
-              <a:t>&lt;</a:t>
-            </a:r>
-            <a:r>
-              <a:rPr lang="da-DK" sz="1600" dirty="0">
-                <a:solidFill>
-                  <a:srgbClr val="2B91AF"/>
-                </a:solidFill>
-                <a:highlight>
-                  <a:srgbClr val="FFFF00"/>
-                </a:highlight>
-                <a:latin typeface="Cascadia Mono" panose="020B0609020000020004" pitchFamily="49" charset="0"/>
-              </a:rPr>
-              <a:t>Drink</a:t>
-            </a:r>
-            <a:r>
-              <a:rPr lang="da-DK" sz="1600" dirty="0">
-                <a:solidFill>
-                  <a:srgbClr val="000000"/>
-                </a:solidFill>
-                <a:highlight>
-                  <a:srgbClr val="FFFF00"/>
-                </a:highlight>
-                <a:latin typeface="Cascadia Mono" panose="020B0609020000020004" pitchFamily="49" charset="0"/>
-              </a:rPr>
-              <a:t>&gt;()</a:t>
-            </a:r>
-            <a:r>
-              <a:rPr lang="da-DK" sz="1600" dirty="0">
-                <a:solidFill>
-                  <a:srgbClr val="000000"/>
-                </a:solidFill>
-                <a:latin typeface="Cascadia Mono" panose="020B0609020000020004" pitchFamily="49" charset="0"/>
-              </a:rPr>
-              <a:t>.</a:t>
+              <a:t>Drinks</a:t>
             </a:r>
             <a:r>
               <a:rPr lang="da-DK" sz="1600" dirty="0" err="1">
@@ -10338,19 +10425,17 @@
                 </a:solidFill>
                 <a:latin typeface="Cascadia Mono" panose="020B0609020000020004" pitchFamily="49" charset="0"/>
               </a:rPr>
-              <a:t>Add</a:t>
-            </a:r>
-            <a:r>
-              <a:rPr lang="da-DK" sz="1600" dirty="0">
-                <a:solidFill>
-                  <a:srgbClr val="000000"/>
-                </a:solidFill>
-                <a:latin typeface="Cascadia Mono" panose="020B0609020000020004" pitchFamily="49" charset="0"/>
-              </a:rPr>
-              <a:t>(d);</a:t>
-            </a:r>
-          </a:p>
-          <a:p>
+              <a:t>.Remove</a:t>
+            </a:r>
+            <a:r>
+              <a:rPr lang="da-DK" sz="1600" dirty="0">
+                <a:solidFill>
+                  <a:srgbClr val="000000"/>
+                </a:solidFill>
+                <a:latin typeface="Cascadia Mono" panose="020B0609020000020004" pitchFamily="49" charset="0"/>
+              </a:rPr>
+              <a:t>(</a:t>
+            </a:r>
             <a:r>
               <a:rPr lang="da-DK" sz="1600" dirty="0" err="1">
                 <a:solidFill>
@@ -10358,16 +10443,78 @@
                 </a:solidFill>
                 <a:latin typeface="Cascadia Mono" panose="020B0609020000020004" pitchFamily="49" charset="0"/>
               </a:rPr>
-              <a:t>context.SaveChanges</a:t>
-            </a:r>
-            <a:r>
-              <a:rPr lang="da-DK" sz="1600" dirty="0">
-                <a:solidFill>
-                  <a:srgbClr val="000000"/>
-                </a:solidFill>
-                <a:latin typeface="Cascadia Mono" panose="020B0609020000020004" pitchFamily="49" charset="0"/>
-              </a:rPr>
-              <a:t>();</a:t>
+              <a:t>dRead</a:t>
+            </a:r>
+            <a:r>
+              <a:rPr lang="da-DK" sz="1600" dirty="0">
+                <a:solidFill>
+                  <a:srgbClr val="000000"/>
+                </a:solidFill>
+                <a:latin typeface="Cascadia Mono" panose="020B0609020000020004" pitchFamily="49" charset="0"/>
+              </a:rPr>
+              <a:t>); </a:t>
+            </a:r>
+            <a:r>
+              <a:rPr lang="da-DK" sz="1600" dirty="0">
+                <a:solidFill>
+                  <a:srgbClr val="008000"/>
+                </a:solidFill>
+                <a:latin typeface="Cascadia Mono" panose="020B0609020000020004" pitchFamily="49" charset="0"/>
+              </a:rPr>
+              <a:t>// NB: Not </a:t>
+            </a:r>
+            <a:r>
+              <a:rPr lang="da-DK" sz="1600" dirty="0" err="1">
+                <a:solidFill>
+                  <a:srgbClr val="008000"/>
+                </a:solidFill>
+                <a:latin typeface="Cascadia Mono" panose="020B0609020000020004" pitchFamily="49" charset="0"/>
+              </a:rPr>
+              <a:t>saved</a:t>
+            </a:r>
+            <a:r>
+              <a:rPr lang="da-DK" sz="1600" dirty="0">
+                <a:solidFill>
+                  <a:srgbClr val="008000"/>
+                </a:solidFill>
+                <a:latin typeface="Cascadia Mono" panose="020B0609020000020004" pitchFamily="49" charset="0"/>
+              </a:rPr>
+              <a:t> </a:t>
+            </a:r>
+            <a:r>
+              <a:rPr lang="da-DK" sz="1600" dirty="0" err="1">
+                <a:solidFill>
+                  <a:srgbClr val="008000"/>
+                </a:solidFill>
+                <a:latin typeface="Cascadia Mono" panose="020B0609020000020004" pitchFamily="49" charset="0"/>
+              </a:rPr>
+              <a:t>yet</a:t>
+            </a:r>
+            <a:r>
+              <a:rPr lang="da-DK" sz="1600" dirty="0">
+                <a:solidFill>
+                  <a:srgbClr val="008000"/>
+                </a:solidFill>
+                <a:latin typeface="Cascadia Mono" panose="020B0609020000020004" pitchFamily="49" charset="0"/>
+              </a:rPr>
+              <a:t>!</a:t>
+            </a:r>
+            <a:endParaRPr lang="da-DK" sz="1600" dirty="0">
+              <a:solidFill>
+                <a:srgbClr val="000000"/>
+              </a:solidFill>
+              <a:latin typeface="Cascadia Mono" panose="020B0609020000020004" pitchFamily="49" charset="0"/>
+            </a:endParaRPr>
+          </a:p>
+          <a:p>
+            <a:r>
+              <a:rPr lang="da-DK" sz="1600" dirty="0">
+                <a:solidFill>
+                  <a:srgbClr val="000000"/>
+                </a:solidFill>
+                <a:latin typeface="Cascadia Mono" panose="020B0609020000020004" pitchFamily="49" charset="0"/>
+              </a:rPr>
+              <a:t>}</a:t>
             </a:r>
             <a:endParaRPr lang="da-DK" sz="1600" dirty="0"/>
           </a:p>
@@ -10376,7 +10523,7 @@
     </p:spTree>
     <p:extLst>
       <p:ext uri="{BB962C8B-B14F-4D97-AF65-F5344CB8AC3E}">
-        <p14:creationId xmlns:p14="http://schemas.microsoft.com/office/powerpoint/2010/main" val="625488444"/>
+        <p14:creationId xmlns:p14="http://schemas.microsoft.com/office/powerpoint/2010/main" val="3718350381"/>
       </p:ext>
     </p:extLst>
   </p:cSld>
@@ -10387,6 +10534,279 @@
 </file>
 
 <file path=ppt/slides/slide21.xml><?xml version="1.0" encoding="utf-8"?>
+<p:sld xmlns:a="http://schemas.openxmlformats.org/drawingml/2006/main" xmlns:r="http://schemas.openxmlformats.org/officeDocument/2006/relationships" xmlns:p="http://schemas.openxmlformats.org/presentationml/2006/main">
+  <p:cSld>
+    <p:spTree>
+      <p:nvGrpSpPr>
+        <p:cNvPr id="1" name=""/>
+        <p:cNvGrpSpPr/>
+        <p:nvPr/>
+      </p:nvGrpSpPr>
+      <p:grpSpPr>
+        <a:xfrm>
+          <a:off x="0" y="0"/>
+          <a:ext cx="0" cy="0"/>
+          <a:chOff x="0" y="0"/>
+          <a:chExt cx="0" cy="0"/>
+        </a:xfrm>
+      </p:grpSpPr>
+      <p:sp>
+        <p:nvSpPr>
+          <p:cNvPr id="2" name="Titel 1">
+            <a:extLst>
+              <a:ext uri="{FF2B5EF4-FFF2-40B4-BE49-F238E27FC236}">
+                <a16:creationId xmlns:a16="http://schemas.microsoft.com/office/drawing/2014/main" id="{D61F8742-C7A3-7B0C-CCD9-56CDAC795075}"/>
+              </a:ext>
+            </a:extLst>
+          </p:cNvPr>
+          <p:cNvSpPr>
+            <a:spLocks noGrp="1"/>
+          </p:cNvSpPr>
+          <p:nvPr>
+            <p:ph type="title"/>
+          </p:nvPr>
+        </p:nvSpPr>
+        <p:spPr/>
+        <p:txBody>
+          <a:bodyPr/>
+          <a:lstStyle/>
+          <a:p>
+            <a:r>
+              <a:rPr lang="da-DK" b="1" dirty="0"/>
+              <a:t>Set&lt;…&gt;() </a:t>
+            </a:r>
+            <a:r>
+              <a:rPr lang="da-DK" dirty="0" err="1"/>
+              <a:t>method</a:t>
+            </a:r>
+            <a:endParaRPr lang="da-DK" dirty="0"/>
+          </a:p>
+        </p:txBody>
+      </p:sp>
+      <p:sp>
+        <p:nvSpPr>
+          <p:cNvPr id="3" name="Pladsholder til indhold 2">
+            <a:extLst>
+              <a:ext uri="{FF2B5EF4-FFF2-40B4-BE49-F238E27FC236}">
+                <a16:creationId xmlns:a16="http://schemas.microsoft.com/office/drawing/2014/main" id="{BB829EC2-BD6E-A501-82B6-3AAC9CC13C68}"/>
+              </a:ext>
+            </a:extLst>
+          </p:cNvPr>
+          <p:cNvSpPr>
+            <a:spLocks noGrp="1"/>
+          </p:cNvSpPr>
+          <p:nvPr>
+            <p:ph idx="1"/>
+          </p:nvPr>
+        </p:nvSpPr>
+        <p:spPr>
+          <a:xfrm>
+            <a:off x="838201" y="1825625"/>
+            <a:ext cx="8075212" cy="4351338"/>
+          </a:xfrm>
+        </p:spPr>
+        <p:txBody>
+          <a:bodyPr/>
+          <a:lstStyle/>
+          <a:p>
+            <a:r>
+              <a:rPr lang="da-DK" dirty="0" err="1"/>
+              <a:t>Very</a:t>
+            </a:r>
+            <a:r>
+              <a:rPr lang="da-DK" dirty="0"/>
+              <a:t> </a:t>
+            </a:r>
+            <a:r>
+              <a:rPr lang="da-DK" dirty="0" err="1"/>
+              <a:t>easy</a:t>
+            </a:r>
+            <a:r>
+              <a:rPr lang="da-DK" dirty="0"/>
+              <a:t> to </a:t>
+            </a:r>
+            <a:r>
+              <a:rPr lang="da-DK" dirty="0" err="1"/>
+              <a:t>work</a:t>
+            </a:r>
+            <a:r>
+              <a:rPr lang="da-DK" dirty="0"/>
+              <a:t> with </a:t>
+            </a:r>
+            <a:r>
+              <a:rPr lang="da-DK" b="1" dirty="0"/>
+              <a:t>DbSet&lt;…&gt; </a:t>
+            </a:r>
+            <a:r>
+              <a:rPr lang="da-DK" dirty="0"/>
+              <a:t>properties.</a:t>
+            </a:r>
+          </a:p>
+          <a:p>
+            <a:r>
+              <a:rPr lang="da-DK" dirty="0" err="1"/>
+              <a:t>Drawback</a:t>
+            </a:r>
+            <a:r>
+              <a:rPr lang="da-DK" dirty="0"/>
+              <a:t>: not </a:t>
+            </a:r>
+            <a:r>
+              <a:rPr lang="da-DK" dirty="0" err="1"/>
+              <a:t>easy</a:t>
+            </a:r>
+            <a:r>
+              <a:rPr lang="da-DK" dirty="0"/>
+              <a:t> to </a:t>
+            </a:r>
+            <a:r>
+              <a:rPr lang="da-DK" dirty="0" err="1"/>
+              <a:t>generalize</a:t>
+            </a:r>
+            <a:r>
+              <a:rPr lang="da-DK" dirty="0"/>
+              <a:t> </a:t>
+            </a:r>
+            <a:r>
+              <a:rPr lang="da-DK" i="1" dirty="0"/>
+              <a:t>CRUD</a:t>
+            </a:r>
+            <a:r>
+              <a:rPr lang="da-DK" dirty="0"/>
+              <a:t> </a:t>
+            </a:r>
+            <a:r>
+              <a:rPr lang="da-DK" dirty="0" err="1"/>
+              <a:t>code</a:t>
+            </a:r>
+            <a:r>
+              <a:rPr lang="da-DK" dirty="0"/>
+              <a:t>…</a:t>
+            </a:r>
+          </a:p>
+          <a:p>
+            <a:r>
+              <a:rPr lang="da-DK" dirty="0"/>
+              <a:t>Alternative: </a:t>
+            </a:r>
+            <a:r>
+              <a:rPr lang="da-DK" dirty="0" err="1"/>
+              <a:t>use</a:t>
+            </a:r>
+            <a:r>
+              <a:rPr lang="da-DK" dirty="0"/>
+              <a:t> </a:t>
+            </a:r>
+            <a:r>
+              <a:rPr lang="da-DK" b="1" dirty="0"/>
+              <a:t>Set&lt;…&gt;() </a:t>
+            </a:r>
+            <a:r>
+              <a:rPr lang="da-DK" dirty="0" err="1"/>
+              <a:t>method</a:t>
+            </a:r>
+            <a:r>
+              <a:rPr lang="da-DK" dirty="0"/>
+              <a:t>.</a:t>
+            </a:r>
+          </a:p>
+          <a:p>
+            <a:r>
+              <a:rPr lang="da-DK" dirty="0" err="1"/>
+              <a:t>Calling</a:t>
+            </a:r>
+            <a:r>
+              <a:rPr lang="da-DK" dirty="0"/>
+              <a:t> </a:t>
+            </a:r>
+            <a:r>
+              <a:rPr lang="da-DK" b="1" dirty="0"/>
+              <a:t>Set&lt;T&gt;() </a:t>
+            </a:r>
+            <a:r>
+              <a:rPr lang="da-DK" dirty="0"/>
+              <a:t>on </a:t>
+            </a:r>
+            <a:r>
+              <a:rPr lang="da-DK" dirty="0" err="1"/>
+              <a:t>context</a:t>
+            </a:r>
+            <a:r>
+              <a:rPr lang="da-DK" dirty="0"/>
+              <a:t> </a:t>
+            </a:r>
+            <a:r>
+              <a:rPr lang="da-DK" dirty="0" err="1"/>
+              <a:t>object</a:t>
+            </a:r>
+            <a:r>
+              <a:rPr lang="da-DK" dirty="0"/>
+              <a:t> returns all </a:t>
+            </a:r>
+            <a:r>
+              <a:rPr lang="da-DK" dirty="0" err="1"/>
+              <a:t>objects</a:t>
+            </a:r>
+            <a:r>
+              <a:rPr lang="da-DK" dirty="0"/>
+              <a:t> of type </a:t>
+            </a:r>
+            <a:r>
+              <a:rPr lang="da-DK" b="1" dirty="0"/>
+              <a:t>T</a:t>
+            </a:r>
+          </a:p>
+          <a:p>
+            <a:r>
+              <a:rPr lang="da-DK" dirty="0" err="1"/>
+              <a:t>Essentially</a:t>
+            </a:r>
+            <a:r>
+              <a:rPr lang="da-DK" dirty="0"/>
+              <a:t>, </a:t>
+            </a:r>
+            <a:r>
+              <a:rPr lang="da-DK" b="1" dirty="0"/>
+              <a:t>DbSet&lt;T&gt;</a:t>
+            </a:r>
+            <a:r>
+              <a:rPr lang="da-DK" dirty="0"/>
+              <a:t> and </a:t>
+            </a:r>
+            <a:r>
+              <a:rPr lang="da-DK" b="1" dirty="0"/>
+              <a:t>Set&lt;T&gt;() </a:t>
+            </a:r>
+            <a:r>
+              <a:rPr lang="da-DK" dirty="0" err="1"/>
+              <a:t>are</a:t>
+            </a:r>
+            <a:r>
+              <a:rPr lang="da-DK" dirty="0"/>
+              <a:t> </a:t>
+            </a:r>
+            <a:r>
+              <a:rPr lang="da-DK" dirty="0" err="1"/>
+              <a:t>equivalent</a:t>
+            </a:r>
+            <a:endParaRPr lang="da-DK" dirty="0"/>
+          </a:p>
+        </p:txBody>
+      </p:sp>
+    </p:spTree>
+    <p:extLst>
+      <p:ext uri="{BB962C8B-B14F-4D97-AF65-F5344CB8AC3E}">
+        <p14:creationId xmlns:p14="http://schemas.microsoft.com/office/powerpoint/2010/main" val="3579977540"/>
+      </p:ext>
+    </p:extLst>
+  </p:cSld>
+  <p:clrMapOvr>
+    <a:masterClrMapping/>
+  </p:clrMapOvr>
+</p:sld>
+</file>
+
+<file path=ppt/slides/slide22.xml><?xml version="1.0" encoding="utf-8"?>
 <p:sld xmlns:a="http://schemas.openxmlformats.org/drawingml/2006/main" xmlns:r="http://schemas.openxmlformats.org/officeDocument/2006/relationships" xmlns:p="http://schemas.openxmlformats.org/presentationml/2006/main">
   <p:cSld>
     <p:spTree>
@@ -10459,6 +10879,594 @@
         <p:spPr>
           <a:xfrm>
             <a:off x="838200" y="1690688"/>
+            <a:ext cx="8726555" cy="2831544"/>
+          </a:xfrm>
+          <a:prstGeom prst="rect">
+            <a:avLst/>
+          </a:prstGeom>
+          <a:noFill/>
+        </p:spPr>
+        <p:txBody>
+          <a:bodyPr wrap="square" rtlCol="0">
+            <a:spAutoFit/>
+          </a:bodyPr>
+          <a:lstStyle/>
+          <a:p>
+            <a:r>
+              <a:rPr lang="da-DK" sz="1600" dirty="0" err="1">
+                <a:solidFill>
+                  <a:srgbClr val="0000FF"/>
+                </a:solidFill>
+                <a:latin typeface="Cascadia Mono" panose="020B0609020000020004" pitchFamily="49" charset="0"/>
+              </a:rPr>
+              <a:t>using</a:t>
+            </a:r>
+            <a:r>
+              <a:rPr lang="da-DK" sz="1600" dirty="0">
+                <a:solidFill>
+                  <a:srgbClr val="000000"/>
+                </a:solidFill>
+                <a:latin typeface="Cascadia Mono" panose="020B0609020000020004" pitchFamily="49" charset="0"/>
+              </a:rPr>
+              <a:t> </a:t>
+            </a:r>
+            <a:r>
+              <a:rPr lang="da-DK" sz="1600" dirty="0">
+                <a:solidFill>
+                  <a:srgbClr val="2B91AF"/>
+                </a:solidFill>
+                <a:latin typeface="Cascadia Mono" panose="020B0609020000020004" pitchFamily="49" charset="0"/>
+              </a:rPr>
+              <a:t>EFCDrinkDBContext</a:t>
+            </a:r>
+            <a:r>
+              <a:rPr lang="da-DK" sz="1600" dirty="0">
+                <a:solidFill>
+                  <a:srgbClr val="000000"/>
+                </a:solidFill>
+                <a:latin typeface="Cascadia Mono" panose="020B0609020000020004" pitchFamily="49" charset="0"/>
+              </a:rPr>
+              <a:t> </a:t>
+            </a:r>
+            <a:r>
+              <a:rPr lang="da-DK" sz="1600" dirty="0" err="1">
+                <a:solidFill>
+                  <a:srgbClr val="000000"/>
+                </a:solidFill>
+                <a:latin typeface="Cascadia Mono" panose="020B0609020000020004" pitchFamily="49" charset="0"/>
+              </a:rPr>
+              <a:t>context</a:t>
+            </a:r>
+            <a:r>
+              <a:rPr lang="da-DK" sz="1600" dirty="0">
+                <a:solidFill>
+                  <a:srgbClr val="000000"/>
+                </a:solidFill>
+                <a:latin typeface="Cascadia Mono" panose="020B0609020000020004" pitchFamily="49" charset="0"/>
+              </a:rPr>
+              <a:t> = </a:t>
+            </a:r>
+            <a:r>
+              <a:rPr lang="da-DK" sz="1600" dirty="0">
+                <a:solidFill>
+                  <a:srgbClr val="0000FF"/>
+                </a:solidFill>
+                <a:latin typeface="Cascadia Mono" panose="020B0609020000020004" pitchFamily="49" charset="0"/>
+              </a:rPr>
+              <a:t>new</a:t>
+            </a:r>
+            <a:r>
+              <a:rPr lang="da-DK" sz="1600" dirty="0">
+                <a:solidFill>
+                  <a:srgbClr val="000000"/>
+                </a:solidFill>
+                <a:latin typeface="Cascadia Mono" panose="020B0609020000020004" pitchFamily="49" charset="0"/>
+              </a:rPr>
+              <a:t> </a:t>
+            </a:r>
+            <a:r>
+              <a:rPr lang="da-DK" sz="1600" dirty="0">
+                <a:solidFill>
+                  <a:srgbClr val="2B91AF"/>
+                </a:solidFill>
+                <a:latin typeface="Cascadia Mono" panose="020B0609020000020004" pitchFamily="49" charset="0"/>
+              </a:rPr>
+              <a:t>EFCDrinkDBContext</a:t>
+            </a:r>
+            <a:r>
+              <a:rPr lang="da-DK" sz="1600" dirty="0">
+                <a:solidFill>
+                  <a:srgbClr val="000000"/>
+                </a:solidFill>
+                <a:latin typeface="Cascadia Mono" panose="020B0609020000020004" pitchFamily="49" charset="0"/>
+              </a:rPr>
+              <a:t>();</a:t>
+            </a:r>
+          </a:p>
+          <a:p>
+            <a:endParaRPr lang="da-DK" sz="1600" dirty="0">
+              <a:solidFill>
+                <a:srgbClr val="000000"/>
+              </a:solidFill>
+              <a:latin typeface="Cascadia Mono" panose="020B0609020000020004" pitchFamily="49" charset="0"/>
+            </a:endParaRPr>
+          </a:p>
+          <a:p>
+            <a:endParaRPr lang="da-DK" sz="1600" dirty="0">
+              <a:solidFill>
+                <a:srgbClr val="000000"/>
+              </a:solidFill>
+              <a:latin typeface="Cascadia Mono" panose="020B0609020000020004" pitchFamily="49" charset="0"/>
+            </a:endParaRPr>
+          </a:p>
+          <a:p>
+            <a:r>
+              <a:rPr lang="da-DK" sz="1600" dirty="0">
+                <a:solidFill>
+                  <a:srgbClr val="008000"/>
+                </a:solidFill>
+                <a:latin typeface="Cascadia Mono" panose="020B0609020000020004" pitchFamily="49" charset="0"/>
+              </a:rPr>
+              <a:t>// </a:t>
+            </a:r>
+            <a:r>
+              <a:rPr lang="da-DK" sz="1600" dirty="0" err="1">
+                <a:solidFill>
+                  <a:srgbClr val="008000"/>
+                </a:solidFill>
+                <a:latin typeface="Cascadia Mono" panose="020B0609020000020004" pitchFamily="49" charset="0"/>
+              </a:rPr>
+              <a:t>Get</a:t>
+            </a:r>
+            <a:r>
+              <a:rPr lang="da-DK" sz="1600" dirty="0">
+                <a:solidFill>
+                  <a:srgbClr val="008000"/>
+                </a:solidFill>
+                <a:latin typeface="Cascadia Mono" panose="020B0609020000020004" pitchFamily="49" charset="0"/>
+              </a:rPr>
+              <a:t> All</a:t>
+            </a:r>
+            <a:endParaRPr lang="da-DK" sz="1600" dirty="0">
+              <a:solidFill>
+                <a:srgbClr val="000000"/>
+              </a:solidFill>
+              <a:latin typeface="Cascadia Mono" panose="020B0609020000020004" pitchFamily="49" charset="0"/>
+            </a:endParaRPr>
+          </a:p>
+          <a:p>
+            <a:r>
+              <a:rPr lang="da-DK" sz="1600" dirty="0">
+                <a:solidFill>
+                  <a:srgbClr val="2B91AF"/>
+                </a:solidFill>
+                <a:latin typeface="Cascadia Mono" panose="020B0609020000020004" pitchFamily="49" charset="0"/>
+              </a:rPr>
+              <a:t>List</a:t>
+            </a:r>
+            <a:r>
+              <a:rPr lang="da-DK" sz="1600" dirty="0">
+                <a:solidFill>
+                  <a:srgbClr val="000000"/>
+                </a:solidFill>
+                <a:latin typeface="Cascadia Mono" panose="020B0609020000020004" pitchFamily="49" charset="0"/>
+              </a:rPr>
+              <a:t>&lt;</a:t>
+            </a:r>
+            <a:r>
+              <a:rPr lang="da-DK" sz="1600" dirty="0">
+                <a:solidFill>
+                  <a:srgbClr val="2B91AF"/>
+                </a:solidFill>
+                <a:latin typeface="Cascadia Mono" panose="020B0609020000020004" pitchFamily="49" charset="0"/>
+              </a:rPr>
+              <a:t>Drink</a:t>
+            </a:r>
+            <a:r>
+              <a:rPr lang="da-DK" sz="1600" dirty="0">
+                <a:solidFill>
+                  <a:srgbClr val="000000"/>
+                </a:solidFill>
+                <a:latin typeface="Cascadia Mono" panose="020B0609020000020004" pitchFamily="49" charset="0"/>
+              </a:rPr>
+              <a:t>&gt; </a:t>
+            </a:r>
+            <a:r>
+              <a:rPr lang="da-DK" sz="1600" dirty="0" err="1">
+                <a:solidFill>
+                  <a:srgbClr val="000000"/>
+                </a:solidFill>
+                <a:latin typeface="Cascadia Mono" panose="020B0609020000020004" pitchFamily="49" charset="0"/>
+              </a:rPr>
+              <a:t>allDrinks</a:t>
+            </a:r>
+            <a:r>
+              <a:rPr lang="da-DK" sz="1600" dirty="0">
+                <a:solidFill>
+                  <a:srgbClr val="000000"/>
+                </a:solidFill>
+                <a:latin typeface="Cascadia Mono" panose="020B0609020000020004" pitchFamily="49" charset="0"/>
+              </a:rPr>
+              <a:t> = </a:t>
+            </a:r>
+            <a:r>
+              <a:rPr lang="da-DK" sz="1600" dirty="0" err="1">
+                <a:solidFill>
+                  <a:srgbClr val="000000"/>
+                </a:solidFill>
+                <a:latin typeface="Cascadia Mono" panose="020B0609020000020004" pitchFamily="49" charset="0"/>
+              </a:rPr>
+              <a:t>context.</a:t>
+            </a:r>
+            <a:r>
+              <a:rPr lang="da-DK" sz="1600" dirty="0" err="1">
+                <a:solidFill>
+                  <a:srgbClr val="000000"/>
+                </a:solidFill>
+                <a:highlight>
+                  <a:srgbClr val="FFFF00"/>
+                </a:highlight>
+                <a:latin typeface="Cascadia Mono" panose="020B0609020000020004" pitchFamily="49" charset="0"/>
+              </a:rPr>
+              <a:t>Set</a:t>
+            </a:r>
+            <a:r>
+              <a:rPr lang="da-DK" sz="1600" dirty="0">
+                <a:solidFill>
+                  <a:srgbClr val="000000"/>
+                </a:solidFill>
+                <a:highlight>
+                  <a:srgbClr val="FFFF00"/>
+                </a:highlight>
+                <a:latin typeface="Cascadia Mono" panose="020B0609020000020004" pitchFamily="49" charset="0"/>
+              </a:rPr>
+              <a:t>&lt;</a:t>
+            </a:r>
+            <a:r>
+              <a:rPr lang="da-DK" sz="1600" dirty="0">
+                <a:solidFill>
+                  <a:srgbClr val="2B91AF"/>
+                </a:solidFill>
+                <a:highlight>
+                  <a:srgbClr val="FFFF00"/>
+                </a:highlight>
+                <a:latin typeface="Cascadia Mono" panose="020B0609020000020004" pitchFamily="49" charset="0"/>
+              </a:rPr>
+              <a:t>Drink</a:t>
+            </a:r>
+            <a:r>
+              <a:rPr lang="da-DK" sz="1600" dirty="0">
+                <a:solidFill>
+                  <a:srgbClr val="000000"/>
+                </a:solidFill>
+                <a:highlight>
+                  <a:srgbClr val="FFFF00"/>
+                </a:highlight>
+                <a:latin typeface="Cascadia Mono" panose="020B0609020000020004" pitchFamily="49" charset="0"/>
+              </a:rPr>
+              <a:t>&gt;()</a:t>
+            </a:r>
+            <a:r>
+              <a:rPr lang="da-DK" sz="1600" dirty="0">
+                <a:solidFill>
+                  <a:srgbClr val="000000"/>
+                </a:solidFill>
+                <a:latin typeface="Cascadia Mono" panose="020B0609020000020004" pitchFamily="49" charset="0"/>
+              </a:rPr>
+              <a:t>.</a:t>
+            </a:r>
+            <a:r>
+              <a:rPr lang="da-DK" sz="1600" dirty="0" err="1">
+                <a:solidFill>
+                  <a:srgbClr val="000000"/>
+                </a:solidFill>
+                <a:latin typeface="Cascadia Mono" panose="020B0609020000020004" pitchFamily="49" charset="0"/>
+              </a:rPr>
+              <a:t>ToList</a:t>
+            </a:r>
+            <a:r>
+              <a:rPr lang="da-DK" sz="1600" dirty="0">
+                <a:solidFill>
+                  <a:srgbClr val="000000"/>
+                </a:solidFill>
+                <a:latin typeface="Cascadia Mono" panose="020B0609020000020004" pitchFamily="49" charset="0"/>
+              </a:rPr>
+              <a:t>();</a:t>
+            </a:r>
+          </a:p>
+          <a:p>
+            <a:endParaRPr lang="da-DK" sz="1600" dirty="0">
+              <a:solidFill>
+                <a:srgbClr val="000000"/>
+              </a:solidFill>
+              <a:latin typeface="Cascadia Mono" panose="020B0609020000020004" pitchFamily="49" charset="0"/>
+            </a:endParaRPr>
+          </a:p>
+          <a:p>
+            <a:endParaRPr lang="da-DK" sz="1600" dirty="0">
+              <a:solidFill>
+                <a:srgbClr val="000000"/>
+              </a:solidFill>
+              <a:latin typeface="Cascadia Mono" panose="020B0609020000020004" pitchFamily="49" charset="0"/>
+            </a:endParaRPr>
+          </a:p>
+          <a:p>
+            <a:r>
+              <a:rPr lang="da-DK" sz="1600" dirty="0">
+                <a:solidFill>
+                  <a:srgbClr val="008000"/>
+                </a:solidFill>
+                <a:latin typeface="Cascadia Mono" panose="020B0609020000020004" pitchFamily="49" charset="0"/>
+              </a:rPr>
+              <a:t>// </a:t>
+            </a:r>
+            <a:r>
+              <a:rPr lang="da-DK" sz="1600" dirty="0" err="1">
+                <a:solidFill>
+                  <a:srgbClr val="008000"/>
+                </a:solidFill>
+                <a:latin typeface="Cascadia Mono" panose="020B0609020000020004" pitchFamily="49" charset="0"/>
+              </a:rPr>
+              <a:t>Create</a:t>
+            </a:r>
+            <a:endParaRPr lang="da-DK" sz="1600" dirty="0">
+              <a:solidFill>
+                <a:srgbClr val="000000"/>
+              </a:solidFill>
+              <a:latin typeface="Cascadia Mono" panose="020B0609020000020004" pitchFamily="49" charset="0"/>
+            </a:endParaRPr>
+          </a:p>
+          <a:p>
+            <a:r>
+              <a:rPr lang="da-DK" sz="1600" dirty="0">
+                <a:solidFill>
+                  <a:srgbClr val="2B91AF"/>
+                </a:solidFill>
+                <a:latin typeface="Cascadia Mono" panose="020B0609020000020004" pitchFamily="49" charset="0"/>
+              </a:rPr>
+              <a:t>Drink</a:t>
+            </a:r>
+            <a:r>
+              <a:rPr lang="da-DK" sz="1600" dirty="0">
+                <a:solidFill>
+                  <a:srgbClr val="000000"/>
+                </a:solidFill>
+                <a:latin typeface="Cascadia Mono" panose="020B0609020000020004" pitchFamily="49" charset="0"/>
+              </a:rPr>
+              <a:t> d = </a:t>
+            </a:r>
+            <a:r>
+              <a:rPr lang="da-DK" sz="1600" dirty="0">
+                <a:solidFill>
+                  <a:srgbClr val="0000FF"/>
+                </a:solidFill>
+                <a:latin typeface="Cascadia Mono" panose="020B0609020000020004" pitchFamily="49" charset="0"/>
+              </a:rPr>
+              <a:t>new</a:t>
+            </a:r>
+            <a:r>
+              <a:rPr lang="da-DK" sz="1600" dirty="0">
+                <a:solidFill>
+                  <a:srgbClr val="000000"/>
+                </a:solidFill>
+                <a:latin typeface="Cascadia Mono" panose="020B0609020000020004" pitchFamily="49" charset="0"/>
+              </a:rPr>
+              <a:t> </a:t>
+            </a:r>
+            <a:r>
+              <a:rPr lang="da-DK" sz="1600" dirty="0">
+                <a:solidFill>
+                  <a:srgbClr val="2B91AF"/>
+                </a:solidFill>
+                <a:latin typeface="Cascadia Mono" panose="020B0609020000020004" pitchFamily="49" charset="0"/>
+              </a:rPr>
+              <a:t>Drink</a:t>
+            </a:r>
+            <a:r>
+              <a:rPr lang="da-DK" sz="1600" dirty="0">
+                <a:solidFill>
+                  <a:srgbClr val="000000"/>
+                </a:solidFill>
+                <a:latin typeface="Cascadia Mono" panose="020B0609020000020004" pitchFamily="49" charset="0"/>
+              </a:rPr>
+              <a:t>() { … };</a:t>
+            </a:r>
+          </a:p>
+          <a:p>
+            <a:r>
+              <a:rPr lang="da-DK" sz="1600" dirty="0" err="1">
+                <a:solidFill>
+                  <a:srgbClr val="000000"/>
+                </a:solidFill>
+                <a:latin typeface="Cascadia Mono" panose="020B0609020000020004" pitchFamily="49" charset="0"/>
+              </a:rPr>
+              <a:t>context.</a:t>
+            </a:r>
+            <a:r>
+              <a:rPr lang="da-DK" sz="1600" dirty="0" err="1">
+                <a:solidFill>
+                  <a:srgbClr val="000000"/>
+                </a:solidFill>
+                <a:highlight>
+                  <a:srgbClr val="FFFF00"/>
+                </a:highlight>
+                <a:latin typeface="Cascadia Mono" panose="020B0609020000020004" pitchFamily="49" charset="0"/>
+              </a:rPr>
+              <a:t>Set</a:t>
+            </a:r>
+            <a:r>
+              <a:rPr lang="da-DK" sz="1600" dirty="0">
+                <a:solidFill>
+                  <a:srgbClr val="000000"/>
+                </a:solidFill>
+                <a:highlight>
+                  <a:srgbClr val="FFFF00"/>
+                </a:highlight>
+                <a:latin typeface="Cascadia Mono" panose="020B0609020000020004" pitchFamily="49" charset="0"/>
+              </a:rPr>
+              <a:t>&lt;</a:t>
+            </a:r>
+            <a:r>
+              <a:rPr lang="da-DK" sz="1600" dirty="0">
+                <a:solidFill>
+                  <a:srgbClr val="2B91AF"/>
+                </a:solidFill>
+                <a:highlight>
+                  <a:srgbClr val="FFFF00"/>
+                </a:highlight>
+                <a:latin typeface="Cascadia Mono" panose="020B0609020000020004" pitchFamily="49" charset="0"/>
+              </a:rPr>
+              <a:t>Drink</a:t>
+            </a:r>
+            <a:r>
+              <a:rPr lang="da-DK" sz="1600" dirty="0">
+                <a:solidFill>
+                  <a:srgbClr val="000000"/>
+                </a:solidFill>
+                <a:highlight>
+                  <a:srgbClr val="FFFF00"/>
+                </a:highlight>
+                <a:latin typeface="Cascadia Mono" panose="020B0609020000020004" pitchFamily="49" charset="0"/>
+              </a:rPr>
+              <a:t>&gt;()</a:t>
+            </a:r>
+            <a:r>
+              <a:rPr lang="da-DK" sz="1600" dirty="0">
+                <a:solidFill>
+                  <a:srgbClr val="000000"/>
+                </a:solidFill>
+                <a:latin typeface="Cascadia Mono" panose="020B0609020000020004" pitchFamily="49" charset="0"/>
+              </a:rPr>
+              <a:t>.</a:t>
+            </a:r>
+            <a:r>
+              <a:rPr lang="da-DK" sz="1600" dirty="0" err="1">
+                <a:solidFill>
+                  <a:srgbClr val="000000"/>
+                </a:solidFill>
+                <a:latin typeface="Cascadia Mono" panose="020B0609020000020004" pitchFamily="49" charset="0"/>
+              </a:rPr>
+              <a:t>Add</a:t>
+            </a:r>
+            <a:r>
+              <a:rPr lang="da-DK" sz="1600" dirty="0">
+                <a:solidFill>
+                  <a:srgbClr val="000000"/>
+                </a:solidFill>
+                <a:latin typeface="Cascadia Mono" panose="020B0609020000020004" pitchFamily="49" charset="0"/>
+              </a:rPr>
+              <a:t>(d);</a:t>
+            </a:r>
+          </a:p>
+          <a:p>
+            <a:r>
+              <a:rPr lang="da-DK" sz="1600" dirty="0" err="1">
+                <a:solidFill>
+                  <a:srgbClr val="000000"/>
+                </a:solidFill>
+                <a:latin typeface="Cascadia Mono" panose="020B0609020000020004" pitchFamily="49" charset="0"/>
+              </a:rPr>
+              <a:t>context.SaveChanges</a:t>
+            </a:r>
+            <a:r>
+              <a:rPr lang="da-DK" sz="1600" dirty="0">
+                <a:solidFill>
+                  <a:srgbClr val="000000"/>
+                </a:solidFill>
+                <a:latin typeface="Cascadia Mono" panose="020B0609020000020004" pitchFamily="49" charset="0"/>
+              </a:rPr>
+              <a:t>();</a:t>
+            </a:r>
+            <a:endParaRPr lang="da-DK" sz="1600" dirty="0"/>
+          </a:p>
+        </p:txBody>
+      </p:sp>
+    </p:spTree>
+    <p:extLst>
+      <p:ext uri="{BB962C8B-B14F-4D97-AF65-F5344CB8AC3E}">
+        <p14:creationId xmlns:p14="http://schemas.microsoft.com/office/powerpoint/2010/main" val="625488444"/>
+      </p:ext>
+    </p:extLst>
+  </p:cSld>
+  <p:clrMapOvr>
+    <a:masterClrMapping/>
+  </p:clrMapOvr>
+</p:sld>
+</file>
+
+<file path=ppt/slides/slide23.xml><?xml version="1.0" encoding="utf-8"?>
+<p:sld xmlns:a="http://schemas.openxmlformats.org/drawingml/2006/main" xmlns:r="http://schemas.openxmlformats.org/officeDocument/2006/relationships" xmlns:p="http://schemas.openxmlformats.org/presentationml/2006/main">
+  <p:cSld>
+    <p:spTree>
+      <p:nvGrpSpPr>
+        <p:cNvPr id="1" name=""/>
+        <p:cNvGrpSpPr/>
+        <p:nvPr/>
+      </p:nvGrpSpPr>
+      <p:grpSpPr>
+        <a:xfrm>
+          <a:off x="0" y="0"/>
+          <a:ext cx="0" cy="0"/>
+          <a:chOff x="0" y="0"/>
+          <a:chExt cx="0" cy="0"/>
+        </a:xfrm>
+      </p:grpSpPr>
+      <p:sp>
+        <p:nvSpPr>
+          <p:cNvPr id="2" name="Titel 1">
+            <a:extLst>
+              <a:ext uri="{FF2B5EF4-FFF2-40B4-BE49-F238E27FC236}">
+                <a16:creationId xmlns:a16="http://schemas.microsoft.com/office/drawing/2014/main" id="{9D7CEE9D-7221-1EF0-1775-4A31AF8CCD1E}"/>
+              </a:ext>
+            </a:extLst>
+          </p:cNvPr>
+          <p:cNvSpPr>
+            <a:spLocks noGrp="1"/>
+          </p:cNvSpPr>
+          <p:nvPr>
+            <p:ph type="title"/>
+          </p:nvPr>
+        </p:nvSpPr>
+        <p:spPr/>
+        <p:txBody>
+          <a:bodyPr/>
+          <a:lstStyle/>
+          <a:p>
+            <a:r>
+              <a:rPr lang="da-DK" dirty="0"/>
+              <a:t>Data </a:t>
+            </a:r>
+            <a:r>
+              <a:rPr lang="da-DK" dirty="0" err="1"/>
+              <a:t>access</a:t>
+            </a:r>
+            <a:r>
+              <a:rPr lang="da-DK" dirty="0"/>
+              <a:t> with Set&lt;…&gt;() </a:t>
+            </a:r>
+            <a:r>
+              <a:rPr lang="da-DK" dirty="0" err="1"/>
+              <a:t>method</a:t>
+            </a:r>
+            <a:endParaRPr lang="da-DK" dirty="0"/>
+          </a:p>
+        </p:txBody>
+      </p:sp>
+      <p:sp>
+        <p:nvSpPr>
+          <p:cNvPr id="4" name="Tekstfelt 3">
+            <a:extLst>
+              <a:ext uri="{FF2B5EF4-FFF2-40B4-BE49-F238E27FC236}">
+                <a16:creationId xmlns:a16="http://schemas.microsoft.com/office/drawing/2014/main" id="{05971714-EB7C-EFC1-DE1A-DE11297508C5}"/>
+              </a:ext>
+            </a:extLst>
+          </p:cNvPr>
+          <p:cNvSpPr txBox="1"/>
+          <p:nvPr/>
+        </p:nvSpPr>
+        <p:spPr>
+          <a:xfrm>
+            <a:off x="838200" y="1690688"/>
             <a:ext cx="8726555" cy="4278094"/>
           </a:xfrm>
           <a:prstGeom prst="rect">
@@ -11307,7 +12315,7 @@
 </p:sld>
 </file>
 
-<file path=ppt/slides/slide22.xml><?xml version="1.0" encoding="utf-8"?>
+<file path=ppt/slides/slide24.xml><?xml version="1.0" encoding="utf-8"?>
 <p:sld xmlns:a="http://schemas.openxmlformats.org/drawingml/2006/main" xmlns:r="http://schemas.openxmlformats.org/officeDocument/2006/relationships" xmlns:p="http://schemas.openxmlformats.org/presentationml/2006/main">
   <p:cSld>
     <p:spTree>
@@ -11632,7 +12640,7 @@
 </p:sld>
 </file>
 
-<file path=ppt/slides/slide23.xml><?xml version="1.0" encoding="utf-8"?>
+<file path=ppt/slides/slide25.xml><?xml version="1.0" encoding="utf-8"?>
 <p:sld xmlns:a="http://schemas.openxmlformats.org/drawingml/2006/main" xmlns:r="http://schemas.openxmlformats.org/officeDocument/2006/relationships" xmlns:p="http://schemas.openxmlformats.org/presentationml/2006/main">
   <p:cSld>
     <p:spTree>
@@ -11986,7 +12994,7 @@
 </p:sld>
 </file>
 
-<file path=ppt/slides/slide24.xml><?xml version="1.0" encoding="utf-8"?>
+<file path=ppt/slides/slide26.xml><?xml version="1.0" encoding="utf-8"?>
 <p:sld xmlns:a="http://schemas.openxmlformats.org/drawingml/2006/main" xmlns:r="http://schemas.openxmlformats.org/officeDocument/2006/relationships" xmlns:p="http://schemas.openxmlformats.org/presentationml/2006/main">
   <p:cSld>
     <p:spTree>
@@ -12810,1040 +13818,6 @@
     <p:extLst>
       <p:ext uri="{BB962C8B-B14F-4D97-AF65-F5344CB8AC3E}">
         <p14:creationId xmlns:p14="http://schemas.microsoft.com/office/powerpoint/2010/main" val="4046326928"/>
-      </p:ext>
-    </p:extLst>
-  </p:cSld>
-  <p:clrMapOvr>
-    <a:masterClrMapping/>
-  </p:clrMapOvr>
-</p:sld>
-</file>
-
-<file path=ppt/slides/slide25.xml><?xml version="1.0" encoding="utf-8"?>
-<p:sld xmlns:a="http://schemas.openxmlformats.org/drawingml/2006/main" xmlns:r="http://schemas.openxmlformats.org/officeDocument/2006/relationships" xmlns:p="http://schemas.openxmlformats.org/presentationml/2006/main">
-  <p:cSld>
-    <p:spTree>
-      <p:nvGrpSpPr>
-        <p:cNvPr id="1" name=""/>
-        <p:cNvGrpSpPr/>
-        <p:nvPr/>
-      </p:nvGrpSpPr>
-      <p:grpSpPr>
-        <a:xfrm>
-          <a:off x="0" y="0"/>
-          <a:ext cx="0" cy="0"/>
-          <a:chOff x="0" y="0"/>
-          <a:chExt cx="0" cy="0"/>
-        </a:xfrm>
-      </p:grpSpPr>
-      <p:sp>
-        <p:nvSpPr>
-          <p:cNvPr id="2" name="Titel 1">
-            <a:extLst>
-              <a:ext uri="{FF2B5EF4-FFF2-40B4-BE49-F238E27FC236}">
-                <a16:creationId xmlns:a16="http://schemas.microsoft.com/office/drawing/2014/main" id="{9D7CEE9D-7221-1EF0-1775-4A31AF8CCD1E}"/>
-              </a:ext>
-            </a:extLst>
-          </p:cNvPr>
-          <p:cNvSpPr>
-            <a:spLocks noGrp="1"/>
-          </p:cNvSpPr>
-          <p:nvPr>
-            <p:ph type="title"/>
-          </p:nvPr>
-        </p:nvSpPr>
-        <p:spPr/>
-        <p:txBody>
-          <a:bodyPr/>
-          <a:lstStyle/>
-          <a:p>
-            <a:r>
-              <a:rPr lang="da-DK" dirty="0" err="1"/>
-              <a:t>Essence</a:t>
-            </a:r>
-            <a:r>
-              <a:rPr lang="da-DK" dirty="0"/>
-              <a:t> of EF Core</a:t>
-            </a:r>
-          </a:p>
-        </p:txBody>
-      </p:sp>
-      <p:sp>
-        <p:nvSpPr>
-          <p:cNvPr id="4" name="Tekstfelt 3">
-            <a:extLst>
-              <a:ext uri="{FF2B5EF4-FFF2-40B4-BE49-F238E27FC236}">
-                <a16:creationId xmlns:a16="http://schemas.microsoft.com/office/drawing/2014/main" id="{05971714-EB7C-EFC1-DE1A-DE11297508C5}"/>
-              </a:ext>
-            </a:extLst>
-          </p:cNvPr>
-          <p:cNvSpPr txBox="1"/>
-          <p:nvPr/>
-        </p:nvSpPr>
-        <p:spPr>
-          <a:xfrm>
-            <a:off x="838199" y="1690688"/>
-            <a:ext cx="10993341" cy="3416320"/>
-          </a:xfrm>
-          <a:prstGeom prst="rect">
-            <a:avLst/>
-          </a:prstGeom>
-          <a:noFill/>
-        </p:spPr>
-        <p:txBody>
-          <a:bodyPr wrap="square" rtlCol="0">
-            <a:spAutoFit/>
-          </a:bodyPr>
-          <a:lstStyle/>
-          <a:p>
-            <a:r>
-              <a:rPr lang="da-DK" dirty="0">
-                <a:solidFill>
-                  <a:srgbClr val="008000"/>
-                </a:solidFill>
-                <a:latin typeface="Cascadia Mono" panose="020B0609020000020004" pitchFamily="49" charset="0"/>
-              </a:rPr>
-              <a:t>// </a:t>
-            </a:r>
-            <a:r>
-              <a:rPr lang="da-DK" dirty="0" err="1">
-                <a:solidFill>
-                  <a:srgbClr val="008000"/>
-                </a:solidFill>
-                <a:latin typeface="Cascadia Mono" panose="020B0609020000020004" pitchFamily="49" charset="0"/>
-              </a:rPr>
-              <a:t>Create</a:t>
-            </a:r>
-            <a:r>
-              <a:rPr lang="da-DK" dirty="0">
-                <a:solidFill>
-                  <a:srgbClr val="008000"/>
-                </a:solidFill>
-                <a:latin typeface="Cascadia Mono" panose="020B0609020000020004" pitchFamily="49" charset="0"/>
-              </a:rPr>
-              <a:t> new </a:t>
-            </a:r>
-            <a:r>
-              <a:rPr lang="da-DK" dirty="0" err="1">
-                <a:solidFill>
-                  <a:srgbClr val="008000"/>
-                </a:solidFill>
-                <a:latin typeface="Cascadia Mono" panose="020B0609020000020004" pitchFamily="49" charset="0"/>
-              </a:rPr>
-              <a:t>context</a:t>
-            </a:r>
-            <a:r>
-              <a:rPr lang="da-DK" dirty="0">
-                <a:solidFill>
-                  <a:srgbClr val="008000"/>
-                </a:solidFill>
-                <a:latin typeface="Cascadia Mono" panose="020B0609020000020004" pitchFamily="49" charset="0"/>
-              </a:rPr>
-              <a:t> </a:t>
-            </a:r>
-            <a:r>
-              <a:rPr lang="da-DK" dirty="0" err="1">
-                <a:solidFill>
-                  <a:srgbClr val="008000"/>
-                </a:solidFill>
-                <a:latin typeface="Cascadia Mono" panose="020B0609020000020004" pitchFamily="49" charset="0"/>
-              </a:rPr>
-              <a:t>object</a:t>
-            </a:r>
-            <a:r>
-              <a:rPr lang="da-DK" dirty="0">
-                <a:solidFill>
-                  <a:srgbClr val="008000"/>
-                </a:solidFill>
-                <a:latin typeface="Cascadia Mono" panose="020B0609020000020004" pitchFamily="49" charset="0"/>
-              </a:rPr>
-              <a:t> with the ”</a:t>
-            </a:r>
-            <a:r>
-              <a:rPr lang="da-DK" dirty="0" err="1">
-                <a:solidFill>
-                  <a:srgbClr val="008000"/>
-                </a:solidFill>
-                <a:latin typeface="Cascadia Mono" panose="020B0609020000020004" pitchFamily="49" charset="0"/>
-              </a:rPr>
-              <a:t>using</a:t>
-            </a:r>
-            <a:r>
-              <a:rPr lang="da-DK" dirty="0">
-                <a:solidFill>
-                  <a:srgbClr val="008000"/>
-                </a:solidFill>
-                <a:latin typeface="Cascadia Mono" panose="020B0609020000020004" pitchFamily="49" charset="0"/>
-              </a:rPr>
-              <a:t>” </a:t>
-            </a:r>
-            <a:r>
-              <a:rPr lang="da-DK" dirty="0" err="1">
-                <a:solidFill>
-                  <a:srgbClr val="008000"/>
-                </a:solidFill>
-                <a:latin typeface="Cascadia Mono" panose="020B0609020000020004" pitchFamily="49" charset="0"/>
-              </a:rPr>
-              <a:t>syntax</a:t>
-            </a:r>
-            <a:endParaRPr lang="da-DK" dirty="0">
-              <a:solidFill>
-                <a:srgbClr val="0000FF"/>
-              </a:solidFill>
-              <a:latin typeface="Cascadia Mono" panose="020B0609020000020004" pitchFamily="49" charset="0"/>
-            </a:endParaRPr>
-          </a:p>
-          <a:p>
-            <a:r>
-              <a:rPr lang="da-DK" dirty="0" err="1">
-                <a:solidFill>
-                  <a:srgbClr val="0000FF"/>
-                </a:solidFill>
-                <a:latin typeface="Cascadia Mono" panose="020B0609020000020004" pitchFamily="49" charset="0"/>
-              </a:rPr>
-              <a:t>using</a:t>
-            </a:r>
-            <a:r>
-              <a:rPr lang="da-DK" dirty="0">
-                <a:solidFill>
-                  <a:srgbClr val="000000"/>
-                </a:solidFill>
-                <a:latin typeface="Cascadia Mono" panose="020B0609020000020004" pitchFamily="49" charset="0"/>
-              </a:rPr>
-              <a:t> </a:t>
-            </a:r>
-            <a:r>
-              <a:rPr lang="da-DK" dirty="0">
-                <a:solidFill>
-                  <a:srgbClr val="2B91AF"/>
-                </a:solidFill>
-                <a:latin typeface="Cascadia Mono" panose="020B0609020000020004" pitchFamily="49" charset="0"/>
-              </a:rPr>
-              <a:t>EFCDrinkDBContext</a:t>
-            </a:r>
-            <a:r>
-              <a:rPr lang="da-DK" dirty="0">
-                <a:solidFill>
-                  <a:srgbClr val="000000"/>
-                </a:solidFill>
-                <a:latin typeface="Cascadia Mono" panose="020B0609020000020004" pitchFamily="49" charset="0"/>
-              </a:rPr>
-              <a:t> </a:t>
-            </a:r>
-            <a:r>
-              <a:rPr lang="da-DK" dirty="0" err="1">
-                <a:solidFill>
-                  <a:srgbClr val="000000"/>
-                </a:solidFill>
-                <a:latin typeface="Cascadia Mono" panose="020B0609020000020004" pitchFamily="49" charset="0"/>
-              </a:rPr>
-              <a:t>context</a:t>
-            </a:r>
-            <a:r>
-              <a:rPr lang="da-DK" dirty="0">
-                <a:solidFill>
-                  <a:srgbClr val="000000"/>
-                </a:solidFill>
-                <a:latin typeface="Cascadia Mono" panose="020B0609020000020004" pitchFamily="49" charset="0"/>
-              </a:rPr>
-              <a:t> = </a:t>
-            </a:r>
-            <a:r>
-              <a:rPr lang="da-DK" dirty="0">
-                <a:solidFill>
-                  <a:srgbClr val="0000FF"/>
-                </a:solidFill>
-                <a:latin typeface="Cascadia Mono" panose="020B0609020000020004" pitchFamily="49" charset="0"/>
-              </a:rPr>
-              <a:t>new</a:t>
-            </a:r>
-            <a:r>
-              <a:rPr lang="da-DK" dirty="0">
-                <a:solidFill>
-                  <a:srgbClr val="000000"/>
-                </a:solidFill>
-                <a:latin typeface="Cascadia Mono" panose="020B0609020000020004" pitchFamily="49" charset="0"/>
-              </a:rPr>
-              <a:t> </a:t>
-            </a:r>
-            <a:r>
-              <a:rPr lang="da-DK" dirty="0">
-                <a:solidFill>
-                  <a:srgbClr val="2B91AF"/>
-                </a:solidFill>
-                <a:latin typeface="Cascadia Mono" panose="020B0609020000020004" pitchFamily="49" charset="0"/>
-              </a:rPr>
-              <a:t>EFCDrinkDBContext</a:t>
-            </a:r>
-            <a:r>
-              <a:rPr lang="da-DK" dirty="0">
-                <a:solidFill>
-                  <a:srgbClr val="000000"/>
-                </a:solidFill>
-                <a:latin typeface="Cascadia Mono" panose="020B0609020000020004" pitchFamily="49" charset="0"/>
-              </a:rPr>
-              <a:t>();</a:t>
-            </a:r>
-          </a:p>
-          <a:p>
-            <a:endParaRPr lang="da-DK" dirty="0">
-              <a:solidFill>
-                <a:srgbClr val="000000"/>
-              </a:solidFill>
-              <a:latin typeface="Cascadia Mono" panose="020B0609020000020004" pitchFamily="49" charset="0"/>
-            </a:endParaRPr>
-          </a:p>
-          <a:p>
-            <a:r>
-              <a:rPr lang="da-DK" dirty="0">
-                <a:solidFill>
-                  <a:srgbClr val="008000"/>
-                </a:solidFill>
-                <a:latin typeface="Cascadia Mono" panose="020B0609020000020004" pitchFamily="49" charset="0"/>
-              </a:rPr>
-              <a:t>// </a:t>
-            </a:r>
-            <a:r>
-              <a:rPr lang="da-DK" dirty="0" err="1">
-                <a:solidFill>
-                  <a:srgbClr val="008000"/>
-                </a:solidFill>
-                <a:latin typeface="Cascadia Mono" panose="020B0609020000020004" pitchFamily="49" charset="0"/>
-              </a:rPr>
-              <a:t>Get</a:t>
-            </a:r>
-            <a:r>
-              <a:rPr lang="da-DK" dirty="0">
-                <a:solidFill>
-                  <a:srgbClr val="008000"/>
-                </a:solidFill>
-                <a:latin typeface="Cascadia Mono" panose="020B0609020000020004" pitchFamily="49" charset="0"/>
-              </a:rPr>
-              <a:t> </a:t>
-            </a:r>
-            <a:r>
-              <a:rPr lang="da-DK" dirty="0" err="1">
-                <a:solidFill>
-                  <a:srgbClr val="008000"/>
-                </a:solidFill>
-                <a:latin typeface="Cascadia Mono" panose="020B0609020000020004" pitchFamily="49" charset="0"/>
-              </a:rPr>
-              <a:t>collection</a:t>
-            </a:r>
-            <a:r>
-              <a:rPr lang="da-DK" dirty="0">
-                <a:solidFill>
-                  <a:srgbClr val="008000"/>
-                </a:solidFill>
-                <a:latin typeface="Cascadia Mono" panose="020B0609020000020004" pitchFamily="49" charset="0"/>
-              </a:rPr>
-              <a:t> of </a:t>
-            </a:r>
-            <a:r>
-              <a:rPr lang="da-DK" dirty="0" err="1">
-                <a:solidFill>
-                  <a:srgbClr val="008000"/>
-                </a:solidFill>
-                <a:latin typeface="Cascadia Mono" panose="020B0609020000020004" pitchFamily="49" charset="0"/>
-              </a:rPr>
-              <a:t>objects</a:t>
-            </a:r>
-            <a:r>
-              <a:rPr lang="da-DK" dirty="0">
-                <a:solidFill>
-                  <a:srgbClr val="008000"/>
-                </a:solidFill>
-                <a:latin typeface="Cascadia Mono" panose="020B0609020000020004" pitchFamily="49" charset="0"/>
-              </a:rPr>
-              <a:t> from </a:t>
-            </a:r>
-            <a:r>
-              <a:rPr lang="da-DK" dirty="0" err="1">
-                <a:solidFill>
-                  <a:srgbClr val="008000"/>
-                </a:solidFill>
-                <a:latin typeface="Cascadia Mono" panose="020B0609020000020004" pitchFamily="49" charset="0"/>
-              </a:rPr>
-              <a:t>context</a:t>
-            </a:r>
-            <a:r>
-              <a:rPr lang="da-DK" dirty="0">
-                <a:solidFill>
-                  <a:srgbClr val="008000"/>
-                </a:solidFill>
-                <a:latin typeface="Cascadia Mono" panose="020B0609020000020004" pitchFamily="49" charset="0"/>
-              </a:rPr>
-              <a:t> </a:t>
-            </a:r>
-            <a:r>
-              <a:rPr lang="da-DK" dirty="0" err="1">
-                <a:solidFill>
-                  <a:srgbClr val="008000"/>
-                </a:solidFill>
-                <a:latin typeface="Cascadia Mono" panose="020B0609020000020004" pitchFamily="49" charset="0"/>
-              </a:rPr>
-              <a:t>object</a:t>
-            </a:r>
-            <a:r>
-              <a:rPr lang="da-DK" dirty="0">
-                <a:solidFill>
-                  <a:srgbClr val="008000"/>
-                </a:solidFill>
-                <a:latin typeface="Cascadia Mono" panose="020B0609020000020004" pitchFamily="49" charset="0"/>
-              </a:rPr>
-              <a:t>, by </a:t>
-            </a:r>
-            <a:r>
-              <a:rPr lang="da-DK" dirty="0" err="1">
-                <a:solidFill>
-                  <a:srgbClr val="008000"/>
-                </a:solidFill>
-                <a:latin typeface="Cascadia Mono" panose="020B0609020000020004" pitchFamily="49" charset="0"/>
-              </a:rPr>
-              <a:t>calling</a:t>
-            </a:r>
-            <a:r>
-              <a:rPr lang="da-DK" dirty="0">
-                <a:solidFill>
-                  <a:srgbClr val="008000"/>
-                </a:solidFill>
-                <a:latin typeface="Cascadia Mono" panose="020B0609020000020004" pitchFamily="49" charset="0"/>
-              </a:rPr>
-              <a:t> Set&lt;..&gt;() </a:t>
-            </a:r>
-            <a:r>
-              <a:rPr lang="da-DK" dirty="0" err="1">
-                <a:solidFill>
-                  <a:srgbClr val="008000"/>
-                </a:solidFill>
-                <a:latin typeface="Cascadia Mono" panose="020B0609020000020004" pitchFamily="49" charset="0"/>
-              </a:rPr>
-              <a:t>method</a:t>
-            </a:r>
-            <a:endParaRPr lang="da-DK" dirty="0">
-              <a:solidFill>
-                <a:srgbClr val="000000"/>
-              </a:solidFill>
-              <a:latin typeface="Cascadia Mono" panose="020B0609020000020004" pitchFamily="49" charset="0"/>
-            </a:endParaRPr>
-          </a:p>
-          <a:p>
-            <a:r>
-              <a:rPr lang="da-DK" dirty="0">
-                <a:solidFill>
-                  <a:srgbClr val="2B91AF"/>
-                </a:solidFill>
-                <a:latin typeface="Cascadia Mono" panose="020B0609020000020004" pitchFamily="49" charset="0"/>
-              </a:rPr>
-              <a:t>List</a:t>
-            </a:r>
-            <a:r>
-              <a:rPr lang="da-DK" dirty="0">
-                <a:solidFill>
-                  <a:srgbClr val="000000"/>
-                </a:solidFill>
-                <a:latin typeface="Cascadia Mono" panose="020B0609020000020004" pitchFamily="49" charset="0"/>
-              </a:rPr>
-              <a:t>&lt;</a:t>
-            </a:r>
-            <a:r>
-              <a:rPr lang="da-DK" dirty="0">
-                <a:solidFill>
-                  <a:srgbClr val="2B91AF"/>
-                </a:solidFill>
-                <a:latin typeface="Cascadia Mono" panose="020B0609020000020004" pitchFamily="49" charset="0"/>
-              </a:rPr>
-              <a:t>Drink</a:t>
-            </a:r>
-            <a:r>
-              <a:rPr lang="da-DK" dirty="0">
-                <a:solidFill>
-                  <a:srgbClr val="000000"/>
-                </a:solidFill>
-                <a:latin typeface="Cascadia Mono" panose="020B0609020000020004" pitchFamily="49" charset="0"/>
-              </a:rPr>
-              <a:t>&gt; </a:t>
-            </a:r>
-            <a:r>
-              <a:rPr lang="da-DK" dirty="0" err="1">
-                <a:solidFill>
-                  <a:srgbClr val="000000"/>
-                </a:solidFill>
-                <a:latin typeface="Cascadia Mono" panose="020B0609020000020004" pitchFamily="49" charset="0"/>
-              </a:rPr>
-              <a:t>allDrinks</a:t>
-            </a:r>
-            <a:r>
-              <a:rPr lang="da-DK" dirty="0">
-                <a:solidFill>
-                  <a:srgbClr val="000000"/>
-                </a:solidFill>
-                <a:latin typeface="Cascadia Mono" panose="020B0609020000020004" pitchFamily="49" charset="0"/>
-              </a:rPr>
-              <a:t> = </a:t>
-            </a:r>
-            <a:r>
-              <a:rPr lang="da-DK" dirty="0" err="1">
-                <a:solidFill>
-                  <a:srgbClr val="000000"/>
-                </a:solidFill>
-                <a:latin typeface="Cascadia Mono" panose="020B0609020000020004" pitchFamily="49" charset="0"/>
-              </a:rPr>
-              <a:t>context.Set</a:t>
-            </a:r>
-            <a:r>
-              <a:rPr lang="da-DK" dirty="0">
-                <a:solidFill>
-                  <a:srgbClr val="000000"/>
-                </a:solidFill>
-                <a:latin typeface="Cascadia Mono" panose="020B0609020000020004" pitchFamily="49" charset="0"/>
-              </a:rPr>
-              <a:t>&lt;</a:t>
-            </a:r>
-            <a:r>
-              <a:rPr lang="da-DK" dirty="0">
-                <a:solidFill>
-                  <a:srgbClr val="2B91AF"/>
-                </a:solidFill>
-                <a:latin typeface="Cascadia Mono" panose="020B0609020000020004" pitchFamily="49" charset="0"/>
-              </a:rPr>
-              <a:t>Drink</a:t>
-            </a:r>
-            <a:r>
-              <a:rPr lang="da-DK" dirty="0">
-                <a:solidFill>
-                  <a:srgbClr val="000000"/>
-                </a:solidFill>
-                <a:latin typeface="Cascadia Mono" panose="020B0609020000020004" pitchFamily="49" charset="0"/>
-              </a:rPr>
-              <a:t>&gt;().</a:t>
-            </a:r>
-            <a:r>
-              <a:rPr lang="da-DK" dirty="0" err="1">
-                <a:solidFill>
-                  <a:srgbClr val="000000"/>
-                </a:solidFill>
-                <a:latin typeface="Cascadia Mono" panose="020B0609020000020004" pitchFamily="49" charset="0"/>
-              </a:rPr>
-              <a:t>ToList</a:t>
-            </a:r>
-            <a:r>
-              <a:rPr lang="da-DK" dirty="0">
-                <a:solidFill>
-                  <a:srgbClr val="000000"/>
-                </a:solidFill>
-                <a:latin typeface="Cascadia Mono" panose="020B0609020000020004" pitchFamily="49" charset="0"/>
-              </a:rPr>
-              <a:t>();</a:t>
-            </a:r>
-          </a:p>
-          <a:p>
-            <a:endParaRPr lang="da-DK" dirty="0">
-              <a:solidFill>
-                <a:srgbClr val="000000"/>
-              </a:solidFill>
-              <a:latin typeface="Cascadia Mono" panose="020B0609020000020004" pitchFamily="49" charset="0"/>
-            </a:endParaRPr>
-          </a:p>
-          <a:p>
-            <a:r>
-              <a:rPr lang="da-DK" dirty="0">
-                <a:solidFill>
-                  <a:srgbClr val="008000"/>
-                </a:solidFill>
-                <a:latin typeface="Cascadia Mono" panose="020B0609020000020004" pitchFamily="49" charset="0"/>
-              </a:rPr>
-              <a:t>// NB: This </a:t>
-            </a:r>
-            <a:r>
-              <a:rPr lang="da-DK" dirty="0" err="1">
-                <a:solidFill>
-                  <a:srgbClr val="008000"/>
-                </a:solidFill>
-                <a:latin typeface="Cascadia Mono" panose="020B0609020000020004" pitchFamily="49" charset="0"/>
-              </a:rPr>
-              <a:t>will</a:t>
-            </a:r>
-            <a:r>
-              <a:rPr lang="da-DK" dirty="0">
-                <a:solidFill>
-                  <a:srgbClr val="008000"/>
-                </a:solidFill>
-                <a:latin typeface="Cascadia Mono" panose="020B0609020000020004" pitchFamily="49" charset="0"/>
-              </a:rPr>
-              <a:t> NOT </a:t>
-            </a:r>
-            <a:r>
-              <a:rPr lang="da-DK" dirty="0" err="1">
-                <a:solidFill>
-                  <a:srgbClr val="008000"/>
-                </a:solidFill>
-                <a:latin typeface="Cascadia Mono" panose="020B0609020000020004" pitchFamily="49" charset="0"/>
-              </a:rPr>
-              <a:t>work</a:t>
-            </a:r>
-            <a:r>
-              <a:rPr lang="da-DK" dirty="0">
-                <a:solidFill>
-                  <a:srgbClr val="008000"/>
-                </a:solidFill>
-                <a:latin typeface="Cascadia Mono" panose="020B0609020000020004" pitchFamily="49" charset="0"/>
-              </a:rPr>
-              <a:t>!!</a:t>
-            </a:r>
-            <a:endParaRPr lang="da-DK" dirty="0">
-              <a:solidFill>
-                <a:srgbClr val="000000"/>
-              </a:solidFill>
-              <a:latin typeface="Cascadia Mono" panose="020B0609020000020004" pitchFamily="49" charset="0"/>
-            </a:endParaRPr>
-          </a:p>
-          <a:p>
-            <a:r>
-              <a:rPr lang="da-DK" dirty="0">
-                <a:solidFill>
-                  <a:srgbClr val="2B91AF"/>
-                </a:solidFill>
-                <a:latin typeface="Cascadia Mono" panose="020B0609020000020004" pitchFamily="49" charset="0"/>
-              </a:rPr>
-              <a:t>Drink</a:t>
-            </a:r>
-            <a:r>
-              <a:rPr lang="da-DK" dirty="0">
-                <a:solidFill>
-                  <a:srgbClr val="000000"/>
-                </a:solidFill>
-                <a:latin typeface="Cascadia Mono" panose="020B0609020000020004" pitchFamily="49" charset="0"/>
-              </a:rPr>
-              <a:t> d = </a:t>
-            </a:r>
-            <a:r>
-              <a:rPr lang="da-DK" dirty="0">
-                <a:solidFill>
-                  <a:srgbClr val="0000FF"/>
-                </a:solidFill>
-                <a:latin typeface="Cascadia Mono" panose="020B0609020000020004" pitchFamily="49" charset="0"/>
-              </a:rPr>
-              <a:t>new</a:t>
-            </a:r>
-            <a:r>
-              <a:rPr lang="da-DK" dirty="0">
-                <a:solidFill>
-                  <a:srgbClr val="000000"/>
-                </a:solidFill>
-                <a:latin typeface="Cascadia Mono" panose="020B0609020000020004" pitchFamily="49" charset="0"/>
-              </a:rPr>
-              <a:t> </a:t>
-            </a:r>
-            <a:r>
-              <a:rPr lang="da-DK" dirty="0">
-                <a:solidFill>
-                  <a:srgbClr val="2B91AF"/>
-                </a:solidFill>
-                <a:latin typeface="Cascadia Mono" panose="020B0609020000020004" pitchFamily="49" charset="0"/>
-              </a:rPr>
-              <a:t>Drink</a:t>
-            </a:r>
-            <a:r>
-              <a:rPr lang="da-DK" dirty="0">
-                <a:solidFill>
-                  <a:srgbClr val="000000"/>
-                </a:solidFill>
-                <a:latin typeface="Cascadia Mono" panose="020B0609020000020004" pitchFamily="49" charset="0"/>
-              </a:rPr>
-              <a:t>() { … };</a:t>
-            </a:r>
-          </a:p>
-          <a:p>
-            <a:r>
-              <a:rPr lang="da-DK" dirty="0" err="1">
-                <a:solidFill>
-                  <a:srgbClr val="000000"/>
-                </a:solidFill>
-                <a:highlight>
-                  <a:srgbClr val="FF0000"/>
-                </a:highlight>
-                <a:latin typeface="Cascadia Mono" panose="020B0609020000020004" pitchFamily="49" charset="0"/>
-              </a:rPr>
-              <a:t>allDrinks.Add</a:t>
-            </a:r>
-            <a:r>
-              <a:rPr lang="da-DK" dirty="0">
-                <a:solidFill>
-                  <a:srgbClr val="000000"/>
-                </a:solidFill>
-                <a:highlight>
-                  <a:srgbClr val="FF0000"/>
-                </a:highlight>
-                <a:latin typeface="Cascadia Mono" panose="020B0609020000020004" pitchFamily="49" charset="0"/>
-              </a:rPr>
-              <a:t>(d);</a:t>
-            </a:r>
-          </a:p>
-          <a:p>
-            <a:endParaRPr lang="da-DK" dirty="0">
-              <a:solidFill>
-                <a:srgbClr val="000000"/>
-              </a:solidFill>
-              <a:latin typeface="Cascadia Mono" panose="020B0609020000020004" pitchFamily="49" charset="0"/>
-            </a:endParaRPr>
-          </a:p>
-          <a:p>
-            <a:r>
-              <a:rPr lang="da-DK" dirty="0">
-                <a:solidFill>
-                  <a:srgbClr val="008000"/>
-                </a:solidFill>
-                <a:latin typeface="Cascadia Mono" panose="020B0609020000020004" pitchFamily="49" charset="0"/>
-              </a:rPr>
-              <a:t>// Save </a:t>
-            </a:r>
-            <a:r>
-              <a:rPr lang="da-DK" dirty="0" err="1">
-                <a:solidFill>
-                  <a:srgbClr val="008000"/>
-                </a:solidFill>
-                <a:latin typeface="Cascadia Mono" panose="020B0609020000020004" pitchFamily="49" charset="0"/>
-              </a:rPr>
-              <a:t>changes</a:t>
-            </a:r>
-            <a:r>
-              <a:rPr lang="da-DK" dirty="0">
-                <a:solidFill>
-                  <a:srgbClr val="008000"/>
-                </a:solidFill>
-                <a:latin typeface="Cascadia Mono" panose="020B0609020000020004" pitchFamily="49" charset="0"/>
-              </a:rPr>
-              <a:t> to database by </a:t>
-            </a:r>
-            <a:r>
-              <a:rPr lang="da-DK" dirty="0" err="1">
-                <a:solidFill>
-                  <a:srgbClr val="008000"/>
-                </a:solidFill>
-                <a:latin typeface="Cascadia Mono" panose="020B0609020000020004" pitchFamily="49" charset="0"/>
-              </a:rPr>
-              <a:t>calling</a:t>
-            </a:r>
-            <a:r>
-              <a:rPr lang="da-DK" dirty="0">
-                <a:solidFill>
-                  <a:srgbClr val="008000"/>
-                </a:solidFill>
-                <a:latin typeface="Cascadia Mono" panose="020B0609020000020004" pitchFamily="49" charset="0"/>
-              </a:rPr>
-              <a:t> </a:t>
-            </a:r>
-            <a:r>
-              <a:rPr lang="da-DK" dirty="0" err="1">
-                <a:solidFill>
-                  <a:srgbClr val="008000"/>
-                </a:solidFill>
-                <a:latin typeface="Cascadia Mono" panose="020B0609020000020004" pitchFamily="49" charset="0"/>
-              </a:rPr>
-              <a:t>SasveChanges</a:t>
-            </a:r>
-            <a:r>
-              <a:rPr lang="da-DK" dirty="0">
-                <a:solidFill>
-                  <a:srgbClr val="008000"/>
-                </a:solidFill>
-                <a:latin typeface="Cascadia Mono" panose="020B0609020000020004" pitchFamily="49" charset="0"/>
-              </a:rPr>
-              <a:t> on the </a:t>
-            </a:r>
-            <a:r>
-              <a:rPr lang="da-DK" dirty="0" err="1">
-                <a:solidFill>
-                  <a:srgbClr val="008000"/>
-                </a:solidFill>
-                <a:latin typeface="Cascadia Mono" panose="020B0609020000020004" pitchFamily="49" charset="0"/>
-              </a:rPr>
-              <a:t>context</a:t>
-            </a:r>
-            <a:r>
-              <a:rPr lang="da-DK" dirty="0">
-                <a:solidFill>
-                  <a:srgbClr val="008000"/>
-                </a:solidFill>
-                <a:latin typeface="Cascadia Mono" panose="020B0609020000020004" pitchFamily="49" charset="0"/>
-              </a:rPr>
-              <a:t> </a:t>
-            </a:r>
-            <a:r>
-              <a:rPr lang="da-DK" dirty="0" err="1">
-                <a:solidFill>
-                  <a:srgbClr val="008000"/>
-                </a:solidFill>
-                <a:latin typeface="Cascadia Mono" panose="020B0609020000020004" pitchFamily="49" charset="0"/>
-              </a:rPr>
-              <a:t>object</a:t>
-            </a:r>
-            <a:endParaRPr lang="da-DK" dirty="0">
-              <a:solidFill>
-                <a:srgbClr val="000000"/>
-              </a:solidFill>
-              <a:latin typeface="Cascadia Mono" panose="020B0609020000020004" pitchFamily="49" charset="0"/>
-            </a:endParaRPr>
-          </a:p>
-          <a:p>
-            <a:r>
-              <a:rPr lang="da-DK" dirty="0" err="1">
-                <a:solidFill>
-                  <a:srgbClr val="000000"/>
-                </a:solidFill>
-                <a:latin typeface="Cascadia Mono" panose="020B0609020000020004" pitchFamily="49" charset="0"/>
-              </a:rPr>
-              <a:t>context.SaveChanges</a:t>
-            </a:r>
-            <a:r>
-              <a:rPr lang="da-DK" dirty="0">
-                <a:solidFill>
-                  <a:srgbClr val="000000"/>
-                </a:solidFill>
-                <a:latin typeface="Cascadia Mono" panose="020B0609020000020004" pitchFamily="49" charset="0"/>
-              </a:rPr>
-              <a:t>();</a:t>
-            </a:r>
-            <a:endParaRPr lang="da-DK" dirty="0"/>
-          </a:p>
-        </p:txBody>
-      </p:sp>
-    </p:spTree>
-    <p:extLst>
-      <p:ext uri="{BB962C8B-B14F-4D97-AF65-F5344CB8AC3E}">
-        <p14:creationId xmlns:p14="http://schemas.microsoft.com/office/powerpoint/2010/main" val="2449380192"/>
-      </p:ext>
-    </p:extLst>
-  </p:cSld>
-  <p:clrMapOvr>
-    <a:masterClrMapping/>
-  </p:clrMapOvr>
-</p:sld>
-</file>
-
-<file path=ppt/slides/slide26.xml><?xml version="1.0" encoding="utf-8"?>
-<p:sld xmlns:a="http://schemas.openxmlformats.org/drawingml/2006/main" xmlns:r="http://schemas.openxmlformats.org/officeDocument/2006/relationships" xmlns:p="http://schemas.openxmlformats.org/presentationml/2006/main">
-  <p:cSld>
-    <p:spTree>
-      <p:nvGrpSpPr>
-        <p:cNvPr id="1" name=""/>
-        <p:cNvGrpSpPr/>
-        <p:nvPr/>
-      </p:nvGrpSpPr>
-      <p:grpSpPr>
-        <a:xfrm>
-          <a:off x="0" y="0"/>
-          <a:ext cx="0" cy="0"/>
-          <a:chOff x="0" y="0"/>
-          <a:chExt cx="0" cy="0"/>
-        </a:xfrm>
-      </p:grpSpPr>
-      <p:sp>
-        <p:nvSpPr>
-          <p:cNvPr id="2" name="Titel 1">
-            <a:extLst>
-              <a:ext uri="{FF2B5EF4-FFF2-40B4-BE49-F238E27FC236}">
-                <a16:creationId xmlns:a16="http://schemas.microsoft.com/office/drawing/2014/main" id="{D61F8742-C7A3-7B0C-CCD9-56CDAC795075}"/>
-              </a:ext>
-            </a:extLst>
-          </p:cNvPr>
-          <p:cNvSpPr>
-            <a:spLocks noGrp="1"/>
-          </p:cNvSpPr>
-          <p:nvPr>
-            <p:ph type="title"/>
-          </p:nvPr>
-        </p:nvSpPr>
-        <p:spPr/>
-        <p:txBody>
-          <a:bodyPr/>
-          <a:lstStyle/>
-          <a:p>
-            <a:r>
-              <a:rPr lang="da-DK" dirty="0"/>
-              <a:t>Object reference resolution</a:t>
-            </a:r>
-          </a:p>
-        </p:txBody>
-      </p:sp>
-      <p:sp>
-        <p:nvSpPr>
-          <p:cNvPr id="3" name="Pladsholder til indhold 2">
-            <a:extLst>
-              <a:ext uri="{FF2B5EF4-FFF2-40B4-BE49-F238E27FC236}">
-                <a16:creationId xmlns:a16="http://schemas.microsoft.com/office/drawing/2014/main" id="{BB829EC2-BD6E-A501-82B6-3AAC9CC13C68}"/>
-              </a:ext>
-            </a:extLst>
-          </p:cNvPr>
-          <p:cNvSpPr>
-            <a:spLocks noGrp="1"/>
-          </p:cNvSpPr>
-          <p:nvPr>
-            <p:ph idx="1"/>
-          </p:nvPr>
-        </p:nvSpPr>
-        <p:spPr>
-          <a:xfrm>
-            <a:off x="838200" y="1825625"/>
-            <a:ext cx="9291761" cy="4351338"/>
-          </a:xfrm>
-        </p:spPr>
-        <p:txBody>
-          <a:bodyPr/>
-          <a:lstStyle/>
-          <a:p>
-            <a:r>
-              <a:rPr lang="da-DK" dirty="0" err="1"/>
-              <a:t>Very</a:t>
-            </a:r>
-            <a:r>
-              <a:rPr lang="da-DK" dirty="0"/>
-              <a:t> </a:t>
-            </a:r>
-            <a:r>
-              <a:rPr lang="da-DK" dirty="0" err="1"/>
-              <a:t>easy</a:t>
-            </a:r>
-            <a:r>
-              <a:rPr lang="da-DK" dirty="0"/>
-              <a:t> to </a:t>
-            </a:r>
-            <a:r>
-              <a:rPr lang="da-DK" dirty="0" err="1"/>
-              <a:t>get</a:t>
-            </a:r>
-            <a:r>
-              <a:rPr lang="da-DK" dirty="0"/>
-              <a:t> all – or </a:t>
-            </a:r>
-            <a:r>
-              <a:rPr lang="da-DK" dirty="0" err="1"/>
-              <a:t>subset</a:t>
-            </a:r>
-            <a:r>
-              <a:rPr lang="da-DK" dirty="0"/>
-              <a:t> – of </a:t>
-            </a:r>
-            <a:r>
-              <a:rPr lang="da-DK" dirty="0" err="1"/>
-              <a:t>objects</a:t>
-            </a:r>
-            <a:r>
-              <a:rPr lang="da-DK" dirty="0"/>
-              <a:t> of type T</a:t>
-            </a:r>
-          </a:p>
-          <a:p>
-            <a:r>
-              <a:rPr lang="da-DK" dirty="0" err="1"/>
-              <a:t>What</a:t>
-            </a:r>
-            <a:r>
-              <a:rPr lang="da-DK" dirty="0"/>
-              <a:t> </a:t>
-            </a:r>
-            <a:r>
-              <a:rPr lang="da-DK" dirty="0" err="1"/>
-              <a:t>if</a:t>
-            </a:r>
-            <a:r>
-              <a:rPr lang="da-DK" dirty="0"/>
-              <a:t> the </a:t>
-            </a:r>
-            <a:r>
-              <a:rPr lang="da-DK" dirty="0" err="1"/>
-              <a:t>individual</a:t>
-            </a:r>
-            <a:r>
-              <a:rPr lang="da-DK" dirty="0"/>
-              <a:t> </a:t>
-            </a:r>
-            <a:r>
-              <a:rPr lang="da-DK" dirty="0" err="1"/>
-              <a:t>objects</a:t>
-            </a:r>
-            <a:r>
-              <a:rPr lang="da-DK" dirty="0"/>
-              <a:t> </a:t>
-            </a:r>
-            <a:r>
-              <a:rPr lang="da-DK" dirty="0" err="1"/>
-              <a:t>refer</a:t>
-            </a:r>
-            <a:r>
-              <a:rPr lang="da-DK" dirty="0"/>
-              <a:t> to </a:t>
-            </a:r>
-            <a:r>
-              <a:rPr lang="da-DK" dirty="0" err="1"/>
-              <a:t>other</a:t>
-            </a:r>
-            <a:r>
-              <a:rPr lang="da-DK" dirty="0"/>
-              <a:t> </a:t>
-            </a:r>
-            <a:r>
-              <a:rPr lang="da-DK" dirty="0" err="1"/>
-              <a:t>objects</a:t>
-            </a:r>
-            <a:r>
-              <a:rPr lang="da-DK" dirty="0"/>
-              <a:t>…?</a:t>
-            </a:r>
-          </a:p>
-          <a:p>
-            <a:r>
-              <a:rPr lang="da-DK" dirty="0"/>
-              <a:t>The </a:t>
-            </a:r>
-            <a:r>
-              <a:rPr lang="da-DK" i="1" dirty="0"/>
-              <a:t>referred-to</a:t>
-            </a:r>
-            <a:r>
-              <a:rPr lang="da-DK" dirty="0"/>
-              <a:t> </a:t>
-            </a:r>
-            <a:r>
-              <a:rPr lang="da-DK" dirty="0" err="1"/>
-              <a:t>objects</a:t>
-            </a:r>
-            <a:r>
-              <a:rPr lang="da-DK" dirty="0"/>
-              <a:t> </a:t>
-            </a:r>
-            <a:r>
-              <a:rPr lang="da-DK" dirty="0" err="1"/>
-              <a:t>are</a:t>
-            </a:r>
-            <a:r>
-              <a:rPr lang="da-DK" dirty="0"/>
-              <a:t> </a:t>
-            </a:r>
-            <a:r>
-              <a:rPr lang="da-DK" u="sng" dirty="0"/>
-              <a:t>not</a:t>
-            </a:r>
-            <a:r>
-              <a:rPr lang="da-DK" dirty="0"/>
-              <a:t> ”</a:t>
-            </a:r>
-            <a:r>
-              <a:rPr lang="da-DK" dirty="0" err="1"/>
-              <a:t>resolved</a:t>
-            </a:r>
-            <a:r>
-              <a:rPr lang="da-DK" dirty="0"/>
-              <a:t>” per default.</a:t>
-            </a:r>
-          </a:p>
-        </p:txBody>
-      </p:sp>
-    </p:spTree>
-    <p:extLst>
-      <p:ext uri="{BB962C8B-B14F-4D97-AF65-F5344CB8AC3E}">
-        <p14:creationId xmlns:p14="http://schemas.microsoft.com/office/powerpoint/2010/main" val="1891542415"/>
       </p:ext>
     </p:extLst>
   </p:cSld>
@@ -13892,8 +13866,12 @@
           <a:lstStyle/>
           <a:p>
             <a:r>
-              <a:rPr lang="da-DK" dirty="0"/>
-              <a:t>Object reference resolution</a:t>
+              <a:rPr lang="da-DK" dirty="0" err="1"/>
+              <a:t>Essence</a:t>
+            </a:r>
+            <a:r>
+              <a:rPr lang="da-DK" dirty="0"/>
+              <a:t> of EF Core</a:t>
             </a:r>
           </a:p>
         </p:txBody>
@@ -13913,7 +13891,7 @@
         <p:spPr>
           <a:xfrm>
             <a:off x="838199" y="1690688"/>
-            <a:ext cx="10993341" cy="3539430"/>
+            <a:ext cx="10993341" cy="3416320"/>
           </a:xfrm>
           <a:prstGeom prst="rect">
             <a:avLst/>
@@ -13927,63 +13905,168 @@
           <a:lstStyle/>
           <a:p>
             <a:r>
-              <a:rPr lang="da-DK" sz="1400" dirty="0">
-                <a:solidFill>
-                  <a:srgbClr val="000000"/>
-                </a:solidFill>
-                <a:latin typeface="Cascadia Mono" panose="020B0609020000020004" pitchFamily="49" charset="0"/>
-              </a:rPr>
-              <a:t>[</a:t>
-            </a:r>
-            <a:r>
-              <a:rPr lang="da-DK" sz="1400" dirty="0" err="1">
+              <a:rPr lang="da-DK" dirty="0">
+                <a:solidFill>
+                  <a:srgbClr val="008000"/>
+                </a:solidFill>
+                <a:latin typeface="Cascadia Mono" panose="020B0609020000020004" pitchFamily="49" charset="0"/>
+              </a:rPr>
+              <a:t>// </a:t>
+            </a:r>
+            <a:r>
+              <a:rPr lang="da-DK" dirty="0" err="1">
+                <a:solidFill>
+                  <a:srgbClr val="008000"/>
+                </a:solidFill>
+                <a:latin typeface="Cascadia Mono" panose="020B0609020000020004" pitchFamily="49" charset="0"/>
+              </a:rPr>
+              <a:t>Create</a:t>
+            </a:r>
+            <a:r>
+              <a:rPr lang="da-DK" dirty="0">
+                <a:solidFill>
+                  <a:srgbClr val="008000"/>
+                </a:solidFill>
+                <a:latin typeface="Cascadia Mono" panose="020B0609020000020004" pitchFamily="49" charset="0"/>
+              </a:rPr>
+              <a:t> new </a:t>
+            </a:r>
+            <a:r>
+              <a:rPr lang="da-DK" dirty="0" err="1">
+                <a:solidFill>
+                  <a:srgbClr val="008000"/>
+                </a:solidFill>
+                <a:latin typeface="Cascadia Mono" panose="020B0609020000020004" pitchFamily="49" charset="0"/>
+              </a:rPr>
+              <a:t>context</a:t>
+            </a:r>
+            <a:r>
+              <a:rPr lang="da-DK" dirty="0">
+                <a:solidFill>
+                  <a:srgbClr val="008000"/>
+                </a:solidFill>
+                <a:latin typeface="Cascadia Mono" panose="020B0609020000020004" pitchFamily="49" charset="0"/>
+              </a:rPr>
+              <a:t> </a:t>
+            </a:r>
+            <a:r>
+              <a:rPr lang="da-DK" dirty="0" err="1">
+                <a:solidFill>
+                  <a:srgbClr val="008000"/>
+                </a:solidFill>
+                <a:latin typeface="Cascadia Mono" panose="020B0609020000020004" pitchFamily="49" charset="0"/>
+              </a:rPr>
+              <a:t>object</a:t>
+            </a:r>
+            <a:r>
+              <a:rPr lang="da-DK" dirty="0">
+                <a:solidFill>
+                  <a:srgbClr val="008000"/>
+                </a:solidFill>
+                <a:latin typeface="Cascadia Mono" panose="020B0609020000020004" pitchFamily="49" charset="0"/>
+              </a:rPr>
+              <a:t> with the ”</a:t>
+            </a:r>
+            <a:r>
+              <a:rPr lang="da-DK" dirty="0" err="1">
+                <a:solidFill>
+                  <a:srgbClr val="008000"/>
+                </a:solidFill>
+                <a:latin typeface="Cascadia Mono" panose="020B0609020000020004" pitchFamily="49" charset="0"/>
+              </a:rPr>
+              <a:t>using</a:t>
+            </a:r>
+            <a:r>
+              <a:rPr lang="da-DK" dirty="0">
+                <a:solidFill>
+                  <a:srgbClr val="008000"/>
+                </a:solidFill>
+                <a:latin typeface="Cascadia Mono" panose="020B0609020000020004" pitchFamily="49" charset="0"/>
+              </a:rPr>
+              <a:t>” </a:t>
+            </a:r>
+            <a:r>
+              <a:rPr lang="da-DK" dirty="0" err="1">
+                <a:solidFill>
+                  <a:srgbClr val="008000"/>
+                </a:solidFill>
+                <a:latin typeface="Cascadia Mono" panose="020B0609020000020004" pitchFamily="49" charset="0"/>
+              </a:rPr>
+              <a:t>syntax</a:t>
+            </a:r>
+            <a:endParaRPr lang="da-DK" dirty="0">
+              <a:solidFill>
+                <a:srgbClr val="0000FF"/>
+              </a:solidFill>
+              <a:latin typeface="Cascadia Mono" panose="020B0609020000020004" pitchFamily="49" charset="0"/>
+            </a:endParaRPr>
+          </a:p>
+          <a:p>
+            <a:r>
+              <a:rPr lang="da-DK" dirty="0" err="1">
+                <a:solidFill>
+                  <a:srgbClr val="0000FF"/>
+                </a:solidFill>
+                <a:latin typeface="Cascadia Mono" panose="020B0609020000020004" pitchFamily="49" charset="0"/>
+              </a:rPr>
+              <a:t>using</a:t>
+            </a:r>
+            <a:r>
+              <a:rPr lang="da-DK" dirty="0">
+                <a:solidFill>
+                  <a:srgbClr val="000000"/>
+                </a:solidFill>
+                <a:latin typeface="Cascadia Mono" panose="020B0609020000020004" pitchFamily="49" charset="0"/>
+              </a:rPr>
+              <a:t> </a:t>
+            </a:r>
+            <a:r>
+              <a:rPr lang="da-DK" dirty="0">
                 <a:solidFill>
                   <a:srgbClr val="2B91AF"/>
                 </a:solidFill>
                 <a:latin typeface="Cascadia Mono" panose="020B0609020000020004" pitchFamily="49" charset="0"/>
               </a:rPr>
-              <a:t>Table</a:t>
-            </a:r>
-            <a:r>
-              <a:rPr lang="da-DK" sz="1400" dirty="0">
-                <a:solidFill>
-                  <a:srgbClr val="000000"/>
-                </a:solidFill>
-                <a:latin typeface="Cascadia Mono" panose="020B0609020000020004" pitchFamily="49" charset="0"/>
-              </a:rPr>
-              <a:t>(</a:t>
-            </a:r>
-            <a:r>
-              <a:rPr lang="da-DK" sz="1400" dirty="0">
-                <a:solidFill>
-                  <a:srgbClr val="A31515"/>
-                </a:solidFill>
-                <a:latin typeface="Cascadia Mono" panose="020B0609020000020004" pitchFamily="49" charset="0"/>
-              </a:rPr>
-              <a:t>"Drink"</a:t>
-            </a:r>
-            <a:r>
-              <a:rPr lang="da-DK" sz="1400" dirty="0">
-                <a:solidFill>
-                  <a:srgbClr val="000000"/>
-                </a:solidFill>
-                <a:latin typeface="Cascadia Mono" panose="020B0609020000020004" pitchFamily="49" charset="0"/>
-              </a:rPr>
-              <a:t>)]</a:t>
-            </a:r>
-          </a:p>
-          <a:p>
-            <a:r>
-              <a:rPr lang="da-DK" sz="1400" dirty="0">
+              <a:t>EFCDrinkDBContext</a:t>
+            </a:r>
+            <a:r>
+              <a:rPr lang="da-DK" dirty="0">
+                <a:solidFill>
+                  <a:srgbClr val="000000"/>
+                </a:solidFill>
+                <a:latin typeface="Cascadia Mono" panose="020B0609020000020004" pitchFamily="49" charset="0"/>
+              </a:rPr>
+              <a:t> </a:t>
+            </a:r>
+            <a:r>
+              <a:rPr lang="da-DK" dirty="0" err="1">
+                <a:solidFill>
+                  <a:srgbClr val="000000"/>
+                </a:solidFill>
+                <a:latin typeface="Cascadia Mono" panose="020B0609020000020004" pitchFamily="49" charset="0"/>
+              </a:rPr>
+              <a:t>context</a:t>
+            </a:r>
+            <a:r>
+              <a:rPr lang="da-DK" dirty="0">
+                <a:solidFill>
+                  <a:srgbClr val="000000"/>
+                </a:solidFill>
+                <a:latin typeface="Cascadia Mono" panose="020B0609020000020004" pitchFamily="49" charset="0"/>
+              </a:rPr>
+              <a:t> = </a:t>
+            </a:r>
+            <a:r>
+              <a:rPr lang="da-DK" dirty="0">
                 <a:solidFill>
                   <a:srgbClr val="0000FF"/>
                 </a:solidFill>
                 <a:latin typeface="Cascadia Mono" panose="020B0609020000020004" pitchFamily="49" charset="0"/>
               </a:rPr>
-              <a:t>public</a:t>
-            </a:r>
-            <a:r>
-              <a:rPr lang="da-DK" sz="1400" dirty="0">
+              <a:t>new</a:t>
+            </a:r>
+            <a:r>
+              <a:rPr lang="da-DK" dirty="0">
                 <a:solidFill>
                   <a:srgbClr val="000000"/>
                 </a:solidFill>
@@ -13992,69 +14075,26 @@
               <a:t> </a:t>
             </a:r>
             <a:r>
-              <a:rPr lang="da-DK" sz="1400" dirty="0" err="1">
-                <a:solidFill>
-                  <a:srgbClr val="0000FF"/>
-                </a:solidFill>
-                <a:latin typeface="Cascadia Mono" panose="020B0609020000020004" pitchFamily="49" charset="0"/>
-              </a:rPr>
-              <a:t>partial</a:t>
-            </a:r>
-            <a:r>
-              <a:rPr lang="da-DK" sz="1400" dirty="0">
-                <a:solidFill>
-                  <a:srgbClr val="000000"/>
-                </a:solidFill>
-                <a:latin typeface="Cascadia Mono" panose="020B0609020000020004" pitchFamily="49" charset="0"/>
-              </a:rPr>
-              <a:t> </a:t>
-            </a:r>
-            <a:r>
-              <a:rPr lang="da-DK" sz="1400" dirty="0">
-                <a:solidFill>
-                  <a:srgbClr val="0000FF"/>
-                </a:solidFill>
-                <a:latin typeface="Cascadia Mono" panose="020B0609020000020004" pitchFamily="49" charset="0"/>
-              </a:rPr>
-              <a:t>class</a:t>
-            </a:r>
-            <a:r>
-              <a:rPr lang="da-DK" sz="1400" dirty="0">
-                <a:solidFill>
-                  <a:srgbClr val="000000"/>
-                </a:solidFill>
-                <a:latin typeface="Cascadia Mono" panose="020B0609020000020004" pitchFamily="49" charset="0"/>
-              </a:rPr>
-              <a:t> </a:t>
-            </a:r>
-            <a:r>
-              <a:rPr lang="da-DK" sz="1400" dirty="0">
+              <a:rPr lang="da-DK" dirty="0">
                 <a:solidFill>
                   <a:srgbClr val="2B91AF"/>
                 </a:solidFill>
                 <a:latin typeface="Cascadia Mono" panose="020B0609020000020004" pitchFamily="49" charset="0"/>
               </a:rPr>
-              <a:t>Drink </a:t>
-            </a:r>
-            <a:r>
-              <a:rPr lang="da-DK" sz="1400" dirty="0">
-                <a:solidFill>
-                  <a:srgbClr val="008000"/>
-                </a:solidFill>
-                <a:latin typeface="Cascadia Mono" panose="020B0609020000020004" pitchFamily="49" charset="0"/>
-              </a:rPr>
-              <a:t>// auto-</a:t>
-            </a:r>
-            <a:r>
-              <a:rPr lang="da-DK" sz="1400" dirty="0" err="1">
-                <a:solidFill>
-                  <a:srgbClr val="008000"/>
-                </a:solidFill>
-                <a:latin typeface="Cascadia Mono" panose="020B0609020000020004" pitchFamily="49" charset="0"/>
-              </a:rPr>
-              <a:t>generated</a:t>
-            </a:r>
-            <a:endParaRPr lang="da-DK" sz="1400" dirty="0">
+              <a:t>EFCDrinkDBContext</a:t>
+            </a:r>
+            <a:r>
+              <a:rPr lang="da-DK" dirty="0">
+                <a:solidFill>
+                  <a:srgbClr val="000000"/>
+                </a:solidFill>
+                <a:latin typeface="Cascadia Mono" panose="020B0609020000020004" pitchFamily="49" charset="0"/>
+              </a:rPr>
+              <a:t>();</a:t>
+            </a:r>
+          </a:p>
+          <a:p>
+            <a:endParaRPr lang="da-DK" dirty="0">
               <a:solidFill>
                 <a:srgbClr val="000000"/>
               </a:solidFill>
@@ -14063,28 +14103,132 @@
           </a:p>
           <a:p>
             <a:r>
-              <a:rPr lang="da-DK" sz="1400" dirty="0">
-                <a:solidFill>
-                  <a:srgbClr val="000000"/>
-                </a:solidFill>
-                <a:latin typeface="Cascadia Mono" panose="020B0609020000020004" pitchFamily="49" charset="0"/>
-              </a:rPr>
-              <a:t>{</a:t>
-            </a:r>
-          </a:p>
-          <a:p>
-            <a:r>
-              <a:rPr lang="da-DK" sz="1400" dirty="0">
-                <a:solidFill>
-                  <a:srgbClr val="000000"/>
-                </a:solidFill>
-                <a:latin typeface="Cascadia Mono" panose="020B0609020000020004" pitchFamily="49" charset="0"/>
-              </a:rPr>
-              <a:t>    …</a:t>
-            </a:r>
-          </a:p>
-          <a:p>
-            <a:endParaRPr lang="da-DK" sz="1400" dirty="0">
+              <a:rPr lang="da-DK" dirty="0">
+                <a:solidFill>
+                  <a:srgbClr val="008000"/>
+                </a:solidFill>
+                <a:latin typeface="Cascadia Mono" panose="020B0609020000020004" pitchFamily="49" charset="0"/>
+              </a:rPr>
+              <a:t>// </a:t>
+            </a:r>
+            <a:r>
+              <a:rPr lang="da-DK" dirty="0" err="1">
+                <a:solidFill>
+                  <a:srgbClr val="008000"/>
+                </a:solidFill>
+                <a:latin typeface="Cascadia Mono" panose="020B0609020000020004" pitchFamily="49" charset="0"/>
+              </a:rPr>
+              <a:t>Get</a:t>
+            </a:r>
+            <a:r>
+              <a:rPr lang="da-DK" dirty="0">
+                <a:solidFill>
+                  <a:srgbClr val="008000"/>
+                </a:solidFill>
+                <a:latin typeface="Cascadia Mono" panose="020B0609020000020004" pitchFamily="49" charset="0"/>
+              </a:rPr>
+              <a:t> </a:t>
+            </a:r>
+            <a:r>
+              <a:rPr lang="da-DK" dirty="0" err="1">
+                <a:solidFill>
+                  <a:srgbClr val="008000"/>
+                </a:solidFill>
+                <a:latin typeface="Cascadia Mono" panose="020B0609020000020004" pitchFamily="49" charset="0"/>
+              </a:rPr>
+              <a:t>collection</a:t>
+            </a:r>
+            <a:r>
+              <a:rPr lang="da-DK" dirty="0">
+                <a:solidFill>
+                  <a:srgbClr val="008000"/>
+                </a:solidFill>
+                <a:latin typeface="Cascadia Mono" panose="020B0609020000020004" pitchFamily="49" charset="0"/>
+              </a:rPr>
+              <a:t> of </a:t>
+            </a:r>
+            <a:r>
+              <a:rPr lang="da-DK" dirty="0" err="1">
+                <a:solidFill>
+                  <a:srgbClr val="008000"/>
+                </a:solidFill>
+                <a:latin typeface="Cascadia Mono" panose="020B0609020000020004" pitchFamily="49" charset="0"/>
+              </a:rPr>
+              <a:t>objects</a:t>
+            </a:r>
+            <a:r>
+              <a:rPr lang="da-DK" dirty="0">
+                <a:solidFill>
+                  <a:srgbClr val="008000"/>
+                </a:solidFill>
+                <a:latin typeface="Cascadia Mono" panose="020B0609020000020004" pitchFamily="49" charset="0"/>
+              </a:rPr>
+              <a:t> from </a:t>
+            </a:r>
+            <a:r>
+              <a:rPr lang="da-DK" dirty="0" err="1">
+                <a:solidFill>
+                  <a:srgbClr val="008000"/>
+                </a:solidFill>
+                <a:latin typeface="Cascadia Mono" panose="020B0609020000020004" pitchFamily="49" charset="0"/>
+              </a:rPr>
+              <a:t>context</a:t>
+            </a:r>
+            <a:r>
+              <a:rPr lang="da-DK" dirty="0">
+                <a:solidFill>
+                  <a:srgbClr val="008000"/>
+                </a:solidFill>
+                <a:latin typeface="Cascadia Mono" panose="020B0609020000020004" pitchFamily="49" charset="0"/>
+              </a:rPr>
+              <a:t> </a:t>
+            </a:r>
+            <a:r>
+              <a:rPr lang="da-DK" dirty="0" err="1">
+                <a:solidFill>
+                  <a:srgbClr val="008000"/>
+                </a:solidFill>
+                <a:latin typeface="Cascadia Mono" panose="020B0609020000020004" pitchFamily="49" charset="0"/>
+              </a:rPr>
+              <a:t>object</a:t>
+            </a:r>
+            <a:r>
+              <a:rPr lang="da-DK" dirty="0">
+                <a:solidFill>
+                  <a:srgbClr val="008000"/>
+                </a:solidFill>
+                <a:latin typeface="Cascadia Mono" panose="020B0609020000020004" pitchFamily="49" charset="0"/>
+              </a:rPr>
+              <a:t>, by </a:t>
+            </a:r>
+            <a:r>
+              <a:rPr lang="da-DK" dirty="0" err="1">
+                <a:solidFill>
+                  <a:srgbClr val="008000"/>
+                </a:solidFill>
+                <a:latin typeface="Cascadia Mono" panose="020B0609020000020004" pitchFamily="49" charset="0"/>
+              </a:rPr>
+              <a:t>calling</a:t>
+            </a:r>
+            <a:r>
+              <a:rPr lang="da-DK" dirty="0">
+                <a:solidFill>
+                  <a:srgbClr val="008000"/>
+                </a:solidFill>
+                <a:latin typeface="Cascadia Mono" panose="020B0609020000020004" pitchFamily="49" charset="0"/>
+              </a:rPr>
+              <a:t> Set&lt;..&gt;() </a:t>
+            </a:r>
+            <a:r>
+              <a:rPr lang="da-DK" dirty="0" err="1">
+                <a:solidFill>
+                  <a:srgbClr val="008000"/>
+                </a:solidFill>
+                <a:latin typeface="Cascadia Mono" panose="020B0609020000020004" pitchFamily="49" charset="0"/>
+              </a:rPr>
+              <a:t>method</a:t>
+            </a:r>
+            <a:endParaRPr lang="da-DK" dirty="0">
               <a:solidFill>
                 <a:srgbClr val="000000"/>
               </a:solidFill>
@@ -14093,172 +14237,116 @@
           </a:p>
           <a:p>
             <a:r>
-              <a:rPr lang="en-US" sz="1400" dirty="0">
-                <a:solidFill>
-                  <a:srgbClr val="0000FF"/>
-                </a:solidFill>
-                <a:latin typeface="Cascadia Mono" panose="020B0609020000020004" pitchFamily="49" charset="0"/>
-              </a:rPr>
-              <a:t>    public</a:t>
-            </a:r>
-            <a:r>
-              <a:rPr lang="en-US" sz="1400" dirty="0">
-                <a:solidFill>
-                  <a:srgbClr val="000000"/>
-                </a:solidFill>
-                <a:latin typeface="Cascadia Mono" panose="020B0609020000020004" pitchFamily="49" charset="0"/>
-              </a:rPr>
-              <a:t> </a:t>
-            </a:r>
-            <a:r>
-              <a:rPr lang="en-US" sz="1400" dirty="0">
-                <a:solidFill>
-                  <a:srgbClr val="0000FF"/>
-                </a:solidFill>
-                <a:latin typeface="Cascadia Mono" panose="020B0609020000020004" pitchFamily="49" charset="0"/>
-              </a:rPr>
-              <a:t>int</a:t>
-            </a:r>
-            <a:r>
-              <a:rPr lang="en-US" sz="1400" dirty="0">
-                <a:solidFill>
-                  <a:srgbClr val="000000"/>
-                </a:solidFill>
-                <a:latin typeface="Cascadia Mono" panose="020B0609020000020004" pitchFamily="49" charset="0"/>
-              </a:rPr>
-              <a:t>? </a:t>
-            </a:r>
-            <a:r>
-              <a:rPr lang="en-US" sz="1400" dirty="0" err="1">
-                <a:solidFill>
-                  <a:srgbClr val="000000"/>
-                </a:solidFill>
-                <a:latin typeface="Cascadia Mono" panose="020B0609020000020004" pitchFamily="49" charset="0"/>
-              </a:rPr>
-              <a:t>AlcoholicPartId</a:t>
-            </a:r>
-            <a:r>
-              <a:rPr lang="en-US" sz="1400" dirty="0">
-                <a:solidFill>
-                  <a:srgbClr val="000000"/>
-                </a:solidFill>
-                <a:latin typeface="Cascadia Mono" panose="020B0609020000020004" pitchFamily="49" charset="0"/>
-              </a:rPr>
-              <a:t> { </a:t>
-            </a:r>
-            <a:r>
-              <a:rPr lang="en-US" sz="1400" dirty="0">
-                <a:solidFill>
-                  <a:srgbClr val="0000FF"/>
-                </a:solidFill>
-                <a:latin typeface="Cascadia Mono" panose="020B0609020000020004" pitchFamily="49" charset="0"/>
-              </a:rPr>
-              <a:t>get</a:t>
-            </a:r>
-            <a:r>
-              <a:rPr lang="en-US" sz="1400" dirty="0">
-                <a:solidFill>
-                  <a:srgbClr val="000000"/>
-                </a:solidFill>
-                <a:latin typeface="Cascadia Mono" panose="020B0609020000020004" pitchFamily="49" charset="0"/>
-              </a:rPr>
-              <a:t>; </a:t>
-            </a:r>
-            <a:r>
-              <a:rPr lang="en-US" sz="1400" dirty="0">
-                <a:solidFill>
-                  <a:srgbClr val="0000FF"/>
-                </a:solidFill>
-                <a:latin typeface="Cascadia Mono" panose="020B0609020000020004" pitchFamily="49" charset="0"/>
-              </a:rPr>
-              <a:t>set</a:t>
-            </a:r>
-            <a:r>
-              <a:rPr lang="en-US" sz="1400" dirty="0">
-                <a:solidFill>
-                  <a:srgbClr val="000000"/>
-                </a:solidFill>
-                <a:latin typeface="Cascadia Mono" panose="020B0609020000020004" pitchFamily="49" charset="0"/>
-              </a:rPr>
-              <a:t>; }</a:t>
-            </a:r>
-          </a:p>
-          <a:p>
-            <a:r>
-              <a:rPr lang="en-US" sz="1400" dirty="0">
-                <a:solidFill>
-                  <a:srgbClr val="0000FF"/>
-                </a:solidFill>
-                <a:latin typeface="Cascadia Mono" panose="020B0609020000020004" pitchFamily="49" charset="0"/>
-              </a:rPr>
-              <a:t>    public</a:t>
-            </a:r>
-            <a:r>
-              <a:rPr lang="en-US" sz="1400" dirty="0">
-                <a:solidFill>
-                  <a:srgbClr val="000000"/>
-                </a:solidFill>
-                <a:latin typeface="Cascadia Mono" panose="020B0609020000020004" pitchFamily="49" charset="0"/>
-              </a:rPr>
-              <a:t> </a:t>
-            </a:r>
-            <a:r>
-              <a:rPr lang="en-US" sz="1400" dirty="0">
-                <a:solidFill>
-                  <a:srgbClr val="0000FF"/>
-                </a:solidFill>
-                <a:latin typeface="Cascadia Mono" panose="020B0609020000020004" pitchFamily="49" charset="0"/>
-              </a:rPr>
-              <a:t>int</a:t>
-            </a:r>
-            <a:r>
-              <a:rPr lang="en-US" sz="1400" dirty="0">
-                <a:solidFill>
-                  <a:srgbClr val="000000"/>
-                </a:solidFill>
-                <a:latin typeface="Cascadia Mono" panose="020B0609020000020004" pitchFamily="49" charset="0"/>
-              </a:rPr>
-              <a:t>? NonAlcoholicPartId { </a:t>
-            </a:r>
-            <a:r>
-              <a:rPr lang="en-US" sz="1400" dirty="0">
-                <a:solidFill>
-                  <a:srgbClr val="0000FF"/>
-                </a:solidFill>
-                <a:latin typeface="Cascadia Mono" panose="020B0609020000020004" pitchFamily="49" charset="0"/>
-              </a:rPr>
-              <a:t>get</a:t>
-            </a:r>
-            <a:r>
-              <a:rPr lang="en-US" sz="1400" dirty="0">
-                <a:solidFill>
-                  <a:srgbClr val="000000"/>
-                </a:solidFill>
-                <a:latin typeface="Cascadia Mono" panose="020B0609020000020004" pitchFamily="49" charset="0"/>
-              </a:rPr>
-              <a:t>; </a:t>
-            </a:r>
-            <a:r>
-              <a:rPr lang="en-US" sz="1400" dirty="0">
-                <a:solidFill>
-                  <a:srgbClr val="0000FF"/>
-                </a:solidFill>
-                <a:latin typeface="Cascadia Mono" panose="020B0609020000020004" pitchFamily="49" charset="0"/>
-              </a:rPr>
-              <a:t>set</a:t>
-            </a:r>
-            <a:r>
-              <a:rPr lang="en-US" sz="1400" dirty="0">
-                <a:solidFill>
-                  <a:srgbClr val="000000"/>
-                </a:solidFill>
-                <a:latin typeface="Cascadia Mono" panose="020B0609020000020004" pitchFamily="49" charset="0"/>
-              </a:rPr>
-              <a:t>; }</a:t>
-            </a:r>
-          </a:p>
-          <a:p>
-            <a:endParaRPr lang="da-DK" sz="1400" dirty="0">
+              <a:rPr lang="da-DK" dirty="0">
+                <a:solidFill>
+                  <a:srgbClr val="2B91AF"/>
+                </a:solidFill>
+                <a:latin typeface="Cascadia Mono" panose="020B0609020000020004" pitchFamily="49" charset="0"/>
+              </a:rPr>
+              <a:t>List</a:t>
+            </a:r>
+            <a:r>
+              <a:rPr lang="da-DK" dirty="0">
+                <a:solidFill>
+                  <a:srgbClr val="000000"/>
+                </a:solidFill>
+                <a:latin typeface="Cascadia Mono" panose="020B0609020000020004" pitchFamily="49" charset="0"/>
+              </a:rPr>
+              <a:t>&lt;</a:t>
+            </a:r>
+            <a:r>
+              <a:rPr lang="da-DK" dirty="0">
+                <a:solidFill>
+                  <a:srgbClr val="2B91AF"/>
+                </a:solidFill>
+                <a:latin typeface="Cascadia Mono" panose="020B0609020000020004" pitchFamily="49" charset="0"/>
+              </a:rPr>
+              <a:t>Drink</a:t>
+            </a:r>
+            <a:r>
+              <a:rPr lang="da-DK" dirty="0">
+                <a:solidFill>
+                  <a:srgbClr val="000000"/>
+                </a:solidFill>
+                <a:latin typeface="Cascadia Mono" panose="020B0609020000020004" pitchFamily="49" charset="0"/>
+              </a:rPr>
+              <a:t>&gt; </a:t>
+            </a:r>
+            <a:r>
+              <a:rPr lang="da-DK" dirty="0" err="1">
+                <a:solidFill>
+                  <a:srgbClr val="000000"/>
+                </a:solidFill>
+                <a:latin typeface="Cascadia Mono" panose="020B0609020000020004" pitchFamily="49" charset="0"/>
+              </a:rPr>
+              <a:t>allDrinks</a:t>
+            </a:r>
+            <a:r>
+              <a:rPr lang="da-DK" dirty="0">
+                <a:solidFill>
+                  <a:srgbClr val="000000"/>
+                </a:solidFill>
+                <a:latin typeface="Cascadia Mono" panose="020B0609020000020004" pitchFamily="49" charset="0"/>
+              </a:rPr>
+              <a:t> = </a:t>
+            </a:r>
+            <a:r>
+              <a:rPr lang="da-DK" dirty="0" err="1">
+                <a:solidFill>
+                  <a:srgbClr val="000000"/>
+                </a:solidFill>
+                <a:latin typeface="Cascadia Mono" panose="020B0609020000020004" pitchFamily="49" charset="0"/>
+              </a:rPr>
+              <a:t>context.Set</a:t>
+            </a:r>
+            <a:r>
+              <a:rPr lang="da-DK" dirty="0">
+                <a:solidFill>
+                  <a:srgbClr val="000000"/>
+                </a:solidFill>
+                <a:latin typeface="Cascadia Mono" panose="020B0609020000020004" pitchFamily="49" charset="0"/>
+              </a:rPr>
+              <a:t>&lt;</a:t>
+            </a:r>
+            <a:r>
+              <a:rPr lang="da-DK" dirty="0">
+                <a:solidFill>
+                  <a:srgbClr val="2B91AF"/>
+                </a:solidFill>
+                <a:latin typeface="Cascadia Mono" panose="020B0609020000020004" pitchFamily="49" charset="0"/>
+              </a:rPr>
+              <a:t>Drink</a:t>
+            </a:r>
+            <a:r>
+              <a:rPr lang="da-DK" dirty="0">
+                <a:solidFill>
+                  <a:srgbClr val="000000"/>
+                </a:solidFill>
+                <a:latin typeface="Cascadia Mono" panose="020B0609020000020004" pitchFamily="49" charset="0"/>
+              </a:rPr>
+              <a:t>&gt;().</a:t>
+            </a:r>
+            <a:r>
+              <a:rPr lang="da-DK" dirty="0" err="1">
+                <a:solidFill>
+                  <a:srgbClr val="000000"/>
+                </a:solidFill>
+                <a:latin typeface="Cascadia Mono" panose="020B0609020000020004" pitchFamily="49" charset="0"/>
+              </a:rPr>
+              <a:t>ToList</a:t>
+            </a:r>
+            <a:r>
+              <a:rPr lang="da-DK" dirty="0">
+                <a:solidFill>
+                  <a:srgbClr val="000000"/>
+                </a:solidFill>
+                <a:latin typeface="Cascadia Mono" panose="020B0609020000020004" pitchFamily="49" charset="0"/>
+              </a:rPr>
+              <a:t>();</a:t>
+            </a:r>
+          </a:p>
+          <a:p>
+            <a:endParaRPr lang="da-DK" dirty="0">
               <a:solidFill>
                 <a:srgbClr val="000000"/>
               </a:solidFill>
@@ -14267,237 +14355,51 @@
           </a:p>
           <a:p>
             <a:r>
-              <a:rPr lang="da-DK" sz="1400" dirty="0">
-                <a:solidFill>
-                  <a:srgbClr val="000000"/>
-                </a:solidFill>
-                <a:latin typeface="Cascadia Mono" panose="020B0609020000020004" pitchFamily="49" charset="0"/>
-              </a:rPr>
-              <a:t>    [</a:t>
-            </a:r>
-            <a:r>
-              <a:rPr lang="da-DK" sz="1400" dirty="0" err="1">
-                <a:solidFill>
-                  <a:srgbClr val="2B91AF"/>
-                </a:solidFill>
-                <a:latin typeface="Cascadia Mono" panose="020B0609020000020004" pitchFamily="49" charset="0"/>
-              </a:rPr>
-              <a:t>ForeignKey</a:t>
-            </a:r>
-            <a:r>
-              <a:rPr lang="da-DK" sz="1400" dirty="0">
-                <a:solidFill>
-                  <a:srgbClr val="000000"/>
-                </a:solidFill>
-                <a:latin typeface="Cascadia Mono" panose="020B0609020000020004" pitchFamily="49" charset="0"/>
-              </a:rPr>
-              <a:t>(</a:t>
-            </a:r>
-            <a:r>
-              <a:rPr lang="da-DK" sz="1400" dirty="0">
-                <a:solidFill>
-                  <a:srgbClr val="A31515"/>
-                </a:solidFill>
-                <a:latin typeface="Cascadia Mono" panose="020B0609020000020004" pitchFamily="49" charset="0"/>
-              </a:rPr>
-              <a:t>"</a:t>
-            </a:r>
-            <a:r>
-              <a:rPr lang="da-DK" sz="1400" dirty="0" err="1">
-                <a:solidFill>
-                  <a:srgbClr val="A31515"/>
-                </a:solidFill>
-                <a:latin typeface="Cascadia Mono" panose="020B0609020000020004" pitchFamily="49" charset="0"/>
-              </a:rPr>
-              <a:t>AlcoholicPartId</a:t>
-            </a:r>
-            <a:r>
-              <a:rPr lang="da-DK" sz="1400" dirty="0">
-                <a:solidFill>
-                  <a:srgbClr val="A31515"/>
-                </a:solidFill>
-                <a:latin typeface="Cascadia Mono" panose="020B0609020000020004" pitchFamily="49" charset="0"/>
-              </a:rPr>
-              <a:t>"</a:t>
-            </a:r>
-            <a:r>
-              <a:rPr lang="da-DK" sz="1400" dirty="0">
-                <a:solidFill>
-                  <a:srgbClr val="000000"/>
-                </a:solidFill>
-                <a:latin typeface="Cascadia Mono" panose="020B0609020000020004" pitchFamily="49" charset="0"/>
-              </a:rPr>
-              <a:t>)]</a:t>
-            </a:r>
-          </a:p>
-          <a:p>
-            <a:r>
-              <a:rPr lang="da-DK" sz="1400" dirty="0">
-                <a:solidFill>
-                  <a:srgbClr val="000000"/>
-                </a:solidFill>
-                <a:latin typeface="Cascadia Mono" panose="020B0609020000020004" pitchFamily="49" charset="0"/>
-              </a:rPr>
-              <a:t>    [</a:t>
-            </a:r>
-            <a:r>
-              <a:rPr lang="da-DK" sz="1400" dirty="0" err="1">
-                <a:solidFill>
-                  <a:srgbClr val="2B91AF"/>
-                </a:solidFill>
-                <a:latin typeface="Cascadia Mono" panose="020B0609020000020004" pitchFamily="49" charset="0"/>
-              </a:rPr>
-              <a:t>InverseProperty</a:t>
-            </a:r>
-            <a:r>
-              <a:rPr lang="da-DK" sz="1400" dirty="0">
-                <a:solidFill>
-                  <a:srgbClr val="000000"/>
-                </a:solidFill>
-                <a:latin typeface="Cascadia Mono" panose="020B0609020000020004" pitchFamily="49" charset="0"/>
-              </a:rPr>
-              <a:t>(</a:t>
-            </a:r>
-            <a:r>
-              <a:rPr lang="da-DK" sz="1400" dirty="0">
-                <a:solidFill>
-                  <a:srgbClr val="A31515"/>
-                </a:solidFill>
-                <a:latin typeface="Cascadia Mono" panose="020B0609020000020004" pitchFamily="49" charset="0"/>
-              </a:rPr>
-              <a:t>"</a:t>
-            </a:r>
-            <a:r>
-              <a:rPr lang="da-DK" sz="1400" dirty="0" err="1">
-                <a:solidFill>
-                  <a:srgbClr val="A31515"/>
-                </a:solidFill>
-                <a:latin typeface="Cascadia Mono" panose="020B0609020000020004" pitchFamily="49" charset="0"/>
-              </a:rPr>
-              <a:t>DrinkAlcoholicParts</a:t>
-            </a:r>
-            <a:r>
-              <a:rPr lang="da-DK" sz="1400" dirty="0">
-                <a:solidFill>
-                  <a:srgbClr val="A31515"/>
-                </a:solidFill>
-                <a:latin typeface="Cascadia Mono" panose="020B0609020000020004" pitchFamily="49" charset="0"/>
-              </a:rPr>
-              <a:t>"</a:t>
-            </a:r>
-            <a:r>
-              <a:rPr lang="da-DK" sz="1400" dirty="0">
-                <a:solidFill>
-                  <a:srgbClr val="000000"/>
-                </a:solidFill>
-                <a:latin typeface="Cascadia Mono" panose="020B0609020000020004" pitchFamily="49" charset="0"/>
-              </a:rPr>
-              <a:t>)]</a:t>
-            </a:r>
-          </a:p>
-          <a:p>
-            <a:r>
-              <a:rPr lang="en-US" sz="1400" dirty="0">
-                <a:solidFill>
-                  <a:srgbClr val="000000"/>
-                </a:solidFill>
-                <a:latin typeface="Cascadia Mono" panose="020B0609020000020004" pitchFamily="49" charset="0"/>
-              </a:rPr>
-              <a:t>    </a:t>
-            </a:r>
-            <a:r>
-              <a:rPr lang="en-US" sz="1400" dirty="0">
-                <a:solidFill>
-                  <a:srgbClr val="0000FF"/>
-                </a:solidFill>
-                <a:latin typeface="Cascadia Mono" panose="020B0609020000020004" pitchFamily="49" charset="0"/>
-              </a:rPr>
-              <a:t>public</a:t>
-            </a:r>
-            <a:r>
-              <a:rPr lang="en-US" sz="1400" dirty="0">
-                <a:solidFill>
-                  <a:srgbClr val="000000"/>
-                </a:solidFill>
-                <a:latin typeface="Cascadia Mono" panose="020B0609020000020004" pitchFamily="49" charset="0"/>
-              </a:rPr>
-              <a:t> </a:t>
-            </a:r>
-            <a:r>
-              <a:rPr lang="en-US" sz="1400" dirty="0">
-                <a:solidFill>
-                  <a:srgbClr val="0000FF"/>
-                </a:solidFill>
-                <a:latin typeface="Cascadia Mono" panose="020B0609020000020004" pitchFamily="49" charset="0"/>
-              </a:rPr>
-              <a:t>virtual</a:t>
-            </a:r>
-            <a:r>
-              <a:rPr lang="en-US" sz="1400" dirty="0">
-                <a:solidFill>
-                  <a:srgbClr val="000000"/>
-                </a:solidFill>
-                <a:latin typeface="Cascadia Mono" panose="020B0609020000020004" pitchFamily="49" charset="0"/>
-              </a:rPr>
-              <a:t> </a:t>
-            </a:r>
-            <a:r>
-              <a:rPr lang="en-US" sz="1400" dirty="0">
-                <a:solidFill>
-                  <a:srgbClr val="2B91AF"/>
-                </a:solidFill>
-                <a:latin typeface="Cascadia Mono" panose="020B0609020000020004" pitchFamily="49" charset="0"/>
-              </a:rPr>
-              <a:t>Ingredient</a:t>
-            </a:r>
-            <a:r>
-              <a:rPr lang="en-US" sz="1400" dirty="0">
-                <a:solidFill>
-                  <a:srgbClr val="000000"/>
-                </a:solidFill>
-                <a:latin typeface="Cascadia Mono" panose="020B0609020000020004" pitchFamily="49" charset="0"/>
-              </a:rPr>
-              <a:t> AlcoholicPart { </a:t>
-            </a:r>
-            <a:r>
-              <a:rPr lang="en-US" sz="1400" dirty="0">
-                <a:solidFill>
-                  <a:srgbClr val="0000FF"/>
-                </a:solidFill>
-                <a:latin typeface="Cascadia Mono" panose="020B0609020000020004" pitchFamily="49" charset="0"/>
-              </a:rPr>
-              <a:t>get</a:t>
-            </a:r>
-            <a:r>
-              <a:rPr lang="en-US" sz="1400" dirty="0">
-                <a:solidFill>
-                  <a:srgbClr val="000000"/>
-                </a:solidFill>
-                <a:latin typeface="Cascadia Mono" panose="020B0609020000020004" pitchFamily="49" charset="0"/>
-              </a:rPr>
-              <a:t>; </a:t>
-            </a:r>
-            <a:r>
-              <a:rPr lang="en-US" sz="1400" dirty="0">
-                <a:solidFill>
-                  <a:srgbClr val="0000FF"/>
-                </a:solidFill>
-                <a:latin typeface="Cascadia Mono" panose="020B0609020000020004" pitchFamily="49" charset="0"/>
-              </a:rPr>
-              <a:t>set</a:t>
-            </a:r>
-            <a:r>
-              <a:rPr lang="en-US" sz="1400" dirty="0">
-                <a:solidFill>
-                  <a:srgbClr val="000000"/>
-                </a:solidFill>
-                <a:latin typeface="Cascadia Mono" panose="020B0609020000020004" pitchFamily="49" charset="0"/>
-              </a:rPr>
-              <a:t>; }</a:t>
-            </a:r>
-          </a:p>
-          <a:p>
-            <a:endParaRPr lang="en-US" sz="1400" dirty="0">
+              <a:rPr lang="da-DK" dirty="0">
+                <a:solidFill>
+                  <a:srgbClr val="008000"/>
+                </a:solidFill>
+                <a:latin typeface="Cascadia Mono" panose="020B0609020000020004" pitchFamily="49" charset="0"/>
+              </a:rPr>
+              <a:t>// NB: This </a:t>
+            </a:r>
+            <a:r>
+              <a:rPr lang="da-DK" dirty="0" err="1">
+                <a:solidFill>
+                  <a:srgbClr val="008000"/>
+                </a:solidFill>
+                <a:latin typeface="Cascadia Mono" panose="020B0609020000020004" pitchFamily="49" charset="0"/>
+              </a:rPr>
+              <a:t>will</a:t>
+            </a:r>
+            <a:r>
+              <a:rPr lang="da-DK" dirty="0">
+                <a:solidFill>
+                  <a:srgbClr val="008000"/>
+                </a:solidFill>
+                <a:latin typeface="Cascadia Mono" panose="020B0609020000020004" pitchFamily="49" charset="0"/>
+              </a:rPr>
+              <a:t> NOT </a:t>
+            </a:r>
+            <a:r>
+              <a:rPr lang="da-DK" dirty="0" err="1">
+                <a:solidFill>
+                  <a:srgbClr val="008000"/>
+                </a:solidFill>
+                <a:latin typeface="Cascadia Mono" panose="020B0609020000020004" pitchFamily="49" charset="0"/>
+              </a:rPr>
+              <a:t>work</a:t>
+            </a:r>
+            <a:r>
+              <a:rPr lang="da-DK" dirty="0">
+                <a:solidFill>
+                  <a:srgbClr val="008000"/>
+                </a:solidFill>
+                <a:latin typeface="Cascadia Mono" panose="020B0609020000020004" pitchFamily="49" charset="0"/>
+              </a:rPr>
+              <a:t>!!</a:t>
+            </a:r>
+            <a:endParaRPr lang="da-DK" dirty="0">
               <a:solidFill>
                 <a:srgbClr val="000000"/>
               </a:solidFill>
@@ -14506,253 +14408,219 @@
           </a:p>
           <a:p>
             <a:r>
-              <a:rPr lang="da-DK" sz="1400" dirty="0">
-                <a:solidFill>
-                  <a:srgbClr val="000000"/>
-                </a:solidFill>
-                <a:latin typeface="Cascadia Mono" panose="020B0609020000020004" pitchFamily="49" charset="0"/>
-              </a:rPr>
-              <a:t>    [</a:t>
-            </a:r>
-            <a:r>
-              <a:rPr lang="da-DK" sz="1400" dirty="0" err="1">
+              <a:rPr lang="da-DK" dirty="0">
                 <a:solidFill>
                   <a:srgbClr val="2B91AF"/>
                 </a:solidFill>
                 <a:latin typeface="Cascadia Mono" panose="020B0609020000020004" pitchFamily="49" charset="0"/>
               </a:rPr>
-              <a:t>ForeignKey</a:t>
-            </a:r>
-            <a:r>
-              <a:rPr lang="da-DK" sz="1400" dirty="0">
-                <a:solidFill>
-                  <a:srgbClr val="000000"/>
-                </a:solidFill>
-                <a:latin typeface="Cascadia Mono" panose="020B0609020000020004" pitchFamily="49" charset="0"/>
-              </a:rPr>
-              <a:t>(</a:t>
-            </a:r>
-            <a:r>
-              <a:rPr lang="da-DK" sz="1400" dirty="0">
-                <a:solidFill>
-                  <a:srgbClr val="A31515"/>
-                </a:solidFill>
-                <a:latin typeface="Cascadia Mono" panose="020B0609020000020004" pitchFamily="49" charset="0"/>
-              </a:rPr>
-              <a:t>"NonAlcoholicPartId"</a:t>
-            </a:r>
-            <a:r>
-              <a:rPr lang="da-DK" sz="1400" dirty="0">
-                <a:solidFill>
-                  <a:srgbClr val="000000"/>
-                </a:solidFill>
-                <a:latin typeface="Cascadia Mono" panose="020B0609020000020004" pitchFamily="49" charset="0"/>
-              </a:rPr>
-              <a:t>)]</a:t>
-            </a:r>
-          </a:p>
-          <a:p>
-            <a:r>
-              <a:rPr lang="da-DK" sz="1400" dirty="0">
-                <a:solidFill>
-                  <a:srgbClr val="000000"/>
-                </a:solidFill>
-                <a:latin typeface="Cascadia Mono" panose="020B0609020000020004" pitchFamily="49" charset="0"/>
-              </a:rPr>
-              <a:t>    [</a:t>
-            </a:r>
-            <a:r>
-              <a:rPr lang="da-DK" sz="1400" dirty="0" err="1">
+              <a:t>Drink</a:t>
+            </a:r>
+            <a:r>
+              <a:rPr lang="da-DK" dirty="0">
+                <a:solidFill>
+                  <a:srgbClr val="000000"/>
+                </a:solidFill>
+                <a:latin typeface="Cascadia Mono" panose="020B0609020000020004" pitchFamily="49" charset="0"/>
+              </a:rPr>
+              <a:t> d = </a:t>
+            </a:r>
+            <a:r>
+              <a:rPr lang="da-DK" dirty="0">
+                <a:solidFill>
+                  <a:srgbClr val="0000FF"/>
+                </a:solidFill>
+                <a:latin typeface="Cascadia Mono" panose="020B0609020000020004" pitchFamily="49" charset="0"/>
+              </a:rPr>
+              <a:t>new</a:t>
+            </a:r>
+            <a:r>
+              <a:rPr lang="da-DK" dirty="0">
+                <a:solidFill>
+                  <a:srgbClr val="000000"/>
+                </a:solidFill>
+                <a:latin typeface="Cascadia Mono" panose="020B0609020000020004" pitchFamily="49" charset="0"/>
+              </a:rPr>
+              <a:t> </a:t>
+            </a:r>
+            <a:r>
+              <a:rPr lang="da-DK" dirty="0">
                 <a:solidFill>
                   <a:srgbClr val="2B91AF"/>
                 </a:solidFill>
                 <a:latin typeface="Cascadia Mono" panose="020B0609020000020004" pitchFamily="49" charset="0"/>
               </a:rPr>
-              <a:t>InverseProperty</a:t>
-            </a:r>
-            <a:r>
-              <a:rPr lang="da-DK" sz="1400" dirty="0">
-                <a:solidFill>
-                  <a:srgbClr val="000000"/>
-                </a:solidFill>
-                <a:latin typeface="Cascadia Mono" panose="020B0609020000020004" pitchFamily="49" charset="0"/>
-              </a:rPr>
-              <a:t>(</a:t>
-            </a:r>
-            <a:r>
-              <a:rPr lang="da-DK" sz="1400" dirty="0">
-                <a:solidFill>
-                  <a:srgbClr val="A31515"/>
-                </a:solidFill>
-                <a:latin typeface="Cascadia Mono" panose="020B0609020000020004" pitchFamily="49" charset="0"/>
-              </a:rPr>
-              <a:t>"</a:t>
-            </a:r>
-            <a:r>
-              <a:rPr lang="da-DK" sz="1400" dirty="0" err="1">
-                <a:solidFill>
-                  <a:srgbClr val="A31515"/>
-                </a:solidFill>
-                <a:latin typeface="Cascadia Mono" panose="020B0609020000020004" pitchFamily="49" charset="0"/>
-              </a:rPr>
-              <a:t>DrinkNonAlcoholicParts</a:t>
-            </a:r>
-            <a:r>
-              <a:rPr lang="da-DK" sz="1400" dirty="0">
-                <a:solidFill>
-                  <a:srgbClr val="A31515"/>
-                </a:solidFill>
-                <a:latin typeface="Cascadia Mono" panose="020B0609020000020004" pitchFamily="49" charset="0"/>
-              </a:rPr>
-              <a:t>"</a:t>
-            </a:r>
-            <a:r>
-              <a:rPr lang="da-DK" sz="1400" dirty="0">
-                <a:solidFill>
-                  <a:srgbClr val="000000"/>
-                </a:solidFill>
-                <a:latin typeface="Cascadia Mono" panose="020B0609020000020004" pitchFamily="49" charset="0"/>
-              </a:rPr>
-              <a:t>)]</a:t>
-            </a:r>
-          </a:p>
-          <a:p>
-            <a:r>
-              <a:rPr lang="en-US" sz="1400" dirty="0">
-                <a:solidFill>
-                  <a:srgbClr val="000000"/>
-                </a:solidFill>
-                <a:latin typeface="Cascadia Mono" panose="020B0609020000020004" pitchFamily="49" charset="0"/>
-              </a:rPr>
-              <a:t>    </a:t>
-            </a:r>
-            <a:r>
-              <a:rPr lang="en-US" sz="1400" dirty="0">
-                <a:solidFill>
-                  <a:srgbClr val="0000FF"/>
-                </a:solidFill>
-                <a:latin typeface="Cascadia Mono" panose="020B0609020000020004" pitchFamily="49" charset="0"/>
-              </a:rPr>
-              <a:t>public</a:t>
-            </a:r>
-            <a:r>
-              <a:rPr lang="en-US" sz="1400" dirty="0">
-                <a:solidFill>
-                  <a:srgbClr val="000000"/>
+              <a:t>Drink</a:t>
+            </a:r>
+            <a:r>
+              <a:rPr lang="da-DK" dirty="0">
+                <a:solidFill>
+                  <a:srgbClr val="000000"/>
+                </a:solidFill>
+                <a:latin typeface="Cascadia Mono" panose="020B0609020000020004" pitchFamily="49" charset="0"/>
+              </a:rPr>
+              <a:t>() { … };</a:t>
+            </a:r>
+          </a:p>
+          <a:p>
+            <a:r>
+              <a:rPr lang="da-DK" dirty="0" err="1">
+                <a:solidFill>
+                  <a:srgbClr val="000000"/>
+                </a:solidFill>
+                <a:highlight>
+                  <a:srgbClr val="FF0000"/>
+                </a:highlight>
+                <a:latin typeface="Cascadia Mono" panose="020B0609020000020004" pitchFamily="49" charset="0"/>
+              </a:rPr>
+              <a:t>allDrinks.Add</a:t>
+            </a:r>
+            <a:r>
+              <a:rPr lang="da-DK" dirty="0">
+                <a:solidFill>
+                  <a:srgbClr val="000000"/>
+                </a:solidFill>
+                <a:highlight>
+                  <a:srgbClr val="FF0000"/>
+                </a:highlight>
+                <a:latin typeface="Cascadia Mono" panose="020B0609020000020004" pitchFamily="49" charset="0"/>
+              </a:rPr>
+              <a:t>(d);</a:t>
+            </a:r>
+          </a:p>
+          <a:p>
+            <a:endParaRPr lang="da-DK" dirty="0">
+              <a:solidFill>
+                <a:srgbClr val="000000"/>
+              </a:solidFill>
+              <a:latin typeface="Cascadia Mono" panose="020B0609020000020004" pitchFamily="49" charset="0"/>
+            </a:endParaRPr>
+          </a:p>
+          <a:p>
+            <a:r>
+              <a:rPr lang="da-DK" dirty="0">
+                <a:solidFill>
+                  <a:srgbClr val="008000"/>
+                </a:solidFill>
+                <a:latin typeface="Cascadia Mono" panose="020B0609020000020004" pitchFamily="49" charset="0"/>
+              </a:rPr>
+              <a:t>// Save </a:t>
+            </a:r>
+            <a:r>
+              <a:rPr lang="da-DK" dirty="0" err="1">
+                <a:solidFill>
+                  <a:srgbClr val="008000"/>
+                </a:solidFill>
+                <a:latin typeface="Cascadia Mono" panose="020B0609020000020004" pitchFamily="49" charset="0"/>
+              </a:rPr>
+              <a:t>changes</a:t>
+            </a:r>
+            <a:r>
+              <a:rPr lang="da-DK" dirty="0">
+                <a:solidFill>
+                  <a:srgbClr val="008000"/>
+                </a:solidFill>
+                <a:latin typeface="Cascadia Mono" panose="020B0609020000020004" pitchFamily="49" charset="0"/>
+              </a:rPr>
+              <a:t> to database by </a:t>
+            </a:r>
+            <a:r>
+              <a:rPr lang="da-DK" dirty="0" err="1">
+                <a:solidFill>
+                  <a:srgbClr val="008000"/>
+                </a:solidFill>
+                <a:latin typeface="Cascadia Mono" panose="020B0609020000020004" pitchFamily="49" charset="0"/>
+              </a:rPr>
+              <a:t>calling</a:t>
+            </a:r>
+            <a:r>
+              <a:rPr lang="da-DK" dirty="0">
+                <a:solidFill>
+                  <a:srgbClr val="008000"/>
                 </a:solidFill>
                 <a:latin typeface="Cascadia Mono" panose="020B0609020000020004" pitchFamily="49" charset="0"/>
               </a:rPr>
               <a:t> </a:t>
             </a:r>
             <a:r>
-              <a:rPr lang="en-US" sz="1400" dirty="0">
-                <a:solidFill>
-                  <a:srgbClr val="0000FF"/>
-                </a:solidFill>
-                <a:latin typeface="Cascadia Mono" panose="020B0609020000020004" pitchFamily="49" charset="0"/>
-              </a:rPr>
-              <a:t>virtual</a:t>
-            </a:r>
-            <a:r>
-              <a:rPr lang="en-US" sz="1400" dirty="0">
-                <a:solidFill>
-                  <a:srgbClr val="000000"/>
+              <a:rPr lang="da-DK" dirty="0" err="1">
+                <a:solidFill>
+                  <a:srgbClr val="008000"/>
+                </a:solidFill>
+                <a:latin typeface="Cascadia Mono" panose="020B0609020000020004" pitchFamily="49" charset="0"/>
+              </a:rPr>
+              <a:t>SasveChanges</a:t>
+            </a:r>
+            <a:r>
+              <a:rPr lang="da-DK" dirty="0">
+                <a:solidFill>
+                  <a:srgbClr val="008000"/>
+                </a:solidFill>
+                <a:latin typeface="Cascadia Mono" panose="020B0609020000020004" pitchFamily="49" charset="0"/>
+              </a:rPr>
+              <a:t> on the </a:t>
+            </a:r>
+            <a:r>
+              <a:rPr lang="da-DK" dirty="0" err="1">
+                <a:solidFill>
+                  <a:srgbClr val="008000"/>
+                </a:solidFill>
+                <a:latin typeface="Cascadia Mono" panose="020B0609020000020004" pitchFamily="49" charset="0"/>
+              </a:rPr>
+              <a:t>context</a:t>
+            </a:r>
+            <a:r>
+              <a:rPr lang="da-DK" dirty="0">
+                <a:solidFill>
+                  <a:srgbClr val="008000"/>
                 </a:solidFill>
                 <a:latin typeface="Cascadia Mono" panose="020B0609020000020004" pitchFamily="49" charset="0"/>
               </a:rPr>
               <a:t> </a:t>
             </a:r>
             <a:r>
-              <a:rPr lang="en-US" sz="1400" dirty="0">
-                <a:solidFill>
-                  <a:srgbClr val="2B91AF"/>
-                </a:solidFill>
-                <a:latin typeface="Cascadia Mono" panose="020B0609020000020004" pitchFamily="49" charset="0"/>
-              </a:rPr>
-              <a:t>Ingredient</a:t>
-            </a:r>
-            <a:r>
-              <a:rPr lang="en-US" sz="1400" dirty="0">
-                <a:solidFill>
-                  <a:srgbClr val="000000"/>
-                </a:solidFill>
-                <a:latin typeface="Cascadia Mono" panose="020B0609020000020004" pitchFamily="49" charset="0"/>
-              </a:rPr>
-              <a:t> </a:t>
-            </a:r>
-            <a:r>
-              <a:rPr lang="en-US" sz="1400" dirty="0" err="1">
-                <a:solidFill>
-                  <a:srgbClr val="000000"/>
-                </a:solidFill>
-                <a:latin typeface="Cascadia Mono" panose="020B0609020000020004" pitchFamily="49" charset="0"/>
-              </a:rPr>
-              <a:t>NonAlcoholicPart</a:t>
-            </a:r>
-            <a:r>
-              <a:rPr lang="en-US" sz="1400" dirty="0">
-                <a:solidFill>
-                  <a:srgbClr val="000000"/>
-                </a:solidFill>
-                <a:latin typeface="Cascadia Mono" panose="020B0609020000020004" pitchFamily="49" charset="0"/>
-              </a:rPr>
-              <a:t> { </a:t>
-            </a:r>
-            <a:r>
-              <a:rPr lang="en-US" sz="1400" dirty="0">
-                <a:solidFill>
-                  <a:srgbClr val="0000FF"/>
-                </a:solidFill>
-                <a:latin typeface="Cascadia Mono" panose="020B0609020000020004" pitchFamily="49" charset="0"/>
-              </a:rPr>
-              <a:t>get</a:t>
-            </a:r>
-            <a:r>
-              <a:rPr lang="en-US" sz="1400" dirty="0">
-                <a:solidFill>
-                  <a:srgbClr val="000000"/>
-                </a:solidFill>
-                <a:latin typeface="Cascadia Mono" panose="020B0609020000020004" pitchFamily="49" charset="0"/>
-              </a:rPr>
-              <a:t>; </a:t>
-            </a:r>
-            <a:r>
-              <a:rPr lang="en-US" sz="1400" dirty="0">
-                <a:solidFill>
-                  <a:srgbClr val="0000FF"/>
-                </a:solidFill>
-                <a:latin typeface="Cascadia Mono" panose="020B0609020000020004" pitchFamily="49" charset="0"/>
-              </a:rPr>
-              <a:t>set</a:t>
-            </a:r>
-            <a:r>
-              <a:rPr lang="en-US" sz="1400" dirty="0">
-                <a:solidFill>
-                  <a:srgbClr val="000000"/>
-                </a:solidFill>
-                <a:latin typeface="Cascadia Mono" panose="020B0609020000020004" pitchFamily="49" charset="0"/>
-              </a:rPr>
-              <a:t>; }</a:t>
-            </a:r>
-          </a:p>
-          <a:p>
-            <a:r>
-              <a:rPr lang="da-DK" sz="1400" dirty="0">
-                <a:solidFill>
-                  <a:srgbClr val="000000"/>
-                </a:solidFill>
-                <a:latin typeface="Cascadia Mono" panose="020B0609020000020004" pitchFamily="49" charset="0"/>
-              </a:rPr>
-              <a:t>}</a:t>
-            </a:r>
-            <a:endParaRPr lang="da-DK" sz="1400" dirty="0"/>
+              <a:rPr lang="da-DK" dirty="0" err="1">
+                <a:solidFill>
+                  <a:srgbClr val="008000"/>
+                </a:solidFill>
+                <a:latin typeface="Cascadia Mono" panose="020B0609020000020004" pitchFamily="49" charset="0"/>
+              </a:rPr>
+              <a:t>object</a:t>
+            </a:r>
+            <a:endParaRPr lang="da-DK" dirty="0">
+              <a:solidFill>
+                <a:srgbClr val="000000"/>
+              </a:solidFill>
+              <a:latin typeface="Cascadia Mono" panose="020B0609020000020004" pitchFamily="49" charset="0"/>
+            </a:endParaRPr>
+          </a:p>
+          <a:p>
+            <a:r>
+              <a:rPr lang="da-DK" dirty="0" err="1">
+                <a:solidFill>
+                  <a:srgbClr val="000000"/>
+                </a:solidFill>
+                <a:latin typeface="Cascadia Mono" panose="020B0609020000020004" pitchFamily="49" charset="0"/>
+              </a:rPr>
+              <a:t>context.SaveChanges</a:t>
+            </a:r>
+            <a:r>
+              <a:rPr lang="da-DK" dirty="0">
+                <a:solidFill>
+                  <a:srgbClr val="000000"/>
+                </a:solidFill>
+                <a:latin typeface="Cascadia Mono" panose="020B0609020000020004" pitchFamily="49" charset="0"/>
+              </a:rPr>
+              <a:t>();</a:t>
+            </a:r>
+            <a:endParaRPr lang="da-DK" dirty="0"/>
           </a:p>
         </p:txBody>
       </p:sp>
     </p:spTree>
     <p:extLst>
       <p:ext uri="{BB962C8B-B14F-4D97-AF65-F5344CB8AC3E}">
-        <p14:creationId xmlns:p14="http://schemas.microsoft.com/office/powerpoint/2010/main" val="1653726597"/>
+        <p14:creationId xmlns:p14="http://schemas.microsoft.com/office/powerpoint/2010/main" val="2449380192"/>
       </p:ext>
     </p:extLst>
   </p:cSld>
@@ -14784,7 +14652,7 @@
           <p:cNvPr id="2" name="Titel 1">
             <a:extLst>
               <a:ext uri="{FF2B5EF4-FFF2-40B4-BE49-F238E27FC236}">
-                <a16:creationId xmlns:a16="http://schemas.microsoft.com/office/drawing/2014/main" id="{9D7CEE9D-7221-1EF0-1775-4A31AF8CCD1E}"/>
+                <a16:creationId xmlns:a16="http://schemas.microsoft.com/office/drawing/2014/main" id="{D61F8742-C7A3-7B0C-CCD9-56CDAC795075}"/>
               </a:ext>
             </a:extLst>
           </p:cNvPr>
@@ -14809,699 +14677,173 @@
       </p:sp>
       <p:sp>
         <p:nvSpPr>
-          <p:cNvPr id="4" name="Tekstfelt 3">
+          <p:cNvPr id="3" name="Pladsholder til indhold 2">
             <a:extLst>
               <a:ext uri="{FF2B5EF4-FFF2-40B4-BE49-F238E27FC236}">
-                <a16:creationId xmlns:a16="http://schemas.microsoft.com/office/drawing/2014/main" id="{05971714-EB7C-EFC1-DE1A-DE11297508C5}"/>
+                <a16:creationId xmlns:a16="http://schemas.microsoft.com/office/drawing/2014/main" id="{BB829EC2-BD6E-A501-82B6-3AAC9CC13C68}"/>
               </a:ext>
             </a:extLst>
           </p:cNvPr>
-          <p:cNvSpPr txBox="1"/>
-          <p:nvPr/>
+          <p:cNvSpPr>
+            <a:spLocks noGrp="1"/>
+          </p:cNvSpPr>
+          <p:nvPr>
+            <p:ph idx="1"/>
+          </p:nvPr>
         </p:nvSpPr>
         <p:spPr>
           <a:xfrm>
-            <a:off x="838200" y="1690688"/>
-            <a:ext cx="10993341" cy="2462213"/>
+            <a:off x="838200" y="1825625"/>
+            <a:ext cx="9291761" cy="4351338"/>
           </a:xfrm>
-          <a:prstGeom prst="rect">
-            <a:avLst/>
-          </a:prstGeom>
-          <a:noFill/>
         </p:spPr>
         <p:txBody>
-          <a:bodyPr wrap="square" rtlCol="0">
-            <a:spAutoFit/>
-          </a:bodyPr>
+          <a:bodyPr/>
           <a:lstStyle/>
           <a:p>
             <a:r>
-              <a:rPr lang="da-DK" sz="1400" dirty="0" err="1">
-                <a:solidFill>
-                  <a:srgbClr val="0000FF"/>
-                </a:solidFill>
-                <a:latin typeface="Cascadia Mono" panose="020B0609020000020004" pitchFamily="49" charset="0"/>
-              </a:rPr>
-              <a:t>using</a:t>
-            </a:r>
-            <a:r>
-              <a:rPr lang="da-DK" sz="1400" dirty="0">
-                <a:solidFill>
-                  <a:srgbClr val="000000"/>
-                </a:solidFill>
-                <a:latin typeface="Cascadia Mono" panose="020B0609020000020004" pitchFamily="49" charset="0"/>
-              </a:rPr>
+              <a:rPr lang="da-DK" dirty="0" err="1"/>
+              <a:t>Very</a:t>
+            </a:r>
+            <a:r>
+              <a:rPr lang="da-DK" dirty="0"/>
               <a:t> </a:t>
             </a:r>
             <a:r>
-              <a:rPr lang="da-DK" sz="1400" dirty="0">
-                <a:solidFill>
-                  <a:srgbClr val="2B91AF"/>
-                </a:solidFill>
-                <a:latin typeface="Cascadia Mono" panose="020B0609020000020004" pitchFamily="49" charset="0"/>
-              </a:rPr>
-              <a:t>EFCDrinkDBContext</a:t>
-            </a:r>
-            <a:r>
-              <a:rPr lang="da-DK" sz="1400" dirty="0">
-                <a:solidFill>
-                  <a:srgbClr val="000000"/>
-                </a:solidFill>
-                <a:latin typeface="Cascadia Mono" panose="020B0609020000020004" pitchFamily="49" charset="0"/>
-              </a:rPr>
+              <a:rPr lang="da-DK" dirty="0" err="1"/>
+              <a:t>easy</a:t>
+            </a:r>
+            <a:r>
+              <a:rPr lang="da-DK" dirty="0"/>
+              <a:t> to </a:t>
+            </a:r>
+            <a:r>
+              <a:rPr lang="da-DK" dirty="0" err="1"/>
+              <a:t>get</a:t>
+            </a:r>
+            <a:r>
+              <a:rPr lang="da-DK" dirty="0"/>
+              <a:t> all – or </a:t>
+            </a:r>
+            <a:r>
+              <a:rPr lang="da-DK" dirty="0" err="1"/>
+              <a:t>subset</a:t>
+            </a:r>
+            <a:r>
+              <a:rPr lang="da-DK" dirty="0"/>
+              <a:t> – of </a:t>
+            </a:r>
+            <a:r>
+              <a:rPr lang="da-DK" dirty="0" err="1"/>
+              <a:t>objects</a:t>
+            </a:r>
+            <a:r>
+              <a:rPr lang="da-DK" dirty="0"/>
+              <a:t> of type T</a:t>
+            </a:r>
+          </a:p>
+          <a:p>
+            <a:r>
+              <a:rPr lang="da-DK" dirty="0" err="1"/>
+              <a:t>What</a:t>
+            </a:r>
+            <a:r>
+              <a:rPr lang="da-DK" dirty="0"/>
               <a:t> </a:t>
             </a:r>
             <a:r>
-              <a:rPr lang="da-DK" sz="1400" dirty="0" err="1">
-                <a:solidFill>
-                  <a:srgbClr val="000000"/>
-                </a:solidFill>
-                <a:latin typeface="Cascadia Mono" panose="020B0609020000020004" pitchFamily="49" charset="0"/>
-              </a:rPr>
-              <a:t>context</a:t>
-            </a:r>
-            <a:r>
-              <a:rPr lang="da-DK" sz="1400" dirty="0">
-                <a:solidFill>
-                  <a:srgbClr val="000000"/>
-                </a:solidFill>
-                <a:latin typeface="Cascadia Mono" panose="020B0609020000020004" pitchFamily="49" charset="0"/>
-              </a:rPr>
-              <a:t> = </a:t>
-            </a:r>
-            <a:r>
-              <a:rPr lang="da-DK" sz="1400" dirty="0">
-                <a:solidFill>
-                  <a:srgbClr val="0000FF"/>
-                </a:solidFill>
-                <a:latin typeface="Cascadia Mono" panose="020B0609020000020004" pitchFamily="49" charset="0"/>
-              </a:rPr>
-              <a:t>new</a:t>
-            </a:r>
-            <a:r>
-              <a:rPr lang="da-DK" sz="1400" dirty="0">
-                <a:solidFill>
-                  <a:srgbClr val="000000"/>
-                </a:solidFill>
-                <a:latin typeface="Cascadia Mono" panose="020B0609020000020004" pitchFamily="49" charset="0"/>
-              </a:rPr>
+              <a:rPr lang="da-DK" dirty="0" err="1"/>
+              <a:t>if</a:t>
+            </a:r>
+            <a:r>
+              <a:rPr lang="da-DK" dirty="0"/>
+              <a:t> the </a:t>
+            </a:r>
+            <a:r>
+              <a:rPr lang="da-DK" dirty="0" err="1"/>
+              <a:t>individual</a:t>
+            </a:r>
+            <a:r>
+              <a:rPr lang="da-DK" dirty="0"/>
               <a:t> </a:t>
             </a:r>
             <a:r>
-              <a:rPr lang="da-DK" sz="1400" dirty="0">
-                <a:solidFill>
-                  <a:srgbClr val="2B91AF"/>
-                </a:solidFill>
-                <a:latin typeface="Cascadia Mono" panose="020B0609020000020004" pitchFamily="49" charset="0"/>
-              </a:rPr>
-              <a:t>EFCDrinkDBContext</a:t>
-            </a:r>
-            <a:r>
-              <a:rPr lang="da-DK" sz="1400" dirty="0">
-                <a:solidFill>
-                  <a:srgbClr val="000000"/>
-                </a:solidFill>
-                <a:latin typeface="Cascadia Mono" panose="020B0609020000020004" pitchFamily="49" charset="0"/>
-              </a:rPr>
-              <a:t>();</a:t>
-            </a:r>
-          </a:p>
-          <a:p>
-            <a:endParaRPr lang="da-DK" sz="1400" dirty="0">
-              <a:solidFill>
-                <a:srgbClr val="000000"/>
-              </a:solidFill>
-              <a:latin typeface="Cascadia Mono" panose="020B0609020000020004" pitchFamily="49" charset="0"/>
-            </a:endParaRPr>
-          </a:p>
-          <a:p>
-            <a:r>
-              <a:rPr lang="da-DK" sz="1400" dirty="0">
-                <a:solidFill>
-                  <a:srgbClr val="008000"/>
-                </a:solidFill>
-                <a:latin typeface="Cascadia Mono" panose="020B0609020000020004" pitchFamily="49" charset="0"/>
-              </a:rPr>
-              <a:t>// </a:t>
-            </a:r>
-            <a:r>
-              <a:rPr lang="da-DK" sz="1400" dirty="0" err="1">
-                <a:solidFill>
-                  <a:srgbClr val="008000"/>
-                </a:solidFill>
-                <a:latin typeface="Cascadia Mono" panose="020B0609020000020004" pitchFamily="49" charset="0"/>
-              </a:rPr>
-              <a:t>Get</a:t>
-            </a:r>
-            <a:r>
-              <a:rPr lang="da-DK" sz="1400" dirty="0">
-                <a:solidFill>
-                  <a:srgbClr val="008000"/>
-                </a:solidFill>
-                <a:latin typeface="Cascadia Mono" panose="020B0609020000020004" pitchFamily="49" charset="0"/>
-              </a:rPr>
-              <a:t> all Drink </a:t>
-            </a:r>
-            <a:r>
-              <a:rPr lang="da-DK" sz="1400" dirty="0" err="1">
-                <a:solidFill>
-                  <a:srgbClr val="008000"/>
-                </a:solidFill>
-                <a:latin typeface="Cascadia Mono" panose="020B0609020000020004" pitchFamily="49" charset="0"/>
-              </a:rPr>
+              <a:rPr lang="da-DK" dirty="0" err="1"/>
               <a:t>objects</a:t>
             </a:r>
             <a:r>
-              <a:rPr lang="da-DK" sz="1400" dirty="0">
-                <a:solidFill>
-                  <a:srgbClr val="008000"/>
-                </a:solidFill>
-                <a:latin typeface="Cascadia Mono" panose="020B0609020000020004" pitchFamily="49" charset="0"/>
-              </a:rPr>
-              <a:t>, but </a:t>
-            </a:r>
-            <a:r>
-              <a:rPr lang="da-DK" sz="1400" dirty="0" err="1">
-                <a:solidFill>
-                  <a:srgbClr val="008000"/>
-                </a:solidFill>
-                <a:latin typeface="Cascadia Mono" panose="020B0609020000020004" pitchFamily="49" charset="0"/>
-              </a:rPr>
-              <a:t>object</a:t>
-            </a:r>
-            <a:r>
-              <a:rPr lang="da-DK" sz="1400" dirty="0">
-                <a:solidFill>
-                  <a:srgbClr val="008000"/>
-                </a:solidFill>
-                <a:latin typeface="Cascadia Mono" panose="020B0609020000020004" pitchFamily="49" charset="0"/>
-              </a:rPr>
-              <a:t> references NOT </a:t>
-            </a:r>
-            <a:r>
-              <a:rPr lang="da-DK" sz="1400" dirty="0" err="1">
-                <a:solidFill>
-                  <a:srgbClr val="008000"/>
-                </a:solidFill>
-                <a:latin typeface="Cascadia Mono" panose="020B0609020000020004" pitchFamily="49" charset="0"/>
-              </a:rPr>
+              <a:rPr lang="da-DK" dirty="0"/>
+              <a:t> </a:t>
+            </a:r>
+            <a:r>
+              <a:rPr lang="da-DK" dirty="0" err="1"/>
+              <a:t>refer</a:t>
+            </a:r>
+            <a:r>
+              <a:rPr lang="da-DK" dirty="0"/>
+              <a:t> to </a:t>
+            </a:r>
+            <a:r>
+              <a:rPr lang="da-DK" dirty="0" err="1"/>
+              <a:t>other</a:t>
+            </a:r>
+            <a:r>
+              <a:rPr lang="da-DK" dirty="0"/>
+              <a:t> </a:t>
+            </a:r>
+            <a:r>
+              <a:rPr lang="da-DK" dirty="0" err="1"/>
+              <a:t>objects</a:t>
+            </a:r>
+            <a:r>
+              <a:rPr lang="da-DK" dirty="0"/>
+              <a:t>…?</a:t>
+            </a:r>
+          </a:p>
+          <a:p>
+            <a:r>
+              <a:rPr lang="da-DK" dirty="0"/>
+              <a:t>The </a:t>
+            </a:r>
+            <a:r>
+              <a:rPr lang="da-DK" i="1" dirty="0"/>
+              <a:t>referred-to</a:t>
+            </a:r>
+            <a:r>
+              <a:rPr lang="da-DK" dirty="0"/>
+              <a:t> </a:t>
+            </a:r>
+            <a:r>
+              <a:rPr lang="da-DK" dirty="0" err="1"/>
+              <a:t>objects</a:t>
+            </a:r>
+            <a:r>
+              <a:rPr lang="da-DK" dirty="0"/>
+              <a:t> </a:t>
+            </a:r>
+            <a:r>
+              <a:rPr lang="da-DK" dirty="0" err="1"/>
+              <a:t>are</a:t>
+            </a:r>
+            <a:r>
+              <a:rPr lang="da-DK" dirty="0"/>
+              <a:t> </a:t>
+            </a:r>
+            <a:r>
+              <a:rPr lang="da-DK" u="sng" dirty="0"/>
+              <a:t>not</a:t>
+            </a:r>
+            <a:r>
+              <a:rPr lang="da-DK" dirty="0"/>
+              <a:t> ”</a:t>
+            </a:r>
+            <a:r>
+              <a:rPr lang="da-DK" dirty="0" err="1"/>
               <a:t>resolved</a:t>
             </a:r>
             <a:r>
-              <a:rPr lang="da-DK" sz="1400" dirty="0">
-                <a:solidFill>
-                  <a:srgbClr val="008000"/>
-                </a:solidFill>
-                <a:latin typeface="Cascadia Mono" panose="020B0609020000020004" pitchFamily="49" charset="0"/>
-              </a:rPr>
-              <a:t>.</a:t>
-            </a:r>
-            <a:endParaRPr lang="da-DK" sz="1400" dirty="0">
-              <a:solidFill>
-                <a:srgbClr val="000000"/>
-              </a:solidFill>
-              <a:latin typeface="Cascadia Mono" panose="020B0609020000020004" pitchFamily="49" charset="0"/>
-            </a:endParaRPr>
-          </a:p>
-          <a:p>
-            <a:r>
-              <a:rPr lang="da-DK" sz="1400" dirty="0">
-                <a:solidFill>
-                  <a:srgbClr val="2B91AF"/>
-                </a:solidFill>
-                <a:latin typeface="Cascadia Mono" panose="020B0609020000020004" pitchFamily="49" charset="0"/>
-              </a:rPr>
-              <a:t>List</a:t>
-            </a:r>
-            <a:r>
-              <a:rPr lang="da-DK" sz="1400" dirty="0">
-                <a:solidFill>
-                  <a:srgbClr val="000000"/>
-                </a:solidFill>
-                <a:latin typeface="Cascadia Mono" panose="020B0609020000020004" pitchFamily="49" charset="0"/>
-              </a:rPr>
-              <a:t>&lt;</a:t>
-            </a:r>
-            <a:r>
-              <a:rPr lang="da-DK" sz="1400" dirty="0">
-                <a:solidFill>
-                  <a:srgbClr val="2B91AF"/>
-                </a:solidFill>
-                <a:latin typeface="Cascadia Mono" panose="020B0609020000020004" pitchFamily="49" charset="0"/>
-              </a:rPr>
-              <a:t>Drink</a:t>
-            </a:r>
-            <a:r>
-              <a:rPr lang="da-DK" sz="1400" dirty="0">
-                <a:solidFill>
-                  <a:srgbClr val="000000"/>
-                </a:solidFill>
-                <a:latin typeface="Cascadia Mono" panose="020B0609020000020004" pitchFamily="49" charset="0"/>
-              </a:rPr>
-              <a:t>&gt; </a:t>
-            </a:r>
-            <a:r>
-              <a:rPr lang="da-DK" sz="1400" dirty="0" err="1">
-                <a:solidFill>
-                  <a:srgbClr val="000000"/>
-                </a:solidFill>
-                <a:latin typeface="Cascadia Mono" panose="020B0609020000020004" pitchFamily="49" charset="0"/>
-              </a:rPr>
-              <a:t>allDrinksA</a:t>
-            </a:r>
-            <a:r>
-              <a:rPr lang="da-DK" sz="1400" dirty="0">
-                <a:solidFill>
-                  <a:srgbClr val="000000"/>
-                </a:solidFill>
-                <a:latin typeface="Cascadia Mono" panose="020B0609020000020004" pitchFamily="49" charset="0"/>
-              </a:rPr>
-              <a:t> = </a:t>
-            </a:r>
-            <a:r>
-              <a:rPr lang="da-DK" sz="1400" dirty="0" err="1">
-                <a:solidFill>
-                  <a:srgbClr val="000000"/>
-                </a:solidFill>
-                <a:latin typeface="Cascadia Mono" panose="020B0609020000020004" pitchFamily="49" charset="0"/>
-              </a:rPr>
-              <a:t>context.Set</a:t>
-            </a:r>
-            <a:r>
-              <a:rPr lang="da-DK" sz="1400" dirty="0">
-                <a:solidFill>
-                  <a:srgbClr val="000000"/>
-                </a:solidFill>
-                <a:latin typeface="Cascadia Mono" panose="020B0609020000020004" pitchFamily="49" charset="0"/>
-              </a:rPr>
-              <a:t>&lt;</a:t>
-            </a:r>
-            <a:r>
-              <a:rPr lang="da-DK" sz="1400" dirty="0">
-                <a:solidFill>
-                  <a:srgbClr val="2B91AF"/>
-                </a:solidFill>
-                <a:latin typeface="Cascadia Mono" panose="020B0609020000020004" pitchFamily="49" charset="0"/>
-              </a:rPr>
-              <a:t>Drink</a:t>
-            </a:r>
-            <a:r>
-              <a:rPr lang="da-DK" sz="1400" dirty="0">
-                <a:solidFill>
-                  <a:srgbClr val="000000"/>
-                </a:solidFill>
-                <a:latin typeface="Cascadia Mono" panose="020B0609020000020004" pitchFamily="49" charset="0"/>
-              </a:rPr>
-              <a:t>&gt;()</a:t>
-            </a:r>
-          </a:p>
-          <a:p>
-            <a:r>
-              <a:rPr lang="da-DK" sz="1400" dirty="0">
-                <a:solidFill>
-                  <a:srgbClr val="000000"/>
-                </a:solidFill>
-                <a:latin typeface="Cascadia Mono" panose="020B0609020000020004" pitchFamily="49" charset="0"/>
-              </a:rPr>
-              <a:t>    .</a:t>
-            </a:r>
-            <a:r>
-              <a:rPr lang="da-DK" sz="1400" dirty="0" err="1">
-                <a:solidFill>
-                  <a:srgbClr val="000000"/>
-                </a:solidFill>
-                <a:latin typeface="Cascadia Mono" panose="020B0609020000020004" pitchFamily="49" charset="0"/>
-              </a:rPr>
-              <a:t>ToList</a:t>
-            </a:r>
-            <a:r>
-              <a:rPr lang="da-DK" sz="1400" dirty="0">
-                <a:solidFill>
-                  <a:srgbClr val="000000"/>
-                </a:solidFill>
-                <a:latin typeface="Cascadia Mono" panose="020B0609020000020004" pitchFamily="49" charset="0"/>
-              </a:rPr>
-              <a:t>();</a:t>
-            </a:r>
-          </a:p>
-          <a:p>
-            <a:endParaRPr lang="da-DK" sz="1400" dirty="0">
-              <a:solidFill>
-                <a:srgbClr val="000000"/>
-              </a:solidFill>
-              <a:latin typeface="Cascadia Mono" panose="020B0609020000020004" pitchFamily="49" charset="0"/>
-            </a:endParaRPr>
-          </a:p>
-          <a:p>
-            <a:r>
-              <a:rPr lang="da-DK" sz="1400" dirty="0">
-                <a:solidFill>
-                  <a:srgbClr val="008000"/>
-                </a:solidFill>
-                <a:latin typeface="Cascadia Mono" panose="020B0609020000020004" pitchFamily="49" charset="0"/>
-              </a:rPr>
-              <a:t>// </a:t>
-            </a:r>
-            <a:r>
-              <a:rPr lang="da-DK" sz="1400" dirty="0" err="1">
-                <a:solidFill>
-                  <a:srgbClr val="008000"/>
-                </a:solidFill>
-                <a:latin typeface="Cascadia Mono" panose="020B0609020000020004" pitchFamily="49" charset="0"/>
-              </a:rPr>
-              <a:t>Get</a:t>
-            </a:r>
-            <a:r>
-              <a:rPr lang="da-DK" sz="1400" dirty="0">
-                <a:solidFill>
-                  <a:srgbClr val="008000"/>
-                </a:solidFill>
-                <a:latin typeface="Cascadia Mono" panose="020B0609020000020004" pitchFamily="49" charset="0"/>
-              </a:rPr>
-              <a:t> all Drink </a:t>
-            </a:r>
-            <a:r>
-              <a:rPr lang="da-DK" sz="1400" dirty="0" err="1">
-                <a:solidFill>
-                  <a:srgbClr val="008000"/>
-                </a:solidFill>
-                <a:latin typeface="Cascadia Mono" panose="020B0609020000020004" pitchFamily="49" charset="0"/>
-              </a:rPr>
-              <a:t>objects</a:t>
-            </a:r>
-            <a:r>
-              <a:rPr lang="da-DK" sz="1400" dirty="0">
-                <a:solidFill>
-                  <a:srgbClr val="008000"/>
-                </a:solidFill>
-                <a:latin typeface="Cascadia Mono" panose="020B0609020000020004" pitchFamily="49" charset="0"/>
-              </a:rPr>
-              <a:t>, with </a:t>
-            </a:r>
-            <a:r>
-              <a:rPr lang="da-DK" sz="1400" dirty="0" err="1">
-                <a:solidFill>
-                  <a:srgbClr val="008000"/>
-                </a:solidFill>
-                <a:latin typeface="Cascadia Mono" panose="020B0609020000020004" pitchFamily="49" charset="0"/>
-              </a:rPr>
-              <a:t>object</a:t>
-            </a:r>
-            <a:r>
-              <a:rPr lang="da-DK" sz="1400" dirty="0">
-                <a:solidFill>
-                  <a:srgbClr val="008000"/>
-                </a:solidFill>
-                <a:latin typeface="Cascadia Mono" panose="020B0609020000020004" pitchFamily="49" charset="0"/>
-              </a:rPr>
-              <a:t> references </a:t>
-            </a:r>
-            <a:r>
-              <a:rPr lang="da-DK" sz="1400" dirty="0" err="1">
-                <a:solidFill>
-                  <a:srgbClr val="008000"/>
-                </a:solidFill>
-                <a:latin typeface="Cascadia Mono" panose="020B0609020000020004" pitchFamily="49" charset="0"/>
-              </a:rPr>
-              <a:t>resolved</a:t>
-            </a:r>
-            <a:r>
-              <a:rPr lang="da-DK" sz="1400" dirty="0">
-                <a:solidFill>
-                  <a:srgbClr val="008000"/>
-                </a:solidFill>
-                <a:latin typeface="Cascadia Mono" panose="020B0609020000020004" pitchFamily="49" charset="0"/>
-              </a:rPr>
-              <a:t>.</a:t>
-            </a:r>
-            <a:endParaRPr lang="da-DK" sz="1400" dirty="0">
-              <a:solidFill>
-                <a:srgbClr val="000000"/>
-              </a:solidFill>
-              <a:latin typeface="Cascadia Mono" panose="020B0609020000020004" pitchFamily="49" charset="0"/>
-            </a:endParaRPr>
-          </a:p>
-          <a:p>
-            <a:r>
-              <a:rPr lang="da-DK" sz="1400" dirty="0">
-                <a:solidFill>
-                  <a:srgbClr val="2B91AF"/>
-                </a:solidFill>
-                <a:latin typeface="Cascadia Mono" panose="020B0609020000020004" pitchFamily="49" charset="0"/>
-              </a:rPr>
-              <a:t>List</a:t>
-            </a:r>
-            <a:r>
-              <a:rPr lang="da-DK" sz="1400" dirty="0">
-                <a:solidFill>
-                  <a:srgbClr val="000000"/>
-                </a:solidFill>
-                <a:latin typeface="Cascadia Mono" panose="020B0609020000020004" pitchFamily="49" charset="0"/>
-              </a:rPr>
-              <a:t>&lt;</a:t>
-            </a:r>
-            <a:r>
-              <a:rPr lang="da-DK" sz="1400" dirty="0">
-                <a:solidFill>
-                  <a:srgbClr val="2B91AF"/>
-                </a:solidFill>
-                <a:latin typeface="Cascadia Mono" panose="020B0609020000020004" pitchFamily="49" charset="0"/>
-              </a:rPr>
-              <a:t>DrinkFlat</a:t>
-            </a:r>
-            <a:r>
-              <a:rPr lang="da-DK" sz="1400" dirty="0">
-                <a:solidFill>
-                  <a:srgbClr val="000000"/>
-                </a:solidFill>
-                <a:latin typeface="Cascadia Mono" panose="020B0609020000020004" pitchFamily="49" charset="0"/>
-              </a:rPr>
-              <a:t>&gt; </a:t>
-            </a:r>
-            <a:r>
-              <a:rPr lang="da-DK" sz="1400" dirty="0" err="1">
-                <a:solidFill>
-                  <a:srgbClr val="000000"/>
-                </a:solidFill>
-                <a:latin typeface="Cascadia Mono" panose="020B0609020000020004" pitchFamily="49" charset="0"/>
-              </a:rPr>
-              <a:t>allDrinksB</a:t>
-            </a:r>
-            <a:r>
-              <a:rPr lang="da-DK" sz="1400" dirty="0">
-                <a:solidFill>
-                  <a:srgbClr val="000000"/>
-                </a:solidFill>
-                <a:latin typeface="Cascadia Mono" panose="020B0609020000020004" pitchFamily="49" charset="0"/>
-              </a:rPr>
-              <a:t> = </a:t>
-            </a:r>
-            <a:r>
-              <a:rPr lang="da-DK" sz="1400" dirty="0" err="1">
-                <a:solidFill>
-                  <a:srgbClr val="000000"/>
-                </a:solidFill>
-                <a:latin typeface="Cascadia Mono" panose="020B0609020000020004" pitchFamily="49" charset="0"/>
-              </a:rPr>
-              <a:t>context.Set</a:t>
-            </a:r>
-            <a:r>
-              <a:rPr lang="da-DK" sz="1400" dirty="0">
-                <a:solidFill>
-                  <a:srgbClr val="000000"/>
-                </a:solidFill>
-                <a:latin typeface="Cascadia Mono" panose="020B0609020000020004" pitchFamily="49" charset="0"/>
-              </a:rPr>
-              <a:t>&lt;</a:t>
-            </a:r>
-            <a:r>
-              <a:rPr lang="da-DK" sz="1400" dirty="0">
-                <a:solidFill>
-                  <a:srgbClr val="2B91AF"/>
-                </a:solidFill>
-                <a:latin typeface="Cascadia Mono" panose="020B0609020000020004" pitchFamily="49" charset="0"/>
-              </a:rPr>
-              <a:t>DrinkFlat</a:t>
-            </a:r>
-            <a:r>
-              <a:rPr lang="da-DK" sz="1400" dirty="0">
-                <a:solidFill>
-                  <a:srgbClr val="000000"/>
-                </a:solidFill>
-                <a:latin typeface="Cascadia Mono" panose="020B0609020000020004" pitchFamily="49" charset="0"/>
-              </a:rPr>
-              <a:t>&gt;()</a:t>
-            </a:r>
-          </a:p>
-          <a:p>
-            <a:r>
-              <a:rPr lang="da-DK" sz="1400" dirty="0">
-                <a:solidFill>
-                  <a:srgbClr val="000000"/>
-                </a:solidFill>
-                <a:latin typeface="Cascadia Mono" panose="020B0609020000020004" pitchFamily="49" charset="0"/>
-              </a:rPr>
-              <a:t>    </a:t>
-            </a:r>
-            <a:r>
-              <a:rPr lang="da-DK" sz="1400" dirty="0">
-                <a:solidFill>
-                  <a:srgbClr val="000000"/>
-                </a:solidFill>
-                <a:highlight>
-                  <a:srgbClr val="FFFF00"/>
-                </a:highlight>
-                <a:latin typeface="Cascadia Mono" panose="020B0609020000020004" pitchFamily="49" charset="0"/>
-              </a:rPr>
-              <a:t>.</a:t>
-            </a:r>
-            <a:r>
-              <a:rPr lang="da-DK" sz="1400" dirty="0" err="1">
-                <a:solidFill>
-                  <a:srgbClr val="000000"/>
-                </a:solidFill>
-                <a:highlight>
-                  <a:srgbClr val="FFFF00"/>
-                </a:highlight>
-                <a:latin typeface="Cascadia Mono" panose="020B0609020000020004" pitchFamily="49" charset="0"/>
-              </a:rPr>
-              <a:t>Include</a:t>
-            </a:r>
-            <a:r>
-              <a:rPr lang="da-DK" sz="1400" dirty="0">
-                <a:solidFill>
-                  <a:srgbClr val="000000"/>
-                </a:solidFill>
-                <a:highlight>
-                  <a:srgbClr val="FFFF00"/>
-                </a:highlight>
-                <a:latin typeface="Cascadia Mono" panose="020B0609020000020004" pitchFamily="49" charset="0"/>
-              </a:rPr>
-              <a:t>(d =&gt; </a:t>
-            </a:r>
-            <a:r>
-              <a:rPr lang="da-DK" sz="1400" dirty="0" err="1">
-                <a:solidFill>
-                  <a:srgbClr val="000000"/>
-                </a:solidFill>
-                <a:highlight>
-                  <a:srgbClr val="FFFF00"/>
-                </a:highlight>
-                <a:latin typeface="Cascadia Mono" panose="020B0609020000020004" pitchFamily="49" charset="0"/>
-              </a:rPr>
-              <a:t>d.AlcoholicPart</a:t>
-            </a:r>
-            <a:r>
-              <a:rPr lang="da-DK" sz="1400" dirty="0">
-                <a:solidFill>
-                  <a:srgbClr val="000000"/>
-                </a:solidFill>
-                <a:highlight>
-                  <a:srgbClr val="FFFF00"/>
-                </a:highlight>
-                <a:latin typeface="Cascadia Mono" panose="020B0609020000020004" pitchFamily="49" charset="0"/>
-              </a:rPr>
-              <a:t>)</a:t>
-            </a:r>
-          </a:p>
-          <a:p>
-            <a:r>
-              <a:rPr lang="da-DK" sz="1400" dirty="0">
-                <a:solidFill>
-                  <a:srgbClr val="000000"/>
-                </a:solidFill>
-                <a:latin typeface="Cascadia Mono" panose="020B0609020000020004" pitchFamily="49" charset="0"/>
-              </a:rPr>
-              <a:t>    </a:t>
-            </a:r>
-            <a:r>
-              <a:rPr lang="da-DK" sz="1400" dirty="0">
-                <a:solidFill>
-                  <a:srgbClr val="000000"/>
-                </a:solidFill>
-                <a:highlight>
-                  <a:srgbClr val="FFFF00"/>
-                </a:highlight>
-                <a:latin typeface="Cascadia Mono" panose="020B0609020000020004" pitchFamily="49" charset="0"/>
-              </a:rPr>
-              <a:t>.</a:t>
-            </a:r>
-            <a:r>
-              <a:rPr lang="da-DK" sz="1400" dirty="0" err="1">
-                <a:solidFill>
-                  <a:srgbClr val="000000"/>
-                </a:solidFill>
-                <a:highlight>
-                  <a:srgbClr val="FFFF00"/>
-                </a:highlight>
-                <a:latin typeface="Cascadia Mono" panose="020B0609020000020004" pitchFamily="49" charset="0"/>
-              </a:rPr>
-              <a:t>Include</a:t>
-            </a:r>
-            <a:r>
-              <a:rPr lang="da-DK" sz="1400" dirty="0">
-                <a:solidFill>
-                  <a:srgbClr val="000000"/>
-                </a:solidFill>
-                <a:highlight>
-                  <a:srgbClr val="FFFF00"/>
-                </a:highlight>
-                <a:latin typeface="Cascadia Mono" panose="020B0609020000020004" pitchFamily="49" charset="0"/>
-              </a:rPr>
-              <a:t>(d =&gt; </a:t>
-            </a:r>
-            <a:r>
-              <a:rPr lang="da-DK" sz="1400" dirty="0" err="1">
-                <a:solidFill>
-                  <a:srgbClr val="000000"/>
-                </a:solidFill>
-                <a:highlight>
-                  <a:srgbClr val="FFFF00"/>
-                </a:highlight>
-                <a:latin typeface="Cascadia Mono" panose="020B0609020000020004" pitchFamily="49" charset="0"/>
-              </a:rPr>
-              <a:t>d.NonAlcoholicPart</a:t>
-            </a:r>
-            <a:r>
-              <a:rPr lang="da-DK" sz="1400" dirty="0">
-                <a:solidFill>
-                  <a:srgbClr val="000000"/>
-                </a:solidFill>
-                <a:highlight>
-                  <a:srgbClr val="FFFF00"/>
-                </a:highlight>
-                <a:latin typeface="Cascadia Mono" panose="020B0609020000020004" pitchFamily="49" charset="0"/>
-              </a:rPr>
-              <a:t>)</a:t>
-            </a:r>
-          </a:p>
-          <a:p>
-            <a:r>
-              <a:rPr lang="da-DK" sz="1400" dirty="0">
-                <a:solidFill>
-                  <a:srgbClr val="000000"/>
-                </a:solidFill>
-                <a:latin typeface="Cascadia Mono" panose="020B0609020000020004" pitchFamily="49" charset="0"/>
-              </a:rPr>
-              <a:t>    .</a:t>
-            </a:r>
-            <a:r>
-              <a:rPr lang="da-DK" sz="1400" dirty="0" err="1">
-                <a:solidFill>
-                  <a:srgbClr val="000000"/>
-                </a:solidFill>
-                <a:latin typeface="Cascadia Mono" panose="020B0609020000020004" pitchFamily="49" charset="0"/>
-              </a:rPr>
-              <a:t>ToList</a:t>
-            </a:r>
-            <a:r>
-              <a:rPr lang="da-DK" sz="1400" dirty="0">
-                <a:solidFill>
-                  <a:srgbClr val="000000"/>
-                </a:solidFill>
-                <a:latin typeface="Cascadia Mono" panose="020B0609020000020004" pitchFamily="49" charset="0"/>
-              </a:rPr>
-              <a:t>();</a:t>
+              <a:rPr lang="da-DK" dirty="0"/>
+              <a:t>” per default.</a:t>
             </a:r>
           </a:p>
         </p:txBody>
@@ -15509,7 +14851,7 @@
     </p:spTree>
     <p:extLst>
       <p:ext uri="{BB962C8B-B14F-4D97-AF65-F5344CB8AC3E}">
-        <p14:creationId xmlns:p14="http://schemas.microsoft.com/office/powerpoint/2010/main" val="137311166"/>
+        <p14:creationId xmlns:p14="http://schemas.microsoft.com/office/powerpoint/2010/main" val="1891542415"/>
       </p:ext>
     </p:extLst>
   </p:cSld>
@@ -15578,8 +14920,8 @@
         </p:nvSpPr>
         <p:spPr>
           <a:xfrm>
-            <a:off x="838200" y="1690688"/>
-            <a:ext cx="10993341" cy="1384995"/>
+            <a:off x="838199" y="1690688"/>
+            <a:ext cx="10993341" cy="3539430"/>
           </a:xfrm>
           <a:prstGeom prst="rect">
             <a:avLst/>
@@ -15593,13 +14935,60 @@
           <a:lstStyle/>
           <a:p>
             <a:r>
+              <a:rPr lang="da-DK" sz="1400" dirty="0">
+                <a:solidFill>
+                  <a:srgbClr val="000000"/>
+                </a:solidFill>
+                <a:latin typeface="Cascadia Mono" panose="020B0609020000020004" pitchFamily="49" charset="0"/>
+              </a:rPr>
+              <a:t>[</a:t>
+            </a:r>
+            <a:r>
               <a:rPr lang="da-DK" sz="1400" dirty="0" err="1">
                 <a:solidFill>
+                  <a:srgbClr val="2B91AF"/>
+                </a:solidFill>
+                <a:latin typeface="Cascadia Mono" panose="020B0609020000020004" pitchFamily="49" charset="0"/>
+              </a:rPr>
+              <a:t>Table</a:t>
+            </a:r>
+            <a:r>
+              <a:rPr lang="da-DK" sz="1400" dirty="0">
+                <a:solidFill>
+                  <a:srgbClr val="000000"/>
+                </a:solidFill>
+                <a:latin typeface="Cascadia Mono" panose="020B0609020000020004" pitchFamily="49" charset="0"/>
+              </a:rPr>
+              <a:t>(</a:t>
+            </a:r>
+            <a:r>
+              <a:rPr lang="da-DK" sz="1400" dirty="0">
+                <a:solidFill>
+                  <a:srgbClr val="A31515"/>
+                </a:solidFill>
+                <a:latin typeface="Cascadia Mono" panose="020B0609020000020004" pitchFamily="49" charset="0"/>
+              </a:rPr>
+              <a:t>"Drink"</a:t>
+            </a:r>
+            <a:r>
+              <a:rPr lang="da-DK" sz="1400" dirty="0">
+                <a:solidFill>
+                  <a:srgbClr val="000000"/>
+                </a:solidFill>
+                <a:latin typeface="Cascadia Mono" panose="020B0609020000020004" pitchFamily="49" charset="0"/>
+              </a:rPr>
+              <a:t>)]</a:t>
+            </a:r>
+          </a:p>
+          <a:p>
+            <a:r>
+              <a:rPr lang="da-DK" sz="1400" dirty="0">
+                <a:solidFill>
                   <a:srgbClr val="0000FF"/>
                 </a:solidFill>
                 <a:latin typeface="Cascadia Mono" panose="020B0609020000020004" pitchFamily="49" charset="0"/>
               </a:rPr>
-              <a:t>using</a:t>
+              <a:t>public</a:t>
             </a:r>
             <a:r>
               <a:rPr lang="da-DK" sz="1400" dirty="0">
@@ -15611,79 +15000,68 @@
               <a:t> </a:t>
             </a:r>
             <a:r>
+              <a:rPr lang="da-DK" sz="1400" dirty="0" err="1">
+                <a:solidFill>
+                  <a:srgbClr val="0000FF"/>
+                </a:solidFill>
+                <a:latin typeface="Cascadia Mono" panose="020B0609020000020004" pitchFamily="49" charset="0"/>
+              </a:rPr>
+              <a:t>partial</a:t>
+            </a:r>
+            <a:r>
               <a:rPr lang="da-DK" sz="1400" dirty="0">
                 <a:solidFill>
+                  <a:srgbClr val="000000"/>
+                </a:solidFill>
+                <a:latin typeface="Cascadia Mono" panose="020B0609020000020004" pitchFamily="49" charset="0"/>
+              </a:rPr>
+              <a:t> </a:t>
+            </a:r>
+            <a:r>
+              <a:rPr lang="da-DK" sz="1400" dirty="0">
+                <a:solidFill>
+                  <a:srgbClr val="0000FF"/>
+                </a:solidFill>
+                <a:latin typeface="Cascadia Mono" panose="020B0609020000020004" pitchFamily="49" charset="0"/>
+              </a:rPr>
+              <a:t>class</a:t>
+            </a:r>
+            <a:r>
+              <a:rPr lang="da-DK" sz="1400" dirty="0">
+                <a:solidFill>
+                  <a:srgbClr val="000000"/>
+                </a:solidFill>
+                <a:latin typeface="Cascadia Mono" panose="020B0609020000020004" pitchFamily="49" charset="0"/>
+              </a:rPr>
+              <a:t> </a:t>
+            </a:r>
+            <a:r>
+              <a:rPr lang="da-DK" sz="1400" dirty="0">
+                <a:solidFill>
                   <a:srgbClr val="2B91AF"/>
                 </a:solidFill>
                 <a:latin typeface="Cascadia Mono" panose="020B0609020000020004" pitchFamily="49" charset="0"/>
               </a:rPr>
-              <a:t>EFCDrinkDBContext</a:t>
+              <a:t>Drink </a:t>
             </a:r>
             <a:r>
               <a:rPr lang="da-DK" sz="1400" dirty="0">
                 <a:solidFill>
-                  <a:srgbClr val="000000"/>
-                </a:solidFill>
-                <a:latin typeface="Cascadia Mono" panose="020B0609020000020004" pitchFamily="49" charset="0"/>
-              </a:rPr>
-              <a:t> </a:t>
+                  <a:srgbClr val="008000"/>
+                </a:solidFill>
+                <a:latin typeface="Cascadia Mono" panose="020B0609020000020004" pitchFamily="49" charset="0"/>
+              </a:rPr>
+              <a:t>// auto-</a:t>
             </a:r>
             <a:r>
               <a:rPr lang="da-DK" sz="1400" dirty="0" err="1">
                 <a:solidFill>
-                  <a:srgbClr val="000000"/>
-                </a:solidFill>
-                <a:latin typeface="Cascadia Mono" panose="020B0609020000020004" pitchFamily="49" charset="0"/>
-              </a:rPr>
-              <a:t>context</a:t>
-            </a:r>
-            <a:r>
-              <a:rPr lang="da-DK" sz="1400" dirty="0">
-                <a:solidFill>
-                  <a:srgbClr val="000000"/>
-                </a:solidFill>
-                <a:latin typeface="Cascadia Mono" panose="020B0609020000020004" pitchFamily="49" charset="0"/>
-              </a:rPr>
-              <a:t> = </a:t>
-            </a:r>
-            <a:r>
-              <a:rPr lang="da-DK" sz="1400" dirty="0">
-                <a:solidFill>
-                  <a:srgbClr val="0000FF"/>
-                </a:solidFill>
-                <a:latin typeface="Cascadia Mono" panose="020B0609020000020004" pitchFamily="49" charset="0"/>
-              </a:rPr>
-              <a:t>new</a:t>
-            </a:r>
-            <a:r>
-              <a:rPr lang="da-DK" sz="1400" dirty="0">
-                <a:solidFill>
-                  <a:srgbClr val="000000"/>
-                </a:solidFill>
-                <a:latin typeface="Cascadia Mono" panose="020B0609020000020004" pitchFamily="49" charset="0"/>
-              </a:rPr>
-              <a:t> </a:t>
-            </a:r>
-            <a:r>
-              <a:rPr lang="da-DK" sz="1400" dirty="0">
-                <a:solidFill>
-                  <a:srgbClr val="2B91AF"/>
-                </a:solidFill>
-                <a:latin typeface="Cascadia Mono" panose="020B0609020000020004" pitchFamily="49" charset="0"/>
-              </a:rPr>
-              <a:t>EFCDrinkDBContext</a:t>
-            </a:r>
-            <a:r>
-              <a:rPr lang="da-DK" sz="1400" dirty="0">
-                <a:solidFill>
-                  <a:srgbClr val="000000"/>
-                </a:solidFill>
-                <a:latin typeface="Cascadia Mono" panose="020B0609020000020004" pitchFamily="49" charset="0"/>
-              </a:rPr>
-              <a:t>();</a:t>
-            </a:r>
-          </a:p>
-          <a:p>
+                  <a:srgbClr val="008000"/>
+                </a:solidFill>
+                <a:latin typeface="Cascadia Mono" panose="020B0609020000020004" pitchFamily="49" charset="0"/>
+              </a:rPr>
+              <a:t>generated</a:t>
+            </a:r>
             <a:endParaRPr lang="da-DK" sz="1400" dirty="0">
               <a:solidFill>
                 <a:srgbClr val="000000"/>
@@ -15695,66 +15073,25 @@
             <a:r>
               <a:rPr lang="da-DK" sz="1400" dirty="0">
                 <a:solidFill>
-                  <a:srgbClr val="008000"/>
-                </a:solidFill>
-                <a:latin typeface="Cascadia Mono" panose="020B0609020000020004" pitchFamily="49" charset="0"/>
-              </a:rPr>
-              <a:t>// </a:t>
-            </a:r>
-            <a:r>
-              <a:rPr lang="da-DK" sz="1400" dirty="0" err="1">
-                <a:solidFill>
-                  <a:srgbClr val="008000"/>
-                </a:solidFill>
-                <a:latin typeface="Cascadia Mono" panose="020B0609020000020004" pitchFamily="49" charset="0"/>
-              </a:rPr>
-              <a:t>Deeper</a:t>
-            </a:r>
+                  <a:srgbClr val="000000"/>
+                </a:solidFill>
+                <a:latin typeface="Cascadia Mono" panose="020B0609020000020004" pitchFamily="49" charset="0"/>
+              </a:rPr>
+              <a:t>{</a:t>
+            </a:r>
+          </a:p>
+          <a:p>
             <a:r>
               <a:rPr lang="da-DK" sz="1400" dirty="0">
                 <a:solidFill>
-                  <a:srgbClr val="008000"/>
-                </a:solidFill>
-                <a:latin typeface="Cascadia Mono" panose="020B0609020000020004" pitchFamily="49" charset="0"/>
-              </a:rPr>
-              <a:t> </a:t>
-            </a:r>
-            <a:r>
-              <a:rPr lang="da-DK" sz="1400" dirty="0" err="1">
-                <a:solidFill>
-                  <a:srgbClr val="008000"/>
-                </a:solidFill>
-                <a:latin typeface="Cascadia Mono" panose="020B0609020000020004" pitchFamily="49" charset="0"/>
-              </a:rPr>
-              <a:t>level</a:t>
-            </a:r>
-            <a:r>
-              <a:rPr lang="da-DK" sz="1400" dirty="0">
-                <a:solidFill>
-                  <a:srgbClr val="008000"/>
-                </a:solidFill>
-                <a:latin typeface="Cascadia Mono" panose="020B0609020000020004" pitchFamily="49" charset="0"/>
-              </a:rPr>
-              <a:t> of </a:t>
-            </a:r>
-            <a:r>
-              <a:rPr lang="da-DK" sz="1400" dirty="0" err="1">
-                <a:solidFill>
-                  <a:srgbClr val="008000"/>
-                </a:solidFill>
-                <a:latin typeface="Cascadia Mono" panose="020B0609020000020004" pitchFamily="49" charset="0"/>
-              </a:rPr>
-              <a:t>object</a:t>
-            </a:r>
-            <a:r>
-              <a:rPr lang="da-DK" sz="1400" dirty="0">
-                <a:solidFill>
-                  <a:srgbClr val="008000"/>
-                </a:solidFill>
-                <a:latin typeface="Cascadia Mono" panose="020B0609020000020004" pitchFamily="49" charset="0"/>
-              </a:rPr>
-              <a:t> reference resolution</a:t>
-            </a:r>
+                  <a:srgbClr val="000000"/>
+                </a:solidFill>
+                <a:latin typeface="Cascadia Mono" panose="020B0609020000020004" pitchFamily="49" charset="0"/>
+              </a:rPr>
+              <a:t>    …</a:t>
+            </a:r>
+          </a:p>
+          <a:p>
             <a:endParaRPr lang="da-DK" sz="1400" dirty="0">
               <a:solidFill>
                 <a:srgbClr val="000000"/>
@@ -15764,13 +15101,196 @@
           </a:p>
           <a:p>
             <a:r>
+              <a:rPr lang="en-US" sz="1400" dirty="0">
+                <a:solidFill>
+                  <a:srgbClr val="0000FF"/>
+                </a:solidFill>
+                <a:latin typeface="Cascadia Mono" panose="020B0609020000020004" pitchFamily="49" charset="0"/>
+              </a:rPr>
+              <a:t>    public</a:t>
+            </a:r>
+            <a:r>
+              <a:rPr lang="en-US" sz="1400" dirty="0">
+                <a:solidFill>
+                  <a:srgbClr val="000000"/>
+                </a:solidFill>
+                <a:latin typeface="Cascadia Mono" panose="020B0609020000020004" pitchFamily="49" charset="0"/>
+              </a:rPr>
+              <a:t> </a:t>
+            </a:r>
+            <a:r>
+              <a:rPr lang="en-US" sz="1400" dirty="0">
+                <a:solidFill>
+                  <a:srgbClr val="0000FF"/>
+                </a:solidFill>
+                <a:latin typeface="Cascadia Mono" panose="020B0609020000020004" pitchFamily="49" charset="0"/>
+              </a:rPr>
+              <a:t>int</a:t>
+            </a:r>
+            <a:r>
+              <a:rPr lang="en-US" sz="1400" dirty="0">
+                <a:solidFill>
+                  <a:srgbClr val="000000"/>
+                </a:solidFill>
+                <a:latin typeface="Cascadia Mono" panose="020B0609020000020004" pitchFamily="49" charset="0"/>
+              </a:rPr>
+              <a:t>? </a:t>
+            </a:r>
+            <a:r>
+              <a:rPr lang="en-US" sz="1400" dirty="0" err="1">
+                <a:solidFill>
+                  <a:srgbClr val="000000"/>
+                </a:solidFill>
+                <a:latin typeface="Cascadia Mono" panose="020B0609020000020004" pitchFamily="49" charset="0"/>
+              </a:rPr>
+              <a:t>AlcoholicPartId</a:t>
+            </a:r>
+            <a:r>
+              <a:rPr lang="en-US" sz="1400" dirty="0">
+                <a:solidFill>
+                  <a:srgbClr val="000000"/>
+                </a:solidFill>
+                <a:latin typeface="Cascadia Mono" panose="020B0609020000020004" pitchFamily="49" charset="0"/>
+              </a:rPr>
+              <a:t> { </a:t>
+            </a:r>
+            <a:r>
+              <a:rPr lang="en-US" sz="1400" dirty="0">
+                <a:solidFill>
+                  <a:srgbClr val="0000FF"/>
+                </a:solidFill>
+                <a:latin typeface="Cascadia Mono" panose="020B0609020000020004" pitchFamily="49" charset="0"/>
+              </a:rPr>
+              <a:t>get</a:t>
+            </a:r>
+            <a:r>
+              <a:rPr lang="en-US" sz="1400" dirty="0">
+                <a:solidFill>
+                  <a:srgbClr val="000000"/>
+                </a:solidFill>
+                <a:latin typeface="Cascadia Mono" panose="020B0609020000020004" pitchFamily="49" charset="0"/>
+              </a:rPr>
+              <a:t>; </a:t>
+            </a:r>
+            <a:r>
+              <a:rPr lang="en-US" sz="1400" dirty="0">
+                <a:solidFill>
+                  <a:srgbClr val="0000FF"/>
+                </a:solidFill>
+                <a:latin typeface="Cascadia Mono" panose="020B0609020000020004" pitchFamily="49" charset="0"/>
+              </a:rPr>
+              <a:t>set</a:t>
+            </a:r>
+            <a:r>
+              <a:rPr lang="en-US" sz="1400" dirty="0">
+                <a:solidFill>
+                  <a:srgbClr val="000000"/>
+                </a:solidFill>
+                <a:latin typeface="Cascadia Mono" panose="020B0609020000020004" pitchFamily="49" charset="0"/>
+              </a:rPr>
+              <a:t>; }</a:t>
+            </a:r>
+          </a:p>
+          <a:p>
+            <a:r>
+              <a:rPr lang="en-US" sz="1400" dirty="0">
+                <a:solidFill>
+                  <a:srgbClr val="0000FF"/>
+                </a:solidFill>
+                <a:latin typeface="Cascadia Mono" panose="020B0609020000020004" pitchFamily="49" charset="0"/>
+              </a:rPr>
+              <a:t>    public</a:t>
+            </a:r>
+            <a:r>
+              <a:rPr lang="en-US" sz="1400" dirty="0">
+                <a:solidFill>
+                  <a:srgbClr val="000000"/>
+                </a:solidFill>
+                <a:latin typeface="Cascadia Mono" panose="020B0609020000020004" pitchFamily="49" charset="0"/>
+              </a:rPr>
+              <a:t> </a:t>
+            </a:r>
+            <a:r>
+              <a:rPr lang="en-US" sz="1400" dirty="0">
+                <a:solidFill>
+                  <a:srgbClr val="0000FF"/>
+                </a:solidFill>
+                <a:latin typeface="Cascadia Mono" panose="020B0609020000020004" pitchFamily="49" charset="0"/>
+              </a:rPr>
+              <a:t>int</a:t>
+            </a:r>
+            <a:r>
+              <a:rPr lang="en-US" sz="1400" dirty="0">
+                <a:solidFill>
+                  <a:srgbClr val="000000"/>
+                </a:solidFill>
+                <a:latin typeface="Cascadia Mono" panose="020B0609020000020004" pitchFamily="49" charset="0"/>
+              </a:rPr>
+              <a:t>? NonAlcoholicPartId { </a:t>
+            </a:r>
+            <a:r>
+              <a:rPr lang="en-US" sz="1400" dirty="0">
+                <a:solidFill>
+                  <a:srgbClr val="0000FF"/>
+                </a:solidFill>
+                <a:latin typeface="Cascadia Mono" panose="020B0609020000020004" pitchFamily="49" charset="0"/>
+              </a:rPr>
+              <a:t>get</a:t>
+            </a:r>
+            <a:r>
+              <a:rPr lang="en-US" sz="1400" dirty="0">
+                <a:solidFill>
+                  <a:srgbClr val="000000"/>
+                </a:solidFill>
+                <a:latin typeface="Cascadia Mono" panose="020B0609020000020004" pitchFamily="49" charset="0"/>
+              </a:rPr>
+              <a:t>; </a:t>
+            </a:r>
+            <a:r>
+              <a:rPr lang="en-US" sz="1400" dirty="0">
+                <a:solidFill>
+                  <a:srgbClr val="0000FF"/>
+                </a:solidFill>
+                <a:latin typeface="Cascadia Mono" panose="020B0609020000020004" pitchFamily="49" charset="0"/>
+              </a:rPr>
+              <a:t>set</a:t>
+            </a:r>
+            <a:r>
+              <a:rPr lang="en-US" sz="1400" dirty="0">
+                <a:solidFill>
+                  <a:srgbClr val="000000"/>
+                </a:solidFill>
+                <a:latin typeface="Cascadia Mono" panose="020B0609020000020004" pitchFamily="49" charset="0"/>
+              </a:rPr>
+              <a:t>; }</a:t>
+            </a:r>
+          </a:p>
+          <a:p>
+            <a:endParaRPr lang="da-DK" sz="1400" dirty="0">
+              <a:solidFill>
+                <a:srgbClr val="000000"/>
+              </a:solidFill>
+              <a:latin typeface="Cascadia Mono" panose="020B0609020000020004" pitchFamily="49" charset="0"/>
+            </a:endParaRPr>
+          </a:p>
+          <a:p>
+            <a:r>
               <a:rPr lang="da-DK" sz="1400" dirty="0">
                 <a:solidFill>
+                  <a:srgbClr val="000000"/>
+                </a:solidFill>
+                <a:latin typeface="Cascadia Mono" panose="020B0609020000020004" pitchFamily="49" charset="0"/>
+              </a:rPr>
+              <a:t>    [</a:t>
+            </a:r>
+            <a:r>
+              <a:rPr lang="da-DK" sz="1400" dirty="0" err="1">
+                <a:solidFill>
                   <a:srgbClr val="2B91AF"/>
                 </a:solidFill>
                 <a:latin typeface="Cascadia Mono" panose="020B0609020000020004" pitchFamily="49" charset="0"/>
               </a:rPr>
-              <a:t>List</a:t>
+              <a:t>ForeignKey</a:t>
             </a:r>
             <a:r>
               <a:rPr lang="da-DK" sz="1400" dirty="0">
@@ -15779,16 +15299,63 @@
                 </a:solidFill>
                 <a:latin typeface="Cascadia Mono" panose="020B0609020000020004" pitchFamily="49" charset="0"/>
               </a:rPr>
-              <a:t>&lt;</a:t>
+              <a:t>(</a:t>
             </a:r>
             <a:r>
               <a:rPr lang="da-DK" sz="1400" dirty="0">
                 <a:solidFill>
+                  <a:srgbClr val="A31515"/>
+                </a:solidFill>
+                <a:latin typeface="Cascadia Mono" panose="020B0609020000020004" pitchFamily="49" charset="0"/>
+              </a:rPr>
+              <a:t>"</a:t>
+            </a:r>
+            <a:r>
+              <a:rPr lang="da-DK" sz="1400" dirty="0" err="1">
+                <a:solidFill>
+                  <a:srgbClr val="A31515"/>
+                </a:solidFill>
+                <a:latin typeface="Cascadia Mono" panose="020B0609020000020004" pitchFamily="49" charset="0"/>
+              </a:rPr>
+              <a:t>AlcoholicPartId</a:t>
+            </a:r>
+            <a:r>
+              <a:rPr lang="da-DK" sz="1400" dirty="0">
+                <a:solidFill>
+                  <a:srgbClr val="A31515"/>
+                </a:solidFill>
+                <a:latin typeface="Cascadia Mono" panose="020B0609020000020004" pitchFamily="49" charset="0"/>
+              </a:rPr>
+              <a:t>"</a:t>
+            </a:r>
+            <a:r>
+              <a:rPr lang="da-DK" sz="1400" dirty="0">
+                <a:solidFill>
+                  <a:srgbClr val="000000"/>
+                </a:solidFill>
+                <a:latin typeface="Cascadia Mono" panose="020B0609020000020004" pitchFamily="49" charset="0"/>
+              </a:rPr>
+              <a:t>)]</a:t>
+            </a:r>
+          </a:p>
+          <a:p>
+            <a:r>
+              <a:rPr lang="da-DK" sz="1400" dirty="0">
+                <a:solidFill>
+                  <a:srgbClr val="000000"/>
+                </a:solidFill>
+                <a:latin typeface="Cascadia Mono" panose="020B0609020000020004" pitchFamily="49" charset="0"/>
+              </a:rPr>
+              <a:t>    [</a:t>
+            </a:r>
+            <a:r>
+              <a:rPr lang="da-DK" sz="1400" dirty="0" err="1">
+                <a:solidFill>
                   <a:srgbClr val="2B91AF"/>
                 </a:solidFill>
                 <a:latin typeface="Cascadia Mono" panose="020B0609020000020004" pitchFamily="49" charset="0"/>
               </a:rPr>
-              <a:t>Cocktail</a:t>
+              <a:t>InverseProperty</a:t>
             </a:r>
             <a:r>
               <a:rPr lang="da-DK" sz="1400" dirty="0">
@@ -15797,34 +15364,172 @@
                 </a:solidFill>
                 <a:latin typeface="Cascadia Mono" panose="020B0609020000020004" pitchFamily="49" charset="0"/>
               </a:rPr>
-              <a:t>&gt; </a:t>
+              <a:t>(</a:t>
+            </a:r>
+            <a:r>
+              <a:rPr lang="da-DK" sz="1400" dirty="0">
+                <a:solidFill>
+                  <a:srgbClr val="A31515"/>
+                </a:solidFill>
+                <a:latin typeface="Cascadia Mono" panose="020B0609020000020004" pitchFamily="49" charset="0"/>
+              </a:rPr>
+              <a:t>"</a:t>
             </a:r>
             <a:r>
               <a:rPr lang="da-DK" sz="1400" dirty="0" err="1">
                 <a:solidFill>
-                  <a:srgbClr val="000000"/>
-                </a:solidFill>
-                <a:latin typeface="Cascadia Mono" panose="020B0609020000020004" pitchFamily="49" charset="0"/>
-              </a:rPr>
-              <a:t>allCocktails</a:t>
+                  <a:srgbClr val="A31515"/>
+                </a:solidFill>
+                <a:latin typeface="Cascadia Mono" panose="020B0609020000020004" pitchFamily="49" charset="0"/>
+              </a:rPr>
+              <a:t>DrinkAlcoholicParts</a:t>
             </a:r>
             <a:r>
               <a:rPr lang="da-DK" sz="1400" dirty="0">
                 <a:solidFill>
-                  <a:srgbClr val="000000"/>
-                </a:solidFill>
-                <a:latin typeface="Cascadia Mono" panose="020B0609020000020004" pitchFamily="49" charset="0"/>
-              </a:rPr>
-              <a:t> = </a:t>
+                  <a:srgbClr val="A31515"/>
+                </a:solidFill>
+                <a:latin typeface="Cascadia Mono" panose="020B0609020000020004" pitchFamily="49" charset="0"/>
+              </a:rPr>
+              <a:t>"</a:t>
+            </a:r>
+            <a:r>
+              <a:rPr lang="da-DK" sz="1400" dirty="0">
+                <a:solidFill>
+                  <a:srgbClr val="000000"/>
+                </a:solidFill>
+                <a:latin typeface="Cascadia Mono" panose="020B0609020000020004" pitchFamily="49" charset="0"/>
+              </a:rPr>
+              <a:t>)]</a:t>
+            </a:r>
+          </a:p>
+          <a:p>
+            <a:r>
+              <a:rPr lang="en-US" sz="1400" dirty="0">
+                <a:solidFill>
+                  <a:srgbClr val="000000"/>
+                </a:solidFill>
+                <a:latin typeface="Cascadia Mono" panose="020B0609020000020004" pitchFamily="49" charset="0"/>
+              </a:rPr>
+              <a:t>    </a:t>
+            </a:r>
+            <a:r>
+              <a:rPr lang="en-US" sz="1400" dirty="0">
+                <a:solidFill>
+                  <a:srgbClr val="0000FF"/>
+                </a:solidFill>
+                <a:latin typeface="Cascadia Mono" panose="020B0609020000020004" pitchFamily="49" charset="0"/>
+              </a:rPr>
+              <a:t>public</a:t>
+            </a:r>
+            <a:r>
+              <a:rPr lang="en-US" sz="1400" dirty="0">
+                <a:solidFill>
+                  <a:srgbClr val="000000"/>
+                </a:solidFill>
+                <a:latin typeface="Cascadia Mono" panose="020B0609020000020004" pitchFamily="49" charset="0"/>
+              </a:rPr>
+              <a:t> </a:t>
+            </a:r>
+            <a:r>
+              <a:rPr lang="en-US" sz="1400" dirty="0">
+                <a:solidFill>
+                  <a:srgbClr val="0000FF"/>
+                </a:solidFill>
+                <a:latin typeface="Cascadia Mono" panose="020B0609020000020004" pitchFamily="49" charset="0"/>
+              </a:rPr>
+              <a:t>virtual</a:t>
+            </a:r>
+            <a:r>
+              <a:rPr lang="en-US" sz="1400" dirty="0">
+                <a:solidFill>
+                  <a:srgbClr val="000000"/>
+                </a:solidFill>
+                <a:latin typeface="Cascadia Mono" panose="020B0609020000020004" pitchFamily="49" charset="0"/>
+              </a:rPr>
+              <a:t> </a:t>
+            </a:r>
+            <a:r>
+              <a:rPr lang="en-US" sz="1400" dirty="0">
+                <a:solidFill>
+                  <a:srgbClr val="2B91AF"/>
+                </a:solidFill>
+                <a:latin typeface="Cascadia Mono" panose="020B0609020000020004" pitchFamily="49" charset="0"/>
+              </a:rPr>
+              <a:t>Ingredient</a:t>
+            </a:r>
+            <a:r>
+              <a:rPr lang="en-US" sz="1400" dirty="0">
+                <a:solidFill>
+                  <a:srgbClr val="000000"/>
+                </a:solidFill>
+                <a:latin typeface="Cascadia Mono" panose="020B0609020000020004" pitchFamily="49" charset="0"/>
+              </a:rPr>
+              <a:t> AlcoholicPart { </a:t>
+            </a:r>
+            <a:r>
+              <a:rPr lang="en-US" sz="1400" dirty="0">
+                <a:solidFill>
+                  <a:srgbClr val="0000FF"/>
+                </a:solidFill>
+                <a:latin typeface="Cascadia Mono" panose="020B0609020000020004" pitchFamily="49" charset="0"/>
+              </a:rPr>
+              <a:t>get</a:t>
+            </a:r>
+            <a:r>
+              <a:rPr lang="en-US" sz="1400" dirty="0">
+                <a:solidFill>
+                  <a:srgbClr val="000000"/>
+                </a:solidFill>
+                <a:latin typeface="Cascadia Mono" panose="020B0609020000020004" pitchFamily="49" charset="0"/>
+              </a:rPr>
+              <a:t>; </a:t>
+            </a:r>
+            <a:r>
+              <a:rPr lang="en-US" sz="1400" dirty="0">
+                <a:solidFill>
+                  <a:srgbClr val="0000FF"/>
+                </a:solidFill>
+                <a:latin typeface="Cascadia Mono" panose="020B0609020000020004" pitchFamily="49" charset="0"/>
+              </a:rPr>
+              <a:t>set</a:t>
+            </a:r>
+            <a:r>
+              <a:rPr lang="en-US" sz="1400" dirty="0">
+                <a:solidFill>
+                  <a:srgbClr val="000000"/>
+                </a:solidFill>
+                <a:latin typeface="Cascadia Mono" panose="020B0609020000020004" pitchFamily="49" charset="0"/>
+              </a:rPr>
+              <a:t>; }</a:t>
+            </a:r>
+          </a:p>
+          <a:p>
+            <a:endParaRPr lang="en-US" sz="1400" dirty="0">
+              <a:solidFill>
+                <a:srgbClr val="000000"/>
+              </a:solidFill>
+              <a:latin typeface="Cascadia Mono" panose="020B0609020000020004" pitchFamily="49" charset="0"/>
+            </a:endParaRPr>
+          </a:p>
+          <a:p>
+            <a:r>
+              <a:rPr lang="da-DK" sz="1400" dirty="0">
+                <a:solidFill>
+                  <a:srgbClr val="000000"/>
+                </a:solidFill>
+                <a:latin typeface="Cascadia Mono" panose="020B0609020000020004" pitchFamily="49" charset="0"/>
+              </a:rPr>
+              <a:t>    [</a:t>
             </a:r>
             <a:r>
               <a:rPr lang="da-DK" sz="1400" dirty="0" err="1">
                 <a:solidFill>
-                  <a:srgbClr val="000000"/>
-                </a:solidFill>
-                <a:latin typeface="Cascadia Mono" panose="020B0609020000020004" pitchFamily="49" charset="0"/>
-              </a:rPr>
-              <a:t>context.Set</a:t>
+                  <a:srgbClr val="2B91AF"/>
+                </a:solidFill>
+                <a:latin typeface="Cascadia Mono" panose="020B0609020000020004" pitchFamily="49" charset="0"/>
+              </a:rPr>
+              <a:t>ForeignKey</a:t>
             </a:r>
             <a:r>
               <a:rPr lang="da-DK" sz="1400" dirty="0">
@@ -15833,16 +15538,45 @@
                 </a:solidFill>
                 <a:latin typeface="Cascadia Mono" panose="020B0609020000020004" pitchFamily="49" charset="0"/>
               </a:rPr>
-              <a:t>&lt;</a:t>
+              <a:t>(</a:t>
             </a:r>
             <a:r>
               <a:rPr lang="da-DK" sz="1400" dirty="0">
                 <a:solidFill>
+                  <a:srgbClr val="A31515"/>
+                </a:solidFill>
+                <a:latin typeface="Cascadia Mono" panose="020B0609020000020004" pitchFamily="49" charset="0"/>
+              </a:rPr>
+              <a:t>"NonAlcoholicPartId"</a:t>
+            </a:r>
+            <a:r>
+              <a:rPr lang="da-DK" sz="1400" dirty="0">
+                <a:solidFill>
+                  <a:srgbClr val="000000"/>
+                </a:solidFill>
+                <a:latin typeface="Cascadia Mono" panose="020B0609020000020004" pitchFamily="49" charset="0"/>
+              </a:rPr>
+              <a:t>)]</a:t>
+            </a:r>
+          </a:p>
+          <a:p>
+            <a:r>
+              <a:rPr lang="da-DK" sz="1400" dirty="0">
+                <a:solidFill>
+                  <a:srgbClr val="000000"/>
+                </a:solidFill>
+                <a:latin typeface="Cascadia Mono" panose="020B0609020000020004" pitchFamily="49" charset="0"/>
+              </a:rPr>
+              <a:t>    [</a:t>
+            </a:r>
+            <a:r>
+              <a:rPr lang="da-DK" sz="1400" dirty="0" err="1">
+                <a:solidFill>
                   <a:srgbClr val="2B91AF"/>
                 </a:solidFill>
                 <a:latin typeface="Cascadia Mono" panose="020B0609020000020004" pitchFamily="49" charset="0"/>
               </a:rPr>
-              <a:t>Cocktail</a:t>
+              <a:t>InverseProperty</a:t>
             </a:r>
             <a:r>
               <a:rPr lang="da-DK" sz="1400" dirty="0">
@@ -15851,13 +15585,49 @@
                 </a:solidFill>
                 <a:latin typeface="Cascadia Mono" panose="020B0609020000020004" pitchFamily="49" charset="0"/>
               </a:rPr>
-              <a:t>&gt;()</a:t>
-            </a:r>
-          </a:p>
-          <a:p>
+              <a:t>(</a:t>
+            </a:r>
             <a:r>
               <a:rPr lang="da-DK" sz="1400" dirty="0">
                 <a:solidFill>
+                  <a:srgbClr val="A31515"/>
+                </a:solidFill>
+                <a:latin typeface="Cascadia Mono" panose="020B0609020000020004" pitchFamily="49" charset="0"/>
+              </a:rPr>
+              <a:t>"</a:t>
+            </a:r>
+            <a:r>
+              <a:rPr lang="da-DK" sz="1400" dirty="0" err="1">
+                <a:solidFill>
+                  <a:srgbClr val="A31515"/>
+                </a:solidFill>
+                <a:latin typeface="Cascadia Mono" panose="020B0609020000020004" pitchFamily="49" charset="0"/>
+              </a:rPr>
+              <a:t>DrinkNonAlcoholicParts</a:t>
+            </a:r>
+            <a:r>
+              <a:rPr lang="da-DK" sz="1400" dirty="0">
+                <a:solidFill>
+                  <a:srgbClr val="A31515"/>
+                </a:solidFill>
+                <a:latin typeface="Cascadia Mono" panose="020B0609020000020004" pitchFamily="49" charset="0"/>
+              </a:rPr>
+              <a:t>"</a:t>
+            </a:r>
+            <a:r>
+              <a:rPr lang="da-DK" sz="1400" dirty="0">
+                <a:solidFill>
+                  <a:srgbClr val="000000"/>
+                </a:solidFill>
+                <a:latin typeface="Cascadia Mono" panose="020B0609020000020004" pitchFamily="49" charset="0"/>
+              </a:rPr>
+              <a:t>)]</a:t>
+            </a:r>
+          </a:p>
+          <a:p>
+            <a:r>
+              <a:rPr lang="en-US" sz="1400" dirty="0">
+                <a:solidFill>
                   <a:srgbClr val="000000"/>
                 </a:solidFill>
                 <a:latin typeface="Cascadia Mono" panose="020B0609020000020004" pitchFamily="49" charset="0"/>
@@ -15865,128 +15635,132 @@
               <a:t>    </a:t>
             </a:r>
             <a:r>
+              <a:rPr lang="en-US" sz="1400" dirty="0">
+                <a:solidFill>
+                  <a:srgbClr val="0000FF"/>
+                </a:solidFill>
+                <a:latin typeface="Cascadia Mono" panose="020B0609020000020004" pitchFamily="49" charset="0"/>
+              </a:rPr>
+              <a:t>public</a:t>
+            </a:r>
+            <a:r>
+              <a:rPr lang="en-US" sz="1400" dirty="0">
+                <a:solidFill>
+                  <a:srgbClr val="000000"/>
+                </a:solidFill>
+                <a:latin typeface="Cascadia Mono" panose="020B0609020000020004" pitchFamily="49" charset="0"/>
+              </a:rPr>
+              <a:t> </a:t>
+            </a:r>
+            <a:r>
+              <a:rPr lang="en-US" sz="1400" dirty="0">
+                <a:solidFill>
+                  <a:srgbClr val="0000FF"/>
+                </a:solidFill>
+                <a:latin typeface="Cascadia Mono" panose="020B0609020000020004" pitchFamily="49" charset="0"/>
+              </a:rPr>
+              <a:t>virtual</a:t>
+            </a:r>
+            <a:r>
+              <a:rPr lang="en-US" sz="1400" dirty="0">
+                <a:solidFill>
+                  <a:srgbClr val="000000"/>
+                </a:solidFill>
+                <a:latin typeface="Cascadia Mono" panose="020B0609020000020004" pitchFamily="49" charset="0"/>
+              </a:rPr>
+              <a:t> </a:t>
+            </a:r>
+            <a:r>
+              <a:rPr lang="en-US" sz="1400" dirty="0">
+                <a:solidFill>
+                  <a:srgbClr val="2B91AF"/>
+                </a:solidFill>
+                <a:latin typeface="Cascadia Mono" panose="020B0609020000020004" pitchFamily="49" charset="0"/>
+              </a:rPr>
+              <a:t>Ingredient</a:t>
+            </a:r>
+            <a:r>
+              <a:rPr lang="en-US" sz="1400" dirty="0">
+                <a:solidFill>
+                  <a:srgbClr val="000000"/>
+                </a:solidFill>
+                <a:latin typeface="Cascadia Mono" panose="020B0609020000020004" pitchFamily="49" charset="0"/>
+              </a:rPr>
+              <a:t> </a:t>
+            </a:r>
+            <a:r>
+              <a:rPr lang="en-US" sz="1400" dirty="0" err="1">
+                <a:solidFill>
+                  <a:srgbClr val="000000"/>
+                </a:solidFill>
+                <a:latin typeface="Cascadia Mono" panose="020B0609020000020004" pitchFamily="49" charset="0"/>
+              </a:rPr>
+              <a:t>NonAlcoholicPart</a:t>
+            </a:r>
+            <a:r>
+              <a:rPr lang="en-US" sz="1400" dirty="0">
+                <a:solidFill>
+                  <a:srgbClr val="000000"/>
+                </a:solidFill>
+                <a:latin typeface="Cascadia Mono" panose="020B0609020000020004" pitchFamily="49" charset="0"/>
+              </a:rPr>
+              <a:t> { </a:t>
+            </a:r>
+            <a:r>
+              <a:rPr lang="en-US" sz="1400" dirty="0">
+                <a:solidFill>
+                  <a:srgbClr val="0000FF"/>
+                </a:solidFill>
+                <a:latin typeface="Cascadia Mono" panose="020B0609020000020004" pitchFamily="49" charset="0"/>
+              </a:rPr>
+              <a:t>get</a:t>
+            </a:r>
+            <a:r>
+              <a:rPr lang="en-US" sz="1400" dirty="0">
+                <a:solidFill>
+                  <a:srgbClr val="000000"/>
+                </a:solidFill>
+                <a:latin typeface="Cascadia Mono" panose="020B0609020000020004" pitchFamily="49" charset="0"/>
+              </a:rPr>
+              <a:t>; </a:t>
+            </a:r>
+            <a:r>
+              <a:rPr lang="en-US" sz="1400" dirty="0">
+                <a:solidFill>
+                  <a:srgbClr val="0000FF"/>
+                </a:solidFill>
+                <a:latin typeface="Cascadia Mono" panose="020B0609020000020004" pitchFamily="49" charset="0"/>
+              </a:rPr>
+              <a:t>set</a:t>
+            </a:r>
+            <a:r>
+              <a:rPr lang="en-US" sz="1400" dirty="0">
+                <a:solidFill>
+                  <a:srgbClr val="000000"/>
+                </a:solidFill>
+                <a:latin typeface="Cascadia Mono" panose="020B0609020000020004" pitchFamily="49" charset="0"/>
+              </a:rPr>
+              <a:t>; }</a:t>
+            </a:r>
+          </a:p>
+          <a:p>
+            <a:r>
               <a:rPr lang="da-DK" sz="1400" dirty="0">
                 <a:solidFill>
                   <a:srgbClr val="000000"/>
                 </a:solidFill>
-                <a:highlight>
-                  <a:srgbClr val="FFFF00"/>
-                </a:highlight>
-                <a:latin typeface="Cascadia Mono" panose="020B0609020000020004" pitchFamily="49" charset="0"/>
-              </a:rPr>
-              <a:t>.</a:t>
-            </a:r>
-            <a:r>
-              <a:rPr lang="da-DK" sz="1400" dirty="0" err="1">
-                <a:solidFill>
-                  <a:srgbClr val="000000"/>
-                </a:solidFill>
-                <a:highlight>
-                  <a:srgbClr val="FFFF00"/>
-                </a:highlight>
-                <a:latin typeface="Cascadia Mono" panose="020B0609020000020004" pitchFamily="49" charset="0"/>
-              </a:rPr>
-              <a:t>Include</a:t>
-            </a:r>
-            <a:r>
-              <a:rPr lang="da-DK" sz="1400" dirty="0">
-                <a:solidFill>
-                  <a:srgbClr val="000000"/>
-                </a:solidFill>
-                <a:highlight>
-                  <a:srgbClr val="FFFF00"/>
-                </a:highlight>
-                <a:latin typeface="Cascadia Mono" panose="020B0609020000020004" pitchFamily="49" charset="0"/>
-              </a:rPr>
-              <a:t>(c =&gt; </a:t>
-            </a:r>
-            <a:r>
-              <a:rPr lang="da-DK" sz="1400" dirty="0" err="1">
-                <a:solidFill>
-                  <a:srgbClr val="000000"/>
-                </a:solidFill>
-                <a:highlight>
-                  <a:srgbClr val="FFFF00"/>
-                </a:highlight>
-                <a:latin typeface="Cascadia Mono" panose="020B0609020000020004" pitchFamily="49" charset="0"/>
-              </a:rPr>
-              <a:t>c.CocktailIngredients</a:t>
-            </a:r>
-            <a:r>
-              <a:rPr lang="da-DK" sz="1400" dirty="0">
-                <a:solidFill>
-                  <a:srgbClr val="000000"/>
-                </a:solidFill>
-                <a:highlight>
-                  <a:srgbClr val="FFFF00"/>
-                </a:highlight>
-                <a:latin typeface="Cascadia Mono" panose="020B0609020000020004" pitchFamily="49" charset="0"/>
-              </a:rPr>
-              <a:t>)</a:t>
-            </a:r>
-          </a:p>
-          <a:p>
-            <a:r>
-              <a:rPr lang="da-DK" sz="1400" dirty="0">
-                <a:solidFill>
-                  <a:srgbClr val="000000"/>
-                </a:solidFill>
-                <a:latin typeface="Cascadia Mono" panose="020B0609020000020004" pitchFamily="49" charset="0"/>
-              </a:rPr>
-              <a:t>        </a:t>
-            </a:r>
-            <a:r>
-              <a:rPr lang="da-DK" sz="1400" dirty="0">
-                <a:solidFill>
-                  <a:srgbClr val="000000"/>
-                </a:solidFill>
-                <a:highlight>
-                  <a:srgbClr val="FFFF00"/>
-                </a:highlight>
-                <a:latin typeface="Cascadia Mono" panose="020B0609020000020004" pitchFamily="49" charset="0"/>
-              </a:rPr>
-              <a:t>.ThenInclude(ci =&gt; </a:t>
-            </a:r>
-            <a:r>
-              <a:rPr lang="da-DK" sz="1400" dirty="0" err="1">
-                <a:solidFill>
-                  <a:srgbClr val="000000"/>
-                </a:solidFill>
-                <a:highlight>
-                  <a:srgbClr val="FFFF00"/>
-                </a:highlight>
-                <a:latin typeface="Cascadia Mono" panose="020B0609020000020004" pitchFamily="49" charset="0"/>
-              </a:rPr>
-              <a:t>ci.Ingredient</a:t>
-            </a:r>
-            <a:r>
-              <a:rPr lang="da-DK" sz="1400" dirty="0">
-                <a:solidFill>
-                  <a:srgbClr val="000000"/>
-                </a:solidFill>
-                <a:highlight>
-                  <a:srgbClr val="FFFF00"/>
-                </a:highlight>
-                <a:latin typeface="Cascadia Mono" panose="020B0609020000020004" pitchFamily="49" charset="0"/>
-              </a:rPr>
-              <a:t>)</a:t>
-            </a:r>
-            <a:r>
-              <a:rPr lang="da-DK" sz="1400" dirty="0">
-                <a:solidFill>
-                  <a:srgbClr val="000000"/>
-                </a:solidFill>
-                <a:latin typeface="Cascadia Mono" panose="020B0609020000020004" pitchFamily="49" charset="0"/>
-              </a:rPr>
-              <a:t>;</a:t>
-            </a:r>
+                <a:latin typeface="Cascadia Mono" panose="020B0609020000020004" pitchFamily="49" charset="0"/>
+              </a:rPr>
+              <a:t>}</a:t>
+            </a:r>
+            <a:endParaRPr lang="da-DK" sz="1400" dirty="0"/>
           </a:p>
         </p:txBody>
       </p:sp>
     </p:spTree>
     <p:extLst>
       <p:ext uri="{BB962C8B-B14F-4D97-AF65-F5344CB8AC3E}">
-        <p14:creationId xmlns:p14="http://schemas.microsoft.com/office/powerpoint/2010/main" val="689252518"/>
+        <p14:creationId xmlns:p14="http://schemas.microsoft.com/office/powerpoint/2010/main" val="1653726597"/>
       </p:ext>
     </p:extLst>
   </p:cSld>
@@ -16164,6 +15938,1240 @@
           <p:cNvPr id="2" name="Titel 1">
             <a:extLst>
               <a:ext uri="{FF2B5EF4-FFF2-40B4-BE49-F238E27FC236}">
+                <a16:creationId xmlns:a16="http://schemas.microsoft.com/office/drawing/2014/main" id="{9D7CEE9D-7221-1EF0-1775-4A31AF8CCD1E}"/>
+              </a:ext>
+            </a:extLst>
+          </p:cNvPr>
+          <p:cNvSpPr>
+            <a:spLocks noGrp="1"/>
+          </p:cNvSpPr>
+          <p:nvPr>
+            <p:ph type="title"/>
+          </p:nvPr>
+        </p:nvSpPr>
+        <p:spPr/>
+        <p:txBody>
+          <a:bodyPr/>
+          <a:lstStyle/>
+          <a:p>
+            <a:r>
+              <a:rPr lang="da-DK" dirty="0"/>
+              <a:t>Object reference resolution</a:t>
+            </a:r>
+          </a:p>
+        </p:txBody>
+      </p:sp>
+      <p:sp>
+        <p:nvSpPr>
+          <p:cNvPr id="4" name="Tekstfelt 3">
+            <a:extLst>
+              <a:ext uri="{FF2B5EF4-FFF2-40B4-BE49-F238E27FC236}">
+                <a16:creationId xmlns:a16="http://schemas.microsoft.com/office/drawing/2014/main" id="{05971714-EB7C-EFC1-DE1A-DE11297508C5}"/>
+              </a:ext>
+            </a:extLst>
+          </p:cNvPr>
+          <p:cNvSpPr txBox="1"/>
+          <p:nvPr/>
+        </p:nvSpPr>
+        <p:spPr>
+          <a:xfrm>
+            <a:off x="838200" y="1690688"/>
+            <a:ext cx="10993341" cy="2462213"/>
+          </a:xfrm>
+          <a:prstGeom prst="rect">
+            <a:avLst/>
+          </a:prstGeom>
+          <a:noFill/>
+        </p:spPr>
+        <p:txBody>
+          <a:bodyPr wrap="square" rtlCol="0">
+            <a:spAutoFit/>
+          </a:bodyPr>
+          <a:lstStyle/>
+          <a:p>
+            <a:r>
+              <a:rPr lang="da-DK" sz="1400" dirty="0" err="1">
+                <a:solidFill>
+                  <a:srgbClr val="0000FF"/>
+                </a:solidFill>
+                <a:latin typeface="Cascadia Mono" panose="020B0609020000020004" pitchFamily="49" charset="0"/>
+              </a:rPr>
+              <a:t>using</a:t>
+            </a:r>
+            <a:r>
+              <a:rPr lang="da-DK" sz="1400" dirty="0">
+                <a:solidFill>
+                  <a:srgbClr val="000000"/>
+                </a:solidFill>
+                <a:latin typeface="Cascadia Mono" panose="020B0609020000020004" pitchFamily="49" charset="0"/>
+              </a:rPr>
+              <a:t> </a:t>
+            </a:r>
+            <a:r>
+              <a:rPr lang="da-DK" sz="1400" dirty="0">
+                <a:solidFill>
+                  <a:srgbClr val="2B91AF"/>
+                </a:solidFill>
+                <a:latin typeface="Cascadia Mono" panose="020B0609020000020004" pitchFamily="49" charset="0"/>
+              </a:rPr>
+              <a:t>EFCDrinkDBContext</a:t>
+            </a:r>
+            <a:r>
+              <a:rPr lang="da-DK" sz="1400" dirty="0">
+                <a:solidFill>
+                  <a:srgbClr val="000000"/>
+                </a:solidFill>
+                <a:latin typeface="Cascadia Mono" panose="020B0609020000020004" pitchFamily="49" charset="0"/>
+              </a:rPr>
+              <a:t> </a:t>
+            </a:r>
+            <a:r>
+              <a:rPr lang="da-DK" sz="1400" dirty="0" err="1">
+                <a:solidFill>
+                  <a:srgbClr val="000000"/>
+                </a:solidFill>
+                <a:latin typeface="Cascadia Mono" panose="020B0609020000020004" pitchFamily="49" charset="0"/>
+              </a:rPr>
+              <a:t>context</a:t>
+            </a:r>
+            <a:r>
+              <a:rPr lang="da-DK" sz="1400" dirty="0">
+                <a:solidFill>
+                  <a:srgbClr val="000000"/>
+                </a:solidFill>
+                <a:latin typeface="Cascadia Mono" panose="020B0609020000020004" pitchFamily="49" charset="0"/>
+              </a:rPr>
+              <a:t> = </a:t>
+            </a:r>
+            <a:r>
+              <a:rPr lang="da-DK" sz="1400" dirty="0">
+                <a:solidFill>
+                  <a:srgbClr val="0000FF"/>
+                </a:solidFill>
+                <a:latin typeface="Cascadia Mono" panose="020B0609020000020004" pitchFamily="49" charset="0"/>
+              </a:rPr>
+              <a:t>new</a:t>
+            </a:r>
+            <a:r>
+              <a:rPr lang="da-DK" sz="1400" dirty="0">
+                <a:solidFill>
+                  <a:srgbClr val="000000"/>
+                </a:solidFill>
+                <a:latin typeface="Cascadia Mono" panose="020B0609020000020004" pitchFamily="49" charset="0"/>
+              </a:rPr>
+              <a:t> </a:t>
+            </a:r>
+            <a:r>
+              <a:rPr lang="da-DK" sz="1400" dirty="0">
+                <a:solidFill>
+                  <a:srgbClr val="2B91AF"/>
+                </a:solidFill>
+                <a:latin typeface="Cascadia Mono" panose="020B0609020000020004" pitchFamily="49" charset="0"/>
+              </a:rPr>
+              <a:t>EFCDrinkDBContext</a:t>
+            </a:r>
+            <a:r>
+              <a:rPr lang="da-DK" sz="1400" dirty="0">
+                <a:solidFill>
+                  <a:srgbClr val="000000"/>
+                </a:solidFill>
+                <a:latin typeface="Cascadia Mono" panose="020B0609020000020004" pitchFamily="49" charset="0"/>
+              </a:rPr>
+              <a:t>();</a:t>
+            </a:r>
+          </a:p>
+          <a:p>
+            <a:endParaRPr lang="da-DK" sz="1400" dirty="0">
+              <a:solidFill>
+                <a:srgbClr val="000000"/>
+              </a:solidFill>
+              <a:latin typeface="Cascadia Mono" panose="020B0609020000020004" pitchFamily="49" charset="0"/>
+            </a:endParaRPr>
+          </a:p>
+          <a:p>
+            <a:r>
+              <a:rPr lang="da-DK" sz="1400" dirty="0">
+                <a:solidFill>
+                  <a:srgbClr val="008000"/>
+                </a:solidFill>
+                <a:latin typeface="Cascadia Mono" panose="020B0609020000020004" pitchFamily="49" charset="0"/>
+              </a:rPr>
+              <a:t>// </a:t>
+            </a:r>
+            <a:r>
+              <a:rPr lang="da-DK" sz="1400" dirty="0" err="1">
+                <a:solidFill>
+                  <a:srgbClr val="008000"/>
+                </a:solidFill>
+                <a:latin typeface="Cascadia Mono" panose="020B0609020000020004" pitchFamily="49" charset="0"/>
+              </a:rPr>
+              <a:t>Get</a:t>
+            </a:r>
+            <a:r>
+              <a:rPr lang="da-DK" sz="1400" dirty="0">
+                <a:solidFill>
+                  <a:srgbClr val="008000"/>
+                </a:solidFill>
+                <a:latin typeface="Cascadia Mono" panose="020B0609020000020004" pitchFamily="49" charset="0"/>
+              </a:rPr>
+              <a:t> all Drink </a:t>
+            </a:r>
+            <a:r>
+              <a:rPr lang="da-DK" sz="1400" dirty="0" err="1">
+                <a:solidFill>
+                  <a:srgbClr val="008000"/>
+                </a:solidFill>
+                <a:latin typeface="Cascadia Mono" panose="020B0609020000020004" pitchFamily="49" charset="0"/>
+              </a:rPr>
+              <a:t>objects</a:t>
+            </a:r>
+            <a:r>
+              <a:rPr lang="da-DK" sz="1400" dirty="0">
+                <a:solidFill>
+                  <a:srgbClr val="008000"/>
+                </a:solidFill>
+                <a:latin typeface="Cascadia Mono" panose="020B0609020000020004" pitchFamily="49" charset="0"/>
+              </a:rPr>
+              <a:t>, but </a:t>
+            </a:r>
+            <a:r>
+              <a:rPr lang="da-DK" sz="1400" dirty="0" err="1">
+                <a:solidFill>
+                  <a:srgbClr val="008000"/>
+                </a:solidFill>
+                <a:latin typeface="Cascadia Mono" panose="020B0609020000020004" pitchFamily="49" charset="0"/>
+              </a:rPr>
+              <a:t>object</a:t>
+            </a:r>
+            <a:r>
+              <a:rPr lang="da-DK" sz="1400" dirty="0">
+                <a:solidFill>
+                  <a:srgbClr val="008000"/>
+                </a:solidFill>
+                <a:latin typeface="Cascadia Mono" panose="020B0609020000020004" pitchFamily="49" charset="0"/>
+              </a:rPr>
+              <a:t> references NOT </a:t>
+            </a:r>
+            <a:r>
+              <a:rPr lang="da-DK" sz="1400" dirty="0" err="1">
+                <a:solidFill>
+                  <a:srgbClr val="008000"/>
+                </a:solidFill>
+                <a:latin typeface="Cascadia Mono" panose="020B0609020000020004" pitchFamily="49" charset="0"/>
+              </a:rPr>
+              <a:t>resolved</a:t>
+            </a:r>
+            <a:r>
+              <a:rPr lang="da-DK" sz="1400" dirty="0">
+                <a:solidFill>
+                  <a:srgbClr val="008000"/>
+                </a:solidFill>
+                <a:latin typeface="Cascadia Mono" panose="020B0609020000020004" pitchFamily="49" charset="0"/>
+              </a:rPr>
+              <a:t>.</a:t>
+            </a:r>
+            <a:endParaRPr lang="da-DK" sz="1400" dirty="0">
+              <a:solidFill>
+                <a:srgbClr val="000000"/>
+              </a:solidFill>
+              <a:latin typeface="Cascadia Mono" panose="020B0609020000020004" pitchFamily="49" charset="0"/>
+            </a:endParaRPr>
+          </a:p>
+          <a:p>
+            <a:r>
+              <a:rPr lang="da-DK" sz="1400" dirty="0">
+                <a:solidFill>
+                  <a:srgbClr val="2B91AF"/>
+                </a:solidFill>
+                <a:latin typeface="Cascadia Mono" panose="020B0609020000020004" pitchFamily="49" charset="0"/>
+              </a:rPr>
+              <a:t>List</a:t>
+            </a:r>
+            <a:r>
+              <a:rPr lang="da-DK" sz="1400" dirty="0">
+                <a:solidFill>
+                  <a:srgbClr val="000000"/>
+                </a:solidFill>
+                <a:latin typeface="Cascadia Mono" panose="020B0609020000020004" pitchFamily="49" charset="0"/>
+              </a:rPr>
+              <a:t>&lt;</a:t>
+            </a:r>
+            <a:r>
+              <a:rPr lang="da-DK" sz="1400" dirty="0">
+                <a:solidFill>
+                  <a:srgbClr val="2B91AF"/>
+                </a:solidFill>
+                <a:latin typeface="Cascadia Mono" panose="020B0609020000020004" pitchFamily="49" charset="0"/>
+              </a:rPr>
+              <a:t>Drink</a:t>
+            </a:r>
+            <a:r>
+              <a:rPr lang="da-DK" sz="1400" dirty="0">
+                <a:solidFill>
+                  <a:srgbClr val="000000"/>
+                </a:solidFill>
+                <a:latin typeface="Cascadia Mono" panose="020B0609020000020004" pitchFamily="49" charset="0"/>
+              </a:rPr>
+              <a:t>&gt; </a:t>
+            </a:r>
+            <a:r>
+              <a:rPr lang="da-DK" sz="1400" dirty="0" err="1">
+                <a:solidFill>
+                  <a:srgbClr val="000000"/>
+                </a:solidFill>
+                <a:latin typeface="Cascadia Mono" panose="020B0609020000020004" pitchFamily="49" charset="0"/>
+              </a:rPr>
+              <a:t>allDrinksA</a:t>
+            </a:r>
+            <a:r>
+              <a:rPr lang="da-DK" sz="1400" dirty="0">
+                <a:solidFill>
+                  <a:srgbClr val="000000"/>
+                </a:solidFill>
+                <a:latin typeface="Cascadia Mono" panose="020B0609020000020004" pitchFamily="49" charset="0"/>
+              </a:rPr>
+              <a:t> = </a:t>
+            </a:r>
+            <a:r>
+              <a:rPr lang="da-DK" sz="1400" dirty="0" err="1">
+                <a:solidFill>
+                  <a:srgbClr val="000000"/>
+                </a:solidFill>
+                <a:latin typeface="Cascadia Mono" panose="020B0609020000020004" pitchFamily="49" charset="0"/>
+              </a:rPr>
+              <a:t>context.Set</a:t>
+            </a:r>
+            <a:r>
+              <a:rPr lang="da-DK" sz="1400" dirty="0">
+                <a:solidFill>
+                  <a:srgbClr val="000000"/>
+                </a:solidFill>
+                <a:latin typeface="Cascadia Mono" panose="020B0609020000020004" pitchFamily="49" charset="0"/>
+              </a:rPr>
+              <a:t>&lt;</a:t>
+            </a:r>
+            <a:r>
+              <a:rPr lang="da-DK" sz="1400" dirty="0">
+                <a:solidFill>
+                  <a:srgbClr val="2B91AF"/>
+                </a:solidFill>
+                <a:latin typeface="Cascadia Mono" panose="020B0609020000020004" pitchFamily="49" charset="0"/>
+              </a:rPr>
+              <a:t>Drink</a:t>
+            </a:r>
+            <a:r>
+              <a:rPr lang="da-DK" sz="1400" dirty="0">
+                <a:solidFill>
+                  <a:srgbClr val="000000"/>
+                </a:solidFill>
+                <a:latin typeface="Cascadia Mono" panose="020B0609020000020004" pitchFamily="49" charset="0"/>
+              </a:rPr>
+              <a:t>&gt;()</a:t>
+            </a:r>
+          </a:p>
+          <a:p>
+            <a:r>
+              <a:rPr lang="da-DK" sz="1400" dirty="0">
+                <a:solidFill>
+                  <a:srgbClr val="000000"/>
+                </a:solidFill>
+                <a:latin typeface="Cascadia Mono" panose="020B0609020000020004" pitchFamily="49" charset="0"/>
+              </a:rPr>
+              <a:t>    .</a:t>
+            </a:r>
+            <a:r>
+              <a:rPr lang="da-DK" sz="1400" dirty="0" err="1">
+                <a:solidFill>
+                  <a:srgbClr val="000000"/>
+                </a:solidFill>
+                <a:latin typeface="Cascadia Mono" panose="020B0609020000020004" pitchFamily="49" charset="0"/>
+              </a:rPr>
+              <a:t>ToList</a:t>
+            </a:r>
+            <a:r>
+              <a:rPr lang="da-DK" sz="1400" dirty="0">
+                <a:solidFill>
+                  <a:srgbClr val="000000"/>
+                </a:solidFill>
+                <a:latin typeface="Cascadia Mono" panose="020B0609020000020004" pitchFamily="49" charset="0"/>
+              </a:rPr>
+              <a:t>();</a:t>
+            </a:r>
+          </a:p>
+          <a:p>
+            <a:endParaRPr lang="da-DK" sz="1400" dirty="0">
+              <a:solidFill>
+                <a:srgbClr val="000000"/>
+              </a:solidFill>
+              <a:latin typeface="Cascadia Mono" panose="020B0609020000020004" pitchFamily="49" charset="0"/>
+            </a:endParaRPr>
+          </a:p>
+          <a:p>
+            <a:r>
+              <a:rPr lang="da-DK" sz="1400" dirty="0">
+                <a:solidFill>
+                  <a:srgbClr val="008000"/>
+                </a:solidFill>
+                <a:latin typeface="Cascadia Mono" panose="020B0609020000020004" pitchFamily="49" charset="0"/>
+              </a:rPr>
+              <a:t>// </a:t>
+            </a:r>
+            <a:r>
+              <a:rPr lang="da-DK" sz="1400" dirty="0" err="1">
+                <a:solidFill>
+                  <a:srgbClr val="008000"/>
+                </a:solidFill>
+                <a:latin typeface="Cascadia Mono" panose="020B0609020000020004" pitchFamily="49" charset="0"/>
+              </a:rPr>
+              <a:t>Get</a:t>
+            </a:r>
+            <a:r>
+              <a:rPr lang="da-DK" sz="1400" dirty="0">
+                <a:solidFill>
+                  <a:srgbClr val="008000"/>
+                </a:solidFill>
+                <a:latin typeface="Cascadia Mono" panose="020B0609020000020004" pitchFamily="49" charset="0"/>
+              </a:rPr>
+              <a:t> all Drink </a:t>
+            </a:r>
+            <a:r>
+              <a:rPr lang="da-DK" sz="1400" dirty="0" err="1">
+                <a:solidFill>
+                  <a:srgbClr val="008000"/>
+                </a:solidFill>
+                <a:latin typeface="Cascadia Mono" panose="020B0609020000020004" pitchFamily="49" charset="0"/>
+              </a:rPr>
+              <a:t>objects</a:t>
+            </a:r>
+            <a:r>
+              <a:rPr lang="da-DK" sz="1400" dirty="0">
+                <a:solidFill>
+                  <a:srgbClr val="008000"/>
+                </a:solidFill>
+                <a:latin typeface="Cascadia Mono" panose="020B0609020000020004" pitchFamily="49" charset="0"/>
+              </a:rPr>
+              <a:t>, with </a:t>
+            </a:r>
+            <a:r>
+              <a:rPr lang="da-DK" sz="1400" dirty="0" err="1">
+                <a:solidFill>
+                  <a:srgbClr val="008000"/>
+                </a:solidFill>
+                <a:latin typeface="Cascadia Mono" panose="020B0609020000020004" pitchFamily="49" charset="0"/>
+              </a:rPr>
+              <a:t>object</a:t>
+            </a:r>
+            <a:r>
+              <a:rPr lang="da-DK" sz="1400" dirty="0">
+                <a:solidFill>
+                  <a:srgbClr val="008000"/>
+                </a:solidFill>
+                <a:latin typeface="Cascadia Mono" panose="020B0609020000020004" pitchFamily="49" charset="0"/>
+              </a:rPr>
+              <a:t> references </a:t>
+            </a:r>
+            <a:r>
+              <a:rPr lang="da-DK" sz="1400" dirty="0" err="1">
+                <a:solidFill>
+                  <a:srgbClr val="008000"/>
+                </a:solidFill>
+                <a:latin typeface="Cascadia Mono" panose="020B0609020000020004" pitchFamily="49" charset="0"/>
+              </a:rPr>
+              <a:t>resolved</a:t>
+            </a:r>
+            <a:r>
+              <a:rPr lang="da-DK" sz="1400" dirty="0">
+                <a:solidFill>
+                  <a:srgbClr val="008000"/>
+                </a:solidFill>
+                <a:latin typeface="Cascadia Mono" panose="020B0609020000020004" pitchFamily="49" charset="0"/>
+              </a:rPr>
+              <a:t>.</a:t>
+            </a:r>
+            <a:endParaRPr lang="da-DK" sz="1400" dirty="0">
+              <a:solidFill>
+                <a:srgbClr val="000000"/>
+              </a:solidFill>
+              <a:latin typeface="Cascadia Mono" panose="020B0609020000020004" pitchFamily="49" charset="0"/>
+            </a:endParaRPr>
+          </a:p>
+          <a:p>
+            <a:r>
+              <a:rPr lang="da-DK" sz="1400" dirty="0">
+                <a:solidFill>
+                  <a:srgbClr val="2B91AF"/>
+                </a:solidFill>
+                <a:latin typeface="Cascadia Mono" panose="020B0609020000020004" pitchFamily="49" charset="0"/>
+              </a:rPr>
+              <a:t>List</a:t>
+            </a:r>
+            <a:r>
+              <a:rPr lang="da-DK" sz="1400" dirty="0">
+                <a:solidFill>
+                  <a:srgbClr val="000000"/>
+                </a:solidFill>
+                <a:latin typeface="Cascadia Mono" panose="020B0609020000020004" pitchFamily="49" charset="0"/>
+              </a:rPr>
+              <a:t>&lt;</a:t>
+            </a:r>
+            <a:r>
+              <a:rPr lang="da-DK" sz="1400" dirty="0">
+                <a:solidFill>
+                  <a:srgbClr val="2B91AF"/>
+                </a:solidFill>
+                <a:latin typeface="Cascadia Mono" panose="020B0609020000020004" pitchFamily="49" charset="0"/>
+              </a:rPr>
+              <a:t>DrinkFlat</a:t>
+            </a:r>
+            <a:r>
+              <a:rPr lang="da-DK" sz="1400" dirty="0">
+                <a:solidFill>
+                  <a:srgbClr val="000000"/>
+                </a:solidFill>
+                <a:latin typeface="Cascadia Mono" panose="020B0609020000020004" pitchFamily="49" charset="0"/>
+              </a:rPr>
+              <a:t>&gt; </a:t>
+            </a:r>
+            <a:r>
+              <a:rPr lang="da-DK" sz="1400" dirty="0" err="1">
+                <a:solidFill>
+                  <a:srgbClr val="000000"/>
+                </a:solidFill>
+                <a:latin typeface="Cascadia Mono" panose="020B0609020000020004" pitchFamily="49" charset="0"/>
+              </a:rPr>
+              <a:t>allDrinksB</a:t>
+            </a:r>
+            <a:r>
+              <a:rPr lang="da-DK" sz="1400" dirty="0">
+                <a:solidFill>
+                  <a:srgbClr val="000000"/>
+                </a:solidFill>
+                <a:latin typeface="Cascadia Mono" panose="020B0609020000020004" pitchFamily="49" charset="0"/>
+              </a:rPr>
+              <a:t> = </a:t>
+            </a:r>
+            <a:r>
+              <a:rPr lang="da-DK" sz="1400" dirty="0" err="1">
+                <a:solidFill>
+                  <a:srgbClr val="000000"/>
+                </a:solidFill>
+                <a:latin typeface="Cascadia Mono" panose="020B0609020000020004" pitchFamily="49" charset="0"/>
+              </a:rPr>
+              <a:t>context.Set</a:t>
+            </a:r>
+            <a:r>
+              <a:rPr lang="da-DK" sz="1400" dirty="0">
+                <a:solidFill>
+                  <a:srgbClr val="000000"/>
+                </a:solidFill>
+                <a:latin typeface="Cascadia Mono" panose="020B0609020000020004" pitchFamily="49" charset="0"/>
+              </a:rPr>
+              <a:t>&lt;</a:t>
+            </a:r>
+            <a:r>
+              <a:rPr lang="da-DK" sz="1400" dirty="0">
+                <a:solidFill>
+                  <a:srgbClr val="2B91AF"/>
+                </a:solidFill>
+                <a:latin typeface="Cascadia Mono" panose="020B0609020000020004" pitchFamily="49" charset="0"/>
+              </a:rPr>
+              <a:t>DrinkFlat</a:t>
+            </a:r>
+            <a:r>
+              <a:rPr lang="da-DK" sz="1400" dirty="0">
+                <a:solidFill>
+                  <a:srgbClr val="000000"/>
+                </a:solidFill>
+                <a:latin typeface="Cascadia Mono" panose="020B0609020000020004" pitchFamily="49" charset="0"/>
+              </a:rPr>
+              <a:t>&gt;()</a:t>
+            </a:r>
+          </a:p>
+          <a:p>
+            <a:r>
+              <a:rPr lang="da-DK" sz="1400" dirty="0">
+                <a:solidFill>
+                  <a:srgbClr val="000000"/>
+                </a:solidFill>
+                <a:latin typeface="Cascadia Mono" panose="020B0609020000020004" pitchFamily="49" charset="0"/>
+              </a:rPr>
+              <a:t>    </a:t>
+            </a:r>
+            <a:r>
+              <a:rPr lang="da-DK" sz="1400" dirty="0">
+                <a:solidFill>
+                  <a:srgbClr val="000000"/>
+                </a:solidFill>
+                <a:highlight>
+                  <a:srgbClr val="FFFF00"/>
+                </a:highlight>
+                <a:latin typeface="Cascadia Mono" panose="020B0609020000020004" pitchFamily="49" charset="0"/>
+              </a:rPr>
+              <a:t>.</a:t>
+            </a:r>
+            <a:r>
+              <a:rPr lang="da-DK" sz="1400" dirty="0" err="1">
+                <a:solidFill>
+                  <a:srgbClr val="000000"/>
+                </a:solidFill>
+                <a:highlight>
+                  <a:srgbClr val="FFFF00"/>
+                </a:highlight>
+                <a:latin typeface="Cascadia Mono" panose="020B0609020000020004" pitchFamily="49" charset="0"/>
+              </a:rPr>
+              <a:t>Include</a:t>
+            </a:r>
+            <a:r>
+              <a:rPr lang="da-DK" sz="1400" dirty="0">
+                <a:solidFill>
+                  <a:srgbClr val="000000"/>
+                </a:solidFill>
+                <a:highlight>
+                  <a:srgbClr val="FFFF00"/>
+                </a:highlight>
+                <a:latin typeface="Cascadia Mono" panose="020B0609020000020004" pitchFamily="49" charset="0"/>
+              </a:rPr>
+              <a:t>(d =&gt; </a:t>
+            </a:r>
+            <a:r>
+              <a:rPr lang="da-DK" sz="1400" dirty="0" err="1">
+                <a:solidFill>
+                  <a:srgbClr val="000000"/>
+                </a:solidFill>
+                <a:highlight>
+                  <a:srgbClr val="FFFF00"/>
+                </a:highlight>
+                <a:latin typeface="Cascadia Mono" panose="020B0609020000020004" pitchFamily="49" charset="0"/>
+              </a:rPr>
+              <a:t>d.AlcoholicPart</a:t>
+            </a:r>
+            <a:r>
+              <a:rPr lang="da-DK" sz="1400" dirty="0">
+                <a:solidFill>
+                  <a:srgbClr val="000000"/>
+                </a:solidFill>
+                <a:highlight>
+                  <a:srgbClr val="FFFF00"/>
+                </a:highlight>
+                <a:latin typeface="Cascadia Mono" panose="020B0609020000020004" pitchFamily="49" charset="0"/>
+              </a:rPr>
+              <a:t>)</a:t>
+            </a:r>
+          </a:p>
+          <a:p>
+            <a:r>
+              <a:rPr lang="da-DK" sz="1400" dirty="0">
+                <a:solidFill>
+                  <a:srgbClr val="000000"/>
+                </a:solidFill>
+                <a:latin typeface="Cascadia Mono" panose="020B0609020000020004" pitchFamily="49" charset="0"/>
+              </a:rPr>
+              <a:t>    </a:t>
+            </a:r>
+            <a:r>
+              <a:rPr lang="da-DK" sz="1400" dirty="0">
+                <a:solidFill>
+                  <a:srgbClr val="000000"/>
+                </a:solidFill>
+                <a:highlight>
+                  <a:srgbClr val="FFFF00"/>
+                </a:highlight>
+                <a:latin typeface="Cascadia Mono" panose="020B0609020000020004" pitchFamily="49" charset="0"/>
+              </a:rPr>
+              <a:t>.</a:t>
+            </a:r>
+            <a:r>
+              <a:rPr lang="da-DK" sz="1400" dirty="0" err="1">
+                <a:solidFill>
+                  <a:srgbClr val="000000"/>
+                </a:solidFill>
+                <a:highlight>
+                  <a:srgbClr val="FFFF00"/>
+                </a:highlight>
+                <a:latin typeface="Cascadia Mono" panose="020B0609020000020004" pitchFamily="49" charset="0"/>
+              </a:rPr>
+              <a:t>Include</a:t>
+            </a:r>
+            <a:r>
+              <a:rPr lang="da-DK" sz="1400" dirty="0">
+                <a:solidFill>
+                  <a:srgbClr val="000000"/>
+                </a:solidFill>
+                <a:highlight>
+                  <a:srgbClr val="FFFF00"/>
+                </a:highlight>
+                <a:latin typeface="Cascadia Mono" panose="020B0609020000020004" pitchFamily="49" charset="0"/>
+              </a:rPr>
+              <a:t>(d =&gt; </a:t>
+            </a:r>
+            <a:r>
+              <a:rPr lang="da-DK" sz="1400" dirty="0" err="1">
+                <a:solidFill>
+                  <a:srgbClr val="000000"/>
+                </a:solidFill>
+                <a:highlight>
+                  <a:srgbClr val="FFFF00"/>
+                </a:highlight>
+                <a:latin typeface="Cascadia Mono" panose="020B0609020000020004" pitchFamily="49" charset="0"/>
+              </a:rPr>
+              <a:t>d.NonAlcoholicPart</a:t>
+            </a:r>
+            <a:r>
+              <a:rPr lang="da-DK" sz="1400" dirty="0">
+                <a:solidFill>
+                  <a:srgbClr val="000000"/>
+                </a:solidFill>
+                <a:highlight>
+                  <a:srgbClr val="FFFF00"/>
+                </a:highlight>
+                <a:latin typeface="Cascadia Mono" panose="020B0609020000020004" pitchFamily="49" charset="0"/>
+              </a:rPr>
+              <a:t>)</a:t>
+            </a:r>
+          </a:p>
+          <a:p>
+            <a:r>
+              <a:rPr lang="da-DK" sz="1400" dirty="0">
+                <a:solidFill>
+                  <a:srgbClr val="000000"/>
+                </a:solidFill>
+                <a:latin typeface="Cascadia Mono" panose="020B0609020000020004" pitchFamily="49" charset="0"/>
+              </a:rPr>
+              <a:t>    .</a:t>
+            </a:r>
+            <a:r>
+              <a:rPr lang="da-DK" sz="1400" dirty="0" err="1">
+                <a:solidFill>
+                  <a:srgbClr val="000000"/>
+                </a:solidFill>
+                <a:latin typeface="Cascadia Mono" panose="020B0609020000020004" pitchFamily="49" charset="0"/>
+              </a:rPr>
+              <a:t>ToList</a:t>
+            </a:r>
+            <a:r>
+              <a:rPr lang="da-DK" sz="1400" dirty="0">
+                <a:solidFill>
+                  <a:srgbClr val="000000"/>
+                </a:solidFill>
+                <a:latin typeface="Cascadia Mono" panose="020B0609020000020004" pitchFamily="49" charset="0"/>
+              </a:rPr>
+              <a:t>();</a:t>
+            </a:r>
+          </a:p>
+        </p:txBody>
+      </p:sp>
+    </p:spTree>
+    <p:extLst>
+      <p:ext uri="{BB962C8B-B14F-4D97-AF65-F5344CB8AC3E}">
+        <p14:creationId xmlns:p14="http://schemas.microsoft.com/office/powerpoint/2010/main" val="137311166"/>
+      </p:ext>
+    </p:extLst>
+  </p:cSld>
+  <p:clrMapOvr>
+    <a:masterClrMapping/>
+  </p:clrMapOvr>
+</p:sld>
+</file>
+
+<file path=ppt/slides/slide31.xml><?xml version="1.0" encoding="utf-8"?>
+<p:sld xmlns:a="http://schemas.openxmlformats.org/drawingml/2006/main" xmlns:r="http://schemas.openxmlformats.org/officeDocument/2006/relationships" xmlns:p="http://schemas.openxmlformats.org/presentationml/2006/main">
+  <p:cSld>
+    <p:spTree>
+      <p:nvGrpSpPr>
+        <p:cNvPr id="1" name=""/>
+        <p:cNvGrpSpPr/>
+        <p:nvPr/>
+      </p:nvGrpSpPr>
+      <p:grpSpPr>
+        <a:xfrm>
+          <a:off x="0" y="0"/>
+          <a:ext cx="0" cy="0"/>
+          <a:chOff x="0" y="0"/>
+          <a:chExt cx="0" cy="0"/>
+        </a:xfrm>
+      </p:grpSpPr>
+      <p:sp>
+        <p:nvSpPr>
+          <p:cNvPr id="2" name="Titel 1">
+            <a:extLst>
+              <a:ext uri="{FF2B5EF4-FFF2-40B4-BE49-F238E27FC236}">
+                <a16:creationId xmlns:a16="http://schemas.microsoft.com/office/drawing/2014/main" id="{9D7CEE9D-7221-1EF0-1775-4A31AF8CCD1E}"/>
+              </a:ext>
+            </a:extLst>
+          </p:cNvPr>
+          <p:cNvSpPr>
+            <a:spLocks noGrp="1"/>
+          </p:cNvSpPr>
+          <p:nvPr>
+            <p:ph type="title"/>
+          </p:nvPr>
+        </p:nvSpPr>
+        <p:spPr/>
+        <p:txBody>
+          <a:bodyPr/>
+          <a:lstStyle/>
+          <a:p>
+            <a:r>
+              <a:rPr lang="da-DK" dirty="0"/>
+              <a:t>Object reference resolution</a:t>
+            </a:r>
+          </a:p>
+        </p:txBody>
+      </p:sp>
+      <p:sp>
+        <p:nvSpPr>
+          <p:cNvPr id="4" name="Tekstfelt 3">
+            <a:extLst>
+              <a:ext uri="{FF2B5EF4-FFF2-40B4-BE49-F238E27FC236}">
+                <a16:creationId xmlns:a16="http://schemas.microsoft.com/office/drawing/2014/main" id="{05971714-EB7C-EFC1-DE1A-DE11297508C5}"/>
+              </a:ext>
+            </a:extLst>
+          </p:cNvPr>
+          <p:cNvSpPr txBox="1"/>
+          <p:nvPr/>
+        </p:nvSpPr>
+        <p:spPr>
+          <a:xfrm>
+            <a:off x="838200" y="1690688"/>
+            <a:ext cx="10993341" cy="1384995"/>
+          </a:xfrm>
+          <a:prstGeom prst="rect">
+            <a:avLst/>
+          </a:prstGeom>
+          <a:noFill/>
+        </p:spPr>
+        <p:txBody>
+          <a:bodyPr wrap="square" rtlCol="0">
+            <a:spAutoFit/>
+          </a:bodyPr>
+          <a:lstStyle/>
+          <a:p>
+            <a:r>
+              <a:rPr lang="da-DK" sz="1400" dirty="0" err="1">
+                <a:solidFill>
+                  <a:srgbClr val="0000FF"/>
+                </a:solidFill>
+                <a:latin typeface="Cascadia Mono" panose="020B0609020000020004" pitchFamily="49" charset="0"/>
+              </a:rPr>
+              <a:t>using</a:t>
+            </a:r>
+            <a:r>
+              <a:rPr lang="da-DK" sz="1400" dirty="0">
+                <a:solidFill>
+                  <a:srgbClr val="000000"/>
+                </a:solidFill>
+                <a:latin typeface="Cascadia Mono" panose="020B0609020000020004" pitchFamily="49" charset="0"/>
+              </a:rPr>
+              <a:t> </a:t>
+            </a:r>
+            <a:r>
+              <a:rPr lang="da-DK" sz="1400" dirty="0">
+                <a:solidFill>
+                  <a:srgbClr val="2B91AF"/>
+                </a:solidFill>
+                <a:latin typeface="Cascadia Mono" panose="020B0609020000020004" pitchFamily="49" charset="0"/>
+              </a:rPr>
+              <a:t>EFCDrinkDBContext</a:t>
+            </a:r>
+            <a:r>
+              <a:rPr lang="da-DK" sz="1400" dirty="0">
+                <a:solidFill>
+                  <a:srgbClr val="000000"/>
+                </a:solidFill>
+                <a:latin typeface="Cascadia Mono" panose="020B0609020000020004" pitchFamily="49" charset="0"/>
+              </a:rPr>
+              <a:t> </a:t>
+            </a:r>
+            <a:r>
+              <a:rPr lang="da-DK" sz="1400" dirty="0" err="1">
+                <a:solidFill>
+                  <a:srgbClr val="000000"/>
+                </a:solidFill>
+                <a:latin typeface="Cascadia Mono" panose="020B0609020000020004" pitchFamily="49" charset="0"/>
+              </a:rPr>
+              <a:t>context</a:t>
+            </a:r>
+            <a:r>
+              <a:rPr lang="da-DK" sz="1400" dirty="0">
+                <a:solidFill>
+                  <a:srgbClr val="000000"/>
+                </a:solidFill>
+                <a:latin typeface="Cascadia Mono" panose="020B0609020000020004" pitchFamily="49" charset="0"/>
+              </a:rPr>
+              <a:t> = </a:t>
+            </a:r>
+            <a:r>
+              <a:rPr lang="da-DK" sz="1400" dirty="0">
+                <a:solidFill>
+                  <a:srgbClr val="0000FF"/>
+                </a:solidFill>
+                <a:latin typeface="Cascadia Mono" panose="020B0609020000020004" pitchFamily="49" charset="0"/>
+              </a:rPr>
+              <a:t>new</a:t>
+            </a:r>
+            <a:r>
+              <a:rPr lang="da-DK" sz="1400" dirty="0">
+                <a:solidFill>
+                  <a:srgbClr val="000000"/>
+                </a:solidFill>
+                <a:latin typeface="Cascadia Mono" panose="020B0609020000020004" pitchFamily="49" charset="0"/>
+              </a:rPr>
+              <a:t> </a:t>
+            </a:r>
+            <a:r>
+              <a:rPr lang="da-DK" sz="1400" dirty="0">
+                <a:solidFill>
+                  <a:srgbClr val="2B91AF"/>
+                </a:solidFill>
+                <a:latin typeface="Cascadia Mono" panose="020B0609020000020004" pitchFamily="49" charset="0"/>
+              </a:rPr>
+              <a:t>EFCDrinkDBContext</a:t>
+            </a:r>
+            <a:r>
+              <a:rPr lang="da-DK" sz="1400" dirty="0">
+                <a:solidFill>
+                  <a:srgbClr val="000000"/>
+                </a:solidFill>
+                <a:latin typeface="Cascadia Mono" panose="020B0609020000020004" pitchFamily="49" charset="0"/>
+              </a:rPr>
+              <a:t>();</a:t>
+            </a:r>
+          </a:p>
+          <a:p>
+            <a:endParaRPr lang="da-DK" sz="1400" dirty="0">
+              <a:solidFill>
+                <a:srgbClr val="000000"/>
+              </a:solidFill>
+              <a:latin typeface="Cascadia Mono" panose="020B0609020000020004" pitchFamily="49" charset="0"/>
+            </a:endParaRPr>
+          </a:p>
+          <a:p>
+            <a:r>
+              <a:rPr lang="da-DK" sz="1400" dirty="0">
+                <a:solidFill>
+                  <a:srgbClr val="008000"/>
+                </a:solidFill>
+                <a:latin typeface="Cascadia Mono" panose="020B0609020000020004" pitchFamily="49" charset="0"/>
+              </a:rPr>
+              <a:t>// </a:t>
+            </a:r>
+            <a:r>
+              <a:rPr lang="da-DK" sz="1400" dirty="0" err="1">
+                <a:solidFill>
+                  <a:srgbClr val="008000"/>
+                </a:solidFill>
+                <a:latin typeface="Cascadia Mono" panose="020B0609020000020004" pitchFamily="49" charset="0"/>
+              </a:rPr>
+              <a:t>Deeper</a:t>
+            </a:r>
+            <a:r>
+              <a:rPr lang="da-DK" sz="1400" dirty="0">
+                <a:solidFill>
+                  <a:srgbClr val="008000"/>
+                </a:solidFill>
+                <a:latin typeface="Cascadia Mono" panose="020B0609020000020004" pitchFamily="49" charset="0"/>
+              </a:rPr>
+              <a:t> </a:t>
+            </a:r>
+            <a:r>
+              <a:rPr lang="da-DK" sz="1400" dirty="0" err="1">
+                <a:solidFill>
+                  <a:srgbClr val="008000"/>
+                </a:solidFill>
+                <a:latin typeface="Cascadia Mono" panose="020B0609020000020004" pitchFamily="49" charset="0"/>
+              </a:rPr>
+              <a:t>level</a:t>
+            </a:r>
+            <a:r>
+              <a:rPr lang="da-DK" sz="1400" dirty="0">
+                <a:solidFill>
+                  <a:srgbClr val="008000"/>
+                </a:solidFill>
+                <a:latin typeface="Cascadia Mono" panose="020B0609020000020004" pitchFamily="49" charset="0"/>
+              </a:rPr>
+              <a:t> of </a:t>
+            </a:r>
+            <a:r>
+              <a:rPr lang="da-DK" sz="1400" dirty="0" err="1">
+                <a:solidFill>
+                  <a:srgbClr val="008000"/>
+                </a:solidFill>
+                <a:latin typeface="Cascadia Mono" panose="020B0609020000020004" pitchFamily="49" charset="0"/>
+              </a:rPr>
+              <a:t>object</a:t>
+            </a:r>
+            <a:r>
+              <a:rPr lang="da-DK" sz="1400" dirty="0">
+                <a:solidFill>
+                  <a:srgbClr val="008000"/>
+                </a:solidFill>
+                <a:latin typeface="Cascadia Mono" panose="020B0609020000020004" pitchFamily="49" charset="0"/>
+              </a:rPr>
+              <a:t> reference resolution</a:t>
+            </a:r>
+            <a:endParaRPr lang="da-DK" sz="1400" dirty="0">
+              <a:solidFill>
+                <a:srgbClr val="000000"/>
+              </a:solidFill>
+              <a:latin typeface="Cascadia Mono" panose="020B0609020000020004" pitchFamily="49" charset="0"/>
+            </a:endParaRPr>
+          </a:p>
+          <a:p>
+            <a:r>
+              <a:rPr lang="da-DK" sz="1400" dirty="0">
+                <a:solidFill>
+                  <a:srgbClr val="2B91AF"/>
+                </a:solidFill>
+                <a:latin typeface="Cascadia Mono" panose="020B0609020000020004" pitchFamily="49" charset="0"/>
+              </a:rPr>
+              <a:t>List</a:t>
+            </a:r>
+            <a:r>
+              <a:rPr lang="da-DK" sz="1400" dirty="0">
+                <a:solidFill>
+                  <a:srgbClr val="000000"/>
+                </a:solidFill>
+                <a:latin typeface="Cascadia Mono" panose="020B0609020000020004" pitchFamily="49" charset="0"/>
+              </a:rPr>
+              <a:t>&lt;</a:t>
+            </a:r>
+            <a:r>
+              <a:rPr lang="da-DK" sz="1400" dirty="0">
+                <a:solidFill>
+                  <a:srgbClr val="2B91AF"/>
+                </a:solidFill>
+                <a:latin typeface="Cascadia Mono" panose="020B0609020000020004" pitchFamily="49" charset="0"/>
+              </a:rPr>
+              <a:t>Cocktail</a:t>
+            </a:r>
+            <a:r>
+              <a:rPr lang="da-DK" sz="1400" dirty="0">
+                <a:solidFill>
+                  <a:srgbClr val="000000"/>
+                </a:solidFill>
+                <a:latin typeface="Cascadia Mono" panose="020B0609020000020004" pitchFamily="49" charset="0"/>
+              </a:rPr>
+              <a:t>&gt; </a:t>
+            </a:r>
+            <a:r>
+              <a:rPr lang="da-DK" sz="1400" dirty="0" err="1">
+                <a:solidFill>
+                  <a:srgbClr val="000000"/>
+                </a:solidFill>
+                <a:latin typeface="Cascadia Mono" panose="020B0609020000020004" pitchFamily="49" charset="0"/>
+              </a:rPr>
+              <a:t>allCocktails</a:t>
+            </a:r>
+            <a:r>
+              <a:rPr lang="da-DK" sz="1400" dirty="0">
+                <a:solidFill>
+                  <a:srgbClr val="000000"/>
+                </a:solidFill>
+                <a:latin typeface="Cascadia Mono" panose="020B0609020000020004" pitchFamily="49" charset="0"/>
+              </a:rPr>
+              <a:t> = </a:t>
+            </a:r>
+            <a:r>
+              <a:rPr lang="da-DK" sz="1400" dirty="0" err="1">
+                <a:solidFill>
+                  <a:srgbClr val="000000"/>
+                </a:solidFill>
+                <a:latin typeface="Cascadia Mono" panose="020B0609020000020004" pitchFamily="49" charset="0"/>
+              </a:rPr>
+              <a:t>context.Set</a:t>
+            </a:r>
+            <a:r>
+              <a:rPr lang="da-DK" sz="1400" dirty="0">
+                <a:solidFill>
+                  <a:srgbClr val="000000"/>
+                </a:solidFill>
+                <a:latin typeface="Cascadia Mono" panose="020B0609020000020004" pitchFamily="49" charset="0"/>
+              </a:rPr>
+              <a:t>&lt;</a:t>
+            </a:r>
+            <a:r>
+              <a:rPr lang="da-DK" sz="1400" dirty="0">
+                <a:solidFill>
+                  <a:srgbClr val="2B91AF"/>
+                </a:solidFill>
+                <a:latin typeface="Cascadia Mono" panose="020B0609020000020004" pitchFamily="49" charset="0"/>
+              </a:rPr>
+              <a:t>Cocktail</a:t>
+            </a:r>
+            <a:r>
+              <a:rPr lang="da-DK" sz="1400" dirty="0">
+                <a:solidFill>
+                  <a:srgbClr val="000000"/>
+                </a:solidFill>
+                <a:latin typeface="Cascadia Mono" panose="020B0609020000020004" pitchFamily="49" charset="0"/>
+              </a:rPr>
+              <a:t>&gt;()</a:t>
+            </a:r>
+          </a:p>
+          <a:p>
+            <a:r>
+              <a:rPr lang="da-DK" sz="1400" dirty="0">
+                <a:solidFill>
+                  <a:srgbClr val="000000"/>
+                </a:solidFill>
+                <a:latin typeface="Cascadia Mono" panose="020B0609020000020004" pitchFamily="49" charset="0"/>
+              </a:rPr>
+              <a:t>    </a:t>
+            </a:r>
+            <a:r>
+              <a:rPr lang="da-DK" sz="1400" dirty="0">
+                <a:solidFill>
+                  <a:srgbClr val="000000"/>
+                </a:solidFill>
+                <a:highlight>
+                  <a:srgbClr val="FFFF00"/>
+                </a:highlight>
+                <a:latin typeface="Cascadia Mono" panose="020B0609020000020004" pitchFamily="49" charset="0"/>
+              </a:rPr>
+              <a:t>.</a:t>
+            </a:r>
+            <a:r>
+              <a:rPr lang="da-DK" sz="1400" dirty="0" err="1">
+                <a:solidFill>
+                  <a:srgbClr val="000000"/>
+                </a:solidFill>
+                <a:highlight>
+                  <a:srgbClr val="FFFF00"/>
+                </a:highlight>
+                <a:latin typeface="Cascadia Mono" panose="020B0609020000020004" pitchFamily="49" charset="0"/>
+              </a:rPr>
+              <a:t>Include</a:t>
+            </a:r>
+            <a:r>
+              <a:rPr lang="da-DK" sz="1400" dirty="0">
+                <a:solidFill>
+                  <a:srgbClr val="000000"/>
+                </a:solidFill>
+                <a:highlight>
+                  <a:srgbClr val="FFFF00"/>
+                </a:highlight>
+                <a:latin typeface="Cascadia Mono" panose="020B0609020000020004" pitchFamily="49" charset="0"/>
+              </a:rPr>
+              <a:t>(c =&gt; </a:t>
+            </a:r>
+            <a:r>
+              <a:rPr lang="da-DK" sz="1400" dirty="0" err="1">
+                <a:solidFill>
+                  <a:srgbClr val="000000"/>
+                </a:solidFill>
+                <a:highlight>
+                  <a:srgbClr val="FFFF00"/>
+                </a:highlight>
+                <a:latin typeface="Cascadia Mono" panose="020B0609020000020004" pitchFamily="49" charset="0"/>
+              </a:rPr>
+              <a:t>c.CocktailIngredients</a:t>
+            </a:r>
+            <a:r>
+              <a:rPr lang="da-DK" sz="1400" dirty="0">
+                <a:solidFill>
+                  <a:srgbClr val="000000"/>
+                </a:solidFill>
+                <a:highlight>
+                  <a:srgbClr val="FFFF00"/>
+                </a:highlight>
+                <a:latin typeface="Cascadia Mono" panose="020B0609020000020004" pitchFamily="49" charset="0"/>
+              </a:rPr>
+              <a:t>)</a:t>
+            </a:r>
+          </a:p>
+          <a:p>
+            <a:r>
+              <a:rPr lang="da-DK" sz="1400" dirty="0">
+                <a:solidFill>
+                  <a:srgbClr val="000000"/>
+                </a:solidFill>
+                <a:latin typeface="Cascadia Mono" panose="020B0609020000020004" pitchFamily="49" charset="0"/>
+              </a:rPr>
+              <a:t>        </a:t>
+            </a:r>
+            <a:r>
+              <a:rPr lang="da-DK" sz="1400" dirty="0">
+                <a:solidFill>
+                  <a:srgbClr val="000000"/>
+                </a:solidFill>
+                <a:highlight>
+                  <a:srgbClr val="FFFF00"/>
+                </a:highlight>
+                <a:latin typeface="Cascadia Mono" panose="020B0609020000020004" pitchFamily="49" charset="0"/>
+              </a:rPr>
+              <a:t>.ThenInclude(ci =&gt; </a:t>
+            </a:r>
+            <a:r>
+              <a:rPr lang="da-DK" sz="1400" dirty="0" err="1">
+                <a:solidFill>
+                  <a:srgbClr val="000000"/>
+                </a:solidFill>
+                <a:highlight>
+                  <a:srgbClr val="FFFF00"/>
+                </a:highlight>
+                <a:latin typeface="Cascadia Mono" panose="020B0609020000020004" pitchFamily="49" charset="0"/>
+              </a:rPr>
+              <a:t>ci.Ingredient</a:t>
+            </a:r>
+            <a:r>
+              <a:rPr lang="da-DK" sz="1400" dirty="0">
+                <a:solidFill>
+                  <a:srgbClr val="000000"/>
+                </a:solidFill>
+                <a:highlight>
+                  <a:srgbClr val="FFFF00"/>
+                </a:highlight>
+                <a:latin typeface="Cascadia Mono" panose="020B0609020000020004" pitchFamily="49" charset="0"/>
+              </a:rPr>
+              <a:t>)</a:t>
+            </a:r>
+            <a:r>
+              <a:rPr lang="da-DK" sz="1400" dirty="0">
+                <a:solidFill>
+                  <a:srgbClr val="000000"/>
+                </a:solidFill>
+                <a:latin typeface="Cascadia Mono" panose="020B0609020000020004" pitchFamily="49" charset="0"/>
+              </a:rPr>
+              <a:t>;</a:t>
+            </a:r>
+          </a:p>
+        </p:txBody>
+      </p:sp>
+    </p:spTree>
+    <p:extLst>
+      <p:ext uri="{BB962C8B-B14F-4D97-AF65-F5344CB8AC3E}">
+        <p14:creationId xmlns:p14="http://schemas.microsoft.com/office/powerpoint/2010/main" val="689252518"/>
+      </p:ext>
+    </p:extLst>
+  </p:cSld>
+  <p:clrMapOvr>
+    <a:masterClrMapping/>
+  </p:clrMapOvr>
+</p:sld>
+</file>
+
+<file path=ppt/slides/slide32.xml><?xml version="1.0" encoding="utf-8"?>
+<p:sld xmlns:a="http://schemas.openxmlformats.org/drawingml/2006/main" xmlns:r="http://schemas.openxmlformats.org/officeDocument/2006/relationships" xmlns:p="http://schemas.openxmlformats.org/presentationml/2006/main">
+  <p:cSld>
+    <p:spTree>
+      <p:nvGrpSpPr>
+        <p:cNvPr id="1" name=""/>
+        <p:cNvGrpSpPr/>
+        <p:nvPr/>
+      </p:nvGrpSpPr>
+      <p:grpSpPr>
+        <a:xfrm>
+          <a:off x="0" y="0"/>
+          <a:ext cx="0" cy="0"/>
+          <a:chOff x="0" y="0"/>
+          <a:chExt cx="0" cy="0"/>
+        </a:xfrm>
+      </p:grpSpPr>
+      <p:sp>
+        <p:nvSpPr>
+          <p:cNvPr id="2" name="Titel 1">
+            <a:extLst>
+              <a:ext uri="{FF2B5EF4-FFF2-40B4-BE49-F238E27FC236}">
                 <a16:creationId xmlns:a16="http://schemas.microsoft.com/office/drawing/2014/main" id="{00D1B4E2-2F3C-78C0-AABC-AA4397D96132}"/>
               </a:ext>
             </a:extLst>
@@ -16279,7 +17287,7 @@
 </p:sld>
 </file>
 
-<file path=ppt/slides/slide31.xml><?xml version="1.0" encoding="utf-8"?>
+<file path=ppt/slides/slide33.xml><?xml version="1.0" encoding="utf-8"?>
 <p:sld xmlns:a="http://schemas.openxmlformats.org/drawingml/2006/main" xmlns:r="http://schemas.openxmlformats.org/officeDocument/2006/relationships" xmlns:p="http://schemas.openxmlformats.org/presentationml/2006/main">
   <p:cSld>
     <p:spTree>
@@ -16573,7 +17581,7 @@
 </p:sld>
 </file>
 
-<file path=ppt/slides/slide32.xml><?xml version="1.0" encoding="utf-8"?>
+<file path=ppt/slides/slide34.xml><?xml version="1.0" encoding="utf-8"?>
 <p:sld xmlns:a="http://schemas.openxmlformats.org/drawingml/2006/main" xmlns:r="http://schemas.openxmlformats.org/officeDocument/2006/relationships" xmlns:p="http://schemas.openxmlformats.org/presentationml/2006/main">
   <p:cSld>
     <p:spTree>
@@ -16753,7 +17761,7 @@
 </p:sld>
 </file>
 
-<file path=ppt/slides/slide33.xml><?xml version="1.0" encoding="utf-8"?>
+<file path=ppt/slides/slide35.xml><?xml version="1.0" encoding="utf-8"?>
 <p:sld xmlns:a="http://schemas.openxmlformats.org/drawingml/2006/main" xmlns:r="http://schemas.openxmlformats.org/officeDocument/2006/relationships" xmlns:p="http://schemas.openxmlformats.org/presentationml/2006/main">
   <p:cSld>
     <p:spTree>
@@ -16916,7 +17924,7 @@
 </p:sld>
 </file>
 
-<file path=ppt/slides/slide34.xml><?xml version="1.0" encoding="utf-8"?>
+<file path=ppt/slides/slide36.xml><?xml version="1.0" encoding="utf-8"?>
 <p:sld xmlns:a="http://schemas.openxmlformats.org/drawingml/2006/main" xmlns:r="http://schemas.openxmlformats.org/officeDocument/2006/relationships" xmlns:p="http://schemas.openxmlformats.org/presentationml/2006/main">
   <p:cSld>
     <p:spTree>
@@ -17302,7 +18310,7 @@
 </p:sld>
 </file>
 
-<file path=ppt/slides/slide35.xml><?xml version="1.0" encoding="utf-8"?>
+<file path=ppt/slides/slide37.xml><?xml version="1.0" encoding="utf-8"?>
 <p:sld xmlns:a="http://schemas.openxmlformats.org/drawingml/2006/main" xmlns:r="http://schemas.openxmlformats.org/officeDocument/2006/relationships" xmlns:p="http://schemas.openxmlformats.org/presentationml/2006/main">
   <p:cSld>
     <p:spTree>
@@ -17665,7 +18673,7 @@
 </p:sld>
 </file>
 
-<file path=ppt/slides/slide36.xml><?xml version="1.0" encoding="utf-8"?>
+<file path=ppt/slides/slide38.xml><?xml version="1.0" encoding="utf-8"?>
 <p:sld xmlns:a="http://schemas.openxmlformats.org/drawingml/2006/main" xmlns:r="http://schemas.openxmlformats.org/officeDocument/2006/relationships" xmlns:p="http://schemas.openxmlformats.org/presentationml/2006/main">
   <p:cSld>
     <p:spTree>
